--- a/01 - Documents and Preparation/Solving Deadlock Scenarios - EN.pptx
+++ b/01 - Documents and Preparation/Solving Deadlock Scenarios - EN.pptx
@@ -5,7 +5,7 @@
     <p:sldMasterId id="2147483660" r:id="rId1"/>
   </p:sldMasterIdLst>
   <p:notesMasterIdLst>
-    <p:notesMasterId r:id="rId26"/>
+    <p:notesMasterId r:id="rId28"/>
   </p:notesMasterIdLst>
   <p:sldIdLst>
     <p:sldId id="256" r:id="rId2"/>
@@ -31,7 +31,9 @@
     <p:sldId id="408" r:id="rId22"/>
     <p:sldId id="406" r:id="rId23"/>
     <p:sldId id="407" r:id="rId24"/>
-    <p:sldId id="402" r:id="rId25"/>
+    <p:sldId id="423" r:id="rId25"/>
+    <p:sldId id="424" r:id="rId26"/>
+    <p:sldId id="402" r:id="rId27"/>
   </p:sldIdLst>
   <p:sldSz cx="12192000" cy="6858000"/>
   <p:notesSz cx="6858000" cy="9144000"/>
@@ -157,13 +159,82 @@
 <file path=ppt/revisionInfo.xml><?xml version="1.0" encoding="utf-8"?>
 <p1510:revInfo xmlns:a="http://schemas.openxmlformats.org/drawingml/2006/main" xmlns:r="http://schemas.openxmlformats.org/officeDocument/2006/relationships" xmlns:p1510="http://schemas.microsoft.com/office/powerpoint/2015/10/main">
   <p1510:revLst>
-    <p1510:client id="{05F991DB-F590-45B3-B343-DF3BA6243F91}" v="562" dt="2025-01-30T14:48:07.363"/>
+    <p1510:client id="{49285B68-C998-4E8C-918A-E8D988C1471A}" v="2" dt="2025-02-04T16:39:47.413"/>
   </p1510:revLst>
 </p1510:revInfo>
 </file>
 
 <file path=ppt/changesInfos/changesInfo1.xml><?xml version="1.0" encoding="utf-8"?>
 <pc:chgInfo xmlns:a="http://schemas.openxmlformats.org/drawingml/2006/main" xmlns:r="http://schemas.openxmlformats.org/officeDocument/2006/relationships" xmlns:ac="http://schemas.microsoft.com/office/drawing/2013/main/command" xmlns:pc="http://schemas.microsoft.com/office/powerpoint/2013/main/command">
+  <pc:docChgLst>
+    <pc:chgData name="Uwe Ricken" userId="f02567aecbed924b" providerId="LiveId" clId="{49285B68-C998-4E8C-918A-E8D988C1471A}"/>
+    <pc:docChg chg="custSel addSld modSld">
+      <pc:chgData name="Uwe Ricken" userId="f02567aecbed924b" providerId="LiveId" clId="{49285B68-C998-4E8C-918A-E8D988C1471A}" dt="2025-02-04T18:51:15.444" v="22" actId="478"/>
+      <pc:docMkLst>
+        <pc:docMk/>
+      </pc:docMkLst>
+      <pc:sldChg chg="mod modShow">
+        <pc:chgData name="Uwe Ricken" userId="f02567aecbed924b" providerId="LiveId" clId="{49285B68-C998-4E8C-918A-E8D988C1471A}" dt="2025-02-04T16:40:03.265" v="20" actId="729"/>
+        <pc:sldMkLst>
+          <pc:docMk/>
+          <pc:sldMk cId="3711842215" sldId="402"/>
+        </pc:sldMkLst>
+      </pc:sldChg>
+      <pc:sldChg chg="addSp delSp mod">
+        <pc:chgData name="Uwe Ricken" userId="f02567aecbed924b" providerId="LiveId" clId="{49285B68-C998-4E8C-918A-E8D988C1471A}" dt="2025-02-04T18:51:15.444" v="22" actId="478"/>
+        <pc:sldMkLst>
+          <pc:docMk/>
+          <pc:sldMk cId="512612056" sldId="407"/>
+        </pc:sldMkLst>
+        <pc:spChg chg="add del">
+          <ac:chgData name="Uwe Ricken" userId="f02567aecbed924b" providerId="LiveId" clId="{49285B68-C998-4E8C-918A-E8D988C1471A}" dt="2025-02-04T18:51:15.444" v="22" actId="478"/>
+          <ac:spMkLst>
+            <pc:docMk/>
+            <pc:sldMk cId="512612056" sldId="407"/>
+            <ac:spMk id="4" creationId="{A651C06F-375F-7C72-C369-879884E6796D}"/>
+          </ac:spMkLst>
+        </pc:spChg>
+        <pc:spChg chg="add del">
+          <ac:chgData name="Uwe Ricken" userId="f02567aecbed924b" providerId="LiveId" clId="{49285B68-C998-4E8C-918A-E8D988C1471A}" dt="2025-02-04T18:51:08.942" v="21" actId="478"/>
+          <ac:spMkLst>
+            <pc:docMk/>
+            <pc:sldMk cId="512612056" sldId="407"/>
+            <ac:spMk id="7" creationId="{42EA01DB-0E6F-C099-8CC4-EE20C80A5EC8}"/>
+          </ac:spMkLst>
+        </pc:spChg>
+      </pc:sldChg>
+      <pc:sldChg chg="modSp add mod">
+        <pc:chgData name="Uwe Ricken" userId="f02567aecbed924b" providerId="LiveId" clId="{49285B68-C998-4E8C-918A-E8D988C1471A}" dt="2025-02-04T16:07:10.113" v="13" actId="20577"/>
+        <pc:sldMkLst>
+          <pc:docMk/>
+          <pc:sldMk cId="3599433480" sldId="423"/>
+        </pc:sldMkLst>
+        <pc:spChg chg="mod">
+          <ac:chgData name="Uwe Ricken" userId="f02567aecbed924b" providerId="LiveId" clId="{49285B68-C998-4E8C-918A-E8D988C1471A}" dt="2025-02-04T16:07:10.113" v="13" actId="20577"/>
+          <ac:spMkLst>
+            <pc:docMk/>
+            <pc:sldMk cId="3599433480" sldId="423"/>
+            <ac:spMk id="6" creationId="{8668E183-D5F2-A8B2-64E9-68CD09B5BE12}"/>
+          </ac:spMkLst>
+        </pc:spChg>
+      </pc:sldChg>
+      <pc:sldChg chg="modSp add mod">
+        <pc:chgData name="Uwe Ricken" userId="f02567aecbed924b" providerId="LiveId" clId="{49285B68-C998-4E8C-918A-E8D988C1471A}" dt="2025-02-04T16:39:55.313" v="19" actId="20577"/>
+        <pc:sldMkLst>
+          <pc:docMk/>
+          <pc:sldMk cId="4171190376" sldId="424"/>
+        </pc:sldMkLst>
+        <pc:spChg chg="mod">
+          <ac:chgData name="Uwe Ricken" userId="f02567aecbed924b" providerId="LiveId" clId="{49285B68-C998-4E8C-918A-E8D988C1471A}" dt="2025-02-04T16:39:55.313" v="19" actId="20577"/>
+          <ac:spMkLst>
+            <pc:docMk/>
+            <pc:sldMk cId="4171190376" sldId="424"/>
+            <ac:spMk id="6" creationId="{8668E183-D5F2-A8B2-64E9-68CD09B5BE12}"/>
+          </ac:spMkLst>
+        </pc:spChg>
+      </pc:sldChg>
+    </pc:docChg>
+  </pc:docChgLst>
   <pc:docChgLst>
     <pc:chgData name="Uwe Ricken" userId="f02567aecbed924b" providerId="LiveId" clId="{05F991DB-F590-45B3-B343-DF3BA6243F91}"/>
     <pc:docChg chg="undo custSel addSld delSld modSld sldOrd">
@@ -1317,7 +1388,7 @@
           <a:p>
             <a:fld id="{3C419B01-702D-4879-AE3A-0F34CD7B4394}" type="datetimeFigureOut">
               <a:rPr lang="en-US" smtClean="0"/>
-              <a:t>1/30/2025</a:t>
+              <a:t>2/4/2025</a:t>
             </a:fld>
             <a:endParaRPr lang="en-US"/>
           </a:p>
@@ -18580,6 +18651,504 @@
   <p:cSld>
     <p:spTree>
       <p:nvGrpSpPr>
+        <p:cNvPr id="1" name="">
+          <a:extLst>
+            <a:ext uri="{FF2B5EF4-FFF2-40B4-BE49-F238E27FC236}">
+              <a16:creationId xmlns:a16="http://schemas.microsoft.com/office/drawing/2014/main" id="{DC16B9C2-0D65-2EA7-F655-F137CFAB0BFC}"/>
+            </a:ext>
+          </a:extLst>
+        </p:cNvPr>
+        <p:cNvGrpSpPr/>
+        <p:nvPr/>
+      </p:nvGrpSpPr>
+      <p:grpSpPr>
+        <a:xfrm>
+          <a:off x="0" y="0"/>
+          <a:ext cx="0" cy="0"/>
+          <a:chOff x="0" y="0"/>
+          <a:chExt cx="0" cy="0"/>
+        </a:xfrm>
+      </p:grpSpPr>
+      <p:sp>
+        <p:nvSpPr>
+          <p:cNvPr id="6" name="Titel 5">
+            <a:extLst>
+              <a:ext uri="{FF2B5EF4-FFF2-40B4-BE49-F238E27FC236}">
+                <a16:creationId xmlns:a16="http://schemas.microsoft.com/office/drawing/2014/main" id="{8668E183-D5F2-A8B2-64E9-68CD09B5BE12}"/>
+              </a:ext>
+            </a:extLst>
+          </p:cNvPr>
+          <p:cNvSpPr>
+            <a:spLocks noGrp="1"/>
+          </p:cNvSpPr>
+          <p:nvPr>
+            <p:ph type="title"/>
+          </p:nvPr>
+        </p:nvSpPr>
+        <p:spPr/>
+        <p:txBody>
+          <a:bodyPr/>
+          <a:lstStyle/>
+          <a:p>
+            <a:r>
+              <a:rPr lang="en-US" dirty="0"/>
+              <a:t>Foreign Key Deadlock</a:t>
+            </a:r>
+          </a:p>
+        </p:txBody>
+      </p:sp>
+      <p:pic>
+        <p:nvPicPr>
+          <p:cNvPr id="3" name="Grafik 2">
+            <a:extLst>
+              <a:ext uri="{FF2B5EF4-FFF2-40B4-BE49-F238E27FC236}">
+                <a16:creationId xmlns:a16="http://schemas.microsoft.com/office/drawing/2014/main" id="{1936AAD6-F94C-076B-D190-7BD3B6ECAA33}"/>
+              </a:ext>
+            </a:extLst>
+          </p:cNvPr>
+          <p:cNvPicPr>
+            <a:picLocks noChangeAspect="1"/>
+          </p:cNvPicPr>
+          <p:nvPr/>
+        </p:nvPicPr>
+        <p:blipFill>
+          <a:blip r:embed="rId2"/>
+          <a:stretch>
+            <a:fillRect/>
+          </a:stretch>
+        </p:blipFill>
+        <p:spPr>
+          <a:xfrm>
+            <a:off x="3863181" y="1700213"/>
+            <a:ext cx="4465637" cy="4465637"/>
+          </a:xfrm>
+          <a:prstGeom prst="rect">
+            <a:avLst/>
+          </a:prstGeom>
+        </p:spPr>
+      </p:pic>
+    </p:spTree>
+    <p:extLst>
+      <p:ext uri="{BB962C8B-B14F-4D97-AF65-F5344CB8AC3E}">
+        <p14:creationId xmlns:p14="http://schemas.microsoft.com/office/powerpoint/2010/main" val="3599433480"/>
+      </p:ext>
+    </p:extLst>
+  </p:cSld>
+  <p:clrMapOvr>
+    <a:masterClrMapping/>
+  </p:clrMapOvr>
+  <p:timing>
+    <p:tnLst>
+      <p:par>
+        <p:cTn id="1" dur="indefinite" restart="never" nodeType="tmRoot">
+          <p:childTnLst>
+            <p:seq concurrent="1" nextAc="seek">
+              <p:cTn id="2" dur="indefinite" nodeType="mainSeq">
+                <p:childTnLst>
+                  <p:par>
+                    <p:cTn id="3" fill="hold">
+                      <p:stCondLst>
+                        <p:cond delay="indefinite"/>
+                        <p:cond evt="onBegin" delay="0">
+                          <p:tn val="2"/>
+                        </p:cond>
+                      </p:stCondLst>
+                      <p:childTnLst>
+                        <p:par>
+                          <p:cTn id="4" fill="hold">
+                            <p:stCondLst>
+                              <p:cond delay="0"/>
+                            </p:stCondLst>
+                            <p:childTnLst>
+                              <p:par>
+                                <p:cTn id="5" presetID="31" presetClass="entr" presetSubtype="0" fill="hold" nodeType="withEffect">
+                                  <p:stCondLst>
+                                    <p:cond delay="0"/>
+                                  </p:stCondLst>
+                                  <p:childTnLst>
+                                    <p:set>
+                                      <p:cBhvr>
+                                        <p:cTn id="6" dur="1" fill="hold">
+                                          <p:stCondLst>
+                                            <p:cond delay="0"/>
+                                          </p:stCondLst>
+                                        </p:cTn>
+                                        <p:tgtEl>
+                                          <p:spTgt spid="3"/>
+                                        </p:tgtEl>
+                                        <p:attrNameLst>
+                                          <p:attrName>style.visibility</p:attrName>
+                                        </p:attrNameLst>
+                                      </p:cBhvr>
+                                      <p:to>
+                                        <p:strVal val="visible"/>
+                                      </p:to>
+                                    </p:set>
+                                    <p:anim calcmode="lin" valueType="num">
+                                      <p:cBhvr>
+                                        <p:cTn id="7" dur="1000" fill="hold"/>
+                                        <p:tgtEl>
+                                          <p:spTgt spid="3"/>
+                                        </p:tgtEl>
+                                        <p:attrNameLst>
+                                          <p:attrName>ppt_w</p:attrName>
+                                        </p:attrNameLst>
+                                      </p:cBhvr>
+                                      <p:tavLst>
+                                        <p:tav tm="0">
+                                          <p:val>
+                                            <p:fltVal val="0"/>
+                                          </p:val>
+                                        </p:tav>
+                                        <p:tav tm="100000">
+                                          <p:val>
+                                            <p:strVal val="#ppt_w"/>
+                                          </p:val>
+                                        </p:tav>
+                                      </p:tavLst>
+                                    </p:anim>
+                                    <p:anim calcmode="lin" valueType="num">
+                                      <p:cBhvr>
+                                        <p:cTn id="8" dur="1000" fill="hold"/>
+                                        <p:tgtEl>
+                                          <p:spTgt spid="3"/>
+                                        </p:tgtEl>
+                                        <p:attrNameLst>
+                                          <p:attrName>ppt_h</p:attrName>
+                                        </p:attrNameLst>
+                                      </p:cBhvr>
+                                      <p:tavLst>
+                                        <p:tav tm="0">
+                                          <p:val>
+                                            <p:fltVal val="0"/>
+                                          </p:val>
+                                        </p:tav>
+                                        <p:tav tm="100000">
+                                          <p:val>
+                                            <p:strVal val="#ppt_h"/>
+                                          </p:val>
+                                        </p:tav>
+                                      </p:tavLst>
+                                    </p:anim>
+                                    <p:anim calcmode="lin" valueType="num">
+                                      <p:cBhvr>
+                                        <p:cTn id="9" dur="1000" fill="hold"/>
+                                        <p:tgtEl>
+                                          <p:spTgt spid="3"/>
+                                        </p:tgtEl>
+                                        <p:attrNameLst>
+                                          <p:attrName>style.rotation</p:attrName>
+                                        </p:attrNameLst>
+                                      </p:cBhvr>
+                                      <p:tavLst>
+                                        <p:tav tm="0">
+                                          <p:val>
+                                            <p:fltVal val="90"/>
+                                          </p:val>
+                                        </p:tav>
+                                        <p:tav tm="100000">
+                                          <p:val>
+                                            <p:fltVal val="0"/>
+                                          </p:val>
+                                        </p:tav>
+                                      </p:tavLst>
+                                    </p:anim>
+                                    <p:animEffect transition="in" filter="fade">
+                                      <p:cBhvr>
+                                        <p:cTn id="10" dur="1000"/>
+                                        <p:tgtEl>
+                                          <p:spTgt spid="3"/>
+                                        </p:tgtEl>
+                                      </p:cBhvr>
+                                    </p:animEffect>
+                                  </p:childTnLst>
+                                </p:cTn>
+                              </p:par>
+                            </p:childTnLst>
+                          </p:cTn>
+                        </p:par>
+                      </p:childTnLst>
+                    </p:cTn>
+                  </p:par>
+                </p:childTnLst>
+              </p:cTn>
+              <p:prevCondLst>
+                <p:cond evt="onPrev" delay="0">
+                  <p:tgtEl>
+                    <p:sldTgt/>
+                  </p:tgtEl>
+                </p:cond>
+              </p:prevCondLst>
+              <p:nextCondLst>
+                <p:cond evt="onNext" delay="0">
+                  <p:tgtEl>
+                    <p:sldTgt/>
+                  </p:tgtEl>
+                </p:cond>
+              </p:nextCondLst>
+            </p:seq>
+          </p:childTnLst>
+        </p:cTn>
+      </p:par>
+    </p:tnLst>
+  </p:timing>
+</p:sld>
+</file>
+
+<file path=ppt/slides/slide25.xml><?xml version="1.0" encoding="utf-8"?>
+<p:sld xmlns:a="http://schemas.openxmlformats.org/drawingml/2006/main" xmlns:r="http://schemas.openxmlformats.org/officeDocument/2006/relationships" xmlns:p="http://schemas.openxmlformats.org/presentationml/2006/main">
+  <p:cSld>
+    <p:spTree>
+      <p:nvGrpSpPr>
+        <p:cNvPr id="1" name="">
+          <a:extLst>
+            <a:ext uri="{FF2B5EF4-FFF2-40B4-BE49-F238E27FC236}">
+              <a16:creationId xmlns:a16="http://schemas.microsoft.com/office/drawing/2014/main" id="{DC16B9C2-0D65-2EA7-F655-F137CFAB0BFC}"/>
+            </a:ext>
+          </a:extLst>
+        </p:cNvPr>
+        <p:cNvGrpSpPr/>
+        <p:nvPr/>
+      </p:nvGrpSpPr>
+      <p:grpSpPr>
+        <a:xfrm>
+          <a:off x="0" y="0"/>
+          <a:ext cx="0" cy="0"/>
+          <a:chOff x="0" y="0"/>
+          <a:chExt cx="0" cy="0"/>
+        </a:xfrm>
+      </p:grpSpPr>
+      <p:sp>
+        <p:nvSpPr>
+          <p:cNvPr id="6" name="Titel 5">
+            <a:extLst>
+              <a:ext uri="{FF2B5EF4-FFF2-40B4-BE49-F238E27FC236}">
+                <a16:creationId xmlns:a16="http://schemas.microsoft.com/office/drawing/2014/main" id="{8668E183-D5F2-A8B2-64E9-68CD09B5BE12}"/>
+              </a:ext>
+            </a:extLst>
+          </p:cNvPr>
+          <p:cNvSpPr>
+            <a:spLocks noGrp="1"/>
+          </p:cNvSpPr>
+          <p:nvPr>
+            <p:ph type="title"/>
+          </p:nvPr>
+        </p:nvSpPr>
+        <p:spPr/>
+        <p:txBody>
+          <a:bodyPr/>
+          <a:lstStyle/>
+          <a:p>
+            <a:r>
+              <a:rPr lang="en-US" dirty="0"/>
+              <a:t>Index Key Deadlock</a:t>
+            </a:r>
+          </a:p>
+        </p:txBody>
+      </p:sp>
+      <p:pic>
+        <p:nvPicPr>
+          <p:cNvPr id="3" name="Grafik 2">
+            <a:extLst>
+              <a:ext uri="{FF2B5EF4-FFF2-40B4-BE49-F238E27FC236}">
+                <a16:creationId xmlns:a16="http://schemas.microsoft.com/office/drawing/2014/main" id="{1936AAD6-F94C-076B-D190-7BD3B6ECAA33}"/>
+              </a:ext>
+            </a:extLst>
+          </p:cNvPr>
+          <p:cNvPicPr>
+            <a:picLocks noChangeAspect="1"/>
+          </p:cNvPicPr>
+          <p:nvPr/>
+        </p:nvPicPr>
+        <p:blipFill>
+          <a:blip r:embed="rId2"/>
+          <a:stretch>
+            <a:fillRect/>
+          </a:stretch>
+        </p:blipFill>
+        <p:spPr>
+          <a:xfrm>
+            <a:off x="3863181" y="1700213"/>
+            <a:ext cx="4465637" cy="4465637"/>
+          </a:xfrm>
+          <a:prstGeom prst="rect">
+            <a:avLst/>
+          </a:prstGeom>
+        </p:spPr>
+      </p:pic>
+    </p:spTree>
+    <p:extLst>
+      <p:ext uri="{BB962C8B-B14F-4D97-AF65-F5344CB8AC3E}">
+        <p14:creationId xmlns:p14="http://schemas.microsoft.com/office/powerpoint/2010/main" val="4171190376"/>
+      </p:ext>
+    </p:extLst>
+  </p:cSld>
+  <p:clrMapOvr>
+    <a:masterClrMapping/>
+  </p:clrMapOvr>
+  <p:timing>
+    <p:tnLst>
+      <p:par>
+        <p:cTn id="1" dur="indefinite" restart="never" nodeType="tmRoot">
+          <p:childTnLst>
+            <p:seq concurrent="1" nextAc="seek">
+              <p:cTn id="2" dur="indefinite" nodeType="mainSeq">
+                <p:childTnLst>
+                  <p:par>
+                    <p:cTn id="3" fill="hold">
+                      <p:stCondLst>
+                        <p:cond delay="indefinite"/>
+                        <p:cond evt="onBegin" delay="0">
+                          <p:tn val="2"/>
+                        </p:cond>
+                      </p:stCondLst>
+                      <p:childTnLst>
+                        <p:par>
+                          <p:cTn id="4" fill="hold">
+                            <p:stCondLst>
+                              <p:cond delay="0"/>
+                            </p:stCondLst>
+                            <p:childTnLst>
+                              <p:par>
+                                <p:cTn id="5" presetID="31" presetClass="entr" presetSubtype="0" fill="hold" nodeType="withEffect">
+                                  <p:stCondLst>
+                                    <p:cond delay="0"/>
+                                  </p:stCondLst>
+                                  <p:childTnLst>
+                                    <p:set>
+                                      <p:cBhvr>
+                                        <p:cTn id="6" dur="1" fill="hold">
+                                          <p:stCondLst>
+                                            <p:cond delay="0"/>
+                                          </p:stCondLst>
+                                        </p:cTn>
+                                        <p:tgtEl>
+                                          <p:spTgt spid="3"/>
+                                        </p:tgtEl>
+                                        <p:attrNameLst>
+                                          <p:attrName>style.visibility</p:attrName>
+                                        </p:attrNameLst>
+                                      </p:cBhvr>
+                                      <p:to>
+                                        <p:strVal val="visible"/>
+                                      </p:to>
+                                    </p:set>
+                                    <p:anim calcmode="lin" valueType="num">
+                                      <p:cBhvr>
+                                        <p:cTn id="7" dur="1000" fill="hold"/>
+                                        <p:tgtEl>
+                                          <p:spTgt spid="3"/>
+                                        </p:tgtEl>
+                                        <p:attrNameLst>
+                                          <p:attrName>ppt_w</p:attrName>
+                                        </p:attrNameLst>
+                                      </p:cBhvr>
+                                      <p:tavLst>
+                                        <p:tav tm="0">
+                                          <p:val>
+                                            <p:fltVal val="0"/>
+                                          </p:val>
+                                        </p:tav>
+                                        <p:tav tm="100000">
+                                          <p:val>
+                                            <p:strVal val="#ppt_w"/>
+                                          </p:val>
+                                        </p:tav>
+                                      </p:tavLst>
+                                    </p:anim>
+                                    <p:anim calcmode="lin" valueType="num">
+                                      <p:cBhvr>
+                                        <p:cTn id="8" dur="1000" fill="hold"/>
+                                        <p:tgtEl>
+                                          <p:spTgt spid="3"/>
+                                        </p:tgtEl>
+                                        <p:attrNameLst>
+                                          <p:attrName>ppt_h</p:attrName>
+                                        </p:attrNameLst>
+                                      </p:cBhvr>
+                                      <p:tavLst>
+                                        <p:tav tm="0">
+                                          <p:val>
+                                            <p:fltVal val="0"/>
+                                          </p:val>
+                                        </p:tav>
+                                        <p:tav tm="100000">
+                                          <p:val>
+                                            <p:strVal val="#ppt_h"/>
+                                          </p:val>
+                                        </p:tav>
+                                      </p:tavLst>
+                                    </p:anim>
+                                    <p:anim calcmode="lin" valueType="num">
+                                      <p:cBhvr>
+                                        <p:cTn id="9" dur="1000" fill="hold"/>
+                                        <p:tgtEl>
+                                          <p:spTgt spid="3"/>
+                                        </p:tgtEl>
+                                        <p:attrNameLst>
+                                          <p:attrName>style.rotation</p:attrName>
+                                        </p:attrNameLst>
+                                      </p:cBhvr>
+                                      <p:tavLst>
+                                        <p:tav tm="0">
+                                          <p:val>
+                                            <p:fltVal val="90"/>
+                                          </p:val>
+                                        </p:tav>
+                                        <p:tav tm="100000">
+                                          <p:val>
+                                            <p:fltVal val="0"/>
+                                          </p:val>
+                                        </p:tav>
+                                      </p:tavLst>
+                                    </p:anim>
+                                    <p:animEffect transition="in" filter="fade">
+                                      <p:cBhvr>
+                                        <p:cTn id="10" dur="1000"/>
+                                        <p:tgtEl>
+                                          <p:spTgt spid="3"/>
+                                        </p:tgtEl>
+                                      </p:cBhvr>
+                                    </p:animEffect>
+                                  </p:childTnLst>
+                                </p:cTn>
+                              </p:par>
+                            </p:childTnLst>
+                          </p:cTn>
+                        </p:par>
+                      </p:childTnLst>
+                    </p:cTn>
+                  </p:par>
+                </p:childTnLst>
+              </p:cTn>
+              <p:prevCondLst>
+                <p:cond evt="onPrev" delay="0">
+                  <p:tgtEl>
+                    <p:sldTgt/>
+                  </p:tgtEl>
+                </p:cond>
+              </p:prevCondLst>
+              <p:nextCondLst>
+                <p:cond evt="onNext" delay="0">
+                  <p:tgtEl>
+                    <p:sldTgt/>
+                  </p:tgtEl>
+                </p:cond>
+              </p:nextCondLst>
+            </p:seq>
+          </p:childTnLst>
+        </p:cTn>
+      </p:par>
+    </p:tnLst>
+  </p:timing>
+</p:sld>
+</file>
+
+<file path=ppt/slides/slide26.xml><?xml version="1.0" encoding="utf-8"?>
+<p:sld xmlns:a="http://schemas.openxmlformats.org/drawingml/2006/main" xmlns:r="http://schemas.openxmlformats.org/officeDocument/2006/relationships" xmlns:p="http://schemas.openxmlformats.org/presentationml/2006/main" show="0">
+  <p:cSld>
+    <p:spTree>
+      <p:nvGrpSpPr>
         <p:cNvPr id="1" name=""/>
         <p:cNvGrpSpPr/>
         <p:nvPr/>

--- a/01 - Documents and Preparation/Solving Deadlock Scenarios - EN.pptx
+++ b/01 - Documents and Preparation/Solving Deadlock Scenarios - EN.pptx
@@ -5,7 +5,7 @@
     <p:sldMasterId id="2147483660" r:id="rId1"/>
   </p:sldMasterIdLst>
   <p:notesMasterIdLst>
-    <p:notesMasterId r:id="rId28"/>
+    <p:notesMasterId r:id="rId29"/>
   </p:notesMasterIdLst>
   <p:sldIdLst>
     <p:sldId id="256" r:id="rId2"/>
@@ -32,8 +32,9 @@
     <p:sldId id="406" r:id="rId23"/>
     <p:sldId id="407" r:id="rId24"/>
     <p:sldId id="423" r:id="rId25"/>
-    <p:sldId id="424" r:id="rId26"/>
-    <p:sldId id="402" r:id="rId27"/>
+    <p:sldId id="425" r:id="rId26"/>
+    <p:sldId id="424" r:id="rId27"/>
+    <p:sldId id="426" r:id="rId28"/>
   </p:sldIdLst>
   <p:sldSz cx="12192000" cy="6858000"/>
   <p:notesSz cx="6858000" cy="9144000"/>
@@ -166,75 +167,6 @@
 
 <file path=ppt/changesInfos/changesInfo1.xml><?xml version="1.0" encoding="utf-8"?>
 <pc:chgInfo xmlns:a="http://schemas.openxmlformats.org/drawingml/2006/main" xmlns:r="http://schemas.openxmlformats.org/officeDocument/2006/relationships" xmlns:ac="http://schemas.microsoft.com/office/drawing/2013/main/command" xmlns:pc="http://schemas.microsoft.com/office/powerpoint/2013/main/command">
-  <pc:docChgLst>
-    <pc:chgData name="Uwe Ricken" userId="f02567aecbed924b" providerId="LiveId" clId="{49285B68-C998-4E8C-918A-E8D988C1471A}"/>
-    <pc:docChg chg="custSel addSld modSld">
-      <pc:chgData name="Uwe Ricken" userId="f02567aecbed924b" providerId="LiveId" clId="{49285B68-C998-4E8C-918A-E8D988C1471A}" dt="2025-02-04T18:51:15.444" v="22" actId="478"/>
-      <pc:docMkLst>
-        <pc:docMk/>
-      </pc:docMkLst>
-      <pc:sldChg chg="mod modShow">
-        <pc:chgData name="Uwe Ricken" userId="f02567aecbed924b" providerId="LiveId" clId="{49285B68-C998-4E8C-918A-E8D988C1471A}" dt="2025-02-04T16:40:03.265" v="20" actId="729"/>
-        <pc:sldMkLst>
-          <pc:docMk/>
-          <pc:sldMk cId="3711842215" sldId="402"/>
-        </pc:sldMkLst>
-      </pc:sldChg>
-      <pc:sldChg chg="addSp delSp mod">
-        <pc:chgData name="Uwe Ricken" userId="f02567aecbed924b" providerId="LiveId" clId="{49285B68-C998-4E8C-918A-E8D988C1471A}" dt="2025-02-04T18:51:15.444" v="22" actId="478"/>
-        <pc:sldMkLst>
-          <pc:docMk/>
-          <pc:sldMk cId="512612056" sldId="407"/>
-        </pc:sldMkLst>
-        <pc:spChg chg="add del">
-          <ac:chgData name="Uwe Ricken" userId="f02567aecbed924b" providerId="LiveId" clId="{49285B68-C998-4E8C-918A-E8D988C1471A}" dt="2025-02-04T18:51:15.444" v="22" actId="478"/>
-          <ac:spMkLst>
-            <pc:docMk/>
-            <pc:sldMk cId="512612056" sldId="407"/>
-            <ac:spMk id="4" creationId="{A651C06F-375F-7C72-C369-879884E6796D}"/>
-          </ac:spMkLst>
-        </pc:spChg>
-        <pc:spChg chg="add del">
-          <ac:chgData name="Uwe Ricken" userId="f02567aecbed924b" providerId="LiveId" clId="{49285B68-C998-4E8C-918A-E8D988C1471A}" dt="2025-02-04T18:51:08.942" v="21" actId="478"/>
-          <ac:spMkLst>
-            <pc:docMk/>
-            <pc:sldMk cId="512612056" sldId="407"/>
-            <ac:spMk id="7" creationId="{42EA01DB-0E6F-C099-8CC4-EE20C80A5EC8}"/>
-          </ac:spMkLst>
-        </pc:spChg>
-      </pc:sldChg>
-      <pc:sldChg chg="modSp add mod">
-        <pc:chgData name="Uwe Ricken" userId="f02567aecbed924b" providerId="LiveId" clId="{49285B68-C998-4E8C-918A-E8D988C1471A}" dt="2025-02-04T16:07:10.113" v="13" actId="20577"/>
-        <pc:sldMkLst>
-          <pc:docMk/>
-          <pc:sldMk cId="3599433480" sldId="423"/>
-        </pc:sldMkLst>
-        <pc:spChg chg="mod">
-          <ac:chgData name="Uwe Ricken" userId="f02567aecbed924b" providerId="LiveId" clId="{49285B68-C998-4E8C-918A-E8D988C1471A}" dt="2025-02-04T16:07:10.113" v="13" actId="20577"/>
-          <ac:spMkLst>
-            <pc:docMk/>
-            <pc:sldMk cId="3599433480" sldId="423"/>
-            <ac:spMk id="6" creationId="{8668E183-D5F2-A8B2-64E9-68CD09B5BE12}"/>
-          </ac:spMkLst>
-        </pc:spChg>
-      </pc:sldChg>
-      <pc:sldChg chg="modSp add mod">
-        <pc:chgData name="Uwe Ricken" userId="f02567aecbed924b" providerId="LiveId" clId="{49285B68-C998-4E8C-918A-E8D988C1471A}" dt="2025-02-04T16:39:55.313" v="19" actId="20577"/>
-        <pc:sldMkLst>
-          <pc:docMk/>
-          <pc:sldMk cId="4171190376" sldId="424"/>
-        </pc:sldMkLst>
-        <pc:spChg chg="mod">
-          <ac:chgData name="Uwe Ricken" userId="f02567aecbed924b" providerId="LiveId" clId="{49285B68-C998-4E8C-918A-E8D988C1471A}" dt="2025-02-04T16:39:55.313" v="19" actId="20577"/>
-          <ac:spMkLst>
-            <pc:docMk/>
-            <pc:sldMk cId="4171190376" sldId="424"/>
-            <ac:spMk id="6" creationId="{8668E183-D5F2-A8B2-64E9-68CD09B5BE12}"/>
-          </ac:spMkLst>
-        </pc:spChg>
-      </pc:sldChg>
-    </pc:docChg>
-  </pc:docChgLst>
   <pc:docChgLst>
     <pc:chgData name="Uwe Ricken" userId="f02567aecbed924b" providerId="LiveId" clId="{05F991DB-F590-45B3-B343-DF3BA6243F91}"/>
     <pc:docChg chg="undo custSel addSld delSld modSld sldOrd">
@@ -1303,6 +1235,75 @@
       </pc:sldChg>
     </pc:docChg>
   </pc:docChgLst>
+  <pc:docChgLst>
+    <pc:chgData name="Uwe Ricken" userId="f02567aecbed924b" providerId="LiveId" clId="{49285B68-C998-4E8C-918A-E8D988C1471A}"/>
+    <pc:docChg chg="custSel addSld modSld">
+      <pc:chgData name="Uwe Ricken" userId="f02567aecbed924b" providerId="LiveId" clId="{49285B68-C998-4E8C-918A-E8D988C1471A}" dt="2025-02-04T18:51:15.444" v="22" actId="478"/>
+      <pc:docMkLst>
+        <pc:docMk/>
+      </pc:docMkLst>
+      <pc:sldChg chg="mod modShow">
+        <pc:chgData name="Uwe Ricken" userId="f02567aecbed924b" providerId="LiveId" clId="{49285B68-C998-4E8C-918A-E8D988C1471A}" dt="2025-02-04T16:40:03.265" v="20" actId="729"/>
+        <pc:sldMkLst>
+          <pc:docMk/>
+          <pc:sldMk cId="3711842215" sldId="402"/>
+        </pc:sldMkLst>
+      </pc:sldChg>
+      <pc:sldChg chg="addSp delSp mod">
+        <pc:chgData name="Uwe Ricken" userId="f02567aecbed924b" providerId="LiveId" clId="{49285B68-C998-4E8C-918A-E8D988C1471A}" dt="2025-02-04T18:51:15.444" v="22" actId="478"/>
+        <pc:sldMkLst>
+          <pc:docMk/>
+          <pc:sldMk cId="512612056" sldId="407"/>
+        </pc:sldMkLst>
+        <pc:spChg chg="add del">
+          <ac:chgData name="Uwe Ricken" userId="f02567aecbed924b" providerId="LiveId" clId="{49285B68-C998-4E8C-918A-E8D988C1471A}" dt="2025-02-04T18:51:15.444" v="22" actId="478"/>
+          <ac:spMkLst>
+            <pc:docMk/>
+            <pc:sldMk cId="512612056" sldId="407"/>
+            <ac:spMk id="4" creationId="{A651C06F-375F-7C72-C369-879884E6796D}"/>
+          </ac:spMkLst>
+        </pc:spChg>
+        <pc:spChg chg="add del">
+          <ac:chgData name="Uwe Ricken" userId="f02567aecbed924b" providerId="LiveId" clId="{49285B68-C998-4E8C-918A-E8D988C1471A}" dt="2025-02-04T18:51:08.942" v="21" actId="478"/>
+          <ac:spMkLst>
+            <pc:docMk/>
+            <pc:sldMk cId="512612056" sldId="407"/>
+            <ac:spMk id="7" creationId="{42EA01DB-0E6F-C099-8CC4-EE20C80A5EC8}"/>
+          </ac:spMkLst>
+        </pc:spChg>
+      </pc:sldChg>
+      <pc:sldChg chg="modSp add mod">
+        <pc:chgData name="Uwe Ricken" userId="f02567aecbed924b" providerId="LiveId" clId="{49285B68-C998-4E8C-918A-E8D988C1471A}" dt="2025-02-04T16:07:10.113" v="13" actId="20577"/>
+        <pc:sldMkLst>
+          <pc:docMk/>
+          <pc:sldMk cId="3599433480" sldId="423"/>
+        </pc:sldMkLst>
+        <pc:spChg chg="mod">
+          <ac:chgData name="Uwe Ricken" userId="f02567aecbed924b" providerId="LiveId" clId="{49285B68-C998-4E8C-918A-E8D988C1471A}" dt="2025-02-04T16:07:10.113" v="13" actId="20577"/>
+          <ac:spMkLst>
+            <pc:docMk/>
+            <pc:sldMk cId="3599433480" sldId="423"/>
+            <ac:spMk id="6" creationId="{8668E183-D5F2-A8B2-64E9-68CD09B5BE12}"/>
+          </ac:spMkLst>
+        </pc:spChg>
+      </pc:sldChg>
+      <pc:sldChg chg="modSp add mod">
+        <pc:chgData name="Uwe Ricken" userId="f02567aecbed924b" providerId="LiveId" clId="{49285B68-C998-4E8C-918A-E8D988C1471A}" dt="2025-02-04T16:39:55.313" v="19" actId="20577"/>
+        <pc:sldMkLst>
+          <pc:docMk/>
+          <pc:sldMk cId="4171190376" sldId="424"/>
+        </pc:sldMkLst>
+        <pc:spChg chg="mod">
+          <ac:chgData name="Uwe Ricken" userId="f02567aecbed924b" providerId="LiveId" clId="{49285B68-C998-4E8C-918A-E8D988C1471A}" dt="2025-02-04T16:39:55.313" v="19" actId="20577"/>
+          <ac:spMkLst>
+            <pc:docMk/>
+            <pc:sldMk cId="4171190376" sldId="424"/>
+            <ac:spMk id="6" creationId="{8668E183-D5F2-A8B2-64E9-68CD09B5BE12}"/>
+          </ac:spMkLst>
+        </pc:spChg>
+      </pc:sldChg>
+    </pc:docChg>
+  </pc:docChgLst>
 </pc:chgInfo>
 </file>
 
@@ -1388,7 +1389,7 @@
           <a:p>
             <a:fld id="{3C419B01-702D-4879-AE3A-0F34CD7B4394}" type="datetimeFigureOut">
               <a:rPr lang="en-US" smtClean="0"/>
-              <a:t>2/4/2025</a:t>
+              <a:t>6/17/2025</a:t>
             </a:fld>
             <a:endParaRPr lang="en-US"/>
           </a:p>
@@ -2959,6 +2960,36 @@
 </p:sldLayout>
 </file>
 
+<file path=ppt/slideLayouts/slideLayout7.xml><?xml version="1.0" encoding="utf-8"?>
+<p:sldLayout xmlns:a="http://schemas.openxmlformats.org/drawingml/2006/main" xmlns:r="http://schemas.openxmlformats.org/officeDocument/2006/relationships" xmlns:p="http://schemas.openxmlformats.org/presentationml/2006/main" type="blank">
+  <p:cSld name="Leer">
+    <p:spTree>
+      <p:nvGrpSpPr>
+        <p:cNvPr id="1" name=""/>
+        <p:cNvGrpSpPr/>
+        <p:nvPr/>
+      </p:nvGrpSpPr>
+      <p:grpSpPr>
+        <a:xfrm>
+          <a:off x="0" y="0"/>
+          <a:ext cx="0" cy="0"/>
+          <a:chOff x="0" y="0"/>
+          <a:chExt cx="0" cy="0"/>
+        </a:xfrm>
+      </p:grpSpPr>
+    </p:spTree>
+    <p:extLst>
+      <p:ext uri="{BB962C8B-B14F-4D97-AF65-F5344CB8AC3E}">
+        <p14:creationId xmlns:p14="http://schemas.microsoft.com/office/powerpoint/2010/main" val="26009576"/>
+      </p:ext>
+    </p:extLst>
+  </p:cSld>
+  <p:clrMapOvr>
+    <a:masterClrMapping/>
+  </p:clrMapOvr>
+</p:sldLayout>
+</file>
+
 <file path=ppt/slideMasters/slideMaster1.xml><?xml version="1.0" encoding="utf-8"?>
 <p:sldMaster xmlns:a="http://schemas.openxmlformats.org/drawingml/2006/main" xmlns:r="http://schemas.openxmlformats.org/officeDocument/2006/relationships" xmlns:p="http://schemas.openxmlformats.org/presentationml/2006/main" preserve="1">
   <p:cSld>
@@ -3196,7 +3227,7 @@
             <a:pPr algn="r"/>
             <a:r>
               <a:rPr lang="en-US" sz="1000" b="1" noProof="0" dirty="0">
-                <a:hlinkClick r:id="rId8"/>
+                <a:hlinkClick r:id="rId9"/>
               </a:rPr>
               <a:t>http://www.db-berater.de</a:t>
             </a:r>
@@ -3405,6 +3436,7 @@
     <p:sldLayoutId id="2147483664" r:id="rId4"/>
     <p:sldLayoutId id="2147483665" r:id="rId5"/>
     <p:sldLayoutId id="2147483666" r:id="rId6"/>
+    <p:sldLayoutId id="2147483667" r:id="rId7"/>
   </p:sldLayoutIdLst>
   <p:txStyles>
     <p:titleStyle>
@@ -18900,6 +18932,2057 @@
   <p:cSld>
     <p:spTree>
       <p:nvGrpSpPr>
+        <p:cNvPr id="1" name=""/>
+        <p:cNvGrpSpPr/>
+        <p:nvPr/>
+      </p:nvGrpSpPr>
+      <p:grpSpPr>
+        <a:xfrm>
+          <a:off x="0" y="0"/>
+          <a:ext cx="0" cy="0"/>
+          <a:chOff x="0" y="0"/>
+          <a:chExt cx="0" cy="0"/>
+        </a:xfrm>
+      </p:grpSpPr>
+      <p:sp>
+        <p:nvSpPr>
+          <p:cNvPr id="2" name="Titel 1">
+            <a:extLst>
+              <a:ext uri="{FF2B5EF4-FFF2-40B4-BE49-F238E27FC236}">
+                <a16:creationId xmlns:a16="http://schemas.microsoft.com/office/drawing/2014/main" id="{E98644CE-860C-7C6E-6D1F-3D107B2C19EA}"/>
+              </a:ext>
+            </a:extLst>
+          </p:cNvPr>
+          <p:cNvSpPr>
+            <a:spLocks noGrp="1"/>
+          </p:cNvSpPr>
+          <p:nvPr>
+            <p:ph type="title"/>
+          </p:nvPr>
+        </p:nvSpPr>
+        <p:spPr/>
+        <p:txBody>
+          <a:bodyPr/>
+          <a:lstStyle/>
+          <a:p>
+            <a:r>
+              <a:rPr lang="en-US" dirty="0"/>
+              <a:t>Index Key Deadlock</a:t>
+            </a:r>
+          </a:p>
+        </p:txBody>
+      </p:sp>
+      <p:graphicFrame>
+        <p:nvGraphicFramePr>
+          <p:cNvPr id="4" name="Tabelle 3">
+            <a:extLst>
+              <a:ext uri="{FF2B5EF4-FFF2-40B4-BE49-F238E27FC236}">
+                <a16:creationId xmlns:a16="http://schemas.microsoft.com/office/drawing/2014/main" id="{F89EEBCF-74B1-A2AE-9538-7AE840B45D13}"/>
+              </a:ext>
+            </a:extLst>
+          </p:cNvPr>
+          <p:cNvGraphicFramePr>
+            <a:graphicFrameLocks noGrp="1"/>
+          </p:cNvGraphicFramePr>
+          <p:nvPr>
+            <p:extLst>
+              <p:ext uri="{D42A27DB-BD31-4B8C-83A1-F6EECF244321}">
+                <p14:modId xmlns:p14="http://schemas.microsoft.com/office/powerpoint/2010/main" val="108790990"/>
+              </p:ext>
+            </p:extLst>
+          </p:nvPr>
+        </p:nvGraphicFramePr>
+        <p:xfrm>
+          <a:off x="3935073" y="1716865"/>
+          <a:ext cx="5753257" cy="1920240"/>
+        </p:xfrm>
+        <a:graphic>
+          <a:graphicData uri="http://schemas.openxmlformats.org/drawingml/2006/table">
+            <a:tbl>
+              <a:tblPr firstRow="1" bandRow="1">
+                <a:tableStyleId>{5C22544A-7EE6-4342-B048-85BDC9FD1C3A}</a:tableStyleId>
+              </a:tblPr>
+              <a:tblGrid>
+                <a:gridCol w="573225">
+                  <a:extLst>
+                    <a:ext uri="{9D8B030D-6E8A-4147-A177-3AD203B41FA5}">
+                      <a16:colId xmlns:a16="http://schemas.microsoft.com/office/drawing/2014/main" val="2562181325"/>
+                    </a:ext>
+                  </a:extLst>
+                </a:gridCol>
+                <a:gridCol w="906147">
+                  <a:extLst>
+                    <a:ext uri="{9D8B030D-6E8A-4147-A177-3AD203B41FA5}">
+                      <a16:colId xmlns:a16="http://schemas.microsoft.com/office/drawing/2014/main" val="1684396349"/>
+                    </a:ext>
+                  </a:extLst>
+                </a:gridCol>
+                <a:gridCol w="1210836">
+                  <a:extLst>
+                    <a:ext uri="{9D8B030D-6E8A-4147-A177-3AD203B41FA5}">
+                      <a16:colId xmlns:a16="http://schemas.microsoft.com/office/drawing/2014/main" val="1213706577"/>
+                    </a:ext>
+                  </a:extLst>
+                </a:gridCol>
+                <a:gridCol w="1210836">
+                  <a:extLst>
+                    <a:ext uri="{9D8B030D-6E8A-4147-A177-3AD203B41FA5}">
+                      <a16:colId xmlns:a16="http://schemas.microsoft.com/office/drawing/2014/main" val="1058491374"/>
+                    </a:ext>
+                  </a:extLst>
+                </a:gridCol>
+                <a:gridCol w="1210836">
+                  <a:extLst>
+                    <a:ext uri="{9D8B030D-6E8A-4147-A177-3AD203B41FA5}">
+                      <a16:colId xmlns:a16="http://schemas.microsoft.com/office/drawing/2014/main" val="428986373"/>
+                    </a:ext>
+                  </a:extLst>
+                </a:gridCol>
+                <a:gridCol w="641377">
+                  <a:extLst>
+                    <a:ext uri="{9D8B030D-6E8A-4147-A177-3AD203B41FA5}">
+                      <a16:colId xmlns:a16="http://schemas.microsoft.com/office/drawing/2014/main" val="3077172326"/>
+                    </a:ext>
+                  </a:extLst>
+                </a:gridCol>
+              </a:tblGrid>
+              <a:tr h="188729">
+                <a:tc gridSpan="6">
+                  <a:txBody>
+                    <a:bodyPr/>
+                    <a:lstStyle/>
+                    <a:p>
+                      <a:r>
+                        <a:rPr lang="en-US" sz="1200" dirty="0" err="1"/>
+                        <a:t>dbo.process_status</a:t>
+                      </a:r>
+                      <a:r>
+                        <a:rPr lang="en-US" sz="1200" dirty="0"/>
+                        <a:t> (HEAP)</a:t>
+                      </a:r>
+                    </a:p>
+                  </a:txBody>
+                  <a:tcPr/>
+                </a:tc>
+                <a:tc hMerge="1">
+                  <a:txBody>
+                    <a:bodyPr/>
+                    <a:lstStyle/>
+                    <a:p>
+                      <a:endParaRPr/>
+                    </a:p>
+                  </a:txBody>
+                  <a:tcPr/>
+                </a:tc>
+                <a:tc hMerge="1">
+                  <a:txBody>
+                    <a:bodyPr/>
+                    <a:lstStyle/>
+                    <a:p>
+                      <a:endParaRPr lang="en-US" dirty="0"/>
+                    </a:p>
+                  </a:txBody>
+                  <a:tcPr/>
+                </a:tc>
+                <a:tc hMerge="1">
+                  <a:txBody>
+                    <a:bodyPr/>
+                    <a:lstStyle/>
+                    <a:p>
+                      <a:endParaRPr lang="en-US"/>
+                    </a:p>
+                  </a:txBody>
+                  <a:tcPr/>
+                </a:tc>
+                <a:tc hMerge="1">
+                  <a:txBody>
+                    <a:bodyPr/>
+                    <a:lstStyle/>
+                    <a:p>
+                      <a:endParaRPr lang="en-US"/>
+                    </a:p>
+                  </a:txBody>
+                  <a:tcPr/>
+                </a:tc>
+                <a:tc hMerge="1">
+                  <a:txBody>
+                    <a:bodyPr/>
+                    <a:lstStyle/>
+                    <a:p>
+                      <a:endParaRPr lang="en-US" sz="1200" dirty="0"/>
+                    </a:p>
+                  </a:txBody>
+                  <a:tcPr/>
+                </a:tc>
+                <a:extLst>
+                  <a:ext uri="{0D108BD9-81ED-4DB2-BD59-A6C34878D82A}">
+                    <a16:rowId xmlns:a16="http://schemas.microsoft.com/office/drawing/2014/main" val="1041815010"/>
+                  </a:ext>
+                </a:extLst>
+              </a:tr>
+              <a:tr h="188729">
+                <a:tc>
+                  <a:txBody>
+                    <a:bodyPr/>
+                    <a:lstStyle/>
+                    <a:p>
+                      <a:r>
+                        <a:rPr lang="en-US" sz="1200" b="1" dirty="0"/>
+                        <a:t>lock</a:t>
+                      </a:r>
+                    </a:p>
+                  </a:txBody>
+                  <a:tcPr/>
+                </a:tc>
+                <a:tc>
+                  <a:txBody>
+                    <a:bodyPr/>
+                    <a:lstStyle/>
+                    <a:p>
+                      <a:pPr algn="ctr"/>
+                      <a:r>
+                        <a:rPr lang="en-US" sz="1200" b="1" dirty="0"/>
+                        <a:t>Id</a:t>
+                      </a:r>
+                    </a:p>
+                  </a:txBody>
+                  <a:tcPr/>
+                </a:tc>
+                <a:tc>
+                  <a:txBody>
+                    <a:bodyPr/>
+                    <a:lstStyle/>
+                    <a:p>
+                      <a:r>
+                        <a:rPr lang="en-US" sz="1200" b="1" dirty="0" err="1"/>
+                        <a:t>scancode</a:t>
+                      </a:r>
+                      <a:endParaRPr lang="en-US" sz="1200" b="1" dirty="0"/>
+                    </a:p>
+                  </a:txBody>
+                  <a:tcPr/>
+                </a:tc>
+                <a:tc>
+                  <a:txBody>
+                    <a:bodyPr/>
+                    <a:lstStyle/>
+                    <a:p>
+                      <a:r>
+                        <a:rPr lang="en-US" sz="1200" b="1" dirty="0" err="1"/>
+                        <a:t>ship_id</a:t>
+                      </a:r>
+                      <a:endParaRPr lang="en-US" sz="1200" b="1" dirty="0"/>
+                    </a:p>
+                  </a:txBody>
+                  <a:tcPr/>
+                </a:tc>
+                <a:tc>
+                  <a:txBody>
+                    <a:bodyPr/>
+                    <a:lstStyle/>
+                    <a:p>
+                      <a:r>
+                        <a:rPr lang="en-US" sz="1200" b="1" dirty="0" err="1"/>
+                        <a:t>is_state</a:t>
+                      </a:r>
+                      <a:endParaRPr lang="en-US" sz="1200" b="1" dirty="0"/>
+                    </a:p>
+                  </a:txBody>
+                  <a:tcPr/>
+                </a:tc>
+                <a:tc>
+                  <a:txBody>
+                    <a:bodyPr/>
+                    <a:lstStyle/>
+                    <a:p>
+                      <a:pPr algn="ctr"/>
+                      <a:r>
+                        <a:rPr lang="en-US" sz="1200" b="1" dirty="0"/>
+                        <a:t>lock</a:t>
+                      </a:r>
+                    </a:p>
+                  </a:txBody>
+                  <a:tcPr/>
+                </a:tc>
+                <a:extLst>
+                  <a:ext uri="{0D108BD9-81ED-4DB2-BD59-A6C34878D82A}">
+                    <a16:rowId xmlns:a16="http://schemas.microsoft.com/office/drawing/2014/main" val="3171680422"/>
+                  </a:ext>
+                </a:extLst>
+              </a:tr>
+              <a:tr h="188729">
+                <a:tc>
+                  <a:txBody>
+                    <a:bodyPr/>
+                    <a:lstStyle/>
+                    <a:p>
+                      <a:pPr algn="ctr"/>
+                      <a:r>
+                        <a:rPr lang="en-US" sz="1200" b="1" dirty="0">
+                          <a:solidFill>
+                            <a:srgbClr val="FF0000"/>
+                          </a:solidFill>
+                        </a:rPr>
+                        <a:t>X</a:t>
+                      </a:r>
+                    </a:p>
+                  </a:txBody>
+                  <a:tcPr/>
+                </a:tc>
+                <a:tc>
+                  <a:txBody>
+                    <a:bodyPr/>
+                    <a:lstStyle/>
+                    <a:p>
+                      <a:pPr algn="ctr"/>
+                      <a:r>
+                        <a:rPr lang="en-US" sz="1200" dirty="0"/>
+                        <a:t>1</a:t>
+                      </a:r>
+                    </a:p>
+                  </a:txBody>
+                  <a:tcPr/>
+                </a:tc>
+                <a:tc>
+                  <a:txBody>
+                    <a:bodyPr/>
+                    <a:lstStyle/>
+                    <a:p>
+                      <a:r>
+                        <a:rPr lang="en-US" sz="1200" dirty="0"/>
+                        <a:t>000000000</a:t>
+                      </a:r>
+                    </a:p>
+                  </a:txBody>
+                  <a:tcPr/>
+                </a:tc>
+                <a:tc>
+                  <a:txBody>
+                    <a:bodyPr/>
+                    <a:lstStyle/>
+                    <a:p>
+                      <a:r>
+                        <a:rPr lang="en-US" sz="1200" dirty="0"/>
+                        <a:t>4711</a:t>
+                      </a:r>
+                    </a:p>
+                  </a:txBody>
+                  <a:tcPr/>
+                </a:tc>
+                <a:tc>
+                  <a:txBody>
+                    <a:bodyPr/>
+                    <a:lstStyle/>
+                    <a:p>
+                      <a:r>
+                        <a:rPr lang="en-US" sz="1200" dirty="0"/>
+                        <a:t>0</a:t>
+                      </a:r>
+                    </a:p>
+                  </a:txBody>
+                  <a:tcPr/>
+                </a:tc>
+                <a:tc>
+                  <a:txBody>
+                    <a:bodyPr/>
+                    <a:lstStyle/>
+                    <a:p>
+                      <a:pPr algn="ctr"/>
+                      <a:endParaRPr lang="en-US" sz="1200" dirty="0"/>
+                    </a:p>
+                  </a:txBody>
+                  <a:tcPr/>
+                </a:tc>
+                <a:extLst>
+                  <a:ext uri="{0D108BD9-81ED-4DB2-BD59-A6C34878D82A}">
+                    <a16:rowId xmlns:a16="http://schemas.microsoft.com/office/drawing/2014/main" val="3285985555"/>
+                  </a:ext>
+                </a:extLst>
+              </a:tr>
+              <a:tr h="188729">
+                <a:tc>
+                  <a:txBody>
+                    <a:bodyPr/>
+                    <a:lstStyle/>
+                    <a:p>
+                      <a:pPr algn="ctr"/>
+                      <a:endParaRPr lang="en-US" sz="1200" dirty="0"/>
+                    </a:p>
+                  </a:txBody>
+                  <a:tcPr/>
+                </a:tc>
+                <a:tc>
+                  <a:txBody>
+                    <a:bodyPr/>
+                    <a:lstStyle/>
+                    <a:p>
+                      <a:pPr algn="ctr"/>
+                      <a:r>
+                        <a:rPr lang="en-US" sz="1200" dirty="0"/>
+                        <a:t>2</a:t>
+                      </a:r>
+                    </a:p>
+                  </a:txBody>
+                  <a:tcPr/>
+                </a:tc>
+                <a:tc>
+                  <a:txBody>
+                    <a:bodyPr/>
+                    <a:lstStyle/>
+                    <a:p>
+                      <a:r>
+                        <a:rPr lang="en-US" sz="1200" dirty="0"/>
+                        <a:t>000000001</a:t>
+                      </a:r>
+                    </a:p>
+                  </a:txBody>
+                  <a:tcPr/>
+                </a:tc>
+                <a:tc>
+                  <a:txBody>
+                    <a:bodyPr/>
+                    <a:lstStyle/>
+                    <a:p>
+                      <a:r>
+                        <a:rPr lang="en-US" sz="1200" dirty="0"/>
+                        <a:t>6870</a:t>
+                      </a:r>
+                    </a:p>
+                  </a:txBody>
+                  <a:tcPr/>
+                </a:tc>
+                <a:tc>
+                  <a:txBody>
+                    <a:bodyPr/>
+                    <a:lstStyle/>
+                    <a:p>
+                      <a:endParaRPr lang="en-US" sz="1200" dirty="0"/>
+                    </a:p>
+                  </a:txBody>
+                  <a:tcPr/>
+                </a:tc>
+                <a:tc>
+                  <a:txBody>
+                    <a:bodyPr/>
+                    <a:lstStyle/>
+                    <a:p>
+                      <a:pPr algn="ctr"/>
+                      <a:endParaRPr lang="en-US" sz="1200" dirty="0"/>
+                    </a:p>
+                  </a:txBody>
+                  <a:tcPr/>
+                </a:tc>
+                <a:extLst>
+                  <a:ext uri="{0D108BD9-81ED-4DB2-BD59-A6C34878D82A}">
+                    <a16:rowId xmlns:a16="http://schemas.microsoft.com/office/drawing/2014/main" val="2734219787"/>
+                  </a:ext>
+                </a:extLst>
+              </a:tr>
+              <a:tr h="188729">
+                <a:tc>
+                  <a:txBody>
+                    <a:bodyPr/>
+                    <a:lstStyle/>
+                    <a:p>
+                      <a:pPr algn="ctr"/>
+                      <a:endParaRPr lang="en-US" sz="1200" b="1" dirty="0">
+                        <a:solidFill>
+                          <a:srgbClr val="FF0000"/>
+                        </a:solidFill>
+                      </a:endParaRPr>
+                    </a:p>
+                  </a:txBody>
+                  <a:tcPr/>
+                </a:tc>
+                <a:tc>
+                  <a:txBody>
+                    <a:bodyPr/>
+                    <a:lstStyle/>
+                    <a:p>
+                      <a:pPr algn="ctr"/>
+                      <a:r>
+                        <a:rPr lang="en-US" sz="1200" dirty="0"/>
+                        <a:t>3</a:t>
+                      </a:r>
+                    </a:p>
+                  </a:txBody>
+                  <a:tcPr/>
+                </a:tc>
+                <a:tc>
+                  <a:txBody>
+                    <a:bodyPr/>
+                    <a:lstStyle/>
+                    <a:p>
+                      <a:r>
+                        <a:rPr lang="en-US" sz="1200" dirty="0"/>
+                        <a:t>000000001</a:t>
+                      </a:r>
+                    </a:p>
+                  </a:txBody>
+                  <a:tcPr/>
+                </a:tc>
+                <a:tc>
+                  <a:txBody>
+                    <a:bodyPr/>
+                    <a:lstStyle/>
+                    <a:p>
+                      <a:r>
+                        <a:rPr lang="en-US" sz="1200" dirty="0"/>
+                        <a:t>6987</a:t>
+                      </a:r>
+                    </a:p>
+                  </a:txBody>
+                  <a:tcPr/>
+                </a:tc>
+                <a:tc>
+                  <a:txBody>
+                    <a:bodyPr/>
+                    <a:lstStyle/>
+                    <a:p>
+                      <a:endParaRPr lang="en-US" sz="1200" dirty="0"/>
+                    </a:p>
+                  </a:txBody>
+                  <a:tcPr/>
+                </a:tc>
+                <a:tc>
+                  <a:txBody>
+                    <a:bodyPr/>
+                    <a:lstStyle/>
+                    <a:p>
+                      <a:pPr algn="ctr"/>
+                      <a:endParaRPr lang="en-US" sz="1200" dirty="0"/>
+                    </a:p>
+                  </a:txBody>
+                  <a:tcPr/>
+                </a:tc>
+                <a:extLst>
+                  <a:ext uri="{0D108BD9-81ED-4DB2-BD59-A6C34878D82A}">
+                    <a16:rowId xmlns:a16="http://schemas.microsoft.com/office/drawing/2014/main" val="4172208050"/>
+                  </a:ext>
+                </a:extLst>
+              </a:tr>
+              <a:tr h="188729">
+                <a:tc>
+                  <a:txBody>
+                    <a:bodyPr/>
+                    <a:lstStyle/>
+                    <a:p>
+                      <a:pPr algn="ctr"/>
+                      <a:endParaRPr lang="en-US" sz="1200" dirty="0"/>
+                    </a:p>
+                  </a:txBody>
+                  <a:tcPr/>
+                </a:tc>
+                <a:tc>
+                  <a:txBody>
+                    <a:bodyPr/>
+                    <a:lstStyle/>
+                    <a:p>
+                      <a:pPr algn="ctr"/>
+                      <a:r>
+                        <a:rPr lang="en-US" sz="1200" dirty="0"/>
+                        <a:t>4</a:t>
+                      </a:r>
+                    </a:p>
+                  </a:txBody>
+                  <a:tcPr/>
+                </a:tc>
+                <a:tc>
+                  <a:txBody>
+                    <a:bodyPr/>
+                    <a:lstStyle/>
+                    <a:p>
+                      <a:pPr marL="0" marR="0" lvl="0" indent="0" algn="l" defTabSz="914309" rtl="0" eaLnBrk="1" fontAlgn="auto" latinLnBrk="0" hangingPunct="1">
+                        <a:lnSpc>
+                          <a:spcPct val="100000"/>
+                        </a:lnSpc>
+                        <a:spcBef>
+                          <a:spcPts val="0"/>
+                        </a:spcBef>
+                        <a:spcAft>
+                          <a:spcPts val="0"/>
+                        </a:spcAft>
+                        <a:buClrTx/>
+                        <a:buSzTx/>
+                        <a:buFontTx/>
+                        <a:buNone/>
+                        <a:tabLst/>
+                        <a:defRPr/>
+                      </a:pPr>
+                      <a:r>
+                        <a:rPr lang="en-US" sz="1200" dirty="0"/>
+                        <a:t>000000002</a:t>
+                      </a:r>
+                    </a:p>
+                  </a:txBody>
+                  <a:tcPr/>
+                </a:tc>
+                <a:tc>
+                  <a:txBody>
+                    <a:bodyPr/>
+                    <a:lstStyle/>
+                    <a:p>
+                      <a:endParaRPr lang="en-US" sz="1200" dirty="0"/>
+                    </a:p>
+                  </a:txBody>
+                  <a:tcPr/>
+                </a:tc>
+                <a:tc>
+                  <a:txBody>
+                    <a:bodyPr/>
+                    <a:lstStyle/>
+                    <a:p>
+                      <a:endParaRPr lang="en-US" sz="1200" dirty="0"/>
+                    </a:p>
+                  </a:txBody>
+                  <a:tcPr/>
+                </a:tc>
+                <a:tc>
+                  <a:txBody>
+                    <a:bodyPr/>
+                    <a:lstStyle/>
+                    <a:p>
+                      <a:pPr algn="ctr"/>
+                      <a:endParaRPr lang="en-US" sz="1200" dirty="0"/>
+                    </a:p>
+                  </a:txBody>
+                  <a:tcPr/>
+                </a:tc>
+                <a:extLst>
+                  <a:ext uri="{0D108BD9-81ED-4DB2-BD59-A6C34878D82A}">
+                    <a16:rowId xmlns:a16="http://schemas.microsoft.com/office/drawing/2014/main" val="641224182"/>
+                  </a:ext>
+                </a:extLst>
+              </a:tr>
+              <a:tr h="188729">
+                <a:tc>
+                  <a:txBody>
+                    <a:bodyPr/>
+                    <a:lstStyle/>
+                    <a:p>
+                      <a:pPr algn="ctr"/>
+                      <a:endParaRPr lang="en-US" sz="1200" dirty="0"/>
+                    </a:p>
+                  </a:txBody>
+                  <a:tcPr/>
+                </a:tc>
+                <a:tc>
+                  <a:txBody>
+                    <a:bodyPr/>
+                    <a:lstStyle/>
+                    <a:p>
+                      <a:pPr algn="ctr"/>
+                      <a:r>
+                        <a:rPr lang="en-US" sz="1200" dirty="0"/>
+                        <a:t>5</a:t>
+                      </a:r>
+                    </a:p>
+                  </a:txBody>
+                  <a:tcPr/>
+                </a:tc>
+                <a:tc>
+                  <a:txBody>
+                    <a:bodyPr/>
+                    <a:lstStyle/>
+                    <a:p>
+                      <a:r>
+                        <a:rPr lang="en-US" sz="1200" dirty="0"/>
+                        <a:t>…</a:t>
+                      </a:r>
+                    </a:p>
+                  </a:txBody>
+                  <a:tcPr/>
+                </a:tc>
+                <a:tc>
+                  <a:txBody>
+                    <a:bodyPr/>
+                    <a:lstStyle/>
+                    <a:p>
+                      <a:endParaRPr lang="en-US" sz="1200" dirty="0"/>
+                    </a:p>
+                  </a:txBody>
+                  <a:tcPr/>
+                </a:tc>
+                <a:tc>
+                  <a:txBody>
+                    <a:bodyPr/>
+                    <a:lstStyle/>
+                    <a:p>
+                      <a:endParaRPr lang="en-US" sz="1200" dirty="0"/>
+                    </a:p>
+                  </a:txBody>
+                  <a:tcPr/>
+                </a:tc>
+                <a:tc>
+                  <a:txBody>
+                    <a:bodyPr/>
+                    <a:lstStyle/>
+                    <a:p>
+                      <a:pPr algn="ctr"/>
+                      <a:endParaRPr lang="en-US" sz="1200" dirty="0"/>
+                    </a:p>
+                  </a:txBody>
+                  <a:tcPr/>
+                </a:tc>
+                <a:extLst>
+                  <a:ext uri="{0D108BD9-81ED-4DB2-BD59-A6C34878D82A}">
+                    <a16:rowId xmlns:a16="http://schemas.microsoft.com/office/drawing/2014/main" val="1143928733"/>
+                  </a:ext>
+                </a:extLst>
+              </a:tr>
+            </a:tbl>
+          </a:graphicData>
+        </a:graphic>
+      </p:graphicFrame>
+      <p:sp>
+        <p:nvSpPr>
+          <p:cNvPr id="5" name="Textfeld 4">
+            <a:extLst>
+              <a:ext uri="{FF2B5EF4-FFF2-40B4-BE49-F238E27FC236}">
+                <a16:creationId xmlns:a16="http://schemas.microsoft.com/office/drawing/2014/main" id="{4CB2A8F3-E55E-7AEF-453C-83927AA140C3}"/>
+              </a:ext>
+            </a:extLst>
+          </p:cNvPr>
+          <p:cNvSpPr txBox="1"/>
+          <p:nvPr/>
+        </p:nvSpPr>
+        <p:spPr>
+          <a:xfrm>
+            <a:off x="3935075" y="3720661"/>
+            <a:ext cx="5753255" cy="1569660"/>
+          </a:xfrm>
+          <a:prstGeom prst="rect">
+            <a:avLst/>
+          </a:prstGeom>
+          <a:noFill/>
+        </p:spPr>
+        <p:txBody>
+          <a:bodyPr wrap="square" rtlCol="0">
+            <a:spAutoFit/>
+          </a:bodyPr>
+          <a:lstStyle/>
+          <a:p>
+            <a:r>
+              <a:rPr lang="en-US" sz="1200" dirty="0">
+                <a:solidFill>
+                  <a:srgbClr val="008000"/>
+                </a:solidFill>
+                <a:highlight>
+                  <a:srgbClr val="FFFFFF"/>
+                </a:highlight>
+                <a:latin typeface="Cascadia Mono" panose="020B0609020000020004" pitchFamily="49" charset="0"/>
+              </a:rPr>
+              <a:t>/* Create a nonclustered index on the predicate attributes */</a:t>
+            </a:r>
+            <a:endParaRPr lang="en-US" sz="1200" dirty="0">
+              <a:solidFill>
+                <a:srgbClr val="000000"/>
+              </a:solidFill>
+              <a:highlight>
+                <a:srgbClr val="FFFFFF"/>
+              </a:highlight>
+              <a:latin typeface="Cascadia Mono" panose="020B0609020000020004" pitchFamily="49" charset="0"/>
+            </a:endParaRPr>
+          </a:p>
+          <a:p>
+            <a:r>
+              <a:rPr lang="en-US" sz="1200" dirty="0">
+                <a:solidFill>
+                  <a:srgbClr val="0000FF"/>
+                </a:solidFill>
+                <a:highlight>
+                  <a:srgbClr val="FFFFFF"/>
+                </a:highlight>
+                <a:latin typeface="Cascadia Mono" panose="020B0609020000020004" pitchFamily="49" charset="0"/>
+              </a:rPr>
+              <a:t>CREATE</a:t>
+            </a:r>
+            <a:r>
+              <a:rPr lang="en-US" sz="1200" dirty="0">
+                <a:solidFill>
+                  <a:srgbClr val="000000"/>
+                </a:solidFill>
+                <a:highlight>
+                  <a:srgbClr val="FFFFFF"/>
+                </a:highlight>
+                <a:latin typeface="Cascadia Mono" panose="020B0609020000020004" pitchFamily="49" charset="0"/>
+              </a:rPr>
+              <a:t> </a:t>
+            </a:r>
+            <a:r>
+              <a:rPr lang="en-US" sz="1200" dirty="0">
+                <a:solidFill>
+                  <a:srgbClr val="0000FF"/>
+                </a:solidFill>
+                <a:highlight>
+                  <a:srgbClr val="FFFFFF"/>
+                </a:highlight>
+                <a:latin typeface="Cascadia Mono" panose="020B0609020000020004" pitchFamily="49" charset="0"/>
+              </a:rPr>
+              <a:t>NONCLUSTERED</a:t>
+            </a:r>
+            <a:r>
+              <a:rPr lang="en-US" sz="1200" dirty="0">
+                <a:solidFill>
+                  <a:srgbClr val="000000"/>
+                </a:solidFill>
+                <a:highlight>
+                  <a:srgbClr val="FFFFFF"/>
+                </a:highlight>
+                <a:latin typeface="Cascadia Mono" panose="020B0609020000020004" pitchFamily="49" charset="0"/>
+              </a:rPr>
+              <a:t> </a:t>
+            </a:r>
+            <a:r>
+              <a:rPr lang="en-US" sz="1200" dirty="0">
+                <a:solidFill>
+                  <a:srgbClr val="0000FF"/>
+                </a:solidFill>
+                <a:highlight>
+                  <a:srgbClr val="FFFFFF"/>
+                </a:highlight>
+                <a:latin typeface="Cascadia Mono" panose="020B0609020000020004" pitchFamily="49" charset="0"/>
+              </a:rPr>
+              <a:t>INDEX</a:t>
+            </a:r>
+            <a:r>
+              <a:rPr lang="en-US" sz="1200" dirty="0">
+                <a:solidFill>
+                  <a:srgbClr val="000000"/>
+                </a:solidFill>
+                <a:highlight>
+                  <a:srgbClr val="FFFFFF"/>
+                </a:highlight>
+                <a:latin typeface="Cascadia Mono" panose="020B0609020000020004" pitchFamily="49" charset="0"/>
+              </a:rPr>
+              <a:t> </a:t>
+            </a:r>
+            <a:r>
+              <a:rPr lang="en-US" sz="1200" dirty="0" err="1">
+                <a:solidFill>
+                  <a:srgbClr val="000000"/>
+                </a:solidFill>
+                <a:highlight>
+                  <a:srgbClr val="FFFFFF"/>
+                </a:highlight>
+                <a:latin typeface="Cascadia Mono" panose="020B0609020000020004" pitchFamily="49" charset="0"/>
+              </a:rPr>
+              <a:t>nix_process_status_scancode_ship_id</a:t>
+            </a:r>
+            <a:endParaRPr lang="en-US" sz="1200" dirty="0">
+              <a:solidFill>
+                <a:srgbClr val="000000"/>
+              </a:solidFill>
+              <a:highlight>
+                <a:srgbClr val="FFFFFF"/>
+              </a:highlight>
+              <a:latin typeface="Cascadia Mono" panose="020B0609020000020004" pitchFamily="49" charset="0"/>
+            </a:endParaRPr>
+          </a:p>
+          <a:p>
+            <a:r>
+              <a:rPr lang="en-US" sz="1200" dirty="0">
+                <a:solidFill>
+                  <a:srgbClr val="0000FF"/>
+                </a:solidFill>
+                <a:highlight>
+                  <a:srgbClr val="FFFFFF"/>
+                </a:highlight>
+                <a:latin typeface="Cascadia Mono" panose="020B0609020000020004" pitchFamily="49" charset="0"/>
+              </a:rPr>
+              <a:t>ON</a:t>
+            </a:r>
+            <a:r>
+              <a:rPr lang="en-US" sz="1200" dirty="0">
+                <a:solidFill>
+                  <a:srgbClr val="000000"/>
+                </a:solidFill>
+                <a:highlight>
+                  <a:srgbClr val="FFFFFF"/>
+                </a:highlight>
+                <a:latin typeface="Cascadia Mono" panose="020B0609020000020004" pitchFamily="49" charset="0"/>
+              </a:rPr>
+              <a:t> </a:t>
+            </a:r>
+            <a:r>
+              <a:rPr lang="en-US" sz="1200" dirty="0" err="1">
+                <a:solidFill>
+                  <a:srgbClr val="000000"/>
+                </a:solidFill>
+                <a:highlight>
+                  <a:srgbClr val="FFFFFF"/>
+                </a:highlight>
+                <a:latin typeface="Cascadia Mono" panose="020B0609020000020004" pitchFamily="49" charset="0"/>
+              </a:rPr>
+              <a:t>dbo</a:t>
+            </a:r>
+            <a:r>
+              <a:rPr lang="en-US" sz="1200" dirty="0" err="1">
+                <a:solidFill>
+                  <a:srgbClr val="808080"/>
+                </a:solidFill>
+                <a:highlight>
+                  <a:srgbClr val="FFFFFF"/>
+                </a:highlight>
+                <a:latin typeface="Cascadia Mono" panose="020B0609020000020004" pitchFamily="49" charset="0"/>
+              </a:rPr>
+              <a:t>.</a:t>
+            </a:r>
+            <a:r>
+              <a:rPr lang="en-US" sz="1200" dirty="0" err="1">
+                <a:solidFill>
+                  <a:srgbClr val="000000"/>
+                </a:solidFill>
+                <a:highlight>
+                  <a:srgbClr val="FFFFFF"/>
+                </a:highlight>
+                <a:latin typeface="Cascadia Mono" panose="020B0609020000020004" pitchFamily="49" charset="0"/>
+              </a:rPr>
+              <a:t>process_status</a:t>
+            </a:r>
+            <a:endParaRPr lang="en-US" sz="1200" dirty="0">
+              <a:solidFill>
+                <a:srgbClr val="000000"/>
+              </a:solidFill>
+              <a:highlight>
+                <a:srgbClr val="FFFFFF"/>
+              </a:highlight>
+              <a:latin typeface="Cascadia Mono" panose="020B0609020000020004" pitchFamily="49" charset="0"/>
+            </a:endParaRPr>
+          </a:p>
+          <a:p>
+            <a:r>
+              <a:rPr lang="en-US" sz="1200" dirty="0">
+                <a:solidFill>
+                  <a:srgbClr val="808080"/>
+                </a:solidFill>
+                <a:highlight>
+                  <a:srgbClr val="FFFFFF"/>
+                </a:highlight>
+                <a:latin typeface="Cascadia Mono" panose="020B0609020000020004" pitchFamily="49" charset="0"/>
+              </a:rPr>
+              <a:t>(</a:t>
+            </a:r>
+            <a:endParaRPr lang="en-US" sz="1200" dirty="0">
+              <a:solidFill>
+                <a:srgbClr val="000000"/>
+              </a:solidFill>
+              <a:highlight>
+                <a:srgbClr val="FFFFFF"/>
+              </a:highlight>
+              <a:latin typeface="Cascadia Mono" panose="020B0609020000020004" pitchFamily="49" charset="0"/>
+            </a:endParaRPr>
+          </a:p>
+          <a:p>
+            <a:r>
+              <a:rPr lang="en-US" sz="1200" dirty="0">
+                <a:solidFill>
+                  <a:srgbClr val="000000"/>
+                </a:solidFill>
+                <a:highlight>
+                  <a:srgbClr val="FFFFFF"/>
+                </a:highlight>
+                <a:latin typeface="Cascadia Mono" panose="020B0609020000020004" pitchFamily="49" charset="0"/>
+              </a:rPr>
+              <a:t>	</a:t>
+            </a:r>
+            <a:r>
+              <a:rPr lang="en-US" sz="1200" dirty="0" err="1">
+                <a:solidFill>
+                  <a:srgbClr val="000000"/>
+                </a:solidFill>
+                <a:highlight>
+                  <a:srgbClr val="FFFFFF"/>
+                </a:highlight>
+                <a:latin typeface="Cascadia Mono" panose="020B0609020000020004" pitchFamily="49" charset="0"/>
+              </a:rPr>
+              <a:t>scancode</a:t>
+            </a:r>
+            <a:r>
+              <a:rPr lang="en-US" sz="1200" dirty="0">
+                <a:solidFill>
+                  <a:srgbClr val="808080"/>
+                </a:solidFill>
+                <a:highlight>
+                  <a:srgbClr val="FFFFFF"/>
+                </a:highlight>
+                <a:latin typeface="Cascadia Mono" panose="020B0609020000020004" pitchFamily="49" charset="0"/>
+              </a:rPr>
+              <a:t>,</a:t>
+            </a:r>
+            <a:endParaRPr lang="en-US" sz="1200" dirty="0">
+              <a:solidFill>
+                <a:srgbClr val="000000"/>
+              </a:solidFill>
+              <a:highlight>
+                <a:srgbClr val="FFFFFF"/>
+              </a:highlight>
+              <a:latin typeface="Cascadia Mono" panose="020B0609020000020004" pitchFamily="49" charset="0"/>
+            </a:endParaRPr>
+          </a:p>
+          <a:p>
+            <a:r>
+              <a:rPr lang="en-US" sz="1200" dirty="0">
+                <a:solidFill>
+                  <a:srgbClr val="000000"/>
+                </a:solidFill>
+                <a:highlight>
+                  <a:srgbClr val="FFFFFF"/>
+                </a:highlight>
+                <a:latin typeface="Cascadia Mono" panose="020B0609020000020004" pitchFamily="49" charset="0"/>
+              </a:rPr>
+              <a:t>	</a:t>
+            </a:r>
+            <a:r>
+              <a:rPr lang="en-US" sz="1200" dirty="0" err="1">
+                <a:solidFill>
+                  <a:srgbClr val="000000"/>
+                </a:solidFill>
+                <a:highlight>
+                  <a:srgbClr val="FFFFFF"/>
+                </a:highlight>
+                <a:latin typeface="Cascadia Mono" panose="020B0609020000020004" pitchFamily="49" charset="0"/>
+              </a:rPr>
+              <a:t>ship_id</a:t>
+            </a:r>
+            <a:endParaRPr lang="en-US" sz="1200" dirty="0">
+              <a:solidFill>
+                <a:srgbClr val="000000"/>
+              </a:solidFill>
+              <a:highlight>
+                <a:srgbClr val="FFFFFF"/>
+              </a:highlight>
+              <a:latin typeface="Cascadia Mono" panose="020B0609020000020004" pitchFamily="49" charset="0"/>
+            </a:endParaRPr>
+          </a:p>
+          <a:p>
+            <a:r>
+              <a:rPr lang="en-US" sz="1200" dirty="0">
+                <a:solidFill>
+                  <a:srgbClr val="808080"/>
+                </a:solidFill>
+                <a:highlight>
+                  <a:srgbClr val="FFFFFF"/>
+                </a:highlight>
+                <a:latin typeface="Cascadia Mono" panose="020B0609020000020004" pitchFamily="49" charset="0"/>
+              </a:rPr>
+              <a:t>);</a:t>
+            </a:r>
+            <a:endParaRPr lang="en-US" sz="1200" dirty="0">
+              <a:solidFill>
+                <a:srgbClr val="000000"/>
+              </a:solidFill>
+              <a:highlight>
+                <a:srgbClr val="FFFFFF"/>
+              </a:highlight>
+              <a:latin typeface="Cascadia Mono" panose="020B0609020000020004" pitchFamily="49" charset="0"/>
+            </a:endParaRPr>
+          </a:p>
+          <a:p>
+            <a:r>
+              <a:rPr lang="en-US" sz="1200" dirty="0">
+                <a:solidFill>
+                  <a:srgbClr val="0000FF"/>
+                </a:solidFill>
+                <a:highlight>
+                  <a:srgbClr val="FFFFFF"/>
+                </a:highlight>
+                <a:latin typeface="Cascadia Mono" panose="020B0609020000020004" pitchFamily="49" charset="0"/>
+              </a:rPr>
+              <a:t>GO</a:t>
+            </a:r>
+            <a:endParaRPr lang="en-US" sz="1200" dirty="0"/>
+          </a:p>
+        </p:txBody>
+      </p:sp>
+      <p:sp>
+        <p:nvSpPr>
+          <p:cNvPr id="6" name="Textfeld 5">
+            <a:extLst>
+              <a:ext uri="{FF2B5EF4-FFF2-40B4-BE49-F238E27FC236}">
+                <a16:creationId xmlns:a16="http://schemas.microsoft.com/office/drawing/2014/main" id="{EE2942A8-B76D-65E0-A773-03F6DFF55FD8}"/>
+              </a:ext>
+            </a:extLst>
+          </p:cNvPr>
+          <p:cNvSpPr txBox="1"/>
+          <p:nvPr/>
+        </p:nvSpPr>
+        <p:spPr>
+          <a:xfrm>
+            <a:off x="334966" y="1999068"/>
+            <a:ext cx="2967479" cy="830997"/>
+          </a:xfrm>
+          <a:prstGeom prst="rect">
+            <a:avLst/>
+          </a:prstGeom>
+          <a:noFill/>
+        </p:spPr>
+        <p:txBody>
+          <a:bodyPr wrap="none" rtlCol="0">
+            <a:spAutoFit/>
+          </a:bodyPr>
+          <a:lstStyle/>
+          <a:p>
+            <a:r>
+              <a:rPr lang="en-US" sz="1200" dirty="0">
+                <a:solidFill>
+                  <a:srgbClr val="FF00FF"/>
+                </a:solidFill>
+                <a:highlight>
+                  <a:srgbClr val="FFFFFF"/>
+                </a:highlight>
+                <a:latin typeface="Cascadia Mono" panose="020B0609020000020004" pitchFamily="49" charset="0"/>
+              </a:rPr>
+              <a:t>UPDATE</a:t>
+            </a:r>
+            <a:r>
+              <a:rPr lang="en-US" sz="1200" dirty="0">
+                <a:solidFill>
+                  <a:srgbClr val="000000"/>
+                </a:solidFill>
+                <a:highlight>
+                  <a:srgbClr val="FFFFFF"/>
+                </a:highlight>
+                <a:latin typeface="Cascadia Mono" panose="020B0609020000020004" pitchFamily="49" charset="0"/>
+              </a:rPr>
+              <a:t>  </a:t>
+            </a:r>
+            <a:r>
+              <a:rPr lang="en-US" sz="1200" dirty="0" err="1">
+                <a:solidFill>
+                  <a:srgbClr val="000000"/>
+                </a:solidFill>
+                <a:highlight>
+                  <a:srgbClr val="FFFFFF"/>
+                </a:highlight>
+                <a:latin typeface="Cascadia Mono" panose="020B0609020000020004" pitchFamily="49" charset="0"/>
+              </a:rPr>
+              <a:t>dbo</a:t>
+            </a:r>
+            <a:r>
+              <a:rPr lang="en-US" sz="1200" dirty="0" err="1">
+                <a:solidFill>
+                  <a:srgbClr val="808080"/>
+                </a:solidFill>
+                <a:highlight>
+                  <a:srgbClr val="FFFFFF"/>
+                </a:highlight>
+                <a:latin typeface="Cascadia Mono" panose="020B0609020000020004" pitchFamily="49" charset="0"/>
+              </a:rPr>
+              <a:t>.</a:t>
+            </a:r>
+            <a:r>
+              <a:rPr lang="en-US" sz="1200" dirty="0" err="1">
+                <a:solidFill>
+                  <a:srgbClr val="000000"/>
+                </a:solidFill>
+                <a:highlight>
+                  <a:srgbClr val="FFFFFF"/>
+                </a:highlight>
+                <a:latin typeface="Cascadia Mono" panose="020B0609020000020004" pitchFamily="49" charset="0"/>
+              </a:rPr>
+              <a:t>process_status</a:t>
+            </a:r>
+            <a:endParaRPr lang="en-US" sz="1200" dirty="0">
+              <a:solidFill>
+                <a:srgbClr val="000000"/>
+              </a:solidFill>
+              <a:highlight>
+                <a:srgbClr val="FFFFFF"/>
+              </a:highlight>
+              <a:latin typeface="Cascadia Mono" panose="020B0609020000020004" pitchFamily="49" charset="0"/>
+            </a:endParaRPr>
+          </a:p>
+          <a:p>
+            <a:r>
+              <a:rPr lang="en-US" sz="1200" dirty="0">
+                <a:solidFill>
+                  <a:srgbClr val="0000FF"/>
+                </a:solidFill>
+                <a:highlight>
+                  <a:srgbClr val="FFFFFF"/>
+                </a:highlight>
+                <a:latin typeface="Cascadia Mono" panose="020B0609020000020004" pitchFamily="49" charset="0"/>
+              </a:rPr>
+              <a:t>SET</a:t>
+            </a:r>
+            <a:r>
+              <a:rPr lang="en-US" sz="1200" dirty="0">
+                <a:solidFill>
+                  <a:srgbClr val="000000"/>
+                </a:solidFill>
+                <a:highlight>
+                  <a:srgbClr val="FFFFFF"/>
+                </a:highlight>
+                <a:latin typeface="Cascadia Mono" panose="020B0609020000020004" pitchFamily="49" charset="0"/>
+              </a:rPr>
+              <a:t>     </a:t>
+            </a:r>
+            <a:r>
+              <a:rPr lang="en-US" sz="1200" dirty="0" err="1">
+                <a:solidFill>
+                  <a:srgbClr val="000000"/>
+                </a:solidFill>
+                <a:highlight>
+                  <a:srgbClr val="FFFFFF"/>
+                </a:highlight>
+                <a:latin typeface="Cascadia Mono" panose="020B0609020000020004" pitchFamily="49" charset="0"/>
+              </a:rPr>
+              <a:t>istate</a:t>
+            </a:r>
+            <a:r>
+              <a:rPr lang="en-US" sz="1200" dirty="0">
+                <a:solidFill>
+                  <a:srgbClr val="000000"/>
+                </a:solidFill>
+                <a:highlight>
+                  <a:srgbClr val="FFFFFF"/>
+                </a:highlight>
+                <a:latin typeface="Cascadia Mono" panose="020B0609020000020004" pitchFamily="49" charset="0"/>
+              </a:rPr>
+              <a:t> </a:t>
+            </a:r>
+            <a:r>
+              <a:rPr lang="en-US" sz="1200" dirty="0">
+                <a:solidFill>
+                  <a:srgbClr val="808080"/>
+                </a:solidFill>
+                <a:highlight>
+                  <a:srgbClr val="FFFFFF"/>
+                </a:highlight>
+                <a:latin typeface="Cascadia Mono" panose="020B0609020000020004" pitchFamily="49" charset="0"/>
+              </a:rPr>
+              <a:t>=</a:t>
+            </a:r>
+            <a:r>
+              <a:rPr lang="en-US" sz="1200" dirty="0">
+                <a:solidFill>
+                  <a:srgbClr val="000000"/>
+                </a:solidFill>
+                <a:highlight>
+                  <a:srgbClr val="FFFFFF"/>
+                </a:highlight>
+                <a:latin typeface="Cascadia Mono" panose="020B0609020000020004" pitchFamily="49" charset="0"/>
+              </a:rPr>
+              <a:t> 1</a:t>
+            </a:r>
+          </a:p>
+          <a:p>
+            <a:r>
+              <a:rPr lang="en-US" sz="1200" dirty="0">
+                <a:solidFill>
+                  <a:srgbClr val="0000FF"/>
+                </a:solidFill>
+                <a:highlight>
+                  <a:srgbClr val="FFFFFF"/>
+                </a:highlight>
+                <a:latin typeface="Cascadia Mono" panose="020B0609020000020004" pitchFamily="49" charset="0"/>
+              </a:rPr>
+              <a:t>WHERE</a:t>
+            </a:r>
+            <a:r>
+              <a:rPr lang="en-US" sz="1200" dirty="0">
+                <a:solidFill>
+                  <a:srgbClr val="000000"/>
+                </a:solidFill>
+                <a:highlight>
+                  <a:srgbClr val="FFFFFF"/>
+                </a:highlight>
+                <a:latin typeface="Cascadia Mono" panose="020B0609020000020004" pitchFamily="49" charset="0"/>
+              </a:rPr>
+              <a:t>   </a:t>
+            </a:r>
+            <a:r>
+              <a:rPr lang="en-US" sz="1200" dirty="0" err="1">
+                <a:solidFill>
+                  <a:srgbClr val="000000"/>
+                </a:solidFill>
+                <a:highlight>
+                  <a:srgbClr val="FFFFFF"/>
+                </a:highlight>
+                <a:latin typeface="Cascadia Mono" panose="020B0609020000020004" pitchFamily="49" charset="0"/>
+              </a:rPr>
+              <a:t>scancode</a:t>
+            </a:r>
+            <a:r>
+              <a:rPr lang="en-US" sz="1200" dirty="0">
+                <a:solidFill>
+                  <a:srgbClr val="000000"/>
+                </a:solidFill>
+                <a:highlight>
+                  <a:srgbClr val="FFFFFF"/>
+                </a:highlight>
+                <a:latin typeface="Cascadia Mono" panose="020B0609020000020004" pitchFamily="49" charset="0"/>
+              </a:rPr>
+              <a:t> </a:t>
+            </a:r>
+            <a:r>
+              <a:rPr lang="en-US" sz="1200" dirty="0">
+                <a:solidFill>
+                  <a:srgbClr val="808080"/>
+                </a:solidFill>
+                <a:highlight>
+                  <a:srgbClr val="FFFFFF"/>
+                </a:highlight>
+                <a:latin typeface="Cascadia Mono" panose="020B0609020000020004" pitchFamily="49" charset="0"/>
+              </a:rPr>
+              <a:t>=</a:t>
+            </a:r>
+            <a:r>
+              <a:rPr lang="en-US" sz="1200" dirty="0">
+                <a:solidFill>
+                  <a:srgbClr val="000000"/>
+                </a:solidFill>
+                <a:highlight>
+                  <a:srgbClr val="FFFFFF"/>
+                </a:highlight>
+                <a:latin typeface="Cascadia Mono" panose="020B0609020000020004" pitchFamily="49" charset="0"/>
+              </a:rPr>
+              <a:t> @scancode</a:t>
+            </a:r>
+          </a:p>
+          <a:p>
+            <a:r>
+              <a:rPr lang="en-US" sz="1200" dirty="0">
+                <a:solidFill>
+                  <a:srgbClr val="000000"/>
+                </a:solidFill>
+                <a:highlight>
+                  <a:srgbClr val="FFFFFF"/>
+                </a:highlight>
+                <a:latin typeface="Cascadia Mono" panose="020B0609020000020004" pitchFamily="49" charset="0"/>
+              </a:rPr>
+              <a:t>        </a:t>
+            </a:r>
+            <a:r>
+              <a:rPr lang="en-US" sz="1200" dirty="0">
+                <a:solidFill>
+                  <a:srgbClr val="808080"/>
+                </a:solidFill>
+                <a:highlight>
+                  <a:srgbClr val="FFFFFF"/>
+                </a:highlight>
+                <a:latin typeface="Cascadia Mono" panose="020B0609020000020004" pitchFamily="49" charset="0"/>
+              </a:rPr>
+              <a:t>AND</a:t>
+            </a:r>
+            <a:r>
+              <a:rPr lang="en-US" sz="1200" dirty="0">
+                <a:solidFill>
+                  <a:srgbClr val="000000"/>
+                </a:solidFill>
+                <a:highlight>
+                  <a:srgbClr val="FFFFFF"/>
+                </a:highlight>
+                <a:latin typeface="Cascadia Mono" panose="020B0609020000020004" pitchFamily="49" charset="0"/>
+              </a:rPr>
+              <a:t> </a:t>
+            </a:r>
+            <a:r>
+              <a:rPr lang="en-US" sz="1200" dirty="0" err="1">
+                <a:solidFill>
+                  <a:srgbClr val="000000"/>
+                </a:solidFill>
+                <a:highlight>
+                  <a:srgbClr val="FFFFFF"/>
+                </a:highlight>
+                <a:latin typeface="Cascadia Mono" panose="020B0609020000020004" pitchFamily="49" charset="0"/>
+              </a:rPr>
+              <a:t>ship_id</a:t>
+            </a:r>
+            <a:r>
+              <a:rPr lang="en-US" sz="1200" dirty="0">
+                <a:solidFill>
+                  <a:srgbClr val="000000"/>
+                </a:solidFill>
+                <a:highlight>
+                  <a:srgbClr val="FFFFFF"/>
+                </a:highlight>
+                <a:latin typeface="Cascadia Mono" panose="020B0609020000020004" pitchFamily="49" charset="0"/>
+              </a:rPr>
+              <a:t> </a:t>
+            </a:r>
+            <a:r>
+              <a:rPr lang="en-US" sz="1200" dirty="0">
+                <a:solidFill>
+                  <a:srgbClr val="808080"/>
+                </a:solidFill>
+                <a:highlight>
+                  <a:srgbClr val="FFFFFF"/>
+                </a:highlight>
+                <a:latin typeface="Cascadia Mono" panose="020B0609020000020004" pitchFamily="49" charset="0"/>
+              </a:rPr>
+              <a:t>=</a:t>
+            </a:r>
+            <a:r>
+              <a:rPr lang="en-US" sz="1200" dirty="0">
+                <a:solidFill>
+                  <a:srgbClr val="000000"/>
+                </a:solidFill>
+                <a:highlight>
+                  <a:srgbClr val="FFFFFF"/>
+                </a:highlight>
+                <a:latin typeface="Cascadia Mono" panose="020B0609020000020004" pitchFamily="49" charset="0"/>
+              </a:rPr>
+              <a:t> @ship_id</a:t>
+            </a:r>
+            <a:r>
+              <a:rPr lang="en-US" sz="1200" dirty="0">
+                <a:solidFill>
+                  <a:srgbClr val="808080"/>
+                </a:solidFill>
+                <a:highlight>
+                  <a:srgbClr val="FFFFFF"/>
+                </a:highlight>
+                <a:latin typeface="Cascadia Mono" panose="020B0609020000020004" pitchFamily="49" charset="0"/>
+              </a:rPr>
+              <a:t>;</a:t>
+            </a:r>
+            <a:endParaRPr lang="en-US" sz="1200" dirty="0"/>
+          </a:p>
+        </p:txBody>
+      </p:sp>
+      <p:graphicFrame>
+        <p:nvGraphicFramePr>
+          <p:cNvPr id="7" name="Tabelle 6">
+            <a:extLst>
+              <a:ext uri="{FF2B5EF4-FFF2-40B4-BE49-F238E27FC236}">
+                <a16:creationId xmlns:a16="http://schemas.microsoft.com/office/drawing/2014/main" id="{AC492C26-FDC5-B6F7-F1F9-8C0DF8E3D604}"/>
+              </a:ext>
+            </a:extLst>
+          </p:cNvPr>
+          <p:cNvGraphicFramePr>
+            <a:graphicFrameLocks noGrp="1"/>
+          </p:cNvGraphicFramePr>
+          <p:nvPr>
+            <p:extLst>
+              <p:ext uri="{D42A27DB-BD31-4B8C-83A1-F6EECF244321}">
+                <p14:modId xmlns:p14="http://schemas.microsoft.com/office/powerpoint/2010/main" val="87908287"/>
+              </p:ext>
+            </p:extLst>
+          </p:nvPr>
+        </p:nvGraphicFramePr>
+        <p:xfrm>
+          <a:off x="3935072" y="5290321"/>
+          <a:ext cx="5753254" cy="822960"/>
+        </p:xfrm>
+        <a:graphic>
+          <a:graphicData uri="http://schemas.openxmlformats.org/drawingml/2006/table">
+            <a:tbl>
+              <a:tblPr firstRow="1" bandRow="1">
+                <a:tableStyleId>{5C22544A-7EE6-4342-B048-85BDC9FD1C3A}</a:tableStyleId>
+              </a:tblPr>
+              <a:tblGrid>
+                <a:gridCol w="680387">
+                  <a:extLst>
+                    <a:ext uri="{9D8B030D-6E8A-4147-A177-3AD203B41FA5}">
+                      <a16:colId xmlns:a16="http://schemas.microsoft.com/office/drawing/2014/main" val="2562181325"/>
+                    </a:ext>
+                  </a:extLst>
+                </a:gridCol>
+                <a:gridCol w="1437196">
+                  <a:extLst>
+                    <a:ext uri="{9D8B030D-6E8A-4147-A177-3AD203B41FA5}">
+                      <a16:colId xmlns:a16="http://schemas.microsoft.com/office/drawing/2014/main" val="1213706577"/>
+                    </a:ext>
+                  </a:extLst>
+                </a:gridCol>
+                <a:gridCol w="1437196">
+                  <a:extLst>
+                    <a:ext uri="{9D8B030D-6E8A-4147-A177-3AD203B41FA5}">
+                      <a16:colId xmlns:a16="http://schemas.microsoft.com/office/drawing/2014/main" val="1058491374"/>
+                    </a:ext>
+                  </a:extLst>
+                </a:gridCol>
+                <a:gridCol w="1437196">
+                  <a:extLst>
+                    <a:ext uri="{9D8B030D-6E8A-4147-A177-3AD203B41FA5}">
+                      <a16:colId xmlns:a16="http://schemas.microsoft.com/office/drawing/2014/main" val="428986373"/>
+                    </a:ext>
+                  </a:extLst>
+                </a:gridCol>
+                <a:gridCol w="761279">
+                  <a:extLst>
+                    <a:ext uri="{9D8B030D-6E8A-4147-A177-3AD203B41FA5}">
+                      <a16:colId xmlns:a16="http://schemas.microsoft.com/office/drawing/2014/main" val="3077172326"/>
+                    </a:ext>
+                  </a:extLst>
+                </a:gridCol>
+              </a:tblGrid>
+              <a:tr h="188729">
+                <a:tc gridSpan="5">
+                  <a:txBody>
+                    <a:bodyPr/>
+                    <a:lstStyle/>
+                    <a:p>
+                      <a:r>
+                        <a:rPr lang="en-US" sz="1200" dirty="0" err="1"/>
+                        <a:t>Nix_process_status_scanncode_ship_id</a:t>
+                      </a:r>
+                      <a:endParaRPr lang="en-US" sz="1200" dirty="0"/>
+                    </a:p>
+                  </a:txBody>
+                  <a:tcPr/>
+                </a:tc>
+                <a:tc hMerge="1">
+                  <a:txBody>
+                    <a:bodyPr/>
+                    <a:lstStyle/>
+                    <a:p>
+                      <a:endParaRPr lang="en-US" dirty="0"/>
+                    </a:p>
+                  </a:txBody>
+                  <a:tcPr/>
+                </a:tc>
+                <a:tc hMerge="1">
+                  <a:txBody>
+                    <a:bodyPr/>
+                    <a:lstStyle/>
+                    <a:p>
+                      <a:endParaRPr lang="en-US"/>
+                    </a:p>
+                  </a:txBody>
+                  <a:tcPr/>
+                </a:tc>
+                <a:tc hMerge="1">
+                  <a:txBody>
+                    <a:bodyPr/>
+                    <a:lstStyle/>
+                    <a:p>
+                      <a:endParaRPr lang="en-US"/>
+                    </a:p>
+                  </a:txBody>
+                  <a:tcPr/>
+                </a:tc>
+                <a:tc hMerge="1">
+                  <a:txBody>
+                    <a:bodyPr/>
+                    <a:lstStyle/>
+                    <a:p>
+                      <a:endParaRPr lang="en-US" sz="1200" dirty="0"/>
+                    </a:p>
+                  </a:txBody>
+                  <a:tcPr/>
+                </a:tc>
+                <a:extLst>
+                  <a:ext uri="{0D108BD9-81ED-4DB2-BD59-A6C34878D82A}">
+                    <a16:rowId xmlns:a16="http://schemas.microsoft.com/office/drawing/2014/main" val="1041815010"/>
+                  </a:ext>
+                </a:extLst>
+              </a:tr>
+              <a:tr h="188729">
+                <a:tc>
+                  <a:txBody>
+                    <a:bodyPr/>
+                    <a:lstStyle/>
+                    <a:p>
+                      <a:r>
+                        <a:rPr lang="en-US" sz="1200" b="1" dirty="0"/>
+                        <a:t>lock</a:t>
+                      </a:r>
+                    </a:p>
+                  </a:txBody>
+                  <a:tcPr/>
+                </a:tc>
+                <a:tc>
+                  <a:txBody>
+                    <a:bodyPr/>
+                    <a:lstStyle/>
+                    <a:p>
+                      <a:r>
+                        <a:rPr lang="en-US" sz="1200" b="1" dirty="0" err="1"/>
+                        <a:t>scancode</a:t>
+                      </a:r>
+                      <a:r>
+                        <a:rPr lang="en-US" sz="1200" b="1" dirty="0"/>
+                        <a:t> (key)</a:t>
+                      </a:r>
+                    </a:p>
+                  </a:txBody>
+                  <a:tcPr/>
+                </a:tc>
+                <a:tc>
+                  <a:txBody>
+                    <a:bodyPr/>
+                    <a:lstStyle/>
+                    <a:p>
+                      <a:r>
+                        <a:rPr lang="en-US" sz="1200" b="1" dirty="0" err="1"/>
+                        <a:t>ship_id</a:t>
+                      </a:r>
+                      <a:r>
+                        <a:rPr lang="en-US" sz="1200" b="1" dirty="0"/>
+                        <a:t> (key)</a:t>
+                      </a:r>
+                    </a:p>
+                  </a:txBody>
+                  <a:tcPr/>
+                </a:tc>
+                <a:tc>
+                  <a:txBody>
+                    <a:bodyPr/>
+                    <a:lstStyle/>
+                    <a:p>
+                      <a:r>
+                        <a:rPr lang="en-US" sz="1200" b="1" dirty="0"/>
+                        <a:t>RID Key</a:t>
+                      </a:r>
+                    </a:p>
+                  </a:txBody>
+                  <a:tcPr/>
+                </a:tc>
+                <a:tc>
+                  <a:txBody>
+                    <a:bodyPr/>
+                    <a:lstStyle/>
+                    <a:p>
+                      <a:pPr algn="ctr"/>
+                      <a:r>
+                        <a:rPr lang="en-US" sz="1200" b="1" dirty="0"/>
+                        <a:t>lock</a:t>
+                      </a:r>
+                    </a:p>
+                  </a:txBody>
+                  <a:tcPr/>
+                </a:tc>
+                <a:extLst>
+                  <a:ext uri="{0D108BD9-81ED-4DB2-BD59-A6C34878D82A}">
+                    <a16:rowId xmlns:a16="http://schemas.microsoft.com/office/drawing/2014/main" val="3171680422"/>
+                  </a:ext>
+                </a:extLst>
+              </a:tr>
+              <a:tr h="188729">
+                <a:tc>
+                  <a:txBody>
+                    <a:bodyPr/>
+                    <a:lstStyle/>
+                    <a:p>
+                      <a:pPr algn="ctr"/>
+                      <a:r>
+                        <a:rPr lang="en-US" sz="1200" b="1" dirty="0">
+                          <a:solidFill>
+                            <a:srgbClr val="FF0000"/>
+                          </a:solidFill>
+                        </a:rPr>
+                        <a:t>U</a:t>
+                      </a:r>
+                    </a:p>
+                  </a:txBody>
+                  <a:tcPr/>
+                </a:tc>
+                <a:tc>
+                  <a:txBody>
+                    <a:bodyPr/>
+                    <a:lstStyle/>
+                    <a:p>
+                      <a:r>
+                        <a:rPr lang="en-US" sz="1200" dirty="0"/>
+                        <a:t>000000000</a:t>
+                      </a:r>
+                    </a:p>
+                  </a:txBody>
+                  <a:tcPr/>
+                </a:tc>
+                <a:tc>
+                  <a:txBody>
+                    <a:bodyPr/>
+                    <a:lstStyle/>
+                    <a:p>
+                      <a:r>
+                        <a:rPr lang="en-US" sz="1200" dirty="0"/>
+                        <a:t>4711</a:t>
+                      </a:r>
+                    </a:p>
+                  </a:txBody>
+                  <a:tcPr/>
+                </a:tc>
+                <a:tc>
+                  <a:txBody>
+                    <a:bodyPr/>
+                    <a:lstStyle/>
+                    <a:p>
+                      <a:r>
+                        <a:rPr lang="en-US" sz="1200" dirty="0"/>
+                        <a:t>0</a:t>
+                      </a:r>
+                    </a:p>
+                  </a:txBody>
+                  <a:tcPr/>
+                </a:tc>
+                <a:tc>
+                  <a:txBody>
+                    <a:bodyPr/>
+                    <a:lstStyle/>
+                    <a:p>
+                      <a:pPr algn="ctr"/>
+                      <a:endParaRPr lang="en-US" sz="1200" dirty="0"/>
+                    </a:p>
+                  </a:txBody>
+                  <a:tcPr/>
+                </a:tc>
+                <a:extLst>
+                  <a:ext uri="{0D108BD9-81ED-4DB2-BD59-A6C34878D82A}">
+                    <a16:rowId xmlns:a16="http://schemas.microsoft.com/office/drawing/2014/main" val="3285985555"/>
+                  </a:ext>
+                </a:extLst>
+              </a:tr>
+            </a:tbl>
+          </a:graphicData>
+        </a:graphic>
+      </p:graphicFrame>
+      <p:cxnSp>
+        <p:nvCxnSpPr>
+          <p:cNvPr id="8" name="Gerade Verbindung mit Pfeil 7">
+            <a:extLst>
+              <a:ext uri="{FF2B5EF4-FFF2-40B4-BE49-F238E27FC236}">
+                <a16:creationId xmlns:a16="http://schemas.microsoft.com/office/drawing/2014/main" id="{1EAF7EC5-79CA-D0D8-530B-DD117565E7D9}"/>
+              </a:ext>
+            </a:extLst>
+          </p:cNvPr>
+          <p:cNvCxnSpPr>
+            <a:cxnSpLocks/>
+            <a:stCxn id="6" idx="2"/>
+            <a:endCxn id="7" idx="1"/>
+          </p:cNvCxnSpPr>
+          <p:nvPr/>
+        </p:nvCxnSpPr>
+        <p:spPr>
+          <a:xfrm>
+            <a:off x="1818706" y="2830065"/>
+            <a:ext cx="2116366" cy="2871736"/>
+          </a:xfrm>
+          <a:prstGeom prst="straightConnector1">
+            <a:avLst/>
+          </a:prstGeom>
+          <a:ln>
+            <a:solidFill>
+              <a:schemeClr val="tx1"/>
+            </a:solidFill>
+            <a:headEnd type="none" w="med" len="med"/>
+            <a:tailEnd type="triangle"/>
+          </a:ln>
+        </p:spPr>
+        <p:style>
+          <a:lnRef idx="1">
+            <a:schemeClr val="accent1"/>
+          </a:lnRef>
+          <a:fillRef idx="0">
+            <a:schemeClr val="accent1"/>
+          </a:fillRef>
+          <a:effectRef idx="0">
+            <a:schemeClr val="accent1"/>
+          </a:effectRef>
+          <a:fontRef idx="minor">
+            <a:schemeClr val="tx1"/>
+          </a:fontRef>
+        </p:style>
+      </p:cxnSp>
+      <p:cxnSp>
+        <p:nvCxnSpPr>
+          <p:cNvPr id="11" name="Gerade Verbindung mit Pfeil 10">
+            <a:extLst>
+              <a:ext uri="{FF2B5EF4-FFF2-40B4-BE49-F238E27FC236}">
+                <a16:creationId xmlns:a16="http://schemas.microsoft.com/office/drawing/2014/main" id="{906FD59B-B723-5D61-648C-B701B06E0936}"/>
+              </a:ext>
+            </a:extLst>
+          </p:cNvPr>
+          <p:cNvCxnSpPr>
+            <a:cxnSpLocks/>
+            <a:stCxn id="6" idx="3"/>
+          </p:cNvCxnSpPr>
+          <p:nvPr/>
+        </p:nvCxnSpPr>
+        <p:spPr>
+          <a:xfrm>
+            <a:off x="3302445" y="2414567"/>
+            <a:ext cx="632627" cy="0"/>
+          </a:xfrm>
+          <a:prstGeom prst="straightConnector1">
+            <a:avLst/>
+          </a:prstGeom>
+          <a:ln>
+            <a:solidFill>
+              <a:schemeClr val="tx1"/>
+            </a:solidFill>
+            <a:headEnd type="none" w="med" len="med"/>
+            <a:tailEnd type="triangle"/>
+          </a:ln>
+        </p:spPr>
+        <p:style>
+          <a:lnRef idx="1">
+            <a:schemeClr val="accent1"/>
+          </a:lnRef>
+          <a:fillRef idx="0">
+            <a:schemeClr val="accent1"/>
+          </a:fillRef>
+          <a:effectRef idx="0">
+            <a:schemeClr val="accent1"/>
+          </a:effectRef>
+          <a:fontRef idx="minor">
+            <a:schemeClr val="tx1"/>
+          </a:fontRef>
+        </p:style>
+      </p:cxnSp>
+    </p:spTree>
+    <p:extLst>
+      <p:ext uri="{BB962C8B-B14F-4D97-AF65-F5344CB8AC3E}">
+        <p14:creationId xmlns:p14="http://schemas.microsoft.com/office/powerpoint/2010/main" val="3939206335"/>
+      </p:ext>
+    </p:extLst>
+  </p:cSld>
+  <p:clrMapOvr>
+    <a:masterClrMapping/>
+  </p:clrMapOvr>
+  <p:timing>
+    <p:tnLst>
+      <p:par>
+        <p:cTn id="1" dur="indefinite" restart="never" nodeType="tmRoot">
+          <p:childTnLst>
+            <p:seq concurrent="1" nextAc="seek">
+              <p:cTn id="2" dur="indefinite" nodeType="mainSeq">
+                <p:childTnLst>
+                  <p:par>
+                    <p:cTn id="3" fill="hold">
+                      <p:stCondLst>
+                        <p:cond delay="indefinite"/>
+                      </p:stCondLst>
+                      <p:childTnLst>
+                        <p:par>
+                          <p:cTn id="4" fill="hold">
+                            <p:stCondLst>
+                              <p:cond delay="0"/>
+                            </p:stCondLst>
+                            <p:childTnLst>
+                              <p:par>
+                                <p:cTn id="5" presetID="10" presetClass="entr" presetSubtype="0" fill="hold" nodeType="clickEffect">
+                                  <p:stCondLst>
+                                    <p:cond delay="0"/>
+                                  </p:stCondLst>
+                                  <p:childTnLst>
+                                    <p:set>
+                                      <p:cBhvr>
+                                        <p:cTn id="6" dur="1" fill="hold">
+                                          <p:stCondLst>
+                                            <p:cond delay="0"/>
+                                          </p:stCondLst>
+                                        </p:cTn>
+                                        <p:tgtEl>
+                                          <p:spTgt spid="8"/>
+                                        </p:tgtEl>
+                                        <p:attrNameLst>
+                                          <p:attrName>style.visibility</p:attrName>
+                                        </p:attrNameLst>
+                                      </p:cBhvr>
+                                      <p:to>
+                                        <p:strVal val="visible"/>
+                                      </p:to>
+                                    </p:set>
+                                    <p:animEffect transition="in" filter="fade">
+                                      <p:cBhvr>
+                                        <p:cTn id="7" dur="500"/>
+                                        <p:tgtEl>
+                                          <p:spTgt spid="8"/>
+                                        </p:tgtEl>
+                                      </p:cBhvr>
+                                    </p:animEffect>
+                                  </p:childTnLst>
+                                </p:cTn>
+                              </p:par>
+                            </p:childTnLst>
+                          </p:cTn>
+                        </p:par>
+                      </p:childTnLst>
+                    </p:cTn>
+                  </p:par>
+                  <p:par>
+                    <p:cTn id="8" fill="hold">
+                      <p:stCondLst>
+                        <p:cond delay="indefinite"/>
+                      </p:stCondLst>
+                      <p:childTnLst>
+                        <p:par>
+                          <p:cTn id="9" fill="hold">
+                            <p:stCondLst>
+                              <p:cond delay="0"/>
+                            </p:stCondLst>
+                            <p:childTnLst>
+                              <p:par>
+                                <p:cTn id="10" presetID="10" presetClass="exit" presetSubtype="0" fill="hold" nodeType="clickEffect">
+                                  <p:stCondLst>
+                                    <p:cond delay="0"/>
+                                  </p:stCondLst>
+                                  <p:childTnLst>
+                                    <p:animEffect transition="out" filter="fade">
+                                      <p:cBhvr>
+                                        <p:cTn id="11" dur="500"/>
+                                        <p:tgtEl>
+                                          <p:spTgt spid="8"/>
+                                        </p:tgtEl>
+                                      </p:cBhvr>
+                                    </p:animEffect>
+                                    <p:set>
+                                      <p:cBhvr>
+                                        <p:cTn id="12" dur="1" fill="hold">
+                                          <p:stCondLst>
+                                            <p:cond delay="499"/>
+                                          </p:stCondLst>
+                                        </p:cTn>
+                                        <p:tgtEl>
+                                          <p:spTgt spid="8"/>
+                                        </p:tgtEl>
+                                        <p:attrNameLst>
+                                          <p:attrName>style.visibility</p:attrName>
+                                        </p:attrNameLst>
+                                      </p:cBhvr>
+                                      <p:to>
+                                        <p:strVal val="hidden"/>
+                                      </p:to>
+                                    </p:set>
+                                  </p:childTnLst>
+                                </p:cTn>
+                              </p:par>
+                            </p:childTnLst>
+                          </p:cTn>
+                        </p:par>
+                      </p:childTnLst>
+                    </p:cTn>
+                  </p:par>
+                  <p:par>
+                    <p:cTn id="13" fill="hold">
+                      <p:stCondLst>
+                        <p:cond delay="indefinite"/>
+                      </p:stCondLst>
+                      <p:childTnLst>
+                        <p:par>
+                          <p:cTn id="14" fill="hold">
+                            <p:stCondLst>
+                              <p:cond delay="0"/>
+                            </p:stCondLst>
+                            <p:childTnLst>
+                              <p:par>
+                                <p:cTn id="15" presetID="10" presetClass="entr" presetSubtype="0" fill="hold" nodeType="clickEffect">
+                                  <p:stCondLst>
+                                    <p:cond delay="0"/>
+                                  </p:stCondLst>
+                                  <p:childTnLst>
+                                    <p:set>
+                                      <p:cBhvr>
+                                        <p:cTn id="16" dur="1" fill="hold">
+                                          <p:stCondLst>
+                                            <p:cond delay="0"/>
+                                          </p:stCondLst>
+                                        </p:cTn>
+                                        <p:tgtEl>
+                                          <p:spTgt spid="11"/>
+                                        </p:tgtEl>
+                                        <p:attrNameLst>
+                                          <p:attrName>style.visibility</p:attrName>
+                                        </p:attrNameLst>
+                                      </p:cBhvr>
+                                      <p:to>
+                                        <p:strVal val="visible"/>
+                                      </p:to>
+                                    </p:set>
+                                    <p:animEffect transition="in" filter="fade">
+                                      <p:cBhvr>
+                                        <p:cTn id="17" dur="500"/>
+                                        <p:tgtEl>
+                                          <p:spTgt spid="11"/>
+                                        </p:tgtEl>
+                                      </p:cBhvr>
+                                    </p:animEffect>
+                                  </p:childTnLst>
+                                </p:cTn>
+                              </p:par>
+                            </p:childTnLst>
+                          </p:cTn>
+                        </p:par>
+                      </p:childTnLst>
+                    </p:cTn>
+                  </p:par>
+                  <p:par>
+                    <p:cTn id="18" fill="hold">
+                      <p:stCondLst>
+                        <p:cond delay="indefinite"/>
+                      </p:stCondLst>
+                      <p:childTnLst>
+                        <p:par>
+                          <p:cTn id="19" fill="hold">
+                            <p:stCondLst>
+                              <p:cond delay="0"/>
+                            </p:stCondLst>
+                            <p:childTnLst>
+                              <p:par>
+                                <p:cTn id="20" presetID="10" presetClass="exit" presetSubtype="0" fill="hold" nodeType="clickEffect">
+                                  <p:stCondLst>
+                                    <p:cond delay="0"/>
+                                  </p:stCondLst>
+                                  <p:childTnLst>
+                                    <p:animEffect transition="out" filter="fade">
+                                      <p:cBhvr>
+                                        <p:cTn id="21" dur="500"/>
+                                        <p:tgtEl>
+                                          <p:spTgt spid="11"/>
+                                        </p:tgtEl>
+                                      </p:cBhvr>
+                                    </p:animEffect>
+                                    <p:set>
+                                      <p:cBhvr>
+                                        <p:cTn id="22" dur="1" fill="hold">
+                                          <p:stCondLst>
+                                            <p:cond delay="499"/>
+                                          </p:stCondLst>
+                                        </p:cTn>
+                                        <p:tgtEl>
+                                          <p:spTgt spid="11"/>
+                                        </p:tgtEl>
+                                        <p:attrNameLst>
+                                          <p:attrName>style.visibility</p:attrName>
+                                        </p:attrNameLst>
+                                      </p:cBhvr>
+                                      <p:to>
+                                        <p:strVal val="hidden"/>
+                                      </p:to>
+                                    </p:set>
+                                  </p:childTnLst>
+                                </p:cTn>
+                              </p:par>
+                            </p:childTnLst>
+                          </p:cTn>
+                        </p:par>
+                      </p:childTnLst>
+                    </p:cTn>
+                  </p:par>
+                </p:childTnLst>
+              </p:cTn>
+              <p:prevCondLst>
+                <p:cond evt="onPrev" delay="0">
+                  <p:tgtEl>
+                    <p:sldTgt/>
+                  </p:tgtEl>
+                </p:cond>
+              </p:prevCondLst>
+              <p:nextCondLst>
+                <p:cond evt="onNext" delay="0">
+                  <p:tgtEl>
+                    <p:sldTgt/>
+                  </p:tgtEl>
+                </p:cond>
+              </p:nextCondLst>
+            </p:seq>
+          </p:childTnLst>
+        </p:cTn>
+      </p:par>
+    </p:tnLst>
+  </p:timing>
+</p:sld>
+</file>
+
+<file path=ppt/slides/slide26.xml><?xml version="1.0" encoding="utf-8"?>
+<p:sld xmlns:a="http://schemas.openxmlformats.org/drawingml/2006/main" xmlns:r="http://schemas.openxmlformats.org/officeDocument/2006/relationships" xmlns:p="http://schemas.openxmlformats.org/presentationml/2006/main">
+  <p:cSld>
+    <p:spTree>
+      <p:nvGrpSpPr>
         <p:cNvPr id="1" name="">
           <a:extLst>
             <a:ext uri="{FF2B5EF4-FFF2-40B4-BE49-F238E27FC236}">
@@ -19144,8 +21227,8 @@
 </p:sld>
 </file>
 
-<file path=ppt/slides/slide26.xml><?xml version="1.0" encoding="utf-8"?>
-<p:sld xmlns:a="http://schemas.openxmlformats.org/drawingml/2006/main" xmlns:r="http://schemas.openxmlformats.org/officeDocument/2006/relationships" xmlns:p="http://schemas.openxmlformats.org/presentationml/2006/main" show="0">
+<file path=ppt/slides/slide27.xml><?xml version="1.0" encoding="utf-8"?>
+<p:sld xmlns:a="http://schemas.openxmlformats.org/drawingml/2006/main" xmlns:r="http://schemas.openxmlformats.org/officeDocument/2006/relationships" xmlns:p="http://schemas.openxmlformats.org/presentationml/2006/main">
   <p:cSld>
     <p:spTree>
       <p:nvGrpSpPr>
@@ -19161,899 +21244,261 @@
           <a:chExt cx="0" cy="0"/>
         </a:xfrm>
       </p:grpSpPr>
-      <p:sp>
-        <p:nvSpPr>
-          <p:cNvPr id="2" name="Titel 1">
+      <p:pic>
+        <p:nvPicPr>
+          <p:cNvPr id="3" name="Grafik 2" descr="Ein Bild, das Wand, drinnen, Person, essend enthält.&#10;&#10;Automatisch generierte Beschreibung">
             <a:extLst>
               <a:ext uri="{FF2B5EF4-FFF2-40B4-BE49-F238E27FC236}">
-                <a16:creationId xmlns:a16="http://schemas.microsoft.com/office/drawing/2014/main" id="{A588D849-FA52-2265-F4DB-0D067C284733}"/>
+                <a16:creationId xmlns:a16="http://schemas.microsoft.com/office/drawing/2014/main" id="{B83979AF-EC4E-A3B7-5E7A-4742A3BCD424}"/>
               </a:ext>
             </a:extLst>
           </p:cNvPr>
-          <p:cNvSpPr>
-            <a:spLocks noGrp="1"/>
+          <p:cNvPicPr>
+            <a:picLocks noChangeAspect="1"/>
+          </p:cNvPicPr>
+          <p:nvPr/>
+        </p:nvPicPr>
+        <p:blipFill>
+          <a:blip r:embed="rId2">
+            <a:extLst>
+              <a:ext uri="{28A0092B-C50C-407E-A947-70E740481C1C}">
+                <a14:useLocalDpi xmlns:a14="http://schemas.microsoft.com/office/drawing/2010/main" val="0"/>
+              </a:ext>
+            </a:extLst>
+          </a:blip>
+          <a:stretch>
+            <a:fillRect/>
+          </a:stretch>
+        </p:blipFill>
+        <p:spPr>
+          <a:xfrm>
+            <a:off x="4391025" y="1196975"/>
+            <a:ext cx="3409950" cy="3429000"/>
+          </a:xfrm>
+          <a:prstGeom prst="rect">
+            <a:avLst/>
+          </a:prstGeom>
+          <a:ln w="57150">
+            <a:solidFill>
+              <a:schemeClr val="tx1"/>
+            </a:solidFill>
+          </a:ln>
+          <a:effectLst>
+            <a:outerShdw blurRad="76200" dist="12700" dir="8100000" sy="-23000" kx="800400" algn="br" rotWithShape="0">
+              <a:prstClr val="black">
+                <a:alpha val="20000"/>
+              </a:prstClr>
+            </a:outerShdw>
+          </a:effectLst>
+        </p:spPr>
+      </p:pic>
+      <p:sp>
+        <p:nvSpPr>
+          <p:cNvPr id="2" name="Untertitel 2">
+            <a:extLst>
+              <a:ext uri="{FF2B5EF4-FFF2-40B4-BE49-F238E27FC236}">
+                <a16:creationId xmlns:a16="http://schemas.microsoft.com/office/drawing/2014/main" id="{C397CE24-1561-012C-8144-0FD46600A04F}"/>
+              </a:ext>
+            </a:extLst>
+          </p:cNvPr>
+          <p:cNvSpPr txBox="1">
+            <a:spLocks/>
           </p:cNvSpPr>
-          <p:nvPr>
-            <p:ph type="title"/>
-          </p:nvPr>
+          <p:nvPr/>
         </p:nvSpPr>
-        <p:spPr/>
+        <p:spPr>
+          <a:xfrm>
+            <a:off x="344245" y="4870174"/>
+            <a:ext cx="11510683" cy="743821"/>
+          </a:xfrm>
+          <a:prstGeom prst="rect">
+            <a:avLst/>
+          </a:prstGeom>
+        </p:spPr>
         <p:txBody>
           <a:bodyPr/>
-          <a:lstStyle/>
+          <a:lstStyle>
+            <a:lvl1pPr marL="228584" indent="-228584" algn="l" defTabSz="914332" rtl="0" eaLnBrk="1" latinLnBrk="0" hangingPunct="1">
+              <a:lnSpc>
+                <a:spcPct val="90000"/>
+              </a:lnSpc>
+              <a:spcBef>
+                <a:spcPts val="1000"/>
+              </a:spcBef>
+              <a:buFont typeface="Arial" panose="020B0604020202020204" pitchFamily="34" charset="0"/>
+              <a:buChar char="•"/>
+              <a:defRPr sz="2400" kern="1200">
+                <a:solidFill>
+                  <a:schemeClr val="tx1"/>
+                </a:solidFill>
+                <a:latin typeface="+mn-lt"/>
+                <a:ea typeface="+mn-ea"/>
+                <a:cs typeface="+mn-cs"/>
+              </a:defRPr>
+            </a:lvl1pPr>
+            <a:lvl2pPr marL="685750" indent="-228584" algn="l" defTabSz="914332" rtl="0" eaLnBrk="1" latinLnBrk="0" hangingPunct="1">
+              <a:lnSpc>
+                <a:spcPct val="90000"/>
+              </a:lnSpc>
+              <a:spcBef>
+                <a:spcPts val="500"/>
+              </a:spcBef>
+              <a:buFont typeface="Arial" panose="020B0604020202020204" pitchFamily="34" charset="0"/>
+              <a:buChar char="•"/>
+              <a:defRPr sz="2400" kern="1200">
+                <a:solidFill>
+                  <a:schemeClr val="tx1"/>
+                </a:solidFill>
+                <a:latin typeface="+mn-lt"/>
+                <a:ea typeface="+mn-ea"/>
+                <a:cs typeface="+mn-cs"/>
+              </a:defRPr>
+            </a:lvl2pPr>
+            <a:lvl3pPr marL="1142914" indent="-228584" algn="l" defTabSz="914332" rtl="0" eaLnBrk="1" latinLnBrk="0" hangingPunct="1">
+              <a:lnSpc>
+                <a:spcPct val="90000"/>
+              </a:lnSpc>
+              <a:spcBef>
+                <a:spcPts val="500"/>
+              </a:spcBef>
+              <a:buFont typeface="Arial" panose="020B0604020202020204" pitchFamily="34" charset="0"/>
+              <a:buChar char="•"/>
+              <a:defRPr sz="2400" kern="1200">
+                <a:solidFill>
+                  <a:schemeClr val="tx1"/>
+                </a:solidFill>
+                <a:latin typeface="+mn-lt"/>
+                <a:ea typeface="+mn-ea"/>
+                <a:cs typeface="+mn-cs"/>
+              </a:defRPr>
+            </a:lvl3pPr>
+            <a:lvl4pPr marL="1600080" indent="-228584" algn="l" defTabSz="914332" rtl="0" eaLnBrk="1" latinLnBrk="0" hangingPunct="1">
+              <a:lnSpc>
+                <a:spcPct val="90000"/>
+              </a:lnSpc>
+              <a:spcBef>
+                <a:spcPts val="500"/>
+              </a:spcBef>
+              <a:buFont typeface="Arial" panose="020B0604020202020204" pitchFamily="34" charset="0"/>
+              <a:buChar char="•"/>
+              <a:defRPr sz="2400" kern="1200">
+                <a:solidFill>
+                  <a:schemeClr val="tx1"/>
+                </a:solidFill>
+                <a:latin typeface="+mn-lt"/>
+                <a:ea typeface="+mn-ea"/>
+                <a:cs typeface="+mn-cs"/>
+              </a:defRPr>
+            </a:lvl4pPr>
+            <a:lvl5pPr marL="2057247" indent="-228584" algn="l" defTabSz="914332" rtl="0" eaLnBrk="1" latinLnBrk="0" hangingPunct="1">
+              <a:lnSpc>
+                <a:spcPct val="90000"/>
+              </a:lnSpc>
+              <a:spcBef>
+                <a:spcPts val="500"/>
+              </a:spcBef>
+              <a:buFont typeface="Arial" panose="020B0604020202020204" pitchFamily="34" charset="0"/>
+              <a:buChar char="•"/>
+              <a:defRPr sz="2400" kern="1200">
+                <a:solidFill>
+                  <a:schemeClr val="tx1"/>
+                </a:solidFill>
+                <a:latin typeface="+mn-lt"/>
+                <a:ea typeface="+mn-ea"/>
+                <a:cs typeface="+mn-cs"/>
+              </a:defRPr>
+            </a:lvl5pPr>
+            <a:lvl6pPr marL="2514412" indent="-228584" algn="l" defTabSz="914332" rtl="0" eaLnBrk="1" latinLnBrk="0" hangingPunct="1">
+              <a:lnSpc>
+                <a:spcPct val="90000"/>
+              </a:lnSpc>
+              <a:spcBef>
+                <a:spcPts val="500"/>
+              </a:spcBef>
+              <a:buFont typeface="Arial" panose="020B0604020202020204" pitchFamily="34" charset="0"/>
+              <a:buChar char="•"/>
+              <a:defRPr sz="1867" kern="1200">
+                <a:solidFill>
+                  <a:schemeClr val="tx1"/>
+                </a:solidFill>
+                <a:latin typeface="+mn-lt"/>
+                <a:ea typeface="+mn-ea"/>
+                <a:cs typeface="+mn-cs"/>
+              </a:defRPr>
+            </a:lvl6pPr>
+            <a:lvl7pPr marL="2971578" indent="-228584" algn="l" defTabSz="914332" rtl="0" eaLnBrk="1" latinLnBrk="0" hangingPunct="1">
+              <a:lnSpc>
+                <a:spcPct val="90000"/>
+              </a:lnSpc>
+              <a:spcBef>
+                <a:spcPts val="500"/>
+              </a:spcBef>
+              <a:buFont typeface="Arial" panose="020B0604020202020204" pitchFamily="34" charset="0"/>
+              <a:buChar char="•"/>
+              <a:defRPr sz="1867" kern="1200">
+                <a:solidFill>
+                  <a:schemeClr val="tx1"/>
+                </a:solidFill>
+                <a:latin typeface="+mn-lt"/>
+                <a:ea typeface="+mn-ea"/>
+                <a:cs typeface="+mn-cs"/>
+              </a:defRPr>
+            </a:lvl7pPr>
+            <a:lvl8pPr marL="3428744" indent="-228584" algn="l" defTabSz="914332" rtl="0" eaLnBrk="1" latinLnBrk="0" hangingPunct="1">
+              <a:lnSpc>
+                <a:spcPct val="90000"/>
+              </a:lnSpc>
+              <a:spcBef>
+                <a:spcPts val="500"/>
+              </a:spcBef>
+              <a:buFont typeface="Arial" panose="020B0604020202020204" pitchFamily="34" charset="0"/>
+              <a:buChar char="•"/>
+              <a:defRPr sz="1867" kern="1200">
+                <a:solidFill>
+                  <a:schemeClr val="tx1"/>
+                </a:solidFill>
+                <a:latin typeface="+mn-lt"/>
+                <a:ea typeface="+mn-ea"/>
+                <a:cs typeface="+mn-cs"/>
+              </a:defRPr>
+            </a:lvl8pPr>
+            <a:lvl9pPr marL="3885910" indent="-228584" algn="l" defTabSz="914332" rtl="0" eaLnBrk="1" latinLnBrk="0" hangingPunct="1">
+              <a:lnSpc>
+                <a:spcPct val="90000"/>
+              </a:lnSpc>
+              <a:spcBef>
+                <a:spcPts val="500"/>
+              </a:spcBef>
+              <a:buFont typeface="Arial" panose="020B0604020202020204" pitchFamily="34" charset="0"/>
+              <a:buChar char="•"/>
+              <a:defRPr sz="1867" kern="1200">
+                <a:solidFill>
+                  <a:schemeClr val="tx1"/>
+                </a:solidFill>
+                <a:latin typeface="+mn-lt"/>
+                <a:ea typeface="+mn-ea"/>
+                <a:cs typeface="+mn-cs"/>
+              </a:defRPr>
+            </a:lvl9pPr>
+          </a:lstStyle>
           <a:p>
-            <a:r>
-              <a:rPr lang="en-US" dirty="0"/>
-              <a:t>Objects</a:t>
-            </a:r>
+            <a:pPr marL="0" indent="0" algn="ctr">
+              <a:buNone/>
+            </a:pPr>
+            <a:r>
+              <a:rPr lang="de-DE" dirty="0">
+                <a:hlinkClick r:id="rId3"/>
+              </a:rPr>
+              <a:t>https://github.com/db-berater/solving-deadlock-scenarios</a:t>
+            </a:r>
+            <a:endParaRPr lang="de-DE" dirty="0"/>
           </a:p>
         </p:txBody>
       </p:sp>
-      <p:graphicFrame>
-        <p:nvGraphicFramePr>
-          <p:cNvPr id="5" name="Tabelle 4">
-            <a:extLst>
-              <a:ext uri="{FF2B5EF4-FFF2-40B4-BE49-F238E27FC236}">
-                <a16:creationId xmlns:a16="http://schemas.microsoft.com/office/drawing/2014/main" id="{91904543-0003-6AAF-793E-0BC0217607A1}"/>
-              </a:ext>
-            </a:extLst>
-          </p:cNvPr>
-          <p:cNvGraphicFramePr>
-            <a:graphicFrameLocks noGrp="1"/>
-          </p:cNvGraphicFramePr>
-          <p:nvPr>
-            <p:extLst>
-              <p:ext uri="{D42A27DB-BD31-4B8C-83A1-F6EECF244321}">
-                <p14:modId xmlns:p14="http://schemas.microsoft.com/office/powerpoint/2010/main" val="2620150295"/>
-              </p:ext>
-            </p:extLst>
-          </p:nvPr>
-        </p:nvGraphicFramePr>
-        <p:xfrm>
-          <a:off x="334966" y="1508760"/>
-          <a:ext cx="3308469" cy="1920240"/>
-        </p:xfrm>
-        <a:graphic>
-          <a:graphicData uri="http://schemas.openxmlformats.org/drawingml/2006/table">
-            <a:tbl>
-              <a:tblPr firstRow="1" bandRow="1">
-                <a:tableStyleId>{5C22544A-7EE6-4342-B048-85BDC9FD1C3A}</a:tableStyleId>
-              </a:tblPr>
-              <a:tblGrid>
-                <a:gridCol w="569248">
-                  <a:extLst>
-                    <a:ext uri="{9D8B030D-6E8A-4147-A177-3AD203B41FA5}">
-                      <a16:colId xmlns:a16="http://schemas.microsoft.com/office/drawing/2014/main" val="2562181325"/>
-                    </a:ext>
-                  </a:extLst>
-                </a:gridCol>
-                <a:gridCol w="899859">
-                  <a:extLst>
-                    <a:ext uri="{9D8B030D-6E8A-4147-A177-3AD203B41FA5}">
-                      <a16:colId xmlns:a16="http://schemas.microsoft.com/office/drawing/2014/main" val="1684396349"/>
-                    </a:ext>
-                  </a:extLst>
-                </a:gridCol>
-                <a:gridCol w="1202436">
-                  <a:extLst>
-                    <a:ext uri="{9D8B030D-6E8A-4147-A177-3AD203B41FA5}">
-                      <a16:colId xmlns:a16="http://schemas.microsoft.com/office/drawing/2014/main" val="1213706577"/>
-                    </a:ext>
-                  </a:extLst>
-                </a:gridCol>
-                <a:gridCol w="636926">
-                  <a:extLst>
-                    <a:ext uri="{9D8B030D-6E8A-4147-A177-3AD203B41FA5}">
-                      <a16:colId xmlns:a16="http://schemas.microsoft.com/office/drawing/2014/main" val="3077172326"/>
-                    </a:ext>
-                  </a:extLst>
-                </a:gridCol>
-              </a:tblGrid>
-              <a:tr h="188729">
-                <a:tc gridSpan="4">
-                  <a:txBody>
-                    <a:bodyPr/>
-                    <a:lstStyle/>
-                    <a:p>
-                      <a:r>
-                        <a:rPr lang="en-US" sz="1200" dirty="0" err="1"/>
-                        <a:t>dbo.customers</a:t>
-                      </a:r>
-                      <a:endParaRPr lang="en-US" sz="1200" dirty="0"/>
-                    </a:p>
-                  </a:txBody>
-                  <a:tcPr/>
-                </a:tc>
-                <a:tc hMerge="1">
-                  <a:txBody>
-                    <a:bodyPr/>
-                    <a:lstStyle/>
-                    <a:p>
-                      <a:endParaRPr/>
-                    </a:p>
-                  </a:txBody>
-                  <a:tcPr/>
-                </a:tc>
-                <a:tc hMerge="1">
-                  <a:txBody>
-                    <a:bodyPr/>
-                    <a:lstStyle/>
-                    <a:p>
-                      <a:endParaRPr lang="en-US" dirty="0"/>
-                    </a:p>
-                  </a:txBody>
-                  <a:tcPr/>
-                </a:tc>
-                <a:tc hMerge="1">
-                  <a:txBody>
-                    <a:bodyPr/>
-                    <a:lstStyle/>
-                    <a:p>
-                      <a:endParaRPr lang="en-US" sz="1200" dirty="0"/>
-                    </a:p>
-                  </a:txBody>
-                  <a:tcPr/>
-                </a:tc>
-                <a:extLst>
-                  <a:ext uri="{0D108BD9-81ED-4DB2-BD59-A6C34878D82A}">
-                    <a16:rowId xmlns:a16="http://schemas.microsoft.com/office/drawing/2014/main" val="1041815010"/>
-                  </a:ext>
-                </a:extLst>
-              </a:tr>
-              <a:tr h="188729">
-                <a:tc>
-                  <a:txBody>
-                    <a:bodyPr/>
-                    <a:lstStyle/>
-                    <a:p>
-                      <a:r>
-                        <a:rPr lang="en-US" sz="1200" b="1" dirty="0"/>
-                        <a:t>lock</a:t>
-                      </a:r>
-                    </a:p>
-                  </a:txBody>
-                  <a:tcPr/>
-                </a:tc>
-                <a:tc>
-                  <a:txBody>
-                    <a:bodyPr/>
-                    <a:lstStyle/>
-                    <a:p>
-                      <a:pPr algn="ctr"/>
-                      <a:r>
-                        <a:rPr lang="en-US" sz="1200" b="1" dirty="0" err="1"/>
-                        <a:t>c_custkey</a:t>
-                      </a:r>
-                      <a:endParaRPr lang="en-US" sz="1200" b="1" dirty="0"/>
-                    </a:p>
-                  </a:txBody>
-                  <a:tcPr/>
-                </a:tc>
-                <a:tc>
-                  <a:txBody>
-                    <a:bodyPr/>
-                    <a:lstStyle/>
-                    <a:p>
-                      <a:r>
-                        <a:rPr lang="en-US" sz="1200" b="1" dirty="0" err="1"/>
-                        <a:t>c_name</a:t>
-                      </a:r>
-                      <a:endParaRPr lang="en-US" sz="1200" b="1" dirty="0"/>
-                    </a:p>
-                  </a:txBody>
-                  <a:tcPr/>
-                </a:tc>
-                <a:tc>
-                  <a:txBody>
-                    <a:bodyPr/>
-                    <a:lstStyle/>
-                    <a:p>
-                      <a:pPr algn="ctr"/>
-                      <a:r>
-                        <a:rPr lang="en-US" sz="1200" b="1" dirty="0"/>
-                        <a:t>req</a:t>
-                      </a:r>
-                    </a:p>
-                  </a:txBody>
-                  <a:tcPr/>
-                </a:tc>
-                <a:extLst>
-                  <a:ext uri="{0D108BD9-81ED-4DB2-BD59-A6C34878D82A}">
-                    <a16:rowId xmlns:a16="http://schemas.microsoft.com/office/drawing/2014/main" val="3171680422"/>
-                  </a:ext>
-                </a:extLst>
-              </a:tr>
-              <a:tr h="188729">
-                <a:tc>
-                  <a:txBody>
-                    <a:bodyPr/>
-                    <a:lstStyle/>
-                    <a:p>
-                      <a:pPr algn="ctr"/>
-                      <a:endParaRPr lang="en-US" sz="1200" b="1" dirty="0">
-                        <a:solidFill>
-                          <a:srgbClr val="FF0000"/>
-                        </a:solidFill>
-                      </a:endParaRPr>
-                    </a:p>
-                  </a:txBody>
-                  <a:tcPr/>
-                </a:tc>
-                <a:tc>
-                  <a:txBody>
-                    <a:bodyPr/>
-                    <a:lstStyle/>
-                    <a:p>
-                      <a:pPr algn="ctr"/>
-                      <a:r>
-                        <a:rPr lang="en-US" sz="1200" dirty="0"/>
-                        <a:t>1</a:t>
-                      </a:r>
-                    </a:p>
-                  </a:txBody>
-                  <a:tcPr/>
-                </a:tc>
-                <a:tc>
-                  <a:txBody>
-                    <a:bodyPr/>
-                    <a:lstStyle/>
-                    <a:p>
-                      <a:r>
-                        <a:rPr lang="en-US" sz="1200" dirty="0"/>
-                        <a:t>Customer0001</a:t>
-                      </a:r>
-                    </a:p>
-                  </a:txBody>
-                  <a:tcPr/>
-                </a:tc>
-                <a:tc>
-                  <a:txBody>
-                    <a:bodyPr/>
-                    <a:lstStyle/>
-                    <a:p>
-                      <a:pPr algn="ctr"/>
-                      <a:endParaRPr lang="en-US" sz="1200" dirty="0">
-                        <a:solidFill>
-                          <a:schemeClr val="accent6"/>
-                        </a:solidFill>
-                      </a:endParaRPr>
-                    </a:p>
-                  </a:txBody>
-                  <a:tcPr/>
-                </a:tc>
-                <a:extLst>
-                  <a:ext uri="{0D108BD9-81ED-4DB2-BD59-A6C34878D82A}">
-                    <a16:rowId xmlns:a16="http://schemas.microsoft.com/office/drawing/2014/main" val="3285985555"/>
-                  </a:ext>
-                </a:extLst>
-              </a:tr>
-              <a:tr h="188729">
-                <a:tc>
-                  <a:txBody>
-                    <a:bodyPr/>
-                    <a:lstStyle/>
-                    <a:p>
-                      <a:pPr algn="ctr"/>
-                      <a:endParaRPr lang="en-US" sz="1200" b="1" dirty="0">
-                        <a:solidFill>
-                          <a:srgbClr val="FF0000"/>
-                        </a:solidFill>
-                      </a:endParaRPr>
-                    </a:p>
-                  </a:txBody>
-                  <a:tcPr/>
-                </a:tc>
-                <a:tc>
-                  <a:txBody>
-                    <a:bodyPr/>
-                    <a:lstStyle/>
-                    <a:p>
-                      <a:pPr algn="ctr"/>
-                      <a:r>
-                        <a:rPr lang="en-US" sz="1200" dirty="0"/>
-                        <a:t>2</a:t>
-                      </a:r>
-                    </a:p>
-                  </a:txBody>
-                  <a:tcPr/>
-                </a:tc>
-                <a:tc>
-                  <a:txBody>
-                    <a:bodyPr/>
-                    <a:lstStyle/>
-                    <a:p>
-                      <a:r>
-                        <a:rPr lang="en-US" sz="1200" dirty="0"/>
-                        <a:t>Customer0002</a:t>
-                      </a:r>
-                    </a:p>
-                  </a:txBody>
-                  <a:tcPr/>
-                </a:tc>
-                <a:tc>
-                  <a:txBody>
-                    <a:bodyPr/>
-                    <a:lstStyle/>
-                    <a:p>
-                      <a:pPr algn="ctr"/>
-                      <a:endParaRPr lang="en-US" sz="1200" dirty="0">
-                        <a:solidFill>
-                          <a:schemeClr val="accent6"/>
-                        </a:solidFill>
-                      </a:endParaRPr>
-                    </a:p>
-                  </a:txBody>
-                  <a:tcPr/>
-                </a:tc>
-                <a:extLst>
-                  <a:ext uri="{0D108BD9-81ED-4DB2-BD59-A6C34878D82A}">
-                    <a16:rowId xmlns:a16="http://schemas.microsoft.com/office/drawing/2014/main" val="2734219787"/>
-                  </a:ext>
-                </a:extLst>
-              </a:tr>
-              <a:tr h="188729">
-                <a:tc>
-                  <a:txBody>
-                    <a:bodyPr/>
-                    <a:lstStyle/>
-                    <a:p>
-                      <a:pPr algn="ctr"/>
-                      <a:endParaRPr lang="en-US" sz="1200" b="1" dirty="0">
-                        <a:solidFill>
-                          <a:srgbClr val="FF0000"/>
-                        </a:solidFill>
-                      </a:endParaRPr>
-                    </a:p>
-                  </a:txBody>
-                  <a:tcPr/>
-                </a:tc>
-                <a:tc>
-                  <a:txBody>
-                    <a:bodyPr/>
-                    <a:lstStyle/>
-                    <a:p>
-                      <a:pPr algn="ctr"/>
-                      <a:r>
-                        <a:rPr lang="en-US" sz="1200" dirty="0"/>
-                        <a:t>3</a:t>
-                      </a:r>
-                    </a:p>
-                  </a:txBody>
-                  <a:tcPr/>
-                </a:tc>
-                <a:tc>
-                  <a:txBody>
-                    <a:bodyPr/>
-                    <a:lstStyle/>
-                    <a:p>
-                      <a:r>
-                        <a:rPr lang="en-US" sz="1200" dirty="0"/>
-                        <a:t>Customer0003</a:t>
-                      </a:r>
-                    </a:p>
-                  </a:txBody>
-                  <a:tcPr/>
-                </a:tc>
-                <a:tc>
-                  <a:txBody>
-                    <a:bodyPr/>
-                    <a:lstStyle/>
-                    <a:p>
-                      <a:pPr algn="ctr"/>
-                      <a:endParaRPr lang="en-US" sz="1200" dirty="0">
-                        <a:solidFill>
-                          <a:schemeClr val="accent6"/>
-                        </a:solidFill>
-                      </a:endParaRPr>
-                    </a:p>
-                  </a:txBody>
-                  <a:tcPr/>
-                </a:tc>
-                <a:extLst>
-                  <a:ext uri="{0D108BD9-81ED-4DB2-BD59-A6C34878D82A}">
-                    <a16:rowId xmlns:a16="http://schemas.microsoft.com/office/drawing/2014/main" val="4172208050"/>
-                  </a:ext>
-                </a:extLst>
-              </a:tr>
-              <a:tr h="188729">
-                <a:tc>
-                  <a:txBody>
-                    <a:bodyPr/>
-                    <a:lstStyle/>
-                    <a:p>
-                      <a:pPr algn="ctr"/>
-                      <a:endParaRPr lang="en-US" sz="1200" b="1" dirty="0">
-                        <a:solidFill>
-                          <a:srgbClr val="FF0000"/>
-                        </a:solidFill>
-                      </a:endParaRPr>
-                    </a:p>
-                  </a:txBody>
-                  <a:tcPr/>
-                </a:tc>
-                <a:tc>
-                  <a:txBody>
-                    <a:bodyPr/>
-                    <a:lstStyle/>
-                    <a:p>
-                      <a:pPr algn="ctr"/>
-                      <a:r>
-                        <a:rPr lang="en-US" sz="1200" dirty="0"/>
-                        <a:t>4</a:t>
-                      </a:r>
-                    </a:p>
-                  </a:txBody>
-                  <a:tcPr/>
-                </a:tc>
-                <a:tc>
-                  <a:txBody>
-                    <a:bodyPr/>
-                    <a:lstStyle/>
-                    <a:p>
-                      <a:r>
-                        <a:rPr lang="en-US" sz="1200" dirty="0"/>
-                        <a:t>Customer0004</a:t>
-                      </a:r>
-                    </a:p>
-                  </a:txBody>
-                  <a:tcPr/>
-                </a:tc>
-                <a:tc>
-                  <a:txBody>
-                    <a:bodyPr/>
-                    <a:lstStyle/>
-                    <a:p>
-                      <a:pPr algn="ctr"/>
-                      <a:endParaRPr lang="en-US" sz="1200" dirty="0">
-                        <a:solidFill>
-                          <a:schemeClr val="accent6"/>
-                        </a:solidFill>
-                      </a:endParaRPr>
-                    </a:p>
-                  </a:txBody>
-                  <a:tcPr/>
-                </a:tc>
-                <a:extLst>
-                  <a:ext uri="{0D108BD9-81ED-4DB2-BD59-A6C34878D82A}">
-                    <a16:rowId xmlns:a16="http://schemas.microsoft.com/office/drawing/2014/main" val="641224182"/>
-                  </a:ext>
-                </a:extLst>
-              </a:tr>
-              <a:tr h="188729">
-                <a:tc>
-                  <a:txBody>
-                    <a:bodyPr/>
-                    <a:lstStyle/>
-                    <a:p>
-                      <a:pPr algn="ctr"/>
-                      <a:endParaRPr lang="en-US" sz="1200" b="1" dirty="0">
-                        <a:solidFill>
-                          <a:srgbClr val="FF0000"/>
-                        </a:solidFill>
-                      </a:endParaRPr>
-                    </a:p>
-                  </a:txBody>
-                  <a:tcPr/>
-                </a:tc>
-                <a:tc>
-                  <a:txBody>
-                    <a:bodyPr/>
-                    <a:lstStyle/>
-                    <a:p>
-                      <a:pPr algn="ctr"/>
-                      <a:r>
-                        <a:rPr lang="en-US" sz="1200" dirty="0"/>
-                        <a:t>5</a:t>
-                      </a:r>
-                    </a:p>
-                  </a:txBody>
-                  <a:tcPr/>
-                </a:tc>
-                <a:tc>
-                  <a:txBody>
-                    <a:bodyPr/>
-                    <a:lstStyle/>
-                    <a:p>
-                      <a:r>
-                        <a:rPr lang="en-US" sz="1200" dirty="0"/>
-                        <a:t>customer0005</a:t>
-                      </a:r>
-                    </a:p>
-                  </a:txBody>
-                  <a:tcPr/>
-                </a:tc>
-                <a:tc>
-                  <a:txBody>
-                    <a:bodyPr/>
-                    <a:lstStyle/>
-                    <a:p>
-                      <a:pPr algn="ctr"/>
-                      <a:endParaRPr lang="en-US" sz="1200" dirty="0">
-                        <a:solidFill>
-                          <a:schemeClr val="accent6"/>
-                        </a:solidFill>
-                      </a:endParaRPr>
-                    </a:p>
-                  </a:txBody>
-                  <a:tcPr/>
-                </a:tc>
-                <a:extLst>
-                  <a:ext uri="{0D108BD9-81ED-4DB2-BD59-A6C34878D82A}">
-                    <a16:rowId xmlns:a16="http://schemas.microsoft.com/office/drawing/2014/main" val="1143928733"/>
-                  </a:ext>
-                </a:extLst>
-              </a:tr>
-            </a:tbl>
-          </a:graphicData>
-        </a:graphic>
-      </p:graphicFrame>
-      <p:graphicFrame>
-        <p:nvGraphicFramePr>
-          <p:cNvPr id="6" name="Tabelle 5">
-            <a:extLst>
-              <a:ext uri="{FF2B5EF4-FFF2-40B4-BE49-F238E27FC236}">
-                <a16:creationId xmlns:a16="http://schemas.microsoft.com/office/drawing/2014/main" id="{7C20CC39-641B-B18C-E8C6-1439D7A9D387}"/>
-              </a:ext>
-            </a:extLst>
-          </p:cNvPr>
-          <p:cNvGraphicFramePr>
-            <a:graphicFrameLocks noGrp="1"/>
-          </p:cNvGraphicFramePr>
-          <p:nvPr>
-            <p:extLst>
-              <p:ext uri="{D42A27DB-BD31-4B8C-83A1-F6EECF244321}">
-                <p14:modId xmlns:p14="http://schemas.microsoft.com/office/powerpoint/2010/main" val="1086670166"/>
-              </p:ext>
-            </p:extLst>
-          </p:nvPr>
-        </p:nvGraphicFramePr>
-        <p:xfrm>
-          <a:off x="334966" y="3750616"/>
-          <a:ext cx="3394367" cy="1371600"/>
-        </p:xfrm>
-        <a:graphic>
-          <a:graphicData uri="http://schemas.openxmlformats.org/drawingml/2006/table">
-            <a:tbl>
-              <a:tblPr firstRow="1" bandRow="1">
-                <a:tableStyleId>{5C22544A-7EE6-4342-B048-85BDC9FD1C3A}</a:tableStyleId>
-              </a:tblPr>
-              <a:tblGrid>
-                <a:gridCol w="574746">
-                  <a:extLst>
-                    <a:ext uri="{9D8B030D-6E8A-4147-A177-3AD203B41FA5}">
-                      <a16:colId xmlns:a16="http://schemas.microsoft.com/office/drawing/2014/main" val="454890317"/>
-                    </a:ext>
-                  </a:extLst>
-                </a:gridCol>
-                <a:gridCol w="1090359">
-                  <a:extLst>
-                    <a:ext uri="{9D8B030D-6E8A-4147-A177-3AD203B41FA5}">
-                      <a16:colId xmlns:a16="http://schemas.microsoft.com/office/drawing/2014/main" val="1684396349"/>
-                    </a:ext>
-                  </a:extLst>
-                </a:gridCol>
-                <a:gridCol w="1093888">
-                  <a:extLst>
-                    <a:ext uri="{9D8B030D-6E8A-4147-A177-3AD203B41FA5}">
-                      <a16:colId xmlns:a16="http://schemas.microsoft.com/office/drawing/2014/main" val="1213706577"/>
-                    </a:ext>
-                  </a:extLst>
-                </a:gridCol>
-                <a:gridCol w="635374">
-                  <a:extLst>
-                    <a:ext uri="{9D8B030D-6E8A-4147-A177-3AD203B41FA5}">
-                      <a16:colId xmlns:a16="http://schemas.microsoft.com/office/drawing/2014/main" val="2064595436"/>
-                    </a:ext>
-                  </a:extLst>
-                </a:gridCol>
-              </a:tblGrid>
-              <a:tr h="213662">
-                <a:tc gridSpan="4">
-                  <a:txBody>
-                    <a:bodyPr/>
-                    <a:lstStyle/>
-                    <a:p>
-                      <a:r>
-                        <a:rPr lang="en-US" sz="1200" dirty="0" err="1"/>
-                        <a:t>dbo.nations</a:t>
-                      </a:r>
-                      <a:endParaRPr lang="en-US" sz="1200" dirty="0"/>
-                    </a:p>
-                  </a:txBody>
-                  <a:tcPr/>
-                </a:tc>
-                <a:tc hMerge="1">
-                  <a:txBody>
-                    <a:bodyPr/>
-                    <a:lstStyle/>
-                    <a:p>
-                      <a:endParaRPr/>
-                    </a:p>
-                  </a:txBody>
-                  <a:tcPr/>
-                </a:tc>
-                <a:tc hMerge="1">
-                  <a:txBody>
-                    <a:bodyPr/>
-                    <a:lstStyle/>
-                    <a:p>
-                      <a:endParaRPr lang="en-US" dirty="0"/>
-                    </a:p>
-                  </a:txBody>
-                  <a:tcPr/>
-                </a:tc>
-                <a:tc hMerge="1">
-                  <a:txBody>
-                    <a:bodyPr/>
-                    <a:lstStyle/>
-                    <a:p>
-                      <a:endParaRPr lang="en-US" sz="1200" dirty="0"/>
-                    </a:p>
-                  </a:txBody>
-                  <a:tcPr/>
-                </a:tc>
-                <a:extLst>
-                  <a:ext uri="{0D108BD9-81ED-4DB2-BD59-A6C34878D82A}">
-                    <a16:rowId xmlns:a16="http://schemas.microsoft.com/office/drawing/2014/main" val="1041815010"/>
-                  </a:ext>
-                </a:extLst>
-              </a:tr>
-              <a:tr h="188729">
-                <a:tc>
-                  <a:txBody>
-                    <a:bodyPr/>
-                    <a:lstStyle/>
-                    <a:p>
-                      <a:r>
-                        <a:rPr lang="en-US" sz="1200" b="1" dirty="0"/>
-                        <a:t>lock</a:t>
-                      </a:r>
-                    </a:p>
-                  </a:txBody>
-                  <a:tcPr/>
-                </a:tc>
-                <a:tc>
-                  <a:txBody>
-                    <a:bodyPr/>
-                    <a:lstStyle/>
-                    <a:p>
-                      <a:pPr algn="ctr"/>
-                      <a:r>
-                        <a:rPr lang="en-US" sz="1200" b="1" dirty="0" err="1"/>
-                        <a:t>n_nationkey</a:t>
-                      </a:r>
-                      <a:endParaRPr lang="en-US" sz="1200" b="1" dirty="0"/>
-                    </a:p>
-                  </a:txBody>
-                  <a:tcPr/>
-                </a:tc>
-                <a:tc>
-                  <a:txBody>
-                    <a:bodyPr/>
-                    <a:lstStyle/>
-                    <a:p>
-                      <a:r>
-                        <a:rPr lang="en-US" sz="1200" b="1" dirty="0" err="1"/>
-                        <a:t>n_name</a:t>
-                      </a:r>
-                      <a:endParaRPr lang="en-US" sz="1200" b="1" dirty="0"/>
-                    </a:p>
-                  </a:txBody>
-                  <a:tcPr/>
-                </a:tc>
-                <a:tc>
-                  <a:txBody>
-                    <a:bodyPr/>
-                    <a:lstStyle/>
-                    <a:p>
-                      <a:r>
-                        <a:rPr lang="en-US" sz="1200" b="1" dirty="0"/>
-                        <a:t>req</a:t>
-                      </a:r>
-                    </a:p>
-                  </a:txBody>
-                  <a:tcPr/>
-                </a:tc>
-                <a:extLst>
-                  <a:ext uri="{0D108BD9-81ED-4DB2-BD59-A6C34878D82A}">
-                    <a16:rowId xmlns:a16="http://schemas.microsoft.com/office/drawing/2014/main" val="3171680422"/>
-                  </a:ext>
-                </a:extLst>
-              </a:tr>
-              <a:tr h="188729">
-                <a:tc>
-                  <a:txBody>
-                    <a:bodyPr/>
-                    <a:lstStyle/>
-                    <a:p>
-                      <a:endParaRPr lang="en-US" sz="1200" b="1" dirty="0">
-                        <a:solidFill>
-                          <a:srgbClr val="FF0000"/>
-                        </a:solidFill>
-                      </a:endParaRPr>
-                    </a:p>
-                  </a:txBody>
-                  <a:tcPr/>
-                </a:tc>
-                <a:tc>
-                  <a:txBody>
-                    <a:bodyPr/>
-                    <a:lstStyle/>
-                    <a:p>
-                      <a:pPr algn="ctr"/>
-                      <a:r>
-                        <a:rPr lang="en-US" sz="1200" dirty="0"/>
-                        <a:t>1</a:t>
-                      </a:r>
-                    </a:p>
-                  </a:txBody>
-                  <a:tcPr/>
-                </a:tc>
-                <a:tc>
-                  <a:txBody>
-                    <a:bodyPr/>
-                    <a:lstStyle/>
-                    <a:p>
-                      <a:r>
-                        <a:rPr lang="en-US" sz="1200" dirty="0"/>
-                        <a:t>Algeria</a:t>
-                      </a:r>
-                    </a:p>
-                  </a:txBody>
-                  <a:tcPr/>
-                </a:tc>
-                <a:tc>
-                  <a:txBody>
-                    <a:bodyPr/>
-                    <a:lstStyle/>
-                    <a:p>
-                      <a:endParaRPr lang="en-US" sz="1200" b="1" dirty="0">
-                        <a:solidFill>
-                          <a:schemeClr val="accent6"/>
-                        </a:solidFill>
-                      </a:endParaRPr>
-                    </a:p>
-                  </a:txBody>
-                  <a:tcPr/>
-                </a:tc>
-                <a:extLst>
-                  <a:ext uri="{0D108BD9-81ED-4DB2-BD59-A6C34878D82A}">
-                    <a16:rowId xmlns:a16="http://schemas.microsoft.com/office/drawing/2014/main" val="3285985555"/>
-                  </a:ext>
-                </a:extLst>
-              </a:tr>
-              <a:tr h="188729">
-                <a:tc>
-                  <a:txBody>
-                    <a:bodyPr/>
-                    <a:lstStyle/>
-                    <a:p>
-                      <a:endParaRPr lang="en-US" sz="1200" b="1" dirty="0">
-                        <a:solidFill>
-                          <a:srgbClr val="FF0000"/>
-                        </a:solidFill>
-                      </a:endParaRPr>
-                    </a:p>
-                  </a:txBody>
-                  <a:tcPr/>
-                </a:tc>
-                <a:tc>
-                  <a:txBody>
-                    <a:bodyPr/>
-                    <a:lstStyle/>
-                    <a:p>
-                      <a:pPr algn="ctr"/>
-                      <a:r>
-                        <a:rPr lang="en-US" sz="1200" dirty="0"/>
-                        <a:t>2</a:t>
-                      </a:r>
-                    </a:p>
-                  </a:txBody>
-                  <a:tcPr/>
-                </a:tc>
-                <a:tc>
-                  <a:txBody>
-                    <a:bodyPr/>
-                    <a:lstStyle/>
-                    <a:p>
-                      <a:r>
-                        <a:rPr lang="en-US" sz="1200" dirty="0"/>
-                        <a:t>USA</a:t>
-                      </a:r>
-                    </a:p>
-                  </a:txBody>
-                  <a:tcPr/>
-                </a:tc>
-                <a:tc>
-                  <a:txBody>
-                    <a:bodyPr/>
-                    <a:lstStyle/>
-                    <a:p>
-                      <a:endParaRPr lang="en-US" sz="1200" b="1" dirty="0">
-                        <a:solidFill>
-                          <a:schemeClr val="accent6"/>
-                        </a:solidFill>
-                      </a:endParaRPr>
-                    </a:p>
-                  </a:txBody>
-                  <a:tcPr/>
-                </a:tc>
-                <a:extLst>
-                  <a:ext uri="{0D108BD9-81ED-4DB2-BD59-A6C34878D82A}">
-                    <a16:rowId xmlns:a16="http://schemas.microsoft.com/office/drawing/2014/main" val="2734219787"/>
-                  </a:ext>
-                </a:extLst>
-              </a:tr>
-              <a:tr h="188729">
-                <a:tc>
-                  <a:txBody>
-                    <a:bodyPr/>
-                    <a:lstStyle/>
-                    <a:p>
-                      <a:endParaRPr lang="en-US" sz="1200" b="1" dirty="0">
-                        <a:solidFill>
-                          <a:srgbClr val="FF0000"/>
-                        </a:solidFill>
-                      </a:endParaRPr>
-                    </a:p>
-                  </a:txBody>
-                  <a:tcPr/>
-                </a:tc>
-                <a:tc>
-                  <a:txBody>
-                    <a:bodyPr/>
-                    <a:lstStyle/>
-                    <a:p>
-                      <a:pPr algn="ctr"/>
-                      <a:r>
-                        <a:rPr lang="en-US" sz="1200" dirty="0"/>
-                        <a:t>3</a:t>
-                      </a:r>
-                    </a:p>
-                  </a:txBody>
-                  <a:tcPr/>
-                </a:tc>
-                <a:tc>
-                  <a:txBody>
-                    <a:bodyPr/>
-                    <a:lstStyle/>
-                    <a:p>
-                      <a:r>
-                        <a:rPr lang="en-US" sz="1200" dirty="0"/>
-                        <a:t>Germany</a:t>
-                      </a:r>
-                    </a:p>
-                  </a:txBody>
-                  <a:tcPr/>
-                </a:tc>
-                <a:tc>
-                  <a:txBody>
-                    <a:bodyPr/>
-                    <a:lstStyle/>
-                    <a:p>
-                      <a:endParaRPr lang="en-US" sz="1200" b="1" dirty="0">
-                        <a:solidFill>
-                          <a:schemeClr val="accent6"/>
-                        </a:solidFill>
-                      </a:endParaRPr>
-                    </a:p>
-                  </a:txBody>
-                  <a:tcPr/>
-                </a:tc>
-                <a:extLst>
-                  <a:ext uri="{0D108BD9-81ED-4DB2-BD59-A6C34878D82A}">
-                    <a16:rowId xmlns:a16="http://schemas.microsoft.com/office/drawing/2014/main" val="4172208050"/>
-                  </a:ext>
-                </a:extLst>
-              </a:tr>
-            </a:tbl>
-          </a:graphicData>
-        </a:graphic>
-      </p:graphicFrame>
     </p:spTree>
     <p:extLst>
       <p:ext uri="{BB962C8B-B14F-4D97-AF65-F5344CB8AC3E}">
-        <p14:creationId xmlns:p14="http://schemas.microsoft.com/office/powerpoint/2010/main" val="3711842215"/>
+        <p14:creationId xmlns:p14="http://schemas.microsoft.com/office/powerpoint/2010/main" val="216906354"/>
       </p:ext>
     </p:extLst>
   </p:cSld>

--- a/01 - Documents and Preparation/Solving Deadlock Scenarios - EN.pptx
+++ b/01 - Documents and Preparation/Solving Deadlock Scenarios - EN.pptx
@@ -3,38 +3,39 @@
 <p:presentation xmlns:a="http://schemas.openxmlformats.org/drawingml/2006/main" xmlns:r="http://schemas.openxmlformats.org/officeDocument/2006/relationships" xmlns:p="http://schemas.openxmlformats.org/presentationml/2006/main" saveSubsetFonts="1">
   <p:sldMasterIdLst>
     <p:sldMasterId id="2147483660" r:id="rId1"/>
+    <p:sldMasterId id="2147483668" r:id="rId2"/>
   </p:sldMasterIdLst>
   <p:notesMasterIdLst>
-    <p:notesMasterId r:id="rId29"/>
+    <p:notesMasterId r:id="rId30"/>
   </p:notesMasterIdLst>
   <p:sldIdLst>
-    <p:sldId id="256" r:id="rId2"/>
-    <p:sldId id="315" r:id="rId3"/>
-    <p:sldId id="381" r:id="rId4"/>
-    <p:sldId id="422" r:id="rId5"/>
-    <p:sldId id="327" r:id="rId6"/>
-    <p:sldId id="391" r:id="rId7"/>
-    <p:sldId id="398" r:id="rId8"/>
-    <p:sldId id="384" r:id="rId9"/>
-    <p:sldId id="392" r:id="rId10"/>
-    <p:sldId id="396" r:id="rId11"/>
-    <p:sldId id="397" r:id="rId12"/>
-    <p:sldId id="390" r:id="rId13"/>
-    <p:sldId id="382" r:id="rId14"/>
+    <p:sldId id="256" r:id="rId3"/>
+    <p:sldId id="315" r:id="rId4"/>
+    <p:sldId id="381" r:id="rId5"/>
+    <p:sldId id="422" r:id="rId6"/>
+    <p:sldId id="327" r:id="rId7"/>
+    <p:sldId id="391" r:id="rId8"/>
+    <p:sldId id="398" r:id="rId9"/>
+    <p:sldId id="384" r:id="rId10"/>
+    <p:sldId id="392" r:id="rId11"/>
+    <p:sldId id="396" r:id="rId12"/>
+    <p:sldId id="397" r:id="rId13"/>
+    <p:sldId id="390" r:id="rId14"/>
     <p:sldId id="383" r:id="rId15"/>
     <p:sldId id="404" r:id="rId16"/>
     <p:sldId id="399" r:id="rId17"/>
-    <p:sldId id="400" r:id="rId18"/>
-    <p:sldId id="401" r:id="rId19"/>
-    <p:sldId id="403" r:id="rId20"/>
-    <p:sldId id="405" r:id="rId21"/>
-    <p:sldId id="408" r:id="rId22"/>
-    <p:sldId id="406" r:id="rId23"/>
-    <p:sldId id="407" r:id="rId24"/>
-    <p:sldId id="423" r:id="rId25"/>
-    <p:sldId id="425" r:id="rId26"/>
-    <p:sldId id="424" r:id="rId27"/>
-    <p:sldId id="426" r:id="rId28"/>
+    <p:sldId id="382" r:id="rId18"/>
+    <p:sldId id="400" r:id="rId19"/>
+    <p:sldId id="401" r:id="rId20"/>
+    <p:sldId id="403" r:id="rId21"/>
+    <p:sldId id="405" r:id="rId22"/>
+    <p:sldId id="408" r:id="rId23"/>
+    <p:sldId id="406" r:id="rId24"/>
+    <p:sldId id="407" r:id="rId25"/>
+    <p:sldId id="423" r:id="rId26"/>
+    <p:sldId id="425" r:id="rId27"/>
+    <p:sldId id="424" r:id="rId28"/>
+    <p:sldId id="426" r:id="rId29"/>
   </p:sldIdLst>
   <p:sldSz cx="12192000" cy="6858000"/>
   <p:notesSz cx="6858000" cy="9144000"/>
@@ -160,7 +161,7 @@
 <file path=ppt/revisionInfo.xml><?xml version="1.0" encoding="utf-8"?>
 <p1510:revInfo xmlns:a="http://schemas.openxmlformats.org/drawingml/2006/main" xmlns:r="http://schemas.openxmlformats.org/officeDocument/2006/relationships" xmlns:p1510="http://schemas.microsoft.com/office/powerpoint/2015/10/main">
   <p1510:revLst>
-    <p1510:client id="{49285B68-C998-4E8C-918A-E8D988C1471A}" v="2" dt="2025-02-04T16:39:47.413"/>
+    <p1510:client id="{7083A884-38A0-446F-AE2A-81CED00CF2B0}" v="16" dt="2025-10-11T16:45:44.147"/>
   </p1510:revLst>
 </p1510:revInfo>
 </file>
@@ -168,20 +169,20 @@
 <file path=ppt/changesInfos/changesInfo1.xml><?xml version="1.0" encoding="utf-8"?>
 <pc:chgInfo xmlns:a="http://schemas.openxmlformats.org/drawingml/2006/main" xmlns:r="http://schemas.openxmlformats.org/officeDocument/2006/relationships" xmlns:ac="http://schemas.microsoft.com/office/drawing/2013/main/command" xmlns:pc="http://schemas.microsoft.com/office/powerpoint/2013/main/command">
   <pc:docChgLst>
-    <pc:chgData name="Uwe Ricken" userId="f02567aecbed924b" providerId="LiveId" clId="{05F991DB-F590-45B3-B343-DF3BA6243F91}"/>
-    <pc:docChg chg="undo custSel addSld delSld modSld sldOrd">
-      <pc:chgData name="Uwe Ricken" userId="f02567aecbed924b" providerId="LiveId" clId="{05F991DB-F590-45B3-B343-DF3BA6243F91}" dt="2025-01-30T14:52:32.989" v="3013" actId="1035"/>
+    <pc:chgData name="Uwe Ricken" userId="f02567aecbed924b" providerId="LiveId" clId="{E77B627B-1F43-41A9-9F24-D4BB31BF6050}"/>
+    <pc:docChg chg="custSel modSld sldOrd">
+      <pc:chgData name="Uwe Ricken" userId="f02567aecbed924b" providerId="LiveId" clId="{E77B627B-1F43-41A9-9F24-D4BB31BF6050}" dt="2025-10-11T16:45:44.147" v="59"/>
       <pc:docMkLst>
         <pc:docMk/>
       </pc:docMkLst>
-      <pc:sldChg chg="modSp mod">
-        <pc:chgData name="Uwe Ricken" userId="f02567aecbed924b" providerId="LiveId" clId="{05F991DB-F590-45B3-B343-DF3BA6243F91}" dt="2025-01-15T07:47:09.755" v="60" actId="20577"/>
+      <pc:sldChg chg="modSp">
+        <pc:chgData name="Uwe Ricken" userId="f02567aecbed924b" providerId="LiveId" clId="{E77B627B-1F43-41A9-9F24-D4BB31BF6050}" dt="2025-10-07T07:04:08.816" v="31"/>
         <pc:sldMkLst>
           <pc:docMk/>
           <pc:sldMk cId="3145909516" sldId="256"/>
         </pc:sldMkLst>
         <pc:spChg chg="mod">
-          <ac:chgData name="Uwe Ricken" userId="f02567aecbed924b" providerId="LiveId" clId="{05F991DB-F590-45B3-B343-DF3BA6243F91}" dt="2025-01-15T07:46:57.077" v="21" actId="20577"/>
+          <ac:chgData name="Uwe Ricken" userId="f02567aecbed924b" providerId="LiveId" clId="{E77B627B-1F43-41A9-9F24-D4BB31BF6050}" dt="2025-10-07T07:04:08.816" v="31"/>
           <ac:spMkLst>
             <pc:docMk/>
             <pc:sldMk cId="3145909516" sldId="256"/>
@@ -189,7 +190,7 @@
           </ac:spMkLst>
         </pc:spChg>
         <pc:spChg chg="mod">
-          <ac:chgData name="Uwe Ricken" userId="f02567aecbed924b" providerId="LiveId" clId="{05F991DB-F590-45B3-B343-DF3BA6243F91}" dt="2025-01-15T07:47:09.755" v="60" actId="20577"/>
+          <ac:chgData name="Uwe Ricken" userId="f02567aecbed924b" providerId="LiveId" clId="{E77B627B-1F43-41A9-9F24-D4BB31BF6050}" dt="2025-10-07T07:04:08.816" v="31"/>
           <ac:spMkLst>
             <pc:docMk/>
             <pc:sldMk cId="3145909516" sldId="256"/>
@@ -197,21 +198,45 @@
           </ac:spMkLst>
         </pc:spChg>
       </pc:sldChg>
-      <pc:sldChg chg="add">
-        <pc:chgData name="Uwe Ricken" userId="f02567aecbed924b" providerId="LiveId" clId="{05F991DB-F590-45B3-B343-DF3BA6243F91}" dt="2025-01-15T07:48:25.409" v="61"/>
+      <pc:sldChg chg="modSp">
+        <pc:chgData name="Uwe Ricken" userId="f02567aecbed924b" providerId="LiveId" clId="{E77B627B-1F43-41A9-9F24-D4BB31BF6050}" dt="2025-10-07T07:04:08.816" v="31"/>
         <pc:sldMkLst>
           <pc:docMk/>
           <pc:sldMk cId="1252969730" sldId="315"/>
         </pc:sldMkLst>
+        <pc:spChg chg="mod">
+          <ac:chgData name="Uwe Ricken" userId="f02567aecbed924b" providerId="LiveId" clId="{E77B627B-1F43-41A9-9F24-D4BB31BF6050}" dt="2025-10-07T07:04:08.816" v="31"/>
+          <ac:spMkLst>
+            <pc:docMk/>
+            <pc:sldMk cId="1252969730" sldId="315"/>
+            <ac:spMk id="2" creationId="{2AA66F59-B715-4CE2-83DF-6D035DD595FA}"/>
+          </ac:spMkLst>
+        </pc:spChg>
+        <pc:spChg chg="mod">
+          <ac:chgData name="Uwe Ricken" userId="f02567aecbed924b" providerId="LiveId" clId="{E77B627B-1F43-41A9-9F24-D4BB31BF6050}" dt="2025-10-07T07:04:08.816" v="31"/>
+          <ac:spMkLst>
+            <pc:docMk/>
+            <pc:sldMk cId="1252969730" sldId="315"/>
+            <ac:spMk id="3" creationId="{32727BD7-7924-41DC-BF8D-0990B5F36E59}"/>
+          </ac:spMkLst>
+        </pc:spChg>
       </pc:sldChg>
-      <pc:sldChg chg="modSp add mod">
-        <pc:chgData name="Uwe Ricken" userId="f02567aecbed924b" providerId="LiveId" clId="{05F991DB-F590-45B3-B343-DF3BA6243F91}" dt="2025-01-25T10:41:36.969" v="2996" actId="20577"/>
+      <pc:sldChg chg="modSp">
+        <pc:chgData name="Uwe Ricken" userId="f02567aecbed924b" providerId="LiveId" clId="{E77B627B-1F43-41A9-9F24-D4BB31BF6050}" dt="2025-10-07T07:04:08.816" v="31"/>
         <pc:sldMkLst>
           <pc:docMk/>
           <pc:sldMk cId="4195874464" sldId="327"/>
         </pc:sldMkLst>
         <pc:spChg chg="mod">
-          <ac:chgData name="Uwe Ricken" userId="f02567aecbed924b" providerId="LiveId" clId="{05F991DB-F590-45B3-B343-DF3BA6243F91}" dt="2025-01-25T10:41:36.969" v="2996" actId="20577"/>
+          <ac:chgData name="Uwe Ricken" userId="f02567aecbed924b" providerId="LiveId" clId="{E77B627B-1F43-41A9-9F24-D4BB31BF6050}" dt="2025-10-07T07:04:08.816" v="31"/>
+          <ac:spMkLst>
+            <pc:docMk/>
+            <pc:sldMk cId="4195874464" sldId="327"/>
+            <ac:spMk id="5" creationId="{99AE4D88-466F-4BA6-917F-396AC585B663}"/>
+          </ac:spMkLst>
+        </pc:spChg>
+        <pc:spChg chg="mod">
+          <ac:chgData name="Uwe Ricken" userId="f02567aecbed924b" providerId="LiveId" clId="{E77B627B-1F43-41A9-9F24-D4BB31BF6050}" dt="2025-10-07T07:04:08.816" v="31"/>
           <ac:spMkLst>
             <pc:docMk/>
             <pc:sldMk cId="4195874464" sldId="327"/>
@@ -219,114 +244,98 @@
           </ac:spMkLst>
         </pc:spChg>
       </pc:sldChg>
-      <pc:sldChg chg="modSp add mod">
-        <pc:chgData name="Uwe Ricken" userId="f02567aecbed924b" providerId="LiveId" clId="{05F991DB-F590-45B3-B343-DF3BA6243F91}" dt="2025-01-18T08:39:34.628" v="1271" actId="255"/>
+      <pc:sldChg chg="modSp">
+        <pc:chgData name="Uwe Ricken" userId="f02567aecbed924b" providerId="LiveId" clId="{E77B627B-1F43-41A9-9F24-D4BB31BF6050}" dt="2025-10-07T07:04:08.816" v="31"/>
         <pc:sldMkLst>
           <pc:docMk/>
           <pc:sldMk cId="1681187469" sldId="381"/>
         </pc:sldMkLst>
         <pc:spChg chg="mod">
-          <ac:chgData name="Uwe Ricken" userId="f02567aecbed924b" providerId="LiveId" clId="{05F991DB-F590-45B3-B343-DF3BA6243F91}" dt="2025-01-18T08:39:34.628" v="1271" actId="255"/>
+          <ac:chgData name="Uwe Ricken" userId="f02567aecbed924b" providerId="LiveId" clId="{E77B627B-1F43-41A9-9F24-D4BB31BF6050}" dt="2025-10-07T07:04:08.816" v="31"/>
+          <ac:spMkLst>
+            <pc:docMk/>
+            <pc:sldMk cId="1681187469" sldId="381"/>
+            <ac:spMk id="2" creationId="{00000000-0000-0000-0000-000000000000}"/>
+          </ac:spMkLst>
+        </pc:spChg>
+        <pc:spChg chg="mod">
+          <ac:chgData name="Uwe Ricken" userId="f02567aecbed924b" providerId="LiveId" clId="{E77B627B-1F43-41A9-9F24-D4BB31BF6050}" dt="2025-10-07T07:04:08.816" v="31"/>
           <ac:spMkLst>
             <pc:docMk/>
             <pc:sldMk cId="1681187469" sldId="381"/>
             <ac:spMk id="4" creationId="{00000000-0000-0000-0000-000000000000}"/>
           </ac:spMkLst>
         </pc:spChg>
+        <pc:spChg chg="mod">
+          <ac:chgData name="Uwe Ricken" userId="f02567aecbed924b" providerId="LiveId" clId="{E77B627B-1F43-41A9-9F24-D4BB31BF6050}" dt="2025-10-07T07:04:08.816" v="31"/>
+          <ac:spMkLst>
+            <pc:docMk/>
+            <pc:sldMk cId="1681187469" sldId="381"/>
+            <ac:spMk id="6" creationId="{00000000-0000-0000-0000-000000000000}"/>
+          </ac:spMkLst>
+        </pc:spChg>
       </pc:sldChg>
-      <pc:sldChg chg="addSp delSp modSp new mod modClrScheme chgLayout">
-        <pc:chgData name="Uwe Ricken" userId="f02567aecbed924b" providerId="LiveId" clId="{05F991DB-F590-45B3-B343-DF3BA6243F91}" dt="2025-01-18T04:30:33.505" v="349" actId="113"/>
+      <pc:sldChg chg="modSp mod ord">
+        <pc:chgData name="Uwe Ricken" userId="f02567aecbed924b" providerId="LiveId" clId="{E77B627B-1F43-41A9-9F24-D4BB31BF6050}" dt="2025-10-11T16:27:17.003" v="34" actId="790"/>
         <pc:sldMkLst>
           <pc:docMk/>
           <pc:sldMk cId="1313276407" sldId="382"/>
         </pc:sldMkLst>
-        <pc:spChg chg="mod ord">
-          <ac:chgData name="Uwe Ricken" userId="f02567aecbed924b" providerId="LiveId" clId="{05F991DB-F590-45B3-B343-DF3BA6243F91}" dt="2025-01-18T04:27:24.846" v="297" actId="6264"/>
+        <pc:spChg chg="mod">
+          <ac:chgData name="Uwe Ricken" userId="f02567aecbed924b" providerId="LiveId" clId="{E77B627B-1F43-41A9-9F24-D4BB31BF6050}" dt="2025-10-11T16:27:17.003" v="34" actId="790"/>
           <ac:spMkLst>
             <pc:docMk/>
             <pc:sldMk cId="1313276407" sldId="382"/>
             <ac:spMk id="2" creationId="{795C4EDA-0E45-AE7F-692A-A895059972F1}"/>
           </ac:spMkLst>
         </pc:spChg>
-        <pc:spChg chg="add mod ord">
-          <ac:chgData name="Uwe Ricken" userId="f02567aecbed924b" providerId="LiveId" clId="{05F991DB-F590-45B3-B343-DF3BA6243F91}" dt="2025-01-18T04:30:33.505" v="349" actId="113"/>
+        <pc:spChg chg="mod">
+          <ac:chgData name="Uwe Ricken" userId="f02567aecbed924b" providerId="LiveId" clId="{E77B627B-1F43-41A9-9F24-D4BB31BF6050}" dt="2025-10-11T16:27:17.003" v="34" actId="790"/>
           <ac:spMkLst>
             <pc:docMk/>
             <pc:sldMk cId="1313276407" sldId="382"/>
             <ac:spMk id="6" creationId="{B5BC0322-276E-07FC-A94C-D603BD8CA13A}"/>
           </ac:spMkLst>
         </pc:spChg>
-        <pc:picChg chg="add mod">
-          <ac:chgData name="Uwe Ricken" userId="f02567aecbed924b" providerId="LiveId" clId="{05F991DB-F590-45B3-B343-DF3BA6243F91}" dt="2025-01-18T04:28:31.249" v="335" actId="1076"/>
-          <ac:picMkLst>
-            <pc:docMk/>
-            <pc:sldMk cId="1313276407" sldId="382"/>
-            <ac:picMk id="1026" creationId="{C89B4A94-E9B8-9603-8EAB-15B004564D72}"/>
-          </ac:picMkLst>
-        </pc:picChg>
       </pc:sldChg>
-      <pc:sldChg chg="addSp modSp add mod">
-        <pc:chgData name="Uwe Ricken" userId="f02567aecbed924b" providerId="LiveId" clId="{05F991DB-F590-45B3-B343-DF3BA6243F91}" dt="2025-01-30T14:52:32.989" v="3013" actId="1035"/>
+      <pc:sldChg chg="modSp">
+        <pc:chgData name="Uwe Ricken" userId="f02567aecbed924b" providerId="LiveId" clId="{E77B627B-1F43-41A9-9F24-D4BB31BF6050}" dt="2025-10-07T07:04:08.816" v="31"/>
         <pc:sldMkLst>
           <pc:docMk/>
           <pc:sldMk cId="3137805841" sldId="383"/>
         </pc:sldMkLst>
         <pc:spChg chg="mod">
-          <ac:chgData name="Uwe Ricken" userId="f02567aecbed924b" providerId="LiveId" clId="{05F991DB-F590-45B3-B343-DF3BA6243F91}" dt="2025-01-30T14:52:32.989" v="3013" actId="1035"/>
+          <ac:chgData name="Uwe Ricken" userId="f02567aecbed924b" providerId="LiveId" clId="{E77B627B-1F43-41A9-9F24-D4BB31BF6050}" dt="2025-10-07T07:04:08.816" v="31"/>
           <ac:spMkLst>
             <pc:docMk/>
             <pc:sldMk cId="3137805841" sldId="383"/>
-            <ac:spMk id="3" creationId="{E5823F92-6166-8783-9C3E-1D310349C79C}"/>
+            <ac:spMk id="2" creationId="{B422EFBC-5255-F851-78EC-B7CECB5999F0}"/>
           </ac:spMkLst>
         </pc:spChg>
-        <pc:graphicFrameChg chg="add mod modGraphic">
-          <ac:chgData name="Uwe Ricken" userId="f02567aecbed924b" providerId="LiveId" clId="{05F991DB-F590-45B3-B343-DF3BA6243F91}" dt="2025-01-19T15:43:31.897" v="2351" actId="20577"/>
-          <ac:graphicFrameMkLst>
-            <pc:docMk/>
-            <pc:sldMk cId="3137805841" sldId="383"/>
-            <ac:graphicFrameMk id="4" creationId="{E11BD4F7-5825-1BC1-1D3C-BF74F17874B4}"/>
-          </ac:graphicFrameMkLst>
-        </pc:graphicFrameChg>
       </pc:sldChg>
-      <pc:sldChg chg="addSp delSp modSp new mod ord">
-        <pc:chgData name="Uwe Ricken" userId="f02567aecbed924b" providerId="LiveId" clId="{05F991DB-F590-45B3-B343-DF3BA6243F91}" dt="2025-01-18T07:39:24.744" v="920"/>
+      <pc:sldChg chg="modSp">
+        <pc:chgData name="Uwe Ricken" userId="f02567aecbed924b" providerId="LiveId" clId="{E77B627B-1F43-41A9-9F24-D4BB31BF6050}" dt="2025-10-07T07:04:08.816" v="31"/>
         <pc:sldMkLst>
           <pc:docMk/>
           <pc:sldMk cId="694014805" sldId="384"/>
         </pc:sldMkLst>
         <pc:spChg chg="mod">
-          <ac:chgData name="Uwe Ricken" userId="f02567aecbed924b" providerId="LiveId" clId="{05F991DB-F590-45B3-B343-DF3BA6243F91}" dt="2025-01-18T06:53:59.305" v="361" actId="20577"/>
+          <ac:chgData name="Uwe Ricken" userId="f02567aecbed924b" providerId="LiveId" clId="{E77B627B-1F43-41A9-9F24-D4BB31BF6050}" dt="2025-10-07T07:04:08.816" v="31"/>
           <ac:spMkLst>
             <pc:docMk/>
             <pc:sldMk cId="694014805" sldId="384"/>
             <ac:spMk id="2" creationId="{0B9404A9-E76A-F33E-3297-5217BC2A290C}"/>
           </ac:spMkLst>
         </pc:spChg>
-        <pc:spChg chg="add mod">
-          <ac:chgData name="Uwe Ricken" userId="f02567aecbed924b" providerId="LiveId" clId="{05F991DB-F590-45B3-B343-DF3BA6243F91}" dt="2025-01-18T07:38:32.211" v="901" actId="122"/>
-          <ac:spMkLst>
-            <pc:docMk/>
-            <pc:sldMk cId="694014805" sldId="384"/>
-            <ac:spMk id="6" creationId="{0F464D27-6B3F-686F-7ECB-8EC444B8710A}"/>
-          </ac:spMkLst>
-        </pc:spChg>
-        <pc:graphicFrameChg chg="add mod ord modGraphic">
-          <ac:chgData name="Uwe Ricken" userId="f02567aecbed924b" providerId="LiveId" clId="{05F991DB-F590-45B3-B343-DF3BA6243F91}" dt="2025-01-18T07:37:07.473" v="895"/>
-          <ac:graphicFrameMkLst>
-            <pc:docMk/>
-            <pc:sldMk cId="694014805" sldId="384"/>
-            <ac:graphicFrameMk id="4" creationId="{F7E3314F-D30D-3B5C-9D39-3008654B8A08}"/>
-          </ac:graphicFrameMkLst>
-        </pc:graphicFrameChg>
       </pc:sldChg>
-      <pc:sldChg chg="modSp mod">
-        <pc:chgData name="Uwe Ricken" userId="f02567aecbed924b" providerId="LiveId" clId="{05F991DB-F590-45B3-B343-DF3BA6243F91}" dt="2025-01-18T07:07:30.785" v="557" actId="113"/>
+      <pc:sldChg chg="modSp">
+        <pc:chgData name="Uwe Ricken" userId="f02567aecbed924b" providerId="LiveId" clId="{E77B627B-1F43-41A9-9F24-D4BB31BF6050}" dt="2025-10-07T07:04:08.816" v="31"/>
         <pc:sldMkLst>
           <pc:docMk/>
           <pc:sldMk cId="702285124" sldId="390"/>
         </pc:sldMkLst>
         <pc:spChg chg="mod">
-          <ac:chgData name="Uwe Ricken" userId="f02567aecbed924b" providerId="LiveId" clId="{05F991DB-F590-45B3-B343-DF3BA6243F91}" dt="2025-01-18T07:05:41.774" v="491" actId="20577"/>
+          <ac:chgData name="Uwe Ricken" userId="f02567aecbed924b" providerId="LiveId" clId="{E77B627B-1F43-41A9-9F24-D4BB31BF6050}" dt="2025-10-07T07:04:08.816" v="31"/>
           <ac:spMkLst>
             <pc:docMk/>
             <pc:sldMk cId="702285124" sldId="390"/>
@@ -334,7 +343,7 @@
           </ac:spMkLst>
         </pc:spChg>
         <pc:spChg chg="mod">
-          <ac:chgData name="Uwe Ricken" userId="f02567aecbed924b" providerId="LiveId" clId="{05F991DB-F590-45B3-B343-DF3BA6243F91}" dt="2025-01-18T07:07:30.785" v="557" actId="113"/>
+          <ac:chgData name="Uwe Ricken" userId="f02567aecbed924b" providerId="LiveId" clId="{E77B627B-1F43-41A9-9F24-D4BB31BF6050}" dt="2025-10-07T07:04:08.816" v="31"/>
           <ac:spMkLst>
             <pc:docMk/>
             <pc:sldMk cId="702285124" sldId="390"/>
@@ -342,14 +351,14 @@
           </ac:spMkLst>
         </pc:spChg>
       </pc:sldChg>
-      <pc:sldChg chg="modSp mod ord">
-        <pc:chgData name="Uwe Ricken" userId="f02567aecbed924b" providerId="LiveId" clId="{05F991DB-F590-45B3-B343-DF3BA6243F91}" dt="2025-01-18T07:39:24.744" v="920"/>
+      <pc:sldChg chg="modSp">
+        <pc:chgData name="Uwe Ricken" userId="f02567aecbed924b" providerId="LiveId" clId="{E77B627B-1F43-41A9-9F24-D4BB31BF6050}" dt="2025-10-07T07:04:08.816" v="31"/>
         <pc:sldMkLst>
           <pc:docMk/>
           <pc:sldMk cId="418670867" sldId="391"/>
         </pc:sldMkLst>
         <pc:spChg chg="mod">
-          <ac:chgData name="Uwe Ricken" userId="f02567aecbed924b" providerId="LiveId" clId="{05F991DB-F590-45B3-B343-DF3BA6243F91}" dt="2025-01-18T07:07:51.850" v="567" actId="20577"/>
+          <ac:chgData name="Uwe Ricken" userId="f02567aecbed924b" providerId="LiveId" clId="{E77B627B-1F43-41A9-9F24-D4BB31BF6050}" dt="2025-10-07T07:04:08.816" v="31"/>
           <ac:spMkLst>
             <pc:docMk/>
             <pc:sldMk cId="418670867" sldId="391"/>
@@ -357,7 +366,7 @@
           </ac:spMkLst>
         </pc:spChg>
         <pc:spChg chg="mod">
-          <ac:chgData name="Uwe Ricken" userId="f02567aecbed924b" providerId="LiveId" clId="{05F991DB-F590-45B3-B343-DF3BA6243F91}" dt="2025-01-18T07:07:56.993" v="578" actId="20577"/>
+          <ac:chgData name="Uwe Ricken" userId="f02567aecbed924b" providerId="LiveId" clId="{E77B627B-1F43-41A9-9F24-D4BB31BF6050}" dt="2025-10-07T07:04:08.816" v="31"/>
           <ac:spMkLst>
             <pc:docMk/>
             <pc:sldMk cId="418670867" sldId="391"/>
@@ -365,30 +374,22 @@
           </ac:spMkLst>
         </pc:spChg>
       </pc:sldChg>
-      <pc:sldChg chg="addSp delSp modSp new mod ord">
-        <pc:chgData name="Uwe Ricken" userId="f02567aecbed924b" providerId="LiveId" clId="{05F991DB-F590-45B3-B343-DF3BA6243F91}" dt="2025-01-23T07:41:27.661" v="2785" actId="1036"/>
+      <pc:sldChg chg="modSp">
+        <pc:chgData name="Uwe Ricken" userId="f02567aecbed924b" providerId="LiveId" clId="{E77B627B-1F43-41A9-9F24-D4BB31BF6050}" dt="2025-10-07T07:04:08.816" v="31"/>
         <pc:sldMkLst>
           <pc:docMk/>
           <pc:sldMk cId="927822285" sldId="392"/>
         </pc:sldMkLst>
         <pc:spChg chg="mod">
-          <ac:chgData name="Uwe Ricken" userId="f02567aecbed924b" providerId="LiveId" clId="{05F991DB-F590-45B3-B343-DF3BA6243F91}" dt="2025-01-23T07:41:27.661" v="2785" actId="1036"/>
+          <ac:chgData name="Uwe Ricken" userId="f02567aecbed924b" providerId="LiveId" clId="{E77B627B-1F43-41A9-9F24-D4BB31BF6050}" dt="2025-10-07T07:04:08.816" v="31"/>
           <ac:spMkLst>
             <pc:docMk/>
             <pc:sldMk cId="927822285" sldId="392"/>
             <ac:spMk id="2" creationId="{EA55BDDA-B805-8BCE-1070-B32C10B00D4E}"/>
           </ac:spMkLst>
         </pc:spChg>
-        <pc:spChg chg="add mod">
-          <ac:chgData name="Uwe Ricken" userId="f02567aecbed924b" providerId="LiveId" clId="{05F991DB-F590-45B3-B343-DF3BA6243F91}" dt="2025-01-18T07:17:46.638" v="840" actId="113"/>
-          <ac:spMkLst>
-            <pc:docMk/>
-            <pc:sldMk cId="927822285" sldId="392"/>
-            <ac:spMk id="5" creationId="{9C46A2AB-6990-B8E7-5B41-D1A664FB5039}"/>
-          </ac:spMkLst>
-        </pc:spChg>
-        <pc:graphicFrameChg chg="add mod ord modGraphic">
-          <ac:chgData name="Uwe Ricken" userId="f02567aecbed924b" providerId="LiveId" clId="{05F991DB-F590-45B3-B343-DF3BA6243F91}" dt="2025-01-23T07:41:22.336" v="2783" actId="207"/>
+        <pc:graphicFrameChg chg="mod">
+          <ac:chgData name="Uwe Ricken" userId="f02567aecbed924b" providerId="LiveId" clId="{E77B627B-1F43-41A9-9F24-D4BB31BF6050}" dt="2025-10-07T07:04:08.816" v="31"/>
           <ac:graphicFrameMkLst>
             <pc:docMk/>
             <pc:sldMk cId="927822285" sldId="392"/>
@@ -396,139 +397,45 @@
           </ac:graphicFrameMkLst>
         </pc:graphicFrameChg>
       </pc:sldChg>
-      <pc:sldChg chg="modSp new del mod">
-        <pc:chgData name="Uwe Ricken" userId="f02567aecbed924b" providerId="LiveId" clId="{05F991DB-F590-45B3-B343-DF3BA6243F91}" dt="2025-01-19T15:43:43.891" v="2352" actId="2696"/>
-        <pc:sldMkLst>
-          <pc:docMk/>
-          <pc:sldMk cId="254117892" sldId="393"/>
-        </pc:sldMkLst>
-      </pc:sldChg>
-      <pc:sldChg chg="addSp delSp modSp mod ord modClrScheme addAnim delAnim modAnim chgLayout">
-        <pc:chgData name="Uwe Ricken" userId="f02567aecbed924b" providerId="LiveId" clId="{05F991DB-F590-45B3-B343-DF3BA6243F91}" dt="2025-01-30T14:50:06.926" v="3000" actId="552"/>
+      <pc:sldChg chg="modSp">
+        <pc:chgData name="Uwe Ricken" userId="f02567aecbed924b" providerId="LiveId" clId="{E77B627B-1F43-41A9-9F24-D4BB31BF6050}" dt="2025-10-07T07:04:08.816" v="31"/>
         <pc:sldMkLst>
           <pc:docMk/>
           <pc:sldMk cId="3452348964" sldId="396"/>
         </pc:sldMkLst>
         <pc:spChg chg="mod">
-          <ac:chgData name="Uwe Ricken" userId="f02567aecbed924b" providerId="LiveId" clId="{05F991DB-F590-45B3-B343-DF3BA6243F91}" dt="2025-01-30T14:50:06.926" v="3000" actId="552"/>
-          <ac:spMkLst>
-            <pc:docMk/>
-            <pc:sldMk cId="3452348964" sldId="396"/>
-            <ac:spMk id="3" creationId="{F8EB0B7E-472A-1EBC-DC1D-5F2EE0BBEBFA}"/>
-          </ac:spMkLst>
-        </pc:spChg>
-        <pc:spChg chg="mod ord">
-          <ac:chgData name="Uwe Ricken" userId="f02567aecbed924b" providerId="LiveId" clId="{05F991DB-F590-45B3-B343-DF3BA6243F91}" dt="2025-01-18T07:55:22.441" v="1007" actId="20577"/>
+          <ac:chgData name="Uwe Ricken" userId="f02567aecbed924b" providerId="LiveId" clId="{E77B627B-1F43-41A9-9F24-D4BB31BF6050}" dt="2025-10-07T07:04:08.816" v="31"/>
           <ac:spMkLst>
             <pc:docMk/>
             <pc:sldMk cId="3452348964" sldId="396"/>
             <ac:spMk id="4" creationId="{01CEFF14-F699-362B-9174-501AC1FCF0CF}"/>
           </ac:spMkLst>
         </pc:spChg>
-        <pc:spChg chg="add mod ord">
-          <ac:chgData name="Uwe Ricken" userId="f02567aecbed924b" providerId="LiveId" clId="{05F991DB-F590-45B3-B343-DF3BA6243F91}" dt="2025-01-18T07:50:24.359" v="983" actId="20577"/>
+        <pc:spChg chg="mod">
+          <ac:chgData name="Uwe Ricken" userId="f02567aecbed924b" providerId="LiveId" clId="{E77B627B-1F43-41A9-9F24-D4BB31BF6050}" dt="2025-10-07T07:04:08.816" v="31"/>
           <ac:spMkLst>
             <pc:docMk/>
             <pc:sldMk cId="3452348964" sldId="396"/>
             <ac:spMk id="5" creationId="{37DACC03-174B-F348-4FF0-CF8D4A99EC80}"/>
           </ac:spMkLst>
         </pc:spChg>
-        <pc:spChg chg="add mod ord">
-          <ac:chgData name="Uwe Ricken" userId="f02567aecbed924b" providerId="LiveId" clId="{05F991DB-F590-45B3-B343-DF3BA6243F91}" dt="2025-01-18T07:49:18.741" v="946" actId="700"/>
+        <pc:spChg chg="mod">
+          <ac:chgData name="Uwe Ricken" userId="f02567aecbed924b" providerId="LiveId" clId="{E77B627B-1F43-41A9-9F24-D4BB31BF6050}" dt="2025-10-07T07:04:08.816" v="31"/>
           <ac:spMkLst>
             <pc:docMk/>
             <pc:sldMk cId="3452348964" sldId="396"/>
             <ac:spMk id="6" creationId="{8310403C-EE6E-1739-5879-48BABF7AAF9E}"/>
           </ac:spMkLst>
         </pc:spChg>
-        <pc:spChg chg="add mod">
-          <ac:chgData name="Uwe Ricken" userId="f02567aecbed924b" providerId="LiveId" clId="{05F991DB-F590-45B3-B343-DF3BA6243F91}" dt="2025-01-30T14:50:06.926" v="3000" actId="552"/>
-          <ac:spMkLst>
-            <pc:docMk/>
-            <pc:sldMk cId="3452348964" sldId="396"/>
-            <ac:spMk id="7" creationId="{FDFEE748-6D1A-EA8A-53A2-9EFF5CA57DA7}"/>
-          </ac:spMkLst>
-        </pc:spChg>
-        <pc:spChg chg="mod">
-          <ac:chgData name="Uwe Ricken" userId="f02567aecbed924b" providerId="LiveId" clId="{05F991DB-F590-45B3-B343-DF3BA6243F91}" dt="2025-01-18T08:13:41.468" v="1177" actId="255"/>
-          <ac:spMkLst>
-            <pc:docMk/>
-            <pc:sldMk cId="3452348964" sldId="396"/>
-            <ac:spMk id="9" creationId="{9B2CF737-2FF1-BD87-1010-360C9F2DF6BC}"/>
-          </ac:spMkLst>
-        </pc:spChg>
-        <pc:spChg chg="add mod">
-          <ac:chgData name="Uwe Ricken" userId="f02567aecbed924b" providerId="LiveId" clId="{05F991DB-F590-45B3-B343-DF3BA6243F91}" dt="2025-01-18T08:17:51.918" v="1189" actId="14100"/>
-          <ac:spMkLst>
-            <pc:docMk/>
-            <pc:sldMk cId="3452348964" sldId="396"/>
-            <ac:spMk id="19" creationId="{C5F057BD-2902-76C8-9E72-9439827A2869}"/>
-          </ac:spMkLst>
-        </pc:spChg>
-        <pc:spChg chg="add mod">
-          <ac:chgData name="Uwe Ricken" userId="f02567aecbed924b" providerId="LiveId" clId="{05F991DB-F590-45B3-B343-DF3BA6243F91}" dt="2025-01-18T08:18:09.528" v="1191" actId="14100"/>
-          <ac:spMkLst>
-            <pc:docMk/>
-            <pc:sldMk cId="3452348964" sldId="396"/>
-            <ac:spMk id="20" creationId="{92F61B68-6C2C-D624-1658-654967C6CB05}"/>
-          </ac:spMkLst>
-        </pc:spChg>
-        <pc:spChg chg="mod">
-          <ac:chgData name="Uwe Ricken" userId="f02567aecbed924b" providerId="LiveId" clId="{05F991DB-F590-45B3-B343-DF3BA6243F91}" dt="2025-01-18T07:46:35.523" v="936" actId="20577"/>
-          <ac:spMkLst>
-            <pc:docMk/>
-            <pc:sldMk cId="3452348964" sldId="396"/>
-            <ac:spMk id="28" creationId="{73B32212-A667-1AEB-6132-B64C50D0E9C2}"/>
-          </ac:spMkLst>
-        </pc:spChg>
-        <pc:spChg chg="mod">
-          <ac:chgData name="Uwe Ricken" userId="f02567aecbed924b" providerId="LiveId" clId="{05F991DB-F590-45B3-B343-DF3BA6243F91}" dt="2025-01-18T08:05:39.318" v="1098" actId="14100"/>
-          <ac:spMkLst>
-            <pc:docMk/>
-            <pc:sldMk cId="3452348964" sldId="396"/>
-            <ac:spMk id="37" creationId="{FDB68232-60E5-384D-6C49-59290D49EB07}"/>
-          </ac:spMkLst>
-        </pc:spChg>
-        <pc:graphicFrameChg chg="mod modGraphic">
-          <ac:chgData name="Uwe Ricken" userId="f02567aecbed924b" providerId="LiveId" clId="{05F991DB-F590-45B3-B343-DF3BA6243F91}" dt="2025-01-18T08:01:19.479" v="1074" actId="20577"/>
-          <ac:graphicFrameMkLst>
-            <pc:docMk/>
-            <pc:sldMk cId="3452348964" sldId="396"/>
-            <ac:graphicFrameMk id="2" creationId="{774E2B07-040C-CDF1-4DEF-4C40F01230B5}"/>
-          </ac:graphicFrameMkLst>
-        </pc:graphicFrameChg>
-        <pc:cxnChg chg="add mod">
-          <ac:chgData name="Uwe Ricken" userId="f02567aecbed924b" providerId="LiveId" clId="{05F991DB-F590-45B3-B343-DF3BA6243F91}" dt="2025-01-30T14:50:06.926" v="3000" actId="552"/>
-          <ac:cxnSpMkLst>
-            <pc:docMk/>
-            <pc:sldMk cId="3452348964" sldId="396"/>
-            <ac:cxnSpMk id="10" creationId="{3082B1B7-25FA-8A4C-856E-F8E7B8CB861F}"/>
-          </ac:cxnSpMkLst>
-        </pc:cxnChg>
-        <pc:cxnChg chg="add mod">
-          <ac:chgData name="Uwe Ricken" userId="f02567aecbed924b" providerId="LiveId" clId="{05F991DB-F590-45B3-B343-DF3BA6243F91}" dt="2025-01-30T14:50:06.926" v="3000" actId="552"/>
-          <ac:cxnSpMkLst>
-            <pc:docMk/>
-            <pc:sldMk cId="3452348964" sldId="396"/>
-            <ac:cxnSpMk id="26" creationId="{978D07DA-F82B-A04C-8155-2E1D33688617}"/>
-          </ac:cxnSpMkLst>
-        </pc:cxnChg>
       </pc:sldChg>
-      <pc:sldChg chg="addSp delSp modSp new del mod">
-        <pc:chgData name="Uwe Ricken" userId="f02567aecbed924b" providerId="LiveId" clId="{05F991DB-F590-45B3-B343-DF3BA6243F91}" dt="2025-01-18T08:10:13.791" v="1134" actId="2696"/>
-        <pc:sldMkLst>
-          <pc:docMk/>
-          <pc:sldMk cId="1087867905" sldId="397"/>
-        </pc:sldMkLst>
-      </pc:sldChg>
-      <pc:sldChg chg="addSp delSp modSp add mod delAnim modAnim modNotesTx">
-        <pc:chgData name="Uwe Ricken" userId="f02567aecbed924b" providerId="LiveId" clId="{05F991DB-F590-45B3-B343-DF3BA6243F91}" dt="2025-01-23T07:42:39.799" v="2856" actId="1036"/>
+      <pc:sldChg chg="modSp">
+        <pc:chgData name="Uwe Ricken" userId="f02567aecbed924b" providerId="LiveId" clId="{E77B627B-1F43-41A9-9F24-D4BB31BF6050}" dt="2025-10-07T07:04:08.816" v="31"/>
         <pc:sldMkLst>
           <pc:docMk/>
           <pc:sldMk cId="1218141939" sldId="397"/>
         </pc:sldMkLst>
         <pc:spChg chg="mod">
-          <ac:chgData name="Uwe Ricken" userId="f02567aecbed924b" providerId="LiveId" clId="{05F991DB-F590-45B3-B343-DF3BA6243F91}" dt="2025-01-18T08:38:42.074" v="1268" actId="20577"/>
+          <ac:chgData name="Uwe Ricken" userId="f02567aecbed924b" providerId="LiveId" clId="{E77B627B-1F43-41A9-9F24-D4BB31BF6050}" dt="2025-10-07T07:04:08.816" v="31"/>
           <ac:spMkLst>
             <pc:docMk/>
             <pc:sldMk cId="1218141939" sldId="397"/>
@@ -536,133 +443,38 @@
           </ac:spMkLst>
         </pc:spChg>
         <pc:spChg chg="mod">
-          <ac:chgData name="Uwe Ricken" userId="f02567aecbed924b" providerId="LiveId" clId="{05F991DB-F590-45B3-B343-DF3BA6243F91}" dt="2025-01-18T08:11:20.755" v="1150" actId="20577"/>
+          <ac:chgData name="Uwe Ricken" userId="f02567aecbed924b" providerId="LiveId" clId="{E77B627B-1F43-41A9-9F24-D4BB31BF6050}" dt="2025-10-07T07:04:08.816" v="31"/>
           <ac:spMkLst>
             <pc:docMk/>
             <pc:sldMk cId="1218141939" sldId="397"/>
             <ac:spMk id="5" creationId="{21ECE7E1-7F6B-944B-1C44-5B8D352D6294}"/>
           </ac:spMkLst>
         </pc:spChg>
-        <pc:spChg chg="mod ord">
-          <ac:chgData name="Uwe Ricken" userId="f02567aecbed924b" providerId="LiveId" clId="{05F991DB-F590-45B3-B343-DF3BA6243F91}" dt="2025-01-18T08:29:56.673" v="1237" actId="166"/>
+        <pc:spChg chg="mod">
+          <ac:chgData name="Uwe Ricken" userId="f02567aecbed924b" providerId="LiveId" clId="{E77B627B-1F43-41A9-9F24-D4BB31BF6050}" dt="2025-10-07T07:04:08.816" v="31"/>
           <ac:spMkLst>
             <pc:docMk/>
             <pc:sldMk cId="1218141939" sldId="397"/>
-            <ac:spMk id="7" creationId="{22E5C574-5CA8-9494-E6D6-2096AA4BEA89}"/>
+            <ac:spMk id="6" creationId="{D8AAAFD4-786F-ACB5-6862-87777F786995}"/>
           </ac:spMkLst>
         </pc:spChg>
-        <pc:spChg chg="mod">
-          <ac:chgData name="Uwe Ricken" userId="f02567aecbed924b" providerId="LiveId" clId="{05F991DB-F590-45B3-B343-DF3BA6243F91}" dt="2025-01-18T08:28:29.615" v="1234" actId="552"/>
-          <ac:spMkLst>
-            <pc:docMk/>
-            <pc:sldMk cId="1218141939" sldId="397"/>
-            <ac:spMk id="9" creationId="{D31C7FB9-CA37-0D24-5488-3FF266369146}"/>
-          </ac:spMkLst>
-        </pc:spChg>
-        <pc:spChg chg="add mod">
-          <ac:chgData name="Uwe Ricken" userId="f02567aecbed924b" providerId="LiveId" clId="{05F991DB-F590-45B3-B343-DF3BA6243F91}" dt="2025-01-18T08:28:29.615" v="1234" actId="552"/>
-          <ac:spMkLst>
-            <pc:docMk/>
-            <pc:sldMk cId="1218141939" sldId="397"/>
-            <ac:spMk id="11" creationId="{D4DBFC6A-BDE1-0057-ECA1-E181DA3258CE}"/>
-          </ac:spMkLst>
-        </pc:spChg>
-        <pc:spChg chg="add mod">
-          <ac:chgData name="Uwe Ricken" userId="f02567aecbed924b" providerId="LiveId" clId="{05F991DB-F590-45B3-B343-DF3BA6243F91}" dt="2025-01-23T07:42:16.883" v="2852" actId="20577"/>
-          <ac:spMkLst>
-            <pc:docMk/>
-            <pc:sldMk cId="1218141939" sldId="397"/>
-            <ac:spMk id="13" creationId="{BCD8E3D4-1598-90EC-5D80-71466E3423EF}"/>
-          </ac:spMkLst>
-        </pc:spChg>
-        <pc:spChg chg="add mod">
-          <ac:chgData name="Uwe Ricken" userId="f02567aecbed924b" providerId="LiveId" clId="{05F991DB-F590-45B3-B343-DF3BA6243F91}" dt="2025-01-18T08:31:16.765" v="1241" actId="14100"/>
-          <ac:spMkLst>
-            <pc:docMk/>
-            <pc:sldMk cId="1218141939" sldId="397"/>
-            <ac:spMk id="14" creationId="{D13E191E-CD04-5E16-75D9-38DAEF7366AC}"/>
-          </ac:spMkLst>
-        </pc:spChg>
-        <pc:spChg chg="mod ord">
-          <ac:chgData name="Uwe Ricken" userId="f02567aecbed924b" providerId="LiveId" clId="{05F991DB-F590-45B3-B343-DF3BA6243F91}" dt="2025-01-18T08:29:56.673" v="1237" actId="166"/>
-          <ac:spMkLst>
-            <pc:docMk/>
-            <pc:sldMk cId="1218141939" sldId="397"/>
-            <ac:spMk id="28" creationId="{4ADE8A2A-59E3-DD87-4908-624EF471922D}"/>
-          </ac:spMkLst>
-        </pc:spChg>
-        <pc:spChg chg="add mod">
-          <ac:chgData name="Uwe Ricken" userId="f02567aecbed924b" providerId="LiveId" clId="{05F991DB-F590-45B3-B343-DF3BA6243F91}" dt="2025-01-18T08:37:51.241" v="1266" actId="552"/>
-          <ac:spMkLst>
-            <pc:docMk/>
-            <pc:sldMk cId="1218141939" sldId="397"/>
-            <ac:spMk id="36" creationId="{2D3FB582-7E21-2F0F-A157-4672A8A2EC1C}"/>
-          </ac:spMkLst>
-        </pc:spChg>
-        <pc:spChg chg="mod">
-          <ac:chgData name="Uwe Ricken" userId="f02567aecbed924b" providerId="LiveId" clId="{05F991DB-F590-45B3-B343-DF3BA6243F91}" dt="2025-01-18T08:37:51.241" v="1266" actId="552"/>
-          <ac:spMkLst>
-            <pc:docMk/>
-            <pc:sldMk cId="1218141939" sldId="397"/>
-            <ac:spMk id="37" creationId="{AA0742B5-88C0-44EB-01BD-8D1604762C7E}"/>
-          </ac:spMkLst>
-        </pc:spChg>
-        <pc:cxnChg chg="mod">
-          <ac:chgData name="Uwe Ricken" userId="f02567aecbed924b" providerId="LiveId" clId="{05F991DB-F590-45B3-B343-DF3BA6243F91}" dt="2025-01-18T08:21:22.366" v="1216" actId="1076"/>
-          <ac:cxnSpMkLst>
-            <pc:docMk/>
-            <pc:sldMk cId="1218141939" sldId="397"/>
-            <ac:cxnSpMk id="10" creationId="{D617C04A-8713-7838-8118-145C855E3727}"/>
-          </ac:cxnSpMkLst>
-        </pc:cxnChg>
-        <pc:cxnChg chg="add mod">
-          <ac:chgData name="Uwe Ricken" userId="f02567aecbed924b" providerId="LiveId" clId="{05F991DB-F590-45B3-B343-DF3BA6243F91}" dt="2025-01-23T07:42:39.799" v="2856" actId="1036"/>
-          <ac:cxnSpMkLst>
-            <pc:docMk/>
-            <pc:sldMk cId="1218141939" sldId="397"/>
-            <ac:cxnSpMk id="15" creationId="{575053EB-BE44-CAC6-0A2E-4C0C88AA7595}"/>
-          </ac:cxnSpMkLst>
-        </pc:cxnChg>
-        <pc:cxnChg chg="add mod">
-          <ac:chgData name="Uwe Ricken" userId="f02567aecbed924b" providerId="LiveId" clId="{05F991DB-F590-45B3-B343-DF3BA6243F91}" dt="2025-01-23T07:42:12.363" v="2834" actId="20577"/>
-          <ac:cxnSpMkLst>
-            <pc:docMk/>
-            <pc:sldMk cId="1218141939" sldId="397"/>
-            <ac:cxnSpMk id="16" creationId="{7F87387E-33CD-984D-8A3D-CB7958E41D05}"/>
-          </ac:cxnSpMkLst>
-        </pc:cxnChg>
-        <pc:cxnChg chg="mod">
-          <ac:chgData name="Uwe Ricken" userId="f02567aecbed924b" providerId="LiveId" clId="{05F991DB-F590-45B3-B343-DF3BA6243F91}" dt="2025-01-18T08:33:19.124" v="1252" actId="14100"/>
-          <ac:cxnSpMkLst>
-            <pc:docMk/>
-            <pc:sldMk cId="1218141939" sldId="397"/>
-            <ac:cxnSpMk id="26" creationId="{344F7BA0-7AB0-1994-7D0C-CBA681C10D50}"/>
-          </ac:cxnSpMkLst>
-        </pc:cxnChg>
       </pc:sldChg>
-      <pc:sldChg chg="modSp add del mod modAnim">
-        <pc:chgData name="Uwe Ricken" userId="f02567aecbed924b" providerId="LiveId" clId="{05F991DB-F590-45B3-B343-DF3BA6243F91}" dt="2025-01-18T08:11:08.242" v="1148" actId="2696"/>
-        <pc:sldMkLst>
-          <pc:docMk/>
-          <pc:sldMk cId="1187906323" sldId="398"/>
-        </pc:sldMkLst>
-      </pc:sldChg>
-      <pc:sldChg chg="addSp delSp modSp new mod">
-        <pc:chgData name="Uwe Ricken" userId="f02567aecbed924b" providerId="LiveId" clId="{05F991DB-F590-45B3-B343-DF3BA6243F91}" dt="2025-01-25T10:42:14.459" v="2999" actId="113"/>
+      <pc:sldChg chg="modSp">
+        <pc:chgData name="Uwe Ricken" userId="f02567aecbed924b" providerId="LiveId" clId="{E77B627B-1F43-41A9-9F24-D4BB31BF6050}" dt="2025-10-07T07:04:08.816" v="31"/>
         <pc:sldMkLst>
           <pc:docMk/>
           <pc:sldMk cId="2340043209" sldId="398"/>
         </pc:sldMkLst>
         <pc:spChg chg="mod">
-          <ac:chgData name="Uwe Ricken" userId="f02567aecbed924b" providerId="LiveId" clId="{05F991DB-F590-45B3-B343-DF3BA6243F91}" dt="2025-01-18T08:41:47.942" v="1282" actId="20577"/>
+          <ac:chgData name="Uwe Ricken" userId="f02567aecbed924b" providerId="LiveId" clId="{E77B627B-1F43-41A9-9F24-D4BB31BF6050}" dt="2025-10-07T07:04:08.816" v="31"/>
           <ac:spMkLst>
             <pc:docMk/>
             <pc:sldMk cId="2340043209" sldId="398"/>
             <ac:spMk id="2" creationId="{68406918-FCAB-1372-4923-90999B455733}"/>
           </ac:spMkLst>
         </pc:spChg>
-        <pc:graphicFrameChg chg="add mod ord modGraphic">
-          <ac:chgData name="Uwe Ricken" userId="f02567aecbed924b" providerId="LiveId" clId="{05F991DB-F590-45B3-B343-DF3BA6243F91}" dt="2025-01-25T10:42:14.459" v="2999" actId="113"/>
+        <pc:graphicFrameChg chg="mod">
+          <ac:chgData name="Uwe Ricken" userId="f02567aecbed924b" providerId="LiveId" clId="{E77B627B-1F43-41A9-9F24-D4BB31BF6050}" dt="2025-10-07T07:04:08.816" v="31"/>
           <ac:graphicFrameMkLst>
             <pc:docMk/>
             <pc:sldMk cId="2340043209" sldId="398"/>
@@ -670,21 +482,14 @@
           </ac:graphicFrameMkLst>
         </pc:graphicFrameChg>
       </pc:sldChg>
-      <pc:sldChg chg="add del">
-        <pc:chgData name="Uwe Ricken" userId="f02567aecbed924b" providerId="LiveId" clId="{05F991DB-F590-45B3-B343-DF3BA6243F91}" dt="2025-01-18T09:00:36.621" v="1462" actId="2696"/>
-        <pc:sldMkLst>
-          <pc:docMk/>
-          <pc:sldMk cId="1300544609" sldId="399"/>
-        </pc:sldMkLst>
-      </pc:sldChg>
-      <pc:sldChg chg="modSp mod">
-        <pc:chgData name="Uwe Ricken" userId="f02567aecbed924b" providerId="LiveId" clId="{05F991DB-F590-45B3-B343-DF3BA6243F91}" dt="2025-01-23T07:43:34.373" v="2878" actId="20577"/>
+      <pc:sldChg chg="modSp">
+        <pc:chgData name="Uwe Ricken" userId="f02567aecbed924b" providerId="LiveId" clId="{E77B627B-1F43-41A9-9F24-D4BB31BF6050}" dt="2025-10-07T07:04:08.816" v="31"/>
         <pc:sldMkLst>
           <pc:docMk/>
           <pc:sldMk cId="2262591952" sldId="399"/>
         </pc:sldMkLst>
         <pc:spChg chg="mod">
-          <ac:chgData name="Uwe Ricken" userId="f02567aecbed924b" providerId="LiveId" clId="{05F991DB-F590-45B3-B343-DF3BA6243F91}" dt="2025-01-18T09:00:53.381" v="1471" actId="20577"/>
+          <ac:chgData name="Uwe Ricken" userId="f02567aecbed924b" providerId="LiveId" clId="{E77B627B-1F43-41A9-9F24-D4BB31BF6050}" dt="2025-10-07T07:04:08.816" v="31"/>
           <ac:spMkLst>
             <pc:docMk/>
             <pc:sldMk cId="2262591952" sldId="399"/>
@@ -692,7 +497,7 @@
           </ac:spMkLst>
         </pc:spChg>
         <pc:spChg chg="mod">
-          <ac:chgData name="Uwe Ricken" userId="f02567aecbed924b" providerId="LiveId" clId="{05F991DB-F590-45B3-B343-DF3BA6243F91}" dt="2025-01-23T07:43:34.373" v="2878" actId="20577"/>
+          <ac:chgData name="Uwe Ricken" userId="f02567aecbed924b" providerId="LiveId" clId="{E77B627B-1F43-41A9-9F24-D4BB31BF6050}" dt="2025-10-07T07:04:08.816" v="31"/>
           <ac:spMkLst>
             <pc:docMk/>
             <pc:sldMk cId="2262591952" sldId="399"/>
@@ -700,14 +505,14 @@
           </ac:spMkLst>
         </pc:spChg>
       </pc:sldChg>
-      <pc:sldChg chg="modSp new mod modShow">
-        <pc:chgData name="Uwe Ricken" userId="f02567aecbed924b" providerId="LiveId" clId="{05F991DB-F590-45B3-B343-DF3BA6243F91}" dt="2025-01-20T10:26:26.520" v="2452" actId="729"/>
+      <pc:sldChg chg="modSp">
+        <pc:chgData name="Uwe Ricken" userId="f02567aecbed924b" providerId="LiveId" clId="{E77B627B-1F43-41A9-9F24-D4BB31BF6050}" dt="2025-10-07T07:04:08.816" v="31"/>
         <pc:sldMkLst>
           <pc:docMk/>
           <pc:sldMk cId="3663633766" sldId="400"/>
         </pc:sldMkLst>
         <pc:spChg chg="mod">
-          <ac:chgData name="Uwe Ricken" userId="f02567aecbed924b" providerId="LiveId" clId="{05F991DB-F590-45B3-B343-DF3BA6243F91}" dt="2025-01-18T09:02:46.306" v="1535" actId="20577"/>
+          <ac:chgData name="Uwe Ricken" userId="f02567aecbed924b" providerId="LiveId" clId="{E77B627B-1F43-41A9-9F24-D4BB31BF6050}" dt="2025-10-07T07:04:08.816" v="31"/>
           <ac:spMkLst>
             <pc:docMk/>
             <pc:sldMk cId="3663633766" sldId="400"/>
@@ -715,7 +520,7 @@
           </ac:spMkLst>
         </pc:spChg>
         <pc:spChg chg="mod">
-          <ac:chgData name="Uwe Ricken" userId="f02567aecbed924b" providerId="LiveId" clId="{05F991DB-F590-45B3-B343-DF3BA6243F91}" dt="2025-01-18T09:03:26.296" v="1640" actId="20577"/>
+          <ac:chgData name="Uwe Ricken" userId="f02567aecbed924b" providerId="LiveId" clId="{E77B627B-1F43-41A9-9F24-D4BB31BF6050}" dt="2025-10-07T07:04:08.816" v="31"/>
           <ac:spMkLst>
             <pc:docMk/>
             <pc:sldMk cId="3663633766" sldId="400"/>
@@ -723,227 +528,44 @@
           </ac:spMkLst>
         </pc:spChg>
       </pc:sldChg>
-      <pc:sldChg chg="addSp delSp modSp new mod modClrScheme modAnim chgLayout">
-        <pc:chgData name="Uwe Ricken" userId="f02567aecbed924b" providerId="LiveId" clId="{05F991DB-F590-45B3-B343-DF3BA6243F91}" dt="2025-01-19T16:12:37.046" v="2449"/>
+      <pc:sldChg chg="modSp">
+        <pc:chgData name="Uwe Ricken" userId="f02567aecbed924b" providerId="LiveId" clId="{E77B627B-1F43-41A9-9F24-D4BB31BF6050}" dt="2025-10-07T07:04:08.816" v="31"/>
         <pc:sldMkLst>
           <pc:docMk/>
           <pc:sldMk cId="1635604563" sldId="401"/>
         </pc:sldMkLst>
-        <pc:spChg chg="mod ord">
-          <ac:chgData name="Uwe Ricken" userId="f02567aecbed924b" providerId="LiveId" clId="{05F991DB-F590-45B3-B343-DF3BA6243F91}" dt="2025-01-18T09:07:29.353" v="1658" actId="700"/>
+        <pc:spChg chg="mod">
+          <ac:chgData name="Uwe Ricken" userId="f02567aecbed924b" providerId="LiveId" clId="{E77B627B-1F43-41A9-9F24-D4BB31BF6050}" dt="2025-10-07T07:04:08.816" v="31"/>
           <ac:spMkLst>
             <pc:docMk/>
             <pc:sldMk cId="1635604563" sldId="401"/>
             <ac:spMk id="2" creationId="{4A04D707-CA4B-FE67-AA26-195EA033B35E}"/>
           </ac:spMkLst>
         </pc:spChg>
-        <pc:spChg chg="add mod ord">
-          <ac:chgData name="Uwe Ricken" userId="f02567aecbed924b" providerId="LiveId" clId="{05F991DB-F590-45B3-B343-DF3BA6243F91}" dt="2025-01-19T16:11:31.867" v="2444" actId="14100"/>
-          <ac:spMkLst>
-            <pc:docMk/>
-            <pc:sldMk cId="1635604563" sldId="401"/>
-            <ac:spMk id="4" creationId="{8ED975E3-6DA1-1855-FFED-F4F969AD190D}"/>
-          </ac:spMkLst>
-        </pc:spChg>
-        <pc:spChg chg="add mod ord">
-          <ac:chgData name="Uwe Ricken" userId="f02567aecbed924b" providerId="LiveId" clId="{05F991DB-F590-45B3-B343-DF3BA6243F91}" dt="2025-01-19T16:05:31.910" v="2401" actId="1076"/>
-          <ac:spMkLst>
-            <pc:docMk/>
-            <pc:sldMk cId="1635604563" sldId="401"/>
-            <ac:spMk id="5" creationId="{9404D63F-3FC5-D990-3B26-B442A4EB37AA}"/>
-          </ac:spMkLst>
-        </pc:spChg>
-        <pc:spChg chg="add mod">
-          <ac:chgData name="Uwe Ricken" userId="f02567aecbed924b" providerId="LiveId" clId="{05F991DB-F590-45B3-B343-DF3BA6243F91}" dt="2025-01-18T10:01:55.076" v="2050" actId="1076"/>
-          <ac:spMkLst>
-            <pc:docMk/>
-            <pc:sldMk cId="1635604563" sldId="401"/>
-            <ac:spMk id="10" creationId="{2E88EACA-2775-6F2B-4FF2-E99F8D2C7D5F}"/>
-          </ac:spMkLst>
-        </pc:spChg>
-        <pc:spChg chg="add mod">
-          <ac:chgData name="Uwe Ricken" userId="f02567aecbed924b" providerId="LiveId" clId="{05F991DB-F590-45B3-B343-DF3BA6243F91}" dt="2025-01-18T10:01:03.942" v="2042" actId="1076"/>
-          <ac:spMkLst>
-            <pc:docMk/>
-            <pc:sldMk cId="1635604563" sldId="401"/>
-            <ac:spMk id="11" creationId="{EB6478BE-4F19-3310-4DFC-38DC4727BEED}"/>
-          </ac:spMkLst>
-        </pc:spChg>
-        <pc:spChg chg="add mod">
-          <ac:chgData name="Uwe Ricken" userId="f02567aecbed924b" providerId="LiveId" clId="{05F991DB-F590-45B3-B343-DF3BA6243F91}" dt="2025-01-19T16:11:31.867" v="2444" actId="14100"/>
-          <ac:spMkLst>
-            <pc:docMk/>
-            <pc:sldMk cId="1635604563" sldId="401"/>
-            <ac:spMk id="12" creationId="{EA63124F-D79B-92FD-DC17-1B7ED1FA494F}"/>
-          </ac:spMkLst>
-        </pc:spChg>
-        <pc:spChg chg="add mod">
-          <ac:chgData name="Uwe Ricken" userId="f02567aecbed924b" providerId="LiveId" clId="{05F991DB-F590-45B3-B343-DF3BA6243F91}" dt="2025-01-18T10:06:18.183" v="2127" actId="207"/>
-          <ac:spMkLst>
-            <pc:docMk/>
-            <pc:sldMk cId="1635604563" sldId="401"/>
-            <ac:spMk id="13" creationId="{5FAC3D66-8E1E-7F28-CE45-B864990C5C38}"/>
-          </ac:spMkLst>
-        </pc:spChg>
-        <pc:spChg chg="add mod">
-          <ac:chgData name="Uwe Ricken" userId="f02567aecbed924b" providerId="LiveId" clId="{05F991DB-F590-45B3-B343-DF3BA6243F91}" dt="2025-01-19T16:05:31.910" v="2401" actId="1076"/>
-          <ac:spMkLst>
-            <pc:docMk/>
-            <pc:sldMk cId="1635604563" sldId="401"/>
-            <ac:spMk id="14" creationId="{433D4D87-C2E9-EE95-C74C-275E499DD26D}"/>
-          </ac:spMkLst>
-        </pc:spChg>
-        <pc:spChg chg="add mod">
-          <ac:chgData name="Uwe Ricken" userId="f02567aecbed924b" providerId="LiveId" clId="{05F991DB-F590-45B3-B343-DF3BA6243F91}" dt="2025-01-18T10:08:05.796" v="2153" actId="400"/>
-          <ac:spMkLst>
-            <pc:docMk/>
-            <pc:sldMk cId="1635604563" sldId="401"/>
-            <ac:spMk id="15" creationId="{9FD61FE9-F27E-9E20-34DB-D17BD05B6C78}"/>
-          </ac:spMkLst>
-        </pc:spChg>
-        <pc:spChg chg="add mod">
-          <ac:chgData name="Uwe Ricken" userId="f02567aecbed924b" providerId="LiveId" clId="{05F991DB-F590-45B3-B343-DF3BA6243F91}" dt="2025-01-19T16:09:07.631" v="2433" actId="553"/>
-          <ac:spMkLst>
-            <pc:docMk/>
-            <pc:sldMk cId="1635604563" sldId="401"/>
-            <ac:spMk id="21" creationId="{B88FAEE0-3210-959E-B884-CBFAC4B6C3DF}"/>
-          </ac:spMkLst>
-        </pc:spChg>
-        <pc:spChg chg="add mod">
-          <ac:chgData name="Uwe Ricken" userId="f02567aecbed924b" providerId="LiveId" clId="{05F991DB-F590-45B3-B343-DF3BA6243F91}" dt="2025-01-19T16:09:07.631" v="2433" actId="553"/>
-          <ac:spMkLst>
-            <pc:docMk/>
-            <pc:sldMk cId="1635604563" sldId="401"/>
-            <ac:spMk id="22" creationId="{9DD37079-DA53-263A-A1F1-BCC9BB49ADCB}"/>
-          </ac:spMkLst>
-        </pc:spChg>
-        <pc:spChg chg="add mod">
-          <ac:chgData name="Uwe Ricken" userId="f02567aecbed924b" providerId="LiveId" clId="{05F991DB-F590-45B3-B343-DF3BA6243F91}" dt="2025-01-19T16:09:29.374" v="2436" actId="553"/>
-          <ac:spMkLst>
-            <pc:docMk/>
-            <pc:sldMk cId="1635604563" sldId="401"/>
-            <ac:spMk id="23" creationId="{911B0882-E99E-65AC-ED26-B7D86DBF8C53}"/>
-          </ac:spMkLst>
-        </pc:spChg>
-        <pc:spChg chg="add mod">
-          <ac:chgData name="Uwe Ricken" userId="f02567aecbed924b" providerId="LiveId" clId="{05F991DB-F590-45B3-B343-DF3BA6243F91}" dt="2025-01-19T16:09:29.374" v="2436" actId="553"/>
-          <ac:spMkLst>
-            <pc:docMk/>
-            <pc:sldMk cId="1635604563" sldId="401"/>
-            <ac:spMk id="24" creationId="{019EF7EF-B962-E09E-3299-76E30FFA0C51}"/>
-          </ac:spMkLst>
-        </pc:spChg>
-        <pc:graphicFrameChg chg="add mod modGraphic">
-          <ac:chgData name="Uwe Ricken" userId="f02567aecbed924b" providerId="LiveId" clId="{05F991DB-F590-45B3-B343-DF3BA6243F91}" dt="2025-01-18T09:56:10.125" v="1991" actId="20577"/>
-          <ac:graphicFrameMkLst>
-            <pc:docMk/>
-            <pc:sldMk cId="1635604563" sldId="401"/>
-            <ac:graphicFrameMk id="8" creationId="{B183981B-AE07-05EF-61C4-CB5F3AB677E5}"/>
-          </ac:graphicFrameMkLst>
-        </pc:graphicFrameChg>
-        <pc:graphicFrameChg chg="add mod modGraphic">
-          <ac:chgData name="Uwe Ricken" userId="f02567aecbed924b" providerId="LiveId" clId="{05F991DB-F590-45B3-B343-DF3BA6243F91}" dt="2025-01-18T10:01:43.979" v="2049" actId="14734"/>
-          <ac:graphicFrameMkLst>
-            <pc:docMk/>
-            <pc:sldMk cId="1635604563" sldId="401"/>
-            <ac:graphicFrameMk id="9" creationId="{01C761C3-73E2-33DF-29B2-DBAF1969F411}"/>
-          </ac:graphicFrameMkLst>
-        </pc:graphicFrameChg>
-        <pc:cxnChg chg="add mod">
-          <ac:chgData name="Uwe Ricken" userId="f02567aecbed924b" providerId="LiveId" clId="{05F991DB-F590-45B3-B343-DF3BA6243F91}" dt="2025-01-19T16:11:31.867" v="2444" actId="14100"/>
-          <ac:cxnSpMkLst>
-            <pc:docMk/>
-            <pc:sldMk cId="1635604563" sldId="401"/>
-            <ac:cxnSpMk id="6" creationId="{1387F504-529A-81EE-925D-6A3C3A8C330C}"/>
-          </ac:cxnSpMkLst>
-        </pc:cxnChg>
-        <pc:cxnChg chg="add">
-          <ac:chgData name="Uwe Ricken" userId="f02567aecbed924b" providerId="LiveId" clId="{05F991DB-F590-45B3-B343-DF3BA6243F91}" dt="2025-01-19T16:06:21.950" v="2403" actId="11529"/>
-          <ac:cxnSpMkLst>
-            <pc:docMk/>
-            <pc:sldMk cId="1635604563" sldId="401"/>
-            <ac:cxnSpMk id="16" creationId="{6EB036B1-6741-E944-3F4F-6272F4CC6500}"/>
-          </ac:cxnSpMkLst>
-        </pc:cxnChg>
-        <pc:cxnChg chg="add mod">
-          <ac:chgData name="Uwe Ricken" userId="f02567aecbed924b" providerId="LiveId" clId="{05F991DB-F590-45B3-B343-DF3BA6243F91}" dt="2025-01-19T16:11:31.867" v="2444" actId="14100"/>
-          <ac:cxnSpMkLst>
-            <pc:docMk/>
-            <pc:sldMk cId="1635604563" sldId="401"/>
-            <ac:cxnSpMk id="18" creationId="{B44F8F2B-0730-4A3E-7ED9-2D41D27225DA}"/>
-          </ac:cxnSpMkLst>
-        </pc:cxnChg>
-        <pc:cxnChg chg="add">
-          <ac:chgData name="Uwe Ricken" userId="f02567aecbed924b" providerId="LiveId" clId="{05F991DB-F590-45B3-B343-DF3BA6243F91}" dt="2025-01-19T16:06:45.119" v="2405" actId="11529"/>
-          <ac:cxnSpMkLst>
-            <pc:docMk/>
-            <pc:sldMk cId="1635604563" sldId="401"/>
-            <ac:cxnSpMk id="20" creationId="{2E003972-D6B6-AD09-8442-BCD002763668}"/>
-          </ac:cxnSpMkLst>
-        </pc:cxnChg>
       </pc:sldChg>
-      <pc:sldChg chg="addSp delSp modSp new mod modClrScheme chgLayout">
-        <pc:chgData name="Uwe Ricken" userId="f02567aecbed924b" providerId="LiveId" clId="{05F991DB-F590-45B3-B343-DF3BA6243F91}" dt="2025-01-18T09:50:09.926" v="1974" actId="207"/>
-        <pc:sldMkLst>
-          <pc:docMk/>
-          <pc:sldMk cId="3711842215" sldId="402"/>
-        </pc:sldMkLst>
-        <pc:spChg chg="mod ord">
-          <ac:chgData name="Uwe Ricken" userId="f02567aecbed924b" providerId="LiveId" clId="{05F991DB-F590-45B3-B343-DF3BA6243F91}" dt="2025-01-18T09:08:22.911" v="1667" actId="700"/>
-          <ac:spMkLst>
-            <pc:docMk/>
-            <pc:sldMk cId="3711842215" sldId="402"/>
-            <ac:spMk id="2" creationId="{A588D849-FA52-2265-F4DB-0D067C284733}"/>
-          </ac:spMkLst>
-        </pc:spChg>
-        <pc:graphicFrameChg chg="add mod modGraphic">
-          <ac:chgData name="Uwe Ricken" userId="f02567aecbed924b" providerId="LiveId" clId="{05F991DB-F590-45B3-B343-DF3BA6243F91}" dt="2025-01-18T09:49:58.856" v="1970" actId="207"/>
-          <ac:graphicFrameMkLst>
-            <pc:docMk/>
-            <pc:sldMk cId="3711842215" sldId="402"/>
-            <ac:graphicFrameMk id="5" creationId="{91904543-0003-6AAF-793E-0BC0217607A1}"/>
-          </ac:graphicFrameMkLst>
-        </pc:graphicFrameChg>
-        <pc:graphicFrameChg chg="add mod modGraphic">
-          <ac:chgData name="Uwe Ricken" userId="f02567aecbed924b" providerId="LiveId" clId="{05F991DB-F590-45B3-B343-DF3BA6243F91}" dt="2025-01-18T09:50:09.926" v="1974" actId="207"/>
-          <ac:graphicFrameMkLst>
-            <pc:docMk/>
-            <pc:sldMk cId="3711842215" sldId="402"/>
-            <ac:graphicFrameMk id="6" creationId="{7C20CC39-641B-B18C-E8C6-1439D7A9D387}"/>
-          </ac:graphicFrameMkLst>
-        </pc:graphicFrameChg>
-      </pc:sldChg>
-      <pc:sldChg chg="addSp delSp modSp new mod modClrScheme modAnim chgLayout">
-        <pc:chgData name="Uwe Ricken" userId="f02567aecbed924b" providerId="LiveId" clId="{05F991DB-F590-45B3-B343-DF3BA6243F91}" dt="2025-01-19T16:13:37.835" v="2451"/>
+      <pc:sldChg chg="modSp">
+        <pc:chgData name="Uwe Ricken" userId="f02567aecbed924b" providerId="LiveId" clId="{E77B627B-1F43-41A9-9F24-D4BB31BF6050}" dt="2025-10-07T07:04:08.816" v="31"/>
         <pc:sldMkLst>
           <pc:docMk/>
           <pc:sldMk cId="2954081889" sldId="403"/>
         </pc:sldMkLst>
-        <pc:spChg chg="add mod ord">
-          <ac:chgData name="Uwe Ricken" userId="f02567aecbed924b" providerId="LiveId" clId="{05F991DB-F590-45B3-B343-DF3BA6243F91}" dt="2025-01-18T10:28:54.200" v="2173" actId="20577"/>
+        <pc:spChg chg="mod">
+          <ac:chgData name="Uwe Ricken" userId="f02567aecbed924b" providerId="LiveId" clId="{E77B627B-1F43-41A9-9F24-D4BB31BF6050}" dt="2025-10-07T07:04:08.816" v="31"/>
           <ac:spMkLst>
             <pc:docMk/>
             <pc:sldMk cId="2954081889" sldId="403"/>
             <ac:spMk id="5" creationId="{9CEFDC6C-CEEB-A3D4-F712-F922A5666B7D}"/>
           </ac:spMkLst>
         </pc:spChg>
-        <pc:picChg chg="add mod">
-          <ac:chgData name="Uwe Ricken" userId="f02567aecbed924b" providerId="LiveId" clId="{05F991DB-F590-45B3-B343-DF3BA6243F91}" dt="2025-01-18T10:28:29.520" v="2157" actId="14100"/>
-          <ac:picMkLst>
-            <pc:docMk/>
-            <pc:sldMk cId="2954081889" sldId="403"/>
-            <ac:picMk id="7" creationId="{C3F61D8D-FCAA-9A60-9D81-B64DA66A16B0}"/>
-          </ac:picMkLst>
-        </pc:picChg>
       </pc:sldChg>
-      <pc:sldChg chg="modSp mod">
-        <pc:chgData name="Uwe Ricken" userId="f02567aecbed924b" providerId="LiveId" clId="{05F991DB-F590-45B3-B343-DF3BA6243F91}" dt="2025-01-19T15:44:59.660" v="2380" actId="20577"/>
+      <pc:sldChg chg="modSp">
+        <pc:chgData name="Uwe Ricken" userId="f02567aecbed924b" providerId="LiveId" clId="{E77B627B-1F43-41A9-9F24-D4BB31BF6050}" dt="2025-10-07T07:04:08.816" v="31"/>
         <pc:sldMkLst>
           <pc:docMk/>
           <pc:sldMk cId="3986546557" sldId="404"/>
         </pc:sldMkLst>
         <pc:spChg chg="mod">
-          <ac:chgData name="Uwe Ricken" userId="f02567aecbed924b" providerId="LiveId" clId="{05F991DB-F590-45B3-B343-DF3BA6243F91}" dt="2025-01-19T15:44:59.660" v="2380" actId="20577"/>
+          <ac:chgData name="Uwe Ricken" userId="f02567aecbed924b" providerId="LiveId" clId="{E77B627B-1F43-41A9-9F24-D4BB31BF6050}" dt="2025-10-07T07:04:08.816" v="31"/>
           <ac:spMkLst>
             <pc:docMk/>
             <pc:sldMk cId="3986546557" sldId="404"/>
@@ -951,14 +573,14 @@
           </ac:spMkLst>
         </pc:spChg>
       </pc:sldChg>
-      <pc:sldChg chg="modSp mod">
-        <pc:chgData name="Uwe Ricken" userId="f02567aecbed924b" providerId="LiveId" clId="{05F991DB-F590-45B3-B343-DF3BA6243F91}" dt="2025-01-19T15:45:45.394" v="2398" actId="20577"/>
+      <pc:sldChg chg="modSp">
+        <pc:chgData name="Uwe Ricken" userId="f02567aecbed924b" providerId="LiveId" clId="{E77B627B-1F43-41A9-9F24-D4BB31BF6050}" dt="2025-10-07T07:04:08.816" v="31"/>
         <pc:sldMkLst>
           <pc:docMk/>
           <pc:sldMk cId="1428874735" sldId="405"/>
         </pc:sldMkLst>
         <pc:spChg chg="mod">
-          <ac:chgData name="Uwe Ricken" userId="f02567aecbed924b" providerId="LiveId" clId="{05F991DB-F590-45B3-B343-DF3BA6243F91}" dt="2025-01-19T15:45:45.394" v="2398" actId="20577"/>
+          <ac:chgData name="Uwe Ricken" userId="f02567aecbed924b" providerId="LiveId" clId="{E77B627B-1F43-41A9-9F24-D4BB31BF6050}" dt="2025-10-07T07:04:08.816" v="31"/>
           <ac:spMkLst>
             <pc:docMk/>
             <pc:sldMk cId="1428874735" sldId="405"/>
@@ -966,272 +588,150 @@
           </ac:spMkLst>
         </pc:spChg>
       </pc:sldChg>
-      <pc:sldChg chg="del">
-        <pc:chgData name="Uwe Ricken" userId="f02567aecbed924b" providerId="LiveId" clId="{05F991DB-F590-45B3-B343-DF3BA6243F91}" dt="2025-01-20T10:26:34.931" v="2453" actId="2696"/>
-        <pc:sldMkLst>
-          <pc:docMk/>
-          <pc:sldMk cId="2338234723" sldId="406"/>
-        </pc:sldMkLst>
-      </pc:sldChg>
-      <pc:sldChg chg="addSp delSp modSp mod delAnim modAnim">
-        <pc:chgData name="Uwe Ricken" userId="f02567aecbed924b" providerId="LiveId" clId="{05F991DB-F590-45B3-B343-DF3BA6243F91}" dt="2025-01-23T07:45:08.329" v="2888" actId="20577"/>
+      <pc:sldChg chg="modSp">
+        <pc:chgData name="Uwe Ricken" userId="f02567aecbed924b" providerId="LiveId" clId="{E77B627B-1F43-41A9-9F24-D4BB31BF6050}" dt="2025-10-07T07:04:08.816" v="31"/>
         <pc:sldMkLst>
           <pc:docMk/>
           <pc:sldMk cId="3770185675" sldId="406"/>
         </pc:sldMkLst>
         <pc:spChg chg="mod">
-          <ac:chgData name="Uwe Ricken" userId="f02567aecbed924b" providerId="LiveId" clId="{05F991DB-F590-45B3-B343-DF3BA6243F91}" dt="2025-01-20T10:26:54.731" v="2464" actId="20577"/>
+          <ac:chgData name="Uwe Ricken" userId="f02567aecbed924b" providerId="LiveId" clId="{E77B627B-1F43-41A9-9F24-D4BB31BF6050}" dt="2025-10-07T07:04:08.816" v="31"/>
           <ac:spMkLst>
             <pc:docMk/>
             <pc:sldMk cId="3770185675" sldId="406"/>
             <ac:spMk id="2" creationId="{EF5D7D68-B2C5-8402-EBA0-135753D46938}"/>
           </ac:spMkLst>
         </pc:spChg>
-        <pc:spChg chg="mod">
-          <ac:chgData name="Uwe Ricken" userId="f02567aecbed924b" providerId="LiveId" clId="{05F991DB-F590-45B3-B343-DF3BA6243F91}" dt="2025-01-23T07:45:08.329" v="2888" actId="20577"/>
-          <ac:spMkLst>
-            <pc:docMk/>
-            <pc:sldMk cId="3770185675" sldId="406"/>
-            <ac:spMk id="4" creationId="{D0F0F8F0-F71E-C295-E167-59B95AA8E56A}"/>
-          </ac:spMkLst>
-        </pc:spChg>
-        <pc:spChg chg="mod">
-          <ac:chgData name="Uwe Ricken" userId="f02567aecbed924b" providerId="LiveId" clId="{05F991DB-F590-45B3-B343-DF3BA6243F91}" dt="2025-01-20T11:12:03.381" v="2747" actId="20577"/>
-          <ac:spMkLst>
-            <pc:docMk/>
-            <pc:sldMk cId="3770185675" sldId="406"/>
-            <ac:spMk id="5" creationId="{9179243C-9CA8-AD7F-92DE-F931A7EC2039}"/>
-          </ac:spMkLst>
-        </pc:spChg>
-        <pc:spChg chg="mod">
-          <ac:chgData name="Uwe Ricken" userId="f02567aecbed924b" providerId="LiveId" clId="{05F991DB-F590-45B3-B343-DF3BA6243F91}" dt="2025-01-20T11:12:45.310" v="2750" actId="1076"/>
-          <ac:spMkLst>
-            <pc:docMk/>
-            <pc:sldMk cId="3770185675" sldId="406"/>
-            <ac:spMk id="10" creationId="{C06FCB68-F17C-D0D9-A71F-D2F51A0D7337}"/>
-          </ac:spMkLst>
-        </pc:spChg>
-        <pc:spChg chg="mod">
-          <ac:chgData name="Uwe Ricken" userId="f02567aecbed924b" providerId="LiveId" clId="{05F991DB-F590-45B3-B343-DF3BA6243F91}" dt="2025-01-20T11:18:23.185" v="2765" actId="20577"/>
-          <ac:spMkLst>
-            <pc:docMk/>
-            <pc:sldMk cId="3770185675" sldId="406"/>
-            <ac:spMk id="12" creationId="{2EC88748-7167-1B68-D527-4E4C592E1C59}"/>
-          </ac:spMkLst>
-        </pc:spChg>
-        <pc:spChg chg="mod">
-          <ac:chgData name="Uwe Ricken" userId="f02567aecbed924b" providerId="LiveId" clId="{05F991DB-F590-45B3-B343-DF3BA6243F91}" dt="2025-01-20T11:22:33.929" v="2779" actId="554"/>
-          <ac:spMkLst>
-            <pc:docMk/>
-            <pc:sldMk cId="3770185675" sldId="406"/>
-            <ac:spMk id="13" creationId="{6A23B6E0-3262-F4C4-B91C-9CF9C7F67529}"/>
-          </ac:spMkLst>
-        </pc:spChg>
-        <pc:spChg chg="mod">
-          <ac:chgData name="Uwe Ricken" userId="f02567aecbed924b" providerId="LiveId" clId="{05F991DB-F590-45B3-B343-DF3BA6243F91}" dt="2025-01-20T11:04:56.240" v="2720" actId="554"/>
-          <ac:spMkLst>
-            <pc:docMk/>
-            <pc:sldMk cId="3770185675" sldId="406"/>
-            <ac:spMk id="21" creationId="{6DBC62E9-A30C-66AD-10FC-E0616FD663D5}"/>
-          </ac:spMkLst>
-        </pc:spChg>
-        <pc:spChg chg="mod">
-          <ac:chgData name="Uwe Ricken" userId="f02567aecbed924b" providerId="LiveId" clId="{05F991DB-F590-45B3-B343-DF3BA6243F91}" dt="2025-01-20T11:20:42.889" v="2770" actId="552"/>
-          <ac:spMkLst>
-            <pc:docMk/>
-            <pc:sldMk cId="3770185675" sldId="406"/>
-            <ac:spMk id="23" creationId="{691822B5-E473-C688-9AF7-241593BC2A82}"/>
-          </ac:spMkLst>
-        </pc:spChg>
-        <pc:spChg chg="mod">
-          <ac:chgData name="Uwe Ricken" userId="f02567aecbed924b" providerId="LiveId" clId="{05F991DB-F590-45B3-B343-DF3BA6243F91}" dt="2025-01-20T11:04:56.240" v="2720" actId="554"/>
-          <ac:spMkLst>
-            <pc:docMk/>
-            <pc:sldMk cId="3770185675" sldId="406"/>
-            <ac:spMk id="24" creationId="{FDD3A1D9-74BF-67E7-B81F-D2CE3A1239A8}"/>
-          </ac:spMkLst>
-        </pc:spChg>
-        <pc:spChg chg="add mod">
-          <ac:chgData name="Uwe Ricken" userId="f02567aecbed924b" providerId="LiveId" clId="{05F991DB-F590-45B3-B343-DF3BA6243F91}" dt="2025-01-20T11:12:32.840" v="2749" actId="1076"/>
-          <ac:spMkLst>
-            <pc:docMk/>
-            <pc:sldMk cId="3770185675" sldId="406"/>
-            <ac:spMk id="32" creationId="{E18BDB59-BCB7-0CA8-0431-83117F1B6717}"/>
-          </ac:spMkLst>
-        </pc:spChg>
-        <pc:spChg chg="add mod">
-          <ac:chgData name="Uwe Ricken" userId="f02567aecbed924b" providerId="LiveId" clId="{05F991DB-F590-45B3-B343-DF3BA6243F91}" dt="2025-01-20T11:20:42.889" v="2770" actId="552"/>
-          <ac:spMkLst>
-            <pc:docMk/>
-            <pc:sldMk cId="3770185675" sldId="406"/>
-            <ac:spMk id="36" creationId="{9BDB97B6-C70E-02CF-CF78-A54CFB700C88}"/>
-          </ac:spMkLst>
-        </pc:spChg>
-        <pc:spChg chg="add mod">
-          <ac:chgData name="Uwe Ricken" userId="f02567aecbed924b" providerId="LiveId" clId="{05F991DB-F590-45B3-B343-DF3BA6243F91}" dt="2025-01-20T11:22:33.929" v="2779" actId="554"/>
-          <ac:spMkLst>
-            <pc:docMk/>
-            <pc:sldMk cId="3770185675" sldId="406"/>
-            <ac:spMk id="37" creationId="{C75DAA94-646A-91A7-02F7-D8839ACE2B3D}"/>
-          </ac:spMkLst>
-        </pc:spChg>
-        <pc:graphicFrameChg chg="modGraphic">
-          <ac:chgData name="Uwe Ricken" userId="f02567aecbed924b" providerId="LiveId" clId="{05F991DB-F590-45B3-B343-DF3BA6243F91}" dt="2025-01-20T10:40:07.245" v="2696" actId="20577"/>
-          <ac:graphicFrameMkLst>
-            <pc:docMk/>
-            <pc:sldMk cId="3770185675" sldId="406"/>
-            <ac:graphicFrameMk id="8" creationId="{A08A5F37-D92D-D4B8-003E-D972B3048AC4}"/>
-          </ac:graphicFrameMkLst>
-        </pc:graphicFrameChg>
-        <pc:graphicFrameChg chg="modGraphic">
-          <ac:chgData name="Uwe Ricken" userId="f02567aecbed924b" providerId="LiveId" clId="{05F991DB-F590-45B3-B343-DF3BA6243F91}" dt="2025-01-20T11:11:39.372" v="2744" actId="20577"/>
-          <ac:graphicFrameMkLst>
-            <pc:docMk/>
-            <pc:sldMk cId="3770185675" sldId="406"/>
-            <ac:graphicFrameMk id="9" creationId="{E2B76C67-458E-38F1-58C4-2B801878CEC2}"/>
-          </ac:graphicFrameMkLst>
-        </pc:graphicFrameChg>
-        <pc:cxnChg chg="mod">
-          <ac:chgData name="Uwe Ricken" userId="f02567aecbed924b" providerId="LiveId" clId="{05F991DB-F590-45B3-B343-DF3BA6243F91}" dt="2025-01-20T10:29:58.795" v="2568" actId="14100"/>
-          <ac:cxnSpMkLst>
-            <pc:docMk/>
-            <pc:sldMk cId="3770185675" sldId="406"/>
-            <ac:cxnSpMk id="6" creationId="{90D0AD7D-56D5-7953-C7F6-DA0343DD795E}"/>
-          </ac:cxnSpMkLst>
-        </pc:cxnChg>
-        <pc:cxnChg chg="mod">
-          <ac:chgData name="Uwe Ricken" userId="f02567aecbed924b" providerId="LiveId" clId="{05F991DB-F590-45B3-B343-DF3BA6243F91}" dt="2025-01-20T11:12:45.310" v="2750" actId="1076"/>
-          <ac:cxnSpMkLst>
-            <pc:docMk/>
-            <pc:sldMk cId="3770185675" sldId="406"/>
-            <ac:cxnSpMk id="16" creationId="{6D4E0249-4B85-92D0-5B9E-8984E77F5219}"/>
-          </ac:cxnSpMkLst>
-        </pc:cxnChg>
-        <pc:cxnChg chg="mod">
-          <ac:chgData name="Uwe Ricken" userId="f02567aecbed924b" providerId="LiveId" clId="{05F991DB-F590-45B3-B343-DF3BA6243F91}" dt="2025-01-20T11:22:33.929" v="2779" actId="554"/>
-          <ac:cxnSpMkLst>
-            <pc:docMk/>
-            <pc:sldMk cId="3770185675" sldId="406"/>
-            <ac:cxnSpMk id="18" creationId="{D8F6E46A-16B0-C02B-0233-8F41A40114DD}"/>
-          </ac:cxnSpMkLst>
-        </pc:cxnChg>
-        <pc:cxnChg chg="mod">
-          <ac:chgData name="Uwe Ricken" userId="f02567aecbed924b" providerId="LiveId" clId="{05F991DB-F590-45B3-B343-DF3BA6243F91}" dt="2025-01-20T11:12:45.310" v="2750" actId="1076"/>
-          <ac:cxnSpMkLst>
-            <pc:docMk/>
-            <pc:sldMk cId="3770185675" sldId="406"/>
-            <ac:cxnSpMk id="20" creationId="{37A76C16-8043-9784-4131-842AE592A4D2}"/>
-          </ac:cxnSpMkLst>
-        </pc:cxnChg>
-        <pc:cxnChg chg="add mod">
-          <ac:chgData name="Uwe Ricken" userId="f02567aecbed924b" providerId="LiveId" clId="{05F991DB-F590-45B3-B343-DF3BA6243F91}" dt="2025-01-20T11:22:33.929" v="2779" actId="554"/>
-          <ac:cxnSpMkLst>
-            <pc:docMk/>
-            <pc:sldMk cId="3770185675" sldId="406"/>
-            <ac:cxnSpMk id="35" creationId="{47E94158-B3FD-1CCB-89A5-52E7568BFBA2}"/>
-          </ac:cxnSpMkLst>
-        </pc:cxnChg>
       </pc:sldChg>
-      <pc:sldChg chg="addSp delSp modSp mod delAnim">
-        <pc:chgData name="Uwe Ricken" userId="f02567aecbed924b" providerId="LiveId" clId="{05F991DB-F590-45B3-B343-DF3BA6243F91}" dt="2025-01-20T10:27:51.728" v="2477" actId="20577"/>
+      <pc:sldChg chg="modSp">
+        <pc:chgData name="Uwe Ricken" userId="f02567aecbed924b" providerId="LiveId" clId="{E77B627B-1F43-41A9-9F24-D4BB31BF6050}" dt="2025-10-07T07:04:08.816" v="31"/>
         <pc:sldMkLst>
           <pc:docMk/>
           <pc:sldMk cId="512612056" sldId="407"/>
         </pc:sldMkLst>
         <pc:spChg chg="mod">
-          <ac:chgData name="Uwe Ricken" userId="f02567aecbed924b" providerId="LiveId" clId="{05F991DB-F590-45B3-B343-DF3BA6243F91}" dt="2025-01-20T10:27:51.728" v="2477" actId="20577"/>
+          <ac:chgData name="Uwe Ricken" userId="f02567aecbed924b" providerId="LiveId" clId="{E77B627B-1F43-41A9-9F24-D4BB31BF6050}" dt="2025-10-07T07:04:08.816" v="31"/>
           <ac:spMkLst>
             <pc:docMk/>
             <pc:sldMk cId="512612056" sldId="407"/>
             <ac:spMk id="5" creationId="{2A28113E-C100-5AED-7DB8-802C728A3591}"/>
           </ac:spMkLst>
         </pc:spChg>
-        <pc:picChg chg="add">
-          <ac:chgData name="Uwe Ricken" userId="f02567aecbed924b" providerId="LiveId" clId="{05F991DB-F590-45B3-B343-DF3BA6243F91}" dt="2025-01-20T10:27:33.151" v="2466" actId="22"/>
-          <ac:picMkLst>
-            <pc:docMk/>
-            <pc:sldMk cId="512612056" sldId="407"/>
-            <ac:picMk id="3" creationId="{084A8FC8-D894-83A8-92DC-E2B4C6E9306D}"/>
-          </ac:picMkLst>
-        </pc:picChg>
       </pc:sldChg>
-      <pc:sldChg chg="addSp delSp modSp new mod">
-        <pc:chgData name="Uwe Ricken" userId="f02567aecbed924b" providerId="LiveId" clId="{05F991DB-F590-45B3-B343-DF3BA6243F91}" dt="2025-01-20T10:38:42.677" v="2682" actId="555"/>
+      <pc:sldChg chg="modSp">
+        <pc:chgData name="Uwe Ricken" userId="f02567aecbed924b" providerId="LiveId" clId="{E77B627B-1F43-41A9-9F24-D4BB31BF6050}" dt="2025-10-07T07:04:08.816" v="31"/>
         <pc:sldMkLst>
           <pc:docMk/>
           <pc:sldMk cId="605723162" sldId="408"/>
         </pc:sldMkLst>
         <pc:spChg chg="mod">
-          <ac:chgData name="Uwe Ricken" userId="f02567aecbed924b" providerId="LiveId" clId="{05F991DB-F590-45B3-B343-DF3BA6243F91}" dt="2025-01-20T10:30:28.662" v="2591" actId="20577"/>
+          <ac:chgData name="Uwe Ricken" userId="f02567aecbed924b" providerId="LiveId" clId="{E77B627B-1F43-41A9-9F24-D4BB31BF6050}" dt="2025-10-07T07:04:08.816" v="31"/>
           <ac:spMkLst>
             <pc:docMk/>
             <pc:sldMk cId="605723162" sldId="408"/>
             <ac:spMk id="2" creationId="{9EAFCD9B-6957-0B9D-2964-07A0E3DA6E75}"/>
           </ac:spMkLst>
         </pc:spChg>
-        <pc:spChg chg="add mod">
-          <ac:chgData name="Uwe Ricken" userId="f02567aecbed924b" providerId="LiveId" clId="{05F991DB-F590-45B3-B343-DF3BA6243F91}" dt="2025-01-20T10:37:13.814" v="2676" actId="2085"/>
+      </pc:sldChg>
+      <pc:sldChg chg="modSp">
+        <pc:chgData name="Uwe Ricken" userId="f02567aecbed924b" providerId="LiveId" clId="{E77B627B-1F43-41A9-9F24-D4BB31BF6050}" dt="2025-10-07T07:04:08.816" v="31"/>
+        <pc:sldMkLst>
+          <pc:docMk/>
+          <pc:sldMk cId="920116788" sldId="422"/>
+        </pc:sldMkLst>
+        <pc:spChg chg="mod">
+          <ac:chgData name="Uwe Ricken" userId="f02567aecbed924b" providerId="LiveId" clId="{E77B627B-1F43-41A9-9F24-D4BB31BF6050}" dt="2025-10-07T07:04:08.816" v="31"/>
           <ac:spMkLst>
             <pc:docMk/>
-            <pc:sldMk cId="605723162" sldId="408"/>
-            <ac:spMk id="5" creationId="{AAC5B6EA-BCDF-B562-CAC6-B34C3C4A5C2E}"/>
+            <pc:sldMk cId="920116788" sldId="422"/>
+            <ac:spMk id="5" creationId="{B6F77BBF-034A-A53E-C4B8-E4039AC9F0F3}"/>
+          </ac:spMkLst>
+        </pc:spChg>
+        <pc:spChg chg="mod">
+          <ac:chgData name="Uwe Ricken" userId="f02567aecbed924b" providerId="LiveId" clId="{E77B627B-1F43-41A9-9F24-D4BB31BF6050}" dt="2025-10-07T07:04:08.816" v="31"/>
+          <ac:spMkLst>
+            <pc:docMk/>
+            <pc:sldMk cId="920116788" sldId="422"/>
+            <ac:spMk id="12" creationId="{DD5F1E84-96EA-2FC2-EB23-C97E371DEE20}"/>
+          </ac:spMkLst>
+        </pc:spChg>
+      </pc:sldChg>
+      <pc:sldChg chg="modSp">
+        <pc:chgData name="Uwe Ricken" userId="f02567aecbed924b" providerId="LiveId" clId="{E77B627B-1F43-41A9-9F24-D4BB31BF6050}" dt="2025-10-07T07:04:08.816" v="31"/>
+        <pc:sldMkLst>
+          <pc:docMk/>
+          <pc:sldMk cId="3599433480" sldId="423"/>
+        </pc:sldMkLst>
+        <pc:spChg chg="mod">
+          <ac:chgData name="Uwe Ricken" userId="f02567aecbed924b" providerId="LiveId" clId="{E77B627B-1F43-41A9-9F24-D4BB31BF6050}" dt="2025-10-07T07:04:08.816" v="31"/>
+          <ac:spMkLst>
+            <pc:docMk/>
+            <pc:sldMk cId="3599433480" sldId="423"/>
+            <ac:spMk id="6" creationId="{8668E183-D5F2-A8B2-64E9-68CD09B5BE12}"/>
+          </ac:spMkLst>
+        </pc:spChg>
+      </pc:sldChg>
+      <pc:sldChg chg="modSp">
+        <pc:chgData name="Uwe Ricken" userId="f02567aecbed924b" providerId="LiveId" clId="{E77B627B-1F43-41A9-9F24-D4BB31BF6050}" dt="2025-10-07T07:04:08.816" v="31"/>
+        <pc:sldMkLst>
+          <pc:docMk/>
+          <pc:sldMk cId="4171190376" sldId="424"/>
+        </pc:sldMkLst>
+        <pc:spChg chg="mod">
+          <ac:chgData name="Uwe Ricken" userId="f02567aecbed924b" providerId="LiveId" clId="{E77B627B-1F43-41A9-9F24-D4BB31BF6050}" dt="2025-10-07T07:04:08.816" v="31"/>
+          <ac:spMkLst>
+            <pc:docMk/>
+            <pc:sldMk cId="4171190376" sldId="424"/>
+            <ac:spMk id="6" creationId="{8668E183-D5F2-A8B2-64E9-68CD09B5BE12}"/>
+          </ac:spMkLst>
+        </pc:spChg>
+      </pc:sldChg>
+      <pc:sldChg chg="addSp modSp mod modAnim">
+        <pc:chgData name="Uwe Ricken" userId="f02567aecbed924b" providerId="LiveId" clId="{E77B627B-1F43-41A9-9F24-D4BB31BF6050}" dt="2025-10-11T16:45:44.147" v="59"/>
+        <pc:sldMkLst>
+          <pc:docMk/>
+          <pc:sldMk cId="3939206335" sldId="425"/>
+        </pc:sldMkLst>
+        <pc:spChg chg="mod">
+          <ac:chgData name="Uwe Ricken" userId="f02567aecbed924b" providerId="LiveId" clId="{E77B627B-1F43-41A9-9F24-D4BB31BF6050}" dt="2025-10-07T07:04:08.816" v="31"/>
+          <ac:spMkLst>
+            <pc:docMk/>
+            <pc:sldMk cId="3939206335" sldId="425"/>
+            <ac:spMk id="2" creationId="{E98644CE-860C-7C6E-6D1F-3D107B2C19EA}"/>
           </ac:spMkLst>
         </pc:spChg>
         <pc:spChg chg="add mod">
-          <ac:chgData name="Uwe Ricken" userId="f02567aecbed924b" providerId="LiveId" clId="{05F991DB-F590-45B3-B343-DF3BA6243F91}" dt="2025-01-20T10:38:14.423" v="2679" actId="1076"/>
+          <ac:chgData name="Uwe Ricken" userId="f02567aecbed924b" providerId="LiveId" clId="{E77B627B-1F43-41A9-9F24-D4BB31BF6050}" dt="2025-10-11T16:44:08.266" v="49" actId="1076"/>
           <ac:spMkLst>
             <pc:docMk/>
-            <pc:sldMk cId="605723162" sldId="408"/>
-            <ac:spMk id="6" creationId="{3DBBA12B-CE7B-572E-9046-89C515613F5C}"/>
+            <pc:sldMk cId="3939206335" sldId="425"/>
+            <ac:spMk id="3" creationId="{280E5E9B-53D5-03A1-37AC-61999CA7E0F3}"/>
           </ac:spMkLst>
         </pc:spChg>
         <pc:spChg chg="add mod">
-          <ac:chgData name="Uwe Ricken" userId="f02567aecbed924b" providerId="LiveId" clId="{05F991DB-F590-45B3-B343-DF3BA6243F91}" dt="2025-01-20T10:38:42.677" v="2682" actId="555"/>
+          <ac:chgData name="Uwe Ricken" userId="f02567aecbed924b" providerId="LiveId" clId="{E77B627B-1F43-41A9-9F24-D4BB31BF6050}" dt="2025-10-11T16:45:26.595" v="56" actId="20577"/>
           <ac:spMkLst>
             <pc:docMk/>
-            <pc:sldMk cId="605723162" sldId="408"/>
-            <ac:spMk id="21" creationId="{2F27661B-6A98-8B96-CBCB-528FB6BBCEA6}"/>
+            <pc:sldMk cId="3939206335" sldId="425"/>
+            <ac:spMk id="9" creationId="{9F5D7E69-4FE5-13F9-C62F-547A60DD7CE1}"/>
           </ac:spMkLst>
         </pc:spChg>
-        <pc:spChg chg="add mod">
-          <ac:chgData name="Uwe Ricken" userId="f02567aecbed924b" providerId="LiveId" clId="{05F991DB-F590-45B3-B343-DF3BA6243F91}" dt="2025-01-20T10:38:42.677" v="2682" actId="555"/>
-          <ac:spMkLst>
-            <pc:docMk/>
-            <pc:sldMk cId="605723162" sldId="408"/>
-            <ac:spMk id="22" creationId="{F1357FA1-D82A-E57C-69C4-D3C34C023963}"/>
-          </ac:spMkLst>
-        </pc:spChg>
-        <pc:graphicFrameChg chg="add mod modGraphic">
-          <ac:chgData name="Uwe Ricken" userId="f02567aecbed924b" providerId="LiveId" clId="{05F991DB-F590-45B3-B343-DF3BA6243F91}" dt="2025-01-20T10:38:14.423" v="2679" actId="1076"/>
+        <pc:graphicFrameChg chg="modGraphic">
+          <ac:chgData name="Uwe Ricken" userId="f02567aecbed924b" providerId="LiveId" clId="{E77B627B-1F43-41A9-9F24-D4BB31BF6050}" dt="2025-10-11T16:45:11.691" v="53" actId="6549"/>
           <ac:graphicFrameMkLst>
             <pc:docMk/>
-            <pc:sldMk cId="605723162" sldId="408"/>
-            <ac:graphicFrameMk id="3" creationId="{0F970DA1-3295-3AE2-DB13-A893A4DE4D04}"/>
+            <pc:sldMk cId="3939206335" sldId="425"/>
+            <ac:graphicFrameMk id="4" creationId="{F89EEBCF-74B1-A2AE-9538-7AE840B45D13}"/>
           </ac:graphicFrameMkLst>
         </pc:graphicFrameChg>
-        <pc:graphicFrameChg chg="add mod">
-          <ac:chgData name="Uwe Ricken" userId="f02567aecbed924b" providerId="LiveId" clId="{05F991DB-F590-45B3-B343-DF3BA6243F91}" dt="2025-01-20T10:32:35.165" v="2627" actId="554"/>
+        <pc:graphicFrameChg chg="modGraphic">
+          <ac:chgData name="Uwe Ricken" userId="f02567aecbed924b" providerId="LiveId" clId="{E77B627B-1F43-41A9-9F24-D4BB31BF6050}" dt="2025-10-11T16:43:58.435" v="48" actId="20577"/>
           <ac:graphicFrameMkLst>
             <pc:docMk/>
-            <pc:sldMk cId="605723162" sldId="408"/>
-            <ac:graphicFrameMk id="4" creationId="{C86BAEF0-2ED4-29FE-7240-AA11C5CB72EC}"/>
+            <pc:sldMk cId="3939206335" sldId="425"/>
+            <ac:graphicFrameMk id="7" creationId="{AC492C26-FDC5-B6F7-F1F9-8C0DF8E3D604}"/>
           </ac:graphicFrameMkLst>
         </pc:graphicFrameChg>
-        <pc:cxnChg chg="add mod">
-          <ac:chgData name="Uwe Ricken" userId="f02567aecbed924b" providerId="LiveId" clId="{05F991DB-F590-45B3-B343-DF3BA6243F91}" dt="2025-01-20T10:38:20.009" v="2680" actId="14100"/>
-          <ac:cxnSpMkLst>
-            <pc:docMk/>
-            <pc:sldMk cId="605723162" sldId="408"/>
-            <ac:cxnSpMk id="19" creationId="{5B9B4956-B375-4F68-13F3-D0F3BF995908}"/>
-          </ac:cxnSpMkLst>
-        </pc:cxnChg>
-      </pc:sldChg>
-      <pc:sldChg chg="del">
-        <pc:chgData name="Uwe Ricken" userId="f02567aecbed924b" providerId="LiveId" clId="{05F991DB-F590-45B3-B343-DF3BA6243F91}" dt="2025-01-18T07:42:53.507" v="928" actId="2696"/>
-        <pc:sldMkLst>
-          <pc:docMk/>
-          <pc:sldMk cId="1636923485" sldId="419"/>
-        </pc:sldMkLst>
       </pc:sldChg>
     </pc:docChg>
   </pc:docChgLst>
@@ -1255,22 +755,6 @@
           <pc:docMk/>
           <pc:sldMk cId="512612056" sldId="407"/>
         </pc:sldMkLst>
-        <pc:spChg chg="add del">
-          <ac:chgData name="Uwe Ricken" userId="f02567aecbed924b" providerId="LiveId" clId="{49285B68-C998-4E8C-918A-E8D988C1471A}" dt="2025-02-04T18:51:15.444" v="22" actId="478"/>
-          <ac:spMkLst>
-            <pc:docMk/>
-            <pc:sldMk cId="512612056" sldId="407"/>
-            <ac:spMk id="4" creationId="{A651C06F-375F-7C72-C369-879884E6796D}"/>
-          </ac:spMkLst>
-        </pc:spChg>
-        <pc:spChg chg="add del">
-          <ac:chgData name="Uwe Ricken" userId="f02567aecbed924b" providerId="LiveId" clId="{49285B68-C998-4E8C-918A-E8D988C1471A}" dt="2025-02-04T18:51:08.942" v="21" actId="478"/>
-          <ac:spMkLst>
-            <pc:docMk/>
-            <pc:sldMk cId="512612056" sldId="407"/>
-            <ac:spMk id="7" creationId="{42EA01DB-0E6F-C099-8CC4-EE20C80A5EC8}"/>
-          </ac:spMkLst>
-        </pc:spChg>
       </pc:sldChg>
       <pc:sldChg chg="modSp add mod">
         <pc:chgData name="Uwe Ricken" userId="f02567aecbed924b" providerId="LiveId" clId="{49285B68-C998-4E8C-918A-E8D988C1471A}" dt="2025-02-04T16:07:10.113" v="13" actId="20577"/>
@@ -1278,14 +762,6 @@
           <pc:docMk/>
           <pc:sldMk cId="3599433480" sldId="423"/>
         </pc:sldMkLst>
-        <pc:spChg chg="mod">
-          <ac:chgData name="Uwe Ricken" userId="f02567aecbed924b" providerId="LiveId" clId="{49285B68-C998-4E8C-918A-E8D988C1471A}" dt="2025-02-04T16:07:10.113" v="13" actId="20577"/>
-          <ac:spMkLst>
-            <pc:docMk/>
-            <pc:sldMk cId="3599433480" sldId="423"/>
-            <ac:spMk id="6" creationId="{8668E183-D5F2-A8B2-64E9-68CD09B5BE12}"/>
-          </ac:spMkLst>
-        </pc:spChg>
       </pc:sldChg>
       <pc:sldChg chg="modSp add mod">
         <pc:chgData name="Uwe Ricken" userId="f02567aecbed924b" providerId="LiveId" clId="{49285B68-C998-4E8C-918A-E8D988C1471A}" dt="2025-02-04T16:39:55.313" v="19" actId="20577"/>
@@ -1293,14 +769,241 @@
           <pc:docMk/>
           <pc:sldMk cId="4171190376" sldId="424"/>
         </pc:sldMkLst>
-        <pc:spChg chg="mod">
-          <ac:chgData name="Uwe Ricken" userId="f02567aecbed924b" providerId="LiveId" clId="{49285B68-C998-4E8C-918A-E8D988C1471A}" dt="2025-02-04T16:39:55.313" v="19" actId="20577"/>
-          <ac:spMkLst>
-            <pc:docMk/>
-            <pc:sldMk cId="4171190376" sldId="424"/>
-            <ac:spMk id="6" creationId="{8668E183-D5F2-A8B2-64E9-68CD09B5BE12}"/>
-          </ac:spMkLst>
-        </pc:spChg>
+      </pc:sldChg>
+    </pc:docChg>
+  </pc:docChgLst>
+  <pc:docChgLst>
+    <pc:chgData name="Uwe Ricken" userId="f02567aecbed924b" providerId="LiveId" clId="{05F991DB-F590-45B3-B343-DF3BA6243F91}"/>
+    <pc:docChg chg="undo custSel addSld delSld modSld sldOrd">
+      <pc:chgData name="Uwe Ricken" userId="f02567aecbed924b" providerId="LiveId" clId="{05F991DB-F590-45B3-B343-DF3BA6243F91}" dt="2025-01-30T14:52:32.989" v="3013" actId="1035"/>
+      <pc:docMkLst>
+        <pc:docMk/>
+      </pc:docMkLst>
+      <pc:sldChg chg="modSp mod">
+        <pc:chgData name="Uwe Ricken" userId="f02567aecbed924b" providerId="LiveId" clId="{05F991DB-F590-45B3-B343-DF3BA6243F91}" dt="2025-01-15T07:47:09.755" v="60" actId="20577"/>
+        <pc:sldMkLst>
+          <pc:docMk/>
+          <pc:sldMk cId="3145909516" sldId="256"/>
+        </pc:sldMkLst>
+      </pc:sldChg>
+      <pc:sldChg chg="add">
+        <pc:chgData name="Uwe Ricken" userId="f02567aecbed924b" providerId="LiveId" clId="{05F991DB-F590-45B3-B343-DF3BA6243F91}" dt="2025-01-15T07:48:25.409" v="61"/>
+        <pc:sldMkLst>
+          <pc:docMk/>
+          <pc:sldMk cId="1252969730" sldId="315"/>
+        </pc:sldMkLst>
+      </pc:sldChg>
+      <pc:sldChg chg="modSp add mod">
+        <pc:chgData name="Uwe Ricken" userId="f02567aecbed924b" providerId="LiveId" clId="{05F991DB-F590-45B3-B343-DF3BA6243F91}" dt="2025-01-25T10:41:36.969" v="2996" actId="20577"/>
+        <pc:sldMkLst>
+          <pc:docMk/>
+          <pc:sldMk cId="4195874464" sldId="327"/>
+        </pc:sldMkLst>
+      </pc:sldChg>
+      <pc:sldChg chg="modSp add mod">
+        <pc:chgData name="Uwe Ricken" userId="f02567aecbed924b" providerId="LiveId" clId="{05F991DB-F590-45B3-B343-DF3BA6243F91}" dt="2025-01-18T08:39:34.628" v="1271" actId="255"/>
+        <pc:sldMkLst>
+          <pc:docMk/>
+          <pc:sldMk cId="1681187469" sldId="381"/>
+        </pc:sldMkLst>
+      </pc:sldChg>
+      <pc:sldChg chg="addSp delSp modSp new mod modClrScheme chgLayout">
+        <pc:chgData name="Uwe Ricken" userId="f02567aecbed924b" providerId="LiveId" clId="{05F991DB-F590-45B3-B343-DF3BA6243F91}" dt="2025-01-18T04:30:33.505" v="349" actId="113"/>
+        <pc:sldMkLst>
+          <pc:docMk/>
+          <pc:sldMk cId="1313276407" sldId="382"/>
+        </pc:sldMkLst>
+      </pc:sldChg>
+      <pc:sldChg chg="addSp modSp add mod">
+        <pc:chgData name="Uwe Ricken" userId="f02567aecbed924b" providerId="LiveId" clId="{05F991DB-F590-45B3-B343-DF3BA6243F91}" dt="2025-01-30T14:52:32.989" v="3013" actId="1035"/>
+        <pc:sldMkLst>
+          <pc:docMk/>
+          <pc:sldMk cId="3137805841" sldId="383"/>
+        </pc:sldMkLst>
+      </pc:sldChg>
+      <pc:sldChg chg="addSp delSp modSp new mod ord">
+        <pc:chgData name="Uwe Ricken" userId="f02567aecbed924b" providerId="LiveId" clId="{05F991DB-F590-45B3-B343-DF3BA6243F91}" dt="2025-01-18T07:39:24.744" v="920"/>
+        <pc:sldMkLst>
+          <pc:docMk/>
+          <pc:sldMk cId="694014805" sldId="384"/>
+        </pc:sldMkLst>
+      </pc:sldChg>
+      <pc:sldChg chg="modSp mod">
+        <pc:chgData name="Uwe Ricken" userId="f02567aecbed924b" providerId="LiveId" clId="{05F991DB-F590-45B3-B343-DF3BA6243F91}" dt="2025-01-18T07:07:30.785" v="557" actId="113"/>
+        <pc:sldMkLst>
+          <pc:docMk/>
+          <pc:sldMk cId="702285124" sldId="390"/>
+        </pc:sldMkLst>
+      </pc:sldChg>
+      <pc:sldChg chg="modSp mod ord">
+        <pc:chgData name="Uwe Ricken" userId="f02567aecbed924b" providerId="LiveId" clId="{05F991DB-F590-45B3-B343-DF3BA6243F91}" dt="2025-01-18T07:39:24.744" v="920"/>
+        <pc:sldMkLst>
+          <pc:docMk/>
+          <pc:sldMk cId="418670867" sldId="391"/>
+        </pc:sldMkLst>
+      </pc:sldChg>
+      <pc:sldChg chg="addSp delSp modSp new mod ord">
+        <pc:chgData name="Uwe Ricken" userId="f02567aecbed924b" providerId="LiveId" clId="{05F991DB-F590-45B3-B343-DF3BA6243F91}" dt="2025-01-23T07:41:27.661" v="2785" actId="1036"/>
+        <pc:sldMkLst>
+          <pc:docMk/>
+          <pc:sldMk cId="927822285" sldId="392"/>
+        </pc:sldMkLst>
+      </pc:sldChg>
+      <pc:sldChg chg="modSp new del mod">
+        <pc:chgData name="Uwe Ricken" userId="f02567aecbed924b" providerId="LiveId" clId="{05F991DB-F590-45B3-B343-DF3BA6243F91}" dt="2025-01-19T15:43:43.891" v="2352" actId="2696"/>
+        <pc:sldMkLst>
+          <pc:docMk/>
+          <pc:sldMk cId="254117892" sldId="393"/>
+        </pc:sldMkLst>
+      </pc:sldChg>
+      <pc:sldChg chg="addSp delSp modSp mod ord modClrScheme addAnim delAnim modAnim chgLayout">
+        <pc:chgData name="Uwe Ricken" userId="f02567aecbed924b" providerId="LiveId" clId="{05F991DB-F590-45B3-B343-DF3BA6243F91}" dt="2025-01-30T14:50:06.926" v="3000" actId="552"/>
+        <pc:sldMkLst>
+          <pc:docMk/>
+          <pc:sldMk cId="3452348964" sldId="396"/>
+        </pc:sldMkLst>
+      </pc:sldChg>
+      <pc:sldChg chg="addSp delSp modSp new del mod">
+        <pc:chgData name="Uwe Ricken" userId="f02567aecbed924b" providerId="LiveId" clId="{05F991DB-F590-45B3-B343-DF3BA6243F91}" dt="2025-01-18T08:10:13.791" v="1134" actId="2696"/>
+        <pc:sldMkLst>
+          <pc:docMk/>
+          <pc:sldMk cId="1087867905" sldId="397"/>
+        </pc:sldMkLst>
+      </pc:sldChg>
+      <pc:sldChg chg="addSp delSp modSp add mod delAnim modAnim modNotesTx">
+        <pc:chgData name="Uwe Ricken" userId="f02567aecbed924b" providerId="LiveId" clId="{05F991DB-F590-45B3-B343-DF3BA6243F91}" dt="2025-01-23T07:42:39.799" v="2856" actId="1036"/>
+        <pc:sldMkLst>
+          <pc:docMk/>
+          <pc:sldMk cId="1218141939" sldId="397"/>
+        </pc:sldMkLst>
+      </pc:sldChg>
+      <pc:sldChg chg="modSp add del mod modAnim">
+        <pc:chgData name="Uwe Ricken" userId="f02567aecbed924b" providerId="LiveId" clId="{05F991DB-F590-45B3-B343-DF3BA6243F91}" dt="2025-01-18T08:11:08.242" v="1148" actId="2696"/>
+        <pc:sldMkLst>
+          <pc:docMk/>
+          <pc:sldMk cId="1187906323" sldId="398"/>
+        </pc:sldMkLst>
+      </pc:sldChg>
+      <pc:sldChg chg="addSp delSp modSp new mod">
+        <pc:chgData name="Uwe Ricken" userId="f02567aecbed924b" providerId="LiveId" clId="{05F991DB-F590-45B3-B343-DF3BA6243F91}" dt="2025-01-25T10:42:14.459" v="2999" actId="113"/>
+        <pc:sldMkLst>
+          <pc:docMk/>
+          <pc:sldMk cId="2340043209" sldId="398"/>
+        </pc:sldMkLst>
+      </pc:sldChg>
+      <pc:sldChg chg="add del">
+        <pc:chgData name="Uwe Ricken" userId="f02567aecbed924b" providerId="LiveId" clId="{05F991DB-F590-45B3-B343-DF3BA6243F91}" dt="2025-01-18T09:00:36.621" v="1462" actId="2696"/>
+        <pc:sldMkLst>
+          <pc:docMk/>
+          <pc:sldMk cId="1300544609" sldId="399"/>
+        </pc:sldMkLst>
+      </pc:sldChg>
+      <pc:sldChg chg="modSp mod">
+        <pc:chgData name="Uwe Ricken" userId="f02567aecbed924b" providerId="LiveId" clId="{05F991DB-F590-45B3-B343-DF3BA6243F91}" dt="2025-01-23T07:43:34.373" v="2878" actId="20577"/>
+        <pc:sldMkLst>
+          <pc:docMk/>
+          <pc:sldMk cId="2262591952" sldId="399"/>
+        </pc:sldMkLst>
+      </pc:sldChg>
+      <pc:sldChg chg="modSp new mod modShow">
+        <pc:chgData name="Uwe Ricken" userId="f02567aecbed924b" providerId="LiveId" clId="{05F991DB-F590-45B3-B343-DF3BA6243F91}" dt="2025-01-20T10:26:26.520" v="2452" actId="729"/>
+        <pc:sldMkLst>
+          <pc:docMk/>
+          <pc:sldMk cId="3663633766" sldId="400"/>
+        </pc:sldMkLst>
+      </pc:sldChg>
+      <pc:sldChg chg="addSp delSp modSp new mod modClrScheme modAnim chgLayout">
+        <pc:chgData name="Uwe Ricken" userId="f02567aecbed924b" providerId="LiveId" clId="{05F991DB-F590-45B3-B343-DF3BA6243F91}" dt="2025-01-19T16:12:37.046" v="2449"/>
+        <pc:sldMkLst>
+          <pc:docMk/>
+          <pc:sldMk cId="1635604563" sldId="401"/>
+        </pc:sldMkLst>
+      </pc:sldChg>
+      <pc:sldChg chg="addSp delSp modSp new mod modClrScheme chgLayout">
+        <pc:chgData name="Uwe Ricken" userId="f02567aecbed924b" providerId="LiveId" clId="{05F991DB-F590-45B3-B343-DF3BA6243F91}" dt="2025-01-18T09:50:09.926" v="1974" actId="207"/>
+        <pc:sldMkLst>
+          <pc:docMk/>
+          <pc:sldMk cId="3711842215" sldId="402"/>
+        </pc:sldMkLst>
+      </pc:sldChg>
+      <pc:sldChg chg="addSp delSp modSp new mod modClrScheme modAnim chgLayout">
+        <pc:chgData name="Uwe Ricken" userId="f02567aecbed924b" providerId="LiveId" clId="{05F991DB-F590-45B3-B343-DF3BA6243F91}" dt="2025-01-19T16:13:37.835" v="2451"/>
+        <pc:sldMkLst>
+          <pc:docMk/>
+          <pc:sldMk cId="2954081889" sldId="403"/>
+        </pc:sldMkLst>
+      </pc:sldChg>
+      <pc:sldChg chg="modSp mod">
+        <pc:chgData name="Uwe Ricken" userId="f02567aecbed924b" providerId="LiveId" clId="{05F991DB-F590-45B3-B343-DF3BA6243F91}" dt="2025-01-19T15:44:59.660" v="2380" actId="20577"/>
+        <pc:sldMkLst>
+          <pc:docMk/>
+          <pc:sldMk cId="3986546557" sldId="404"/>
+        </pc:sldMkLst>
+      </pc:sldChg>
+      <pc:sldChg chg="modSp mod">
+        <pc:chgData name="Uwe Ricken" userId="f02567aecbed924b" providerId="LiveId" clId="{05F991DB-F590-45B3-B343-DF3BA6243F91}" dt="2025-01-19T15:45:45.394" v="2398" actId="20577"/>
+        <pc:sldMkLst>
+          <pc:docMk/>
+          <pc:sldMk cId="1428874735" sldId="405"/>
+        </pc:sldMkLst>
+      </pc:sldChg>
+      <pc:sldChg chg="del">
+        <pc:chgData name="Uwe Ricken" userId="f02567aecbed924b" providerId="LiveId" clId="{05F991DB-F590-45B3-B343-DF3BA6243F91}" dt="2025-01-20T10:26:34.931" v="2453" actId="2696"/>
+        <pc:sldMkLst>
+          <pc:docMk/>
+          <pc:sldMk cId="2338234723" sldId="406"/>
+        </pc:sldMkLst>
+      </pc:sldChg>
+      <pc:sldChg chg="addSp delSp modSp mod delAnim modAnim">
+        <pc:chgData name="Uwe Ricken" userId="f02567aecbed924b" providerId="LiveId" clId="{05F991DB-F590-45B3-B343-DF3BA6243F91}" dt="2025-01-23T07:45:08.329" v="2888" actId="20577"/>
+        <pc:sldMkLst>
+          <pc:docMk/>
+          <pc:sldMk cId="3770185675" sldId="406"/>
+        </pc:sldMkLst>
+      </pc:sldChg>
+      <pc:sldChg chg="addSp delSp modSp mod delAnim">
+        <pc:chgData name="Uwe Ricken" userId="f02567aecbed924b" providerId="LiveId" clId="{05F991DB-F590-45B3-B343-DF3BA6243F91}" dt="2025-01-20T10:27:51.728" v="2477" actId="20577"/>
+        <pc:sldMkLst>
+          <pc:docMk/>
+          <pc:sldMk cId="512612056" sldId="407"/>
+        </pc:sldMkLst>
+      </pc:sldChg>
+      <pc:sldChg chg="addSp delSp modSp new mod">
+        <pc:chgData name="Uwe Ricken" userId="f02567aecbed924b" providerId="LiveId" clId="{05F991DB-F590-45B3-B343-DF3BA6243F91}" dt="2025-01-20T10:38:42.677" v="2682" actId="555"/>
+        <pc:sldMkLst>
+          <pc:docMk/>
+          <pc:sldMk cId="605723162" sldId="408"/>
+        </pc:sldMkLst>
+      </pc:sldChg>
+      <pc:sldChg chg="del">
+        <pc:chgData name="Uwe Ricken" userId="f02567aecbed924b" providerId="LiveId" clId="{05F991DB-F590-45B3-B343-DF3BA6243F91}" dt="2025-01-18T07:42:53.507" v="928" actId="2696"/>
+        <pc:sldMkLst>
+          <pc:docMk/>
+          <pc:sldMk cId="1636923485" sldId="419"/>
+        </pc:sldMkLst>
+      </pc:sldChg>
+    </pc:docChg>
+  </pc:docChgLst>
+  <pc:docChgLst>
+    <pc:chgData name="Uwe Ricken" userId="f02567aecbed924b" providerId="LiveId" clId="{27FC87E8-9F77-430A-9C68-7CC6188671C0}"/>
+    <pc:docChg chg="modSld">
+      <pc:chgData name="Uwe Ricken" userId="f02567aecbed924b" providerId="LiveId" clId="{27FC87E8-9F77-430A-9C68-7CC6188671C0}" dt="2025-06-18T14:49:24.912" v="5" actId="729"/>
+      <pc:docMkLst>
+        <pc:docMk/>
+      </pc:docMkLst>
+      <pc:sldChg chg="modSp">
+        <pc:chgData name="Uwe Ricken" userId="f02567aecbed924b" providerId="LiveId" clId="{27FC87E8-9F77-430A-9C68-7CC6188671C0}" dt="2025-06-18T14:47:29.334" v="4" actId="20577"/>
+        <pc:sldMkLst>
+          <pc:docMk/>
+          <pc:sldMk cId="1218141939" sldId="397"/>
+        </pc:sldMkLst>
+      </pc:sldChg>
+      <pc:sldChg chg="mod modShow">
+        <pc:chgData name="Uwe Ricken" userId="f02567aecbed924b" providerId="LiveId" clId="{27FC87E8-9F77-430A-9C68-7CC6188671C0}" dt="2025-06-18T14:49:24.912" v="5" actId="729"/>
+        <pc:sldMkLst>
+          <pc:docMk/>
+          <pc:sldMk cId="3663633766" sldId="400"/>
+        </pc:sldMkLst>
       </pc:sldChg>
     </pc:docChg>
   </pc:docChgLst>
@@ -1389,7 +1092,7 @@
           <a:p>
             <a:fld id="{3C419B01-702D-4879-AE3A-0F34CD7B4394}" type="datetimeFigureOut">
               <a:rPr lang="en-US" smtClean="0"/>
-              <a:t>6/17/2025</a:t>
+              <a:t>10/11/2025</a:t>
             </a:fld>
             <a:endParaRPr lang="en-US"/>
           </a:p>
@@ -2059,6 +1762,801 @@
 </p:sldLayout>
 </file>
 
+<file path=ppt/slideLayouts/slideLayout10.xml><?xml version="1.0" encoding="utf-8"?>
+<p:sldLayout xmlns:a="http://schemas.openxmlformats.org/drawingml/2006/main" xmlns:r="http://schemas.openxmlformats.org/officeDocument/2006/relationships" xmlns:p="http://schemas.openxmlformats.org/presentationml/2006/main" type="twoObj" preserve="1">
+  <p:cSld name="Zwei Inhalte">
+    <p:spTree>
+      <p:nvGrpSpPr>
+        <p:cNvPr id="1" name=""/>
+        <p:cNvGrpSpPr/>
+        <p:nvPr/>
+      </p:nvGrpSpPr>
+      <p:grpSpPr>
+        <a:xfrm>
+          <a:off x="0" y="0"/>
+          <a:ext cx="0" cy="0"/>
+          <a:chOff x="0" y="0"/>
+          <a:chExt cx="0" cy="0"/>
+        </a:xfrm>
+      </p:grpSpPr>
+      <p:sp>
+        <p:nvSpPr>
+          <p:cNvPr id="2" name="Titel 1"/>
+          <p:cNvSpPr>
+            <a:spLocks noGrp="1"/>
+          </p:cNvSpPr>
+          <p:nvPr>
+            <p:ph type="title"/>
+          </p:nvPr>
+        </p:nvSpPr>
+        <p:spPr>
+          <a:xfrm>
+            <a:off x="334965" y="441326"/>
+            <a:ext cx="9037635" cy="1116015"/>
+          </a:xfrm>
+        </p:spPr>
+        <p:txBody>
+          <a:bodyPr/>
+          <a:lstStyle>
+            <a:lvl1pPr>
+              <a:defRPr>
+                <a:solidFill>
+                  <a:schemeClr val="accent1"/>
+                </a:solidFill>
+              </a:defRPr>
+            </a:lvl1pPr>
+          </a:lstStyle>
+          <a:p>
+            <a:r>
+              <a:rPr lang="de-DE" noProof="0"/>
+              <a:t>Mastertitelformat bearbeiten</a:t>
+            </a:r>
+            <a:endParaRPr lang="en-US" noProof="0" dirty="0"/>
+          </a:p>
+        </p:txBody>
+      </p:sp>
+      <p:sp>
+        <p:nvSpPr>
+          <p:cNvPr id="3" name="Inhaltsplatzhalter 2"/>
+          <p:cNvSpPr>
+            <a:spLocks noGrp="1"/>
+          </p:cNvSpPr>
+          <p:nvPr>
+            <p:ph sz="half" idx="1"/>
+          </p:nvPr>
+        </p:nvSpPr>
+        <p:spPr>
+          <a:xfrm>
+            <a:off x="334966" y="1665288"/>
+            <a:ext cx="5581743" cy="4572000"/>
+          </a:xfrm>
+        </p:spPr>
+        <p:txBody>
+          <a:bodyPr/>
+          <a:lstStyle/>
+          <a:p>
+            <a:pPr lvl="0"/>
+            <a:r>
+              <a:rPr lang="de-DE" noProof="0"/>
+              <a:t>Mastertextformat bearbeiten</a:t>
+            </a:r>
+          </a:p>
+          <a:p>
+            <a:pPr lvl="1"/>
+            <a:r>
+              <a:rPr lang="de-DE" noProof="0"/>
+              <a:t>Zweite Ebene</a:t>
+            </a:r>
+          </a:p>
+          <a:p>
+            <a:pPr lvl="2"/>
+            <a:r>
+              <a:rPr lang="de-DE" noProof="0"/>
+              <a:t>Dritte Ebene</a:t>
+            </a:r>
+          </a:p>
+          <a:p>
+            <a:pPr lvl="3"/>
+            <a:r>
+              <a:rPr lang="de-DE" noProof="0"/>
+              <a:t>Vierte Ebene</a:t>
+            </a:r>
+          </a:p>
+          <a:p>
+            <a:pPr lvl="4"/>
+            <a:r>
+              <a:rPr lang="de-DE" noProof="0"/>
+              <a:t>Fünfte Ebene</a:t>
+            </a:r>
+            <a:endParaRPr lang="en-US" noProof="0" dirty="0"/>
+          </a:p>
+        </p:txBody>
+      </p:sp>
+      <p:sp>
+        <p:nvSpPr>
+          <p:cNvPr id="4" name="Inhaltsplatzhalter 3"/>
+          <p:cNvSpPr>
+            <a:spLocks noGrp="1"/>
+          </p:cNvSpPr>
+          <p:nvPr>
+            <p:ph sz="half" idx="2"/>
+          </p:nvPr>
+        </p:nvSpPr>
+        <p:spPr>
+          <a:xfrm>
+            <a:off x="6271709" y="1665291"/>
+            <a:ext cx="5585331" cy="4571999"/>
+          </a:xfrm>
+        </p:spPr>
+        <p:txBody>
+          <a:bodyPr/>
+          <a:lstStyle/>
+          <a:p>
+            <a:pPr lvl="0"/>
+            <a:r>
+              <a:rPr lang="de-DE" noProof="0"/>
+              <a:t>Mastertextformat bearbeiten</a:t>
+            </a:r>
+          </a:p>
+          <a:p>
+            <a:pPr lvl="1"/>
+            <a:r>
+              <a:rPr lang="de-DE" noProof="0"/>
+              <a:t>Zweite Ebene</a:t>
+            </a:r>
+          </a:p>
+          <a:p>
+            <a:pPr lvl="2"/>
+            <a:r>
+              <a:rPr lang="de-DE" noProof="0"/>
+              <a:t>Dritte Ebene</a:t>
+            </a:r>
+          </a:p>
+          <a:p>
+            <a:pPr lvl="3"/>
+            <a:r>
+              <a:rPr lang="de-DE" noProof="0"/>
+              <a:t>Vierte Ebene</a:t>
+            </a:r>
+          </a:p>
+          <a:p>
+            <a:pPr lvl="4"/>
+            <a:r>
+              <a:rPr lang="de-DE" noProof="0"/>
+              <a:t>Fünfte Ebene</a:t>
+            </a:r>
+            <a:endParaRPr lang="en-US" noProof="0" dirty="0"/>
+          </a:p>
+        </p:txBody>
+      </p:sp>
+    </p:spTree>
+    <p:extLst>
+      <p:ext uri="{BB962C8B-B14F-4D97-AF65-F5344CB8AC3E}">
+        <p14:creationId xmlns:p14="http://schemas.microsoft.com/office/powerpoint/2010/main" val="3442508436"/>
+      </p:ext>
+    </p:extLst>
+  </p:cSld>
+  <p:clrMapOvr>
+    <a:masterClrMapping/>
+  </p:clrMapOvr>
+  <p:extLst>
+    <p:ext uri="{DCECCB84-F9BA-43D5-87BE-67443E8EF086}">
+      <p15:sldGuideLst xmlns:p15="http://schemas.microsoft.com/office/powerpoint/2012/main">
+        <p15:guide id="1" orient="horz" pos="1620">
+          <p15:clr>
+            <a:srgbClr val="FBAE40"/>
+          </p15:clr>
+        </p15:guide>
+        <p15:guide id="2" pos="2880">
+          <p15:clr>
+            <a:srgbClr val="FBAE40"/>
+          </p15:clr>
+        </p15:guide>
+        <p15:guide id="5" orient="horz" pos="2160">
+          <p15:clr>
+            <a:srgbClr val="FBAE40"/>
+          </p15:clr>
+        </p15:guide>
+        <p15:guide id="6" pos="3840">
+          <p15:clr>
+            <a:srgbClr val="FBAE40"/>
+          </p15:clr>
+        </p15:guide>
+      </p15:sldGuideLst>
+    </p:ext>
+  </p:extLst>
+</p:sldLayout>
+</file>
+
+<file path=ppt/slideLayouts/slideLayout11.xml><?xml version="1.0" encoding="utf-8"?>
+<p:sldLayout xmlns:a="http://schemas.openxmlformats.org/drawingml/2006/main" xmlns:r="http://schemas.openxmlformats.org/officeDocument/2006/relationships" xmlns:p="http://schemas.openxmlformats.org/presentationml/2006/main" type="titleOnly" preserve="1">
+  <p:cSld name="Nur Titel">
+    <p:spTree>
+      <p:nvGrpSpPr>
+        <p:cNvPr id="1" name=""/>
+        <p:cNvGrpSpPr/>
+        <p:nvPr/>
+      </p:nvGrpSpPr>
+      <p:grpSpPr>
+        <a:xfrm>
+          <a:off x="0" y="0"/>
+          <a:ext cx="0" cy="0"/>
+          <a:chOff x="0" y="0"/>
+          <a:chExt cx="0" cy="0"/>
+        </a:xfrm>
+      </p:grpSpPr>
+      <p:sp>
+        <p:nvSpPr>
+          <p:cNvPr id="2" name="Titel 1"/>
+          <p:cNvSpPr>
+            <a:spLocks noGrp="1"/>
+          </p:cNvSpPr>
+          <p:nvPr>
+            <p:ph type="title"/>
+          </p:nvPr>
+        </p:nvSpPr>
+        <p:spPr>
+          <a:xfrm>
+            <a:off x="334966" y="441326"/>
+            <a:ext cx="8640761" cy="1116013"/>
+          </a:xfrm>
+        </p:spPr>
+        <p:txBody>
+          <a:bodyPr/>
+          <a:lstStyle>
+            <a:lvl1pPr>
+              <a:defRPr>
+                <a:solidFill>
+                  <a:schemeClr val="accent1"/>
+                </a:solidFill>
+              </a:defRPr>
+            </a:lvl1pPr>
+          </a:lstStyle>
+          <a:p>
+            <a:r>
+              <a:rPr lang="de-DE" noProof="0"/>
+              <a:t>Mastertitelformat bearbeiten</a:t>
+            </a:r>
+            <a:endParaRPr lang="en-US" noProof="0" dirty="0"/>
+          </a:p>
+        </p:txBody>
+      </p:sp>
+    </p:spTree>
+    <p:extLst>
+      <p:ext uri="{BB962C8B-B14F-4D97-AF65-F5344CB8AC3E}">
+        <p14:creationId xmlns:p14="http://schemas.microsoft.com/office/powerpoint/2010/main" val="3869617233"/>
+      </p:ext>
+    </p:extLst>
+  </p:cSld>
+  <p:clrMapOvr>
+    <a:masterClrMapping/>
+  </p:clrMapOvr>
+  <p:extLst>
+    <p:ext uri="{DCECCB84-F9BA-43D5-87BE-67443E8EF086}">
+      <p15:sldGuideLst xmlns:p15="http://schemas.microsoft.com/office/powerpoint/2012/main">
+        <p15:guide id="1" orient="horz" pos="1620">
+          <p15:clr>
+            <a:srgbClr val="FBAE40"/>
+          </p15:clr>
+        </p15:guide>
+        <p15:guide id="2" pos="2880">
+          <p15:clr>
+            <a:srgbClr val="FBAE40"/>
+          </p15:clr>
+        </p15:guide>
+        <p15:guide id="5" orient="horz" pos="2160">
+          <p15:clr>
+            <a:srgbClr val="FBAE40"/>
+          </p15:clr>
+        </p15:guide>
+        <p15:guide id="6" pos="3840">
+          <p15:clr>
+            <a:srgbClr val="FBAE40"/>
+          </p15:clr>
+        </p15:guide>
+      </p15:sldGuideLst>
+    </p:ext>
+  </p:extLst>
+</p:sldLayout>
+</file>
+
+<file path=ppt/slideLayouts/slideLayout12.xml><?xml version="1.0" encoding="utf-8"?>
+<p:sldLayout xmlns:a="http://schemas.openxmlformats.org/drawingml/2006/main" xmlns:r="http://schemas.openxmlformats.org/officeDocument/2006/relationships" xmlns:p="http://schemas.openxmlformats.org/presentationml/2006/main" preserve="1">
+  <p:cSld name="db Berater - Coding Examples">
+    <p:spTree>
+      <p:nvGrpSpPr>
+        <p:cNvPr id="1" name=""/>
+        <p:cNvGrpSpPr/>
+        <p:nvPr/>
+      </p:nvGrpSpPr>
+      <p:grpSpPr>
+        <a:xfrm>
+          <a:off x="0" y="0"/>
+          <a:ext cx="0" cy="0"/>
+          <a:chOff x="0" y="0"/>
+          <a:chExt cx="0" cy="0"/>
+        </a:xfrm>
+      </p:grpSpPr>
+      <p:sp>
+        <p:nvSpPr>
+          <p:cNvPr id="3" name="Inhaltsplatzhalter 2"/>
+          <p:cNvSpPr>
+            <a:spLocks noGrp="1"/>
+          </p:cNvSpPr>
+          <p:nvPr>
+            <p:ph idx="1"/>
+          </p:nvPr>
+        </p:nvSpPr>
+        <p:spPr>
+          <a:xfrm>
+            <a:off x="5368066" y="1678742"/>
+            <a:ext cx="6488975" cy="4558548"/>
+          </a:xfrm>
+        </p:spPr>
+        <p:txBody>
+          <a:bodyPr>
+            <a:normAutofit/>
+          </a:bodyPr>
+          <a:lstStyle>
+            <a:lvl1pPr marL="0" indent="0">
+              <a:buNone/>
+              <a:defRPr sz="1600">
+                <a:latin typeface="Lucida Console" panose="020B0609040504020204" pitchFamily="49" charset="0"/>
+              </a:defRPr>
+            </a:lvl1pPr>
+            <a:lvl2pPr marL="457155" indent="0">
+              <a:buNone/>
+              <a:defRPr sz="1600">
+                <a:latin typeface="Lucida Console" panose="020B0609040504020204" pitchFamily="49" charset="0"/>
+              </a:defRPr>
+            </a:lvl2pPr>
+            <a:lvl3pPr marL="914308" indent="0">
+              <a:buNone/>
+              <a:defRPr sz="1600">
+                <a:latin typeface="Lucida Console" panose="020B0609040504020204" pitchFamily="49" charset="0"/>
+              </a:defRPr>
+            </a:lvl3pPr>
+            <a:lvl4pPr marL="1371462" indent="0">
+              <a:buNone/>
+              <a:defRPr sz="1600">
+                <a:latin typeface="Lucida Console" panose="020B0609040504020204" pitchFamily="49" charset="0"/>
+              </a:defRPr>
+            </a:lvl4pPr>
+            <a:lvl5pPr marL="1828618" indent="0">
+              <a:buNone/>
+              <a:defRPr sz="1600">
+                <a:latin typeface="Lucida Console" panose="020B0609040504020204" pitchFamily="49" charset="0"/>
+              </a:defRPr>
+            </a:lvl5pPr>
+            <a:lvl6pPr>
+              <a:defRPr sz="2000"/>
+            </a:lvl6pPr>
+            <a:lvl7pPr>
+              <a:defRPr sz="2000"/>
+            </a:lvl7pPr>
+            <a:lvl8pPr>
+              <a:defRPr sz="2000"/>
+            </a:lvl8pPr>
+            <a:lvl9pPr>
+              <a:defRPr sz="2000"/>
+            </a:lvl9pPr>
+          </a:lstStyle>
+          <a:p>
+            <a:pPr lvl="0"/>
+            <a:r>
+              <a:rPr lang="de-DE" noProof="0"/>
+              <a:t>Mastertextformat bearbeiten</a:t>
+            </a:r>
+          </a:p>
+        </p:txBody>
+      </p:sp>
+      <p:sp>
+        <p:nvSpPr>
+          <p:cNvPr id="4" name="Textplatzhalter 3"/>
+          <p:cNvSpPr>
+            <a:spLocks noGrp="1"/>
+          </p:cNvSpPr>
+          <p:nvPr>
+            <p:ph type="body" sz="half" idx="2"/>
+          </p:nvPr>
+        </p:nvSpPr>
+        <p:spPr>
+          <a:xfrm>
+            <a:off x="334964" y="1678742"/>
+            <a:ext cx="5033101" cy="4558548"/>
+          </a:xfrm>
+        </p:spPr>
+        <p:txBody>
+          <a:bodyPr/>
+          <a:lstStyle>
+            <a:lvl1pPr marL="228589" indent="-228589">
+              <a:buFont typeface="Arial" panose="020B0604020202020204" pitchFamily="34" charset="0"/>
+              <a:buChar char="•"/>
+              <a:defRPr sz="1600"/>
+            </a:lvl1pPr>
+            <a:lvl2pPr marL="457143" indent="0">
+              <a:buNone/>
+              <a:defRPr sz="1467"/>
+            </a:lvl2pPr>
+            <a:lvl3pPr marL="914286" indent="0">
+              <a:buNone/>
+              <a:defRPr sz="1200"/>
+            </a:lvl3pPr>
+            <a:lvl4pPr marL="1371430" indent="0">
+              <a:buNone/>
+              <a:defRPr sz="1067"/>
+            </a:lvl4pPr>
+            <a:lvl5pPr marL="1828573" indent="0">
+              <a:buNone/>
+              <a:defRPr sz="1067"/>
+            </a:lvl5pPr>
+            <a:lvl6pPr marL="2285718" indent="0">
+              <a:buNone/>
+              <a:defRPr sz="1067"/>
+            </a:lvl6pPr>
+            <a:lvl7pPr marL="2742858" indent="0">
+              <a:buNone/>
+              <a:defRPr sz="1067"/>
+            </a:lvl7pPr>
+            <a:lvl8pPr marL="3200000" indent="0">
+              <a:buNone/>
+              <a:defRPr sz="1067"/>
+            </a:lvl8pPr>
+            <a:lvl9pPr marL="3657143" indent="0">
+              <a:buNone/>
+              <a:defRPr sz="1067"/>
+            </a:lvl9pPr>
+          </a:lstStyle>
+          <a:p>
+            <a:pPr lvl="0"/>
+            <a:r>
+              <a:rPr lang="de-DE" noProof="0"/>
+              <a:t>Mastertextformat bearbeiten</a:t>
+            </a:r>
+          </a:p>
+        </p:txBody>
+      </p:sp>
+      <p:sp>
+        <p:nvSpPr>
+          <p:cNvPr id="5" name="Titel 1">
+            <a:extLst>
+              <a:ext uri="{FF2B5EF4-FFF2-40B4-BE49-F238E27FC236}">
+                <a16:creationId xmlns:a16="http://schemas.microsoft.com/office/drawing/2014/main" id="{A12C8F18-4741-03DA-3F19-FC0858FBFA9A}"/>
+              </a:ext>
+            </a:extLst>
+          </p:cNvPr>
+          <p:cNvSpPr>
+            <a:spLocks noGrp="1"/>
+          </p:cNvSpPr>
+          <p:nvPr>
+            <p:ph type="title"/>
+          </p:nvPr>
+        </p:nvSpPr>
+        <p:spPr>
+          <a:xfrm>
+            <a:off x="334963" y="441326"/>
+            <a:ext cx="9037637" cy="1116015"/>
+          </a:xfrm>
+        </p:spPr>
+        <p:txBody>
+          <a:bodyPr/>
+          <a:lstStyle>
+            <a:lvl1pPr>
+              <a:defRPr>
+                <a:solidFill>
+                  <a:schemeClr val="accent1"/>
+                </a:solidFill>
+              </a:defRPr>
+            </a:lvl1pPr>
+          </a:lstStyle>
+          <a:p>
+            <a:r>
+              <a:rPr lang="de-DE" noProof="0"/>
+              <a:t>Mastertitelformat bearbeiten</a:t>
+            </a:r>
+            <a:endParaRPr lang="en-US" noProof="0" dirty="0"/>
+          </a:p>
+        </p:txBody>
+      </p:sp>
+    </p:spTree>
+    <p:extLst>
+      <p:ext uri="{BB962C8B-B14F-4D97-AF65-F5344CB8AC3E}">
+        <p14:creationId xmlns:p14="http://schemas.microsoft.com/office/powerpoint/2010/main" val="3620027195"/>
+      </p:ext>
+    </p:extLst>
+  </p:cSld>
+  <p:clrMapOvr>
+    <a:masterClrMapping/>
+  </p:clrMapOvr>
+  <p:extLst>
+    <p:ext uri="{DCECCB84-F9BA-43D5-87BE-67443E8EF086}">
+      <p15:sldGuideLst xmlns:p15="http://schemas.microsoft.com/office/powerpoint/2012/main">
+        <p15:guide id="1" orient="horz" pos="1620">
+          <p15:clr>
+            <a:srgbClr val="FBAE40"/>
+          </p15:clr>
+        </p15:guide>
+        <p15:guide id="2" pos="2880">
+          <p15:clr>
+            <a:srgbClr val="FBAE40"/>
+          </p15:clr>
+        </p15:guide>
+      </p15:sldGuideLst>
+    </p:ext>
+  </p:extLst>
+</p:sldLayout>
+</file>
+
+<file path=ppt/slideLayouts/slideLayout13.xml><?xml version="1.0" encoding="utf-8"?>
+<p:sldLayout xmlns:a="http://schemas.openxmlformats.org/drawingml/2006/main" xmlns:r="http://schemas.openxmlformats.org/officeDocument/2006/relationships" xmlns:p="http://schemas.openxmlformats.org/presentationml/2006/main">
+  <p:cSld name="Zwei Spalten">
+    <p:spTree>
+      <p:nvGrpSpPr>
+        <p:cNvPr id="1" name=""/>
+        <p:cNvGrpSpPr/>
+        <p:nvPr/>
+      </p:nvGrpSpPr>
+      <p:grpSpPr>
+        <a:xfrm>
+          <a:off x="0" y="0"/>
+          <a:ext cx="0" cy="0"/>
+          <a:chOff x="0" y="0"/>
+          <a:chExt cx="0" cy="0"/>
+        </a:xfrm>
+      </p:grpSpPr>
+      <p:sp>
+        <p:nvSpPr>
+          <p:cNvPr id="2" name="Titel 1"/>
+          <p:cNvSpPr>
+            <a:spLocks noGrp="1"/>
+          </p:cNvSpPr>
+          <p:nvPr>
+            <p:ph type="title"/>
+          </p:nvPr>
+        </p:nvSpPr>
+        <p:spPr>
+          <a:xfrm>
+            <a:off x="335361" y="449032"/>
+            <a:ext cx="9037240" cy="1108307"/>
+          </a:xfrm>
+          <a:prstGeom prst="rect">
+            <a:avLst/>
+          </a:prstGeom>
+        </p:spPr>
+        <p:txBody>
+          <a:bodyPr anchor="ctr"/>
+          <a:lstStyle/>
+          <a:p>
+            <a:r>
+              <a:rPr lang="de-DE"/>
+              <a:t>Mastertitelformat bearbeiten</a:t>
+            </a:r>
+            <a:endParaRPr lang="de-DE" dirty="0"/>
+          </a:p>
+        </p:txBody>
+      </p:sp>
+      <p:sp>
+        <p:nvSpPr>
+          <p:cNvPr id="3" name="Inhaltsplatzhalter 2"/>
+          <p:cNvSpPr>
+            <a:spLocks noGrp="1"/>
+          </p:cNvSpPr>
+          <p:nvPr>
+            <p:ph sz="half" idx="1"/>
+          </p:nvPr>
+        </p:nvSpPr>
+        <p:spPr>
+          <a:xfrm>
+            <a:off x="335360" y="1665288"/>
+            <a:ext cx="5664629" cy="4644032"/>
+          </a:xfrm>
+        </p:spPr>
+        <p:txBody>
+          <a:bodyPr>
+            <a:normAutofit/>
+          </a:bodyPr>
+          <a:lstStyle>
+            <a:lvl1pPr>
+              <a:defRPr sz="1800"/>
+            </a:lvl1pPr>
+            <a:lvl2pPr>
+              <a:defRPr sz="1800"/>
+            </a:lvl2pPr>
+            <a:lvl3pPr>
+              <a:defRPr sz="1800"/>
+            </a:lvl3pPr>
+            <a:lvl4pPr>
+              <a:defRPr sz="1800"/>
+            </a:lvl4pPr>
+            <a:lvl5pPr>
+              <a:defRPr sz="1800"/>
+            </a:lvl5pPr>
+            <a:lvl6pPr>
+              <a:defRPr sz="1800"/>
+            </a:lvl6pPr>
+            <a:lvl7pPr>
+              <a:defRPr sz="1800"/>
+            </a:lvl7pPr>
+            <a:lvl8pPr>
+              <a:defRPr sz="1800"/>
+            </a:lvl8pPr>
+            <a:lvl9pPr>
+              <a:defRPr sz="1800"/>
+            </a:lvl9pPr>
+          </a:lstStyle>
+          <a:p>
+            <a:pPr lvl="0"/>
+            <a:r>
+              <a:rPr lang="de-DE"/>
+              <a:t>Mastertextformat bearbeiten</a:t>
+            </a:r>
+          </a:p>
+          <a:p>
+            <a:pPr lvl="1"/>
+            <a:r>
+              <a:rPr lang="de-DE"/>
+              <a:t>Zweite Ebene</a:t>
+            </a:r>
+          </a:p>
+          <a:p>
+            <a:pPr lvl="2"/>
+            <a:r>
+              <a:rPr lang="de-DE"/>
+              <a:t>Dritte Ebene</a:t>
+            </a:r>
+          </a:p>
+          <a:p>
+            <a:pPr lvl="3"/>
+            <a:r>
+              <a:rPr lang="de-DE"/>
+              <a:t>Vierte Ebene</a:t>
+            </a:r>
+          </a:p>
+          <a:p>
+            <a:pPr lvl="4"/>
+            <a:r>
+              <a:rPr lang="de-DE"/>
+              <a:t>Fünfte Ebene</a:t>
+            </a:r>
+            <a:endParaRPr lang="de-DE" dirty="0"/>
+          </a:p>
+        </p:txBody>
+      </p:sp>
+      <p:sp>
+        <p:nvSpPr>
+          <p:cNvPr id="4" name="Inhaltsplatzhalter 3"/>
+          <p:cNvSpPr>
+            <a:spLocks noGrp="1"/>
+          </p:cNvSpPr>
+          <p:nvPr>
+            <p:ph sz="half" idx="2"/>
+          </p:nvPr>
+        </p:nvSpPr>
+        <p:spPr>
+          <a:xfrm>
+            <a:off x="6192012" y="1665288"/>
+            <a:ext cx="5664629" cy="4644032"/>
+          </a:xfrm>
+        </p:spPr>
+        <p:txBody>
+          <a:bodyPr>
+            <a:normAutofit/>
+          </a:bodyPr>
+          <a:lstStyle>
+            <a:lvl1pPr>
+              <a:defRPr sz="1800"/>
+            </a:lvl1pPr>
+            <a:lvl2pPr>
+              <a:defRPr sz="1800"/>
+            </a:lvl2pPr>
+            <a:lvl3pPr>
+              <a:defRPr sz="1800"/>
+            </a:lvl3pPr>
+            <a:lvl4pPr>
+              <a:defRPr sz="1800"/>
+            </a:lvl4pPr>
+            <a:lvl5pPr>
+              <a:defRPr sz="1800"/>
+            </a:lvl5pPr>
+            <a:lvl6pPr>
+              <a:defRPr sz="1800"/>
+            </a:lvl6pPr>
+            <a:lvl7pPr>
+              <a:defRPr sz="1800"/>
+            </a:lvl7pPr>
+            <a:lvl8pPr>
+              <a:defRPr sz="1800"/>
+            </a:lvl8pPr>
+            <a:lvl9pPr>
+              <a:defRPr sz="1800"/>
+            </a:lvl9pPr>
+          </a:lstStyle>
+          <a:p>
+            <a:pPr lvl="0"/>
+            <a:r>
+              <a:rPr lang="de-DE"/>
+              <a:t>Mastertextformat bearbeiten</a:t>
+            </a:r>
+          </a:p>
+          <a:p>
+            <a:pPr lvl="1"/>
+            <a:r>
+              <a:rPr lang="de-DE"/>
+              <a:t>Zweite Ebene</a:t>
+            </a:r>
+          </a:p>
+          <a:p>
+            <a:pPr lvl="2"/>
+            <a:r>
+              <a:rPr lang="de-DE"/>
+              <a:t>Dritte Ebene</a:t>
+            </a:r>
+          </a:p>
+          <a:p>
+            <a:pPr lvl="3"/>
+            <a:r>
+              <a:rPr lang="de-DE"/>
+              <a:t>Vierte Ebene</a:t>
+            </a:r>
+          </a:p>
+          <a:p>
+            <a:pPr lvl="4"/>
+            <a:r>
+              <a:rPr lang="de-DE"/>
+              <a:t>Fünfte Ebene</a:t>
+            </a:r>
+            <a:endParaRPr lang="de-DE" dirty="0"/>
+          </a:p>
+        </p:txBody>
+      </p:sp>
+    </p:spTree>
+    <p:extLst>
+      <p:ext uri="{BB962C8B-B14F-4D97-AF65-F5344CB8AC3E}">
+        <p14:creationId xmlns:p14="http://schemas.microsoft.com/office/powerpoint/2010/main" val="3285637140"/>
+      </p:ext>
+    </p:extLst>
+  </p:cSld>
+  <p:clrMapOvr>
+    <a:masterClrMapping/>
+  </p:clrMapOvr>
+  <p:extLst>
+    <p:ext uri="{DCECCB84-F9BA-43D5-87BE-67443E8EF086}">
+      <p15:sldGuideLst xmlns:p15="http://schemas.microsoft.com/office/powerpoint/2012/main"/>
+    </p:ext>
+  </p:extLst>
+</p:sldLayout>
+</file>
+
+<file path=ppt/slideLayouts/slideLayout14.xml><?xml version="1.0" encoding="utf-8"?>
+<p:sldLayout xmlns:a="http://schemas.openxmlformats.org/drawingml/2006/main" xmlns:r="http://schemas.openxmlformats.org/officeDocument/2006/relationships" xmlns:p="http://schemas.openxmlformats.org/presentationml/2006/main" type="blank">
+  <p:cSld name="Leer">
+    <p:spTree>
+      <p:nvGrpSpPr>
+        <p:cNvPr id="1" name=""/>
+        <p:cNvGrpSpPr/>
+        <p:nvPr/>
+      </p:nvGrpSpPr>
+      <p:grpSpPr>
+        <a:xfrm>
+          <a:off x="0" y="0"/>
+          <a:ext cx="0" cy="0"/>
+          <a:chOff x="0" y="0"/>
+          <a:chExt cx="0" cy="0"/>
+        </a:xfrm>
+      </p:grpSpPr>
+    </p:spTree>
+    <p:extLst>
+      <p:ext uri="{BB962C8B-B14F-4D97-AF65-F5344CB8AC3E}">
+        <p14:creationId xmlns:p14="http://schemas.microsoft.com/office/powerpoint/2010/main" val="773091644"/>
+      </p:ext>
+    </p:extLst>
+  </p:cSld>
+  <p:clrMapOvr>
+    <a:masterClrMapping/>
+  </p:clrMapOvr>
+</p:sldLayout>
+</file>
+
 <file path=ppt/slideLayouts/slideLayout2.xml><?xml version="1.0" encoding="utf-8"?>
 <p:sldLayout xmlns:a="http://schemas.openxmlformats.org/drawingml/2006/main" xmlns:r="http://schemas.openxmlformats.org/officeDocument/2006/relationships" xmlns:p="http://schemas.openxmlformats.org/presentationml/2006/main" type="obj" preserve="1">
   <p:cSld name="Titel und Inhalt">
@@ -2987,6 +3485,302 @@
   <p:clrMapOvr>
     <a:masterClrMapping/>
   </p:clrMapOvr>
+</p:sldLayout>
+</file>
+
+<file path=ppt/slideLayouts/slideLayout8.xml><?xml version="1.0" encoding="utf-8"?>
+<p:sldLayout xmlns:a="http://schemas.openxmlformats.org/drawingml/2006/main" xmlns:r="http://schemas.openxmlformats.org/officeDocument/2006/relationships" xmlns:p="http://schemas.openxmlformats.org/presentationml/2006/main" type="title" preserve="1">
+  <p:cSld name="Titelfolie">
+    <p:spTree>
+      <p:nvGrpSpPr>
+        <p:cNvPr id="1" name=""/>
+        <p:cNvGrpSpPr/>
+        <p:nvPr/>
+      </p:nvGrpSpPr>
+      <p:grpSpPr>
+        <a:xfrm>
+          <a:off x="0" y="0"/>
+          <a:ext cx="0" cy="0"/>
+          <a:chOff x="0" y="0"/>
+          <a:chExt cx="0" cy="0"/>
+        </a:xfrm>
+      </p:grpSpPr>
+      <p:sp>
+        <p:nvSpPr>
+          <p:cNvPr id="2" name="Titel 1"/>
+          <p:cNvSpPr>
+            <a:spLocks noGrp="1"/>
+          </p:cNvSpPr>
+          <p:nvPr>
+            <p:ph type="ctrTitle"/>
+          </p:nvPr>
+        </p:nvSpPr>
+        <p:spPr>
+          <a:xfrm>
+            <a:off x="344245" y="1665289"/>
+            <a:ext cx="11510683" cy="1763712"/>
+          </a:xfrm>
+        </p:spPr>
+        <p:txBody>
+          <a:bodyPr anchor="b">
+            <a:normAutofit/>
+          </a:bodyPr>
+          <a:lstStyle>
+            <a:lvl1pPr algn="ctr">
+              <a:defRPr sz="4000" b="0">
+                <a:solidFill>
+                  <a:schemeClr val="accent1"/>
+                </a:solidFill>
+                <a:latin typeface="+mj-lt"/>
+              </a:defRPr>
+            </a:lvl1pPr>
+          </a:lstStyle>
+          <a:p>
+            <a:r>
+              <a:rPr lang="de-DE" noProof="0"/>
+              <a:t>Mastertitelformat bearbeiten</a:t>
+            </a:r>
+            <a:endParaRPr lang="en-US" noProof="0" dirty="0"/>
+          </a:p>
+        </p:txBody>
+      </p:sp>
+      <p:sp>
+        <p:nvSpPr>
+          <p:cNvPr id="3" name="Untertitel 2"/>
+          <p:cNvSpPr>
+            <a:spLocks noGrp="1"/>
+          </p:cNvSpPr>
+          <p:nvPr>
+            <p:ph type="subTitle" idx="1"/>
+          </p:nvPr>
+        </p:nvSpPr>
+        <p:spPr>
+          <a:xfrm>
+            <a:off x="344245" y="3602044"/>
+            <a:ext cx="11510683" cy="2011953"/>
+          </a:xfrm>
+        </p:spPr>
+        <p:txBody>
+          <a:bodyPr/>
+          <a:lstStyle>
+            <a:lvl1pPr marL="0" indent="0" algn="ctr">
+              <a:buNone/>
+              <a:defRPr sz="2400"/>
+            </a:lvl1pPr>
+            <a:lvl2pPr marL="457143" indent="0" algn="ctr">
+              <a:buNone/>
+              <a:defRPr sz="2000"/>
+            </a:lvl2pPr>
+            <a:lvl3pPr marL="914286" indent="0" algn="ctr">
+              <a:buNone/>
+              <a:defRPr sz="1867"/>
+            </a:lvl3pPr>
+            <a:lvl4pPr marL="1371430" indent="0" algn="ctr">
+              <a:buNone/>
+              <a:defRPr sz="1600"/>
+            </a:lvl4pPr>
+            <a:lvl5pPr marL="1828573" indent="0" algn="ctr">
+              <a:buNone/>
+              <a:defRPr sz="1600"/>
+            </a:lvl5pPr>
+            <a:lvl6pPr marL="2285718" indent="0" algn="ctr">
+              <a:buNone/>
+              <a:defRPr sz="1600"/>
+            </a:lvl6pPr>
+            <a:lvl7pPr marL="2742858" indent="0" algn="ctr">
+              <a:buNone/>
+              <a:defRPr sz="1600"/>
+            </a:lvl7pPr>
+            <a:lvl8pPr marL="3200000" indent="0" algn="ctr">
+              <a:buNone/>
+              <a:defRPr sz="1600"/>
+            </a:lvl8pPr>
+            <a:lvl9pPr marL="3657143" indent="0" algn="ctr">
+              <a:buNone/>
+              <a:defRPr sz="1600"/>
+            </a:lvl9pPr>
+          </a:lstStyle>
+          <a:p>
+            <a:r>
+              <a:rPr lang="de-DE" noProof="0"/>
+              <a:t>Master-Untertitelformat bearbeiten</a:t>
+            </a:r>
+            <a:endParaRPr lang="en-US" noProof="0" dirty="0"/>
+          </a:p>
+        </p:txBody>
+      </p:sp>
+    </p:spTree>
+    <p:extLst>
+      <p:ext uri="{BB962C8B-B14F-4D97-AF65-F5344CB8AC3E}">
+        <p14:creationId xmlns:p14="http://schemas.microsoft.com/office/powerpoint/2010/main" val="2659790822"/>
+      </p:ext>
+    </p:extLst>
+  </p:cSld>
+  <p:clrMapOvr>
+    <a:masterClrMapping/>
+  </p:clrMapOvr>
+  <p:extLst>
+    <p:ext uri="{DCECCB84-F9BA-43D5-87BE-67443E8EF086}">
+      <p15:sldGuideLst xmlns:p15="http://schemas.microsoft.com/office/powerpoint/2012/main">
+        <p15:guide id="2" pos="2880">
+          <p15:clr>
+            <a:srgbClr val="FBAE40"/>
+          </p15:clr>
+        </p15:guide>
+        <p15:guide id="5" orient="horz" pos="232">
+          <p15:clr>
+            <a:srgbClr val="FBAE40"/>
+          </p15:clr>
+        </p15:guide>
+        <p15:guide id="6" orient="horz" pos="2160">
+          <p15:clr>
+            <a:srgbClr val="FBAE40"/>
+          </p15:clr>
+        </p15:guide>
+        <p15:guide id="7" pos="3840">
+          <p15:clr>
+            <a:srgbClr val="FBAE40"/>
+          </p15:clr>
+        </p15:guide>
+      </p15:sldGuideLst>
+    </p:ext>
+  </p:extLst>
+</p:sldLayout>
+</file>
+
+<file path=ppt/slideLayouts/slideLayout9.xml><?xml version="1.0" encoding="utf-8"?>
+<p:sldLayout xmlns:a="http://schemas.openxmlformats.org/drawingml/2006/main" xmlns:r="http://schemas.openxmlformats.org/officeDocument/2006/relationships" xmlns:p="http://schemas.openxmlformats.org/presentationml/2006/main" type="obj" preserve="1">
+  <p:cSld name="Titel und Inhalt">
+    <p:spTree>
+      <p:nvGrpSpPr>
+        <p:cNvPr id="1" name=""/>
+        <p:cNvGrpSpPr/>
+        <p:nvPr/>
+      </p:nvGrpSpPr>
+      <p:grpSpPr>
+        <a:xfrm>
+          <a:off x="0" y="0"/>
+          <a:ext cx="0" cy="0"/>
+          <a:chOff x="0" y="0"/>
+          <a:chExt cx="0" cy="0"/>
+        </a:xfrm>
+      </p:grpSpPr>
+      <p:sp>
+        <p:nvSpPr>
+          <p:cNvPr id="2" name="Titel 1"/>
+          <p:cNvSpPr>
+            <a:spLocks noGrp="1"/>
+          </p:cNvSpPr>
+          <p:nvPr>
+            <p:ph type="title"/>
+          </p:nvPr>
+        </p:nvSpPr>
+        <p:spPr>
+          <a:xfrm>
+            <a:off x="334965" y="441326"/>
+            <a:ext cx="9037636" cy="1116016"/>
+          </a:xfrm>
+        </p:spPr>
+        <p:txBody>
+          <a:bodyPr>
+            <a:normAutofit/>
+          </a:bodyPr>
+          <a:lstStyle>
+            <a:lvl1pPr>
+              <a:defRPr sz="3200">
+                <a:solidFill>
+                  <a:schemeClr val="accent1"/>
+                </a:solidFill>
+              </a:defRPr>
+            </a:lvl1pPr>
+          </a:lstStyle>
+          <a:p>
+            <a:r>
+              <a:rPr lang="de-DE" noProof="0"/>
+              <a:t>Mastertitelformat bearbeiten</a:t>
+            </a:r>
+            <a:endParaRPr lang="en-US" noProof="0" dirty="0"/>
+          </a:p>
+        </p:txBody>
+      </p:sp>
+      <p:sp>
+        <p:nvSpPr>
+          <p:cNvPr id="3" name="Inhaltsplatzhalter 2"/>
+          <p:cNvSpPr>
+            <a:spLocks noGrp="1"/>
+          </p:cNvSpPr>
+          <p:nvPr>
+            <p:ph idx="1"/>
+          </p:nvPr>
+        </p:nvSpPr>
+        <p:spPr>
+          <a:xfrm>
+            <a:off x="334963" y="1665288"/>
+            <a:ext cx="11522077" cy="4572000"/>
+          </a:xfrm>
+        </p:spPr>
+        <p:txBody>
+          <a:bodyPr/>
+          <a:lstStyle/>
+          <a:p>
+            <a:pPr lvl="0"/>
+            <a:r>
+              <a:rPr lang="de-DE" noProof="0"/>
+              <a:t>Mastertextformat bearbeiten</a:t>
+            </a:r>
+          </a:p>
+          <a:p>
+            <a:pPr lvl="1"/>
+            <a:r>
+              <a:rPr lang="de-DE" noProof="0"/>
+              <a:t>Zweite Ebene</a:t>
+            </a:r>
+          </a:p>
+          <a:p>
+            <a:pPr lvl="2"/>
+            <a:r>
+              <a:rPr lang="de-DE" noProof="0"/>
+              <a:t>Dritte Ebene</a:t>
+            </a:r>
+          </a:p>
+          <a:p>
+            <a:pPr lvl="3"/>
+            <a:r>
+              <a:rPr lang="de-DE" noProof="0"/>
+              <a:t>Vierte Ebene</a:t>
+            </a:r>
+          </a:p>
+          <a:p>
+            <a:pPr lvl="4"/>
+            <a:r>
+              <a:rPr lang="de-DE" noProof="0"/>
+              <a:t>Fünfte Ebene</a:t>
+            </a:r>
+            <a:endParaRPr lang="en-US" noProof="0" dirty="0"/>
+          </a:p>
+        </p:txBody>
+      </p:sp>
+    </p:spTree>
+    <p:extLst>
+      <p:ext uri="{BB962C8B-B14F-4D97-AF65-F5344CB8AC3E}">
+        <p14:creationId xmlns:p14="http://schemas.microsoft.com/office/powerpoint/2010/main" val="2684568808"/>
+      </p:ext>
+    </p:extLst>
+  </p:cSld>
+  <p:clrMapOvr>
+    <a:masterClrMapping/>
+  </p:clrMapOvr>
+  <p:extLst>
+    <p:ext uri="{DCECCB84-F9BA-43D5-87BE-67443E8EF086}">
+      <p15:sldGuideLst xmlns:p15="http://schemas.microsoft.com/office/powerpoint/2012/main">
+        <p15:guide id="1" pos="211">
+          <p15:clr>
+            <a:srgbClr val="FBAE40"/>
+          </p15:clr>
+        </p15:guide>
+      </p15:sldGuideLst>
+    </p:ext>
+  </p:extLst>
 </p:sldLayout>
 </file>
 
@@ -3722,6 +4516,760 @@
     <p:ext uri="{27BBF7A9-308A-43DC-89C8-2F10F3537804}">
       <p15:sldGuideLst xmlns:p15="http://schemas.microsoft.com/office/powerpoint/2012/main">
         <p15:guide id="4" orient="horz">
+          <p15:clr>
+            <a:srgbClr val="F26B43"/>
+          </p15:clr>
+        </p15:guide>
+      </p15:sldGuideLst>
+    </p:ext>
+  </p:extLst>
+</p:sldMaster>
+</file>
+
+<file path=ppt/slideMasters/slideMaster2.xml><?xml version="1.0" encoding="utf-8"?>
+<p:sldMaster xmlns:a="http://schemas.openxmlformats.org/drawingml/2006/main" xmlns:r="http://schemas.openxmlformats.org/officeDocument/2006/relationships" xmlns:p="http://schemas.openxmlformats.org/presentationml/2006/main" preserve="1">
+  <p:cSld>
+    <p:bg>
+      <p:bgPr>
+        <a:solidFill>
+          <a:schemeClr val="bg1"/>
+        </a:solidFill>
+        <a:effectLst/>
+      </p:bgPr>
+    </p:bg>
+    <p:spTree>
+      <p:nvGrpSpPr>
+        <p:cNvPr id="1" name=""/>
+        <p:cNvGrpSpPr/>
+        <p:nvPr/>
+      </p:nvGrpSpPr>
+      <p:grpSpPr>
+        <a:xfrm>
+          <a:off x="0" y="0"/>
+          <a:ext cx="0" cy="0"/>
+          <a:chOff x="0" y="0"/>
+          <a:chExt cx="0" cy="0"/>
+        </a:xfrm>
+      </p:grpSpPr>
+      <p:sp>
+        <p:nvSpPr>
+          <p:cNvPr id="2" name="Titelplatzhalter 1"/>
+          <p:cNvSpPr>
+            <a:spLocks noGrp="1"/>
+          </p:cNvSpPr>
+          <p:nvPr>
+            <p:ph type="title"/>
+          </p:nvPr>
+        </p:nvSpPr>
+        <p:spPr>
+          <a:xfrm>
+            <a:off x="354107" y="450852"/>
+            <a:ext cx="9018492" cy="1102353"/>
+          </a:xfrm>
+          <a:prstGeom prst="rect">
+            <a:avLst/>
+          </a:prstGeom>
+        </p:spPr>
+        <p:txBody>
+          <a:bodyPr vert="horz" lIns="68579" tIns="34289" rIns="68579" bIns="34289" rtlCol="0" anchor="ctr">
+            <a:normAutofit/>
+          </a:bodyPr>
+          <a:lstStyle/>
+          <a:p>
+            <a:r>
+              <a:rPr lang="en-US" noProof="0" dirty="0" err="1"/>
+              <a:t>Titelmasterformat</a:t>
+            </a:r>
+            <a:r>
+              <a:rPr lang="en-US" noProof="0" dirty="0"/>
+              <a:t> </a:t>
+            </a:r>
+            <a:r>
+              <a:rPr lang="en-US" noProof="0" dirty="0" err="1"/>
+              <a:t>durch</a:t>
+            </a:r>
+            <a:r>
+              <a:rPr lang="en-US" noProof="0" dirty="0"/>
+              <a:t> </a:t>
+            </a:r>
+            <a:r>
+              <a:rPr lang="en-US" noProof="0" dirty="0" err="1"/>
+              <a:t>Klicken</a:t>
+            </a:r>
+            <a:r>
+              <a:rPr lang="en-US" noProof="0" dirty="0"/>
+              <a:t> </a:t>
+            </a:r>
+            <a:r>
+              <a:rPr lang="en-US" noProof="0" dirty="0" err="1"/>
+              <a:t>bearbeiten</a:t>
+            </a:r>
+            <a:endParaRPr lang="en-US" noProof="0" dirty="0"/>
+          </a:p>
+        </p:txBody>
+      </p:sp>
+      <p:sp>
+        <p:nvSpPr>
+          <p:cNvPr id="3" name="Textplatzhalter 2"/>
+          <p:cNvSpPr>
+            <a:spLocks noGrp="1"/>
+          </p:cNvSpPr>
+          <p:nvPr>
+            <p:ph type="body" idx="1"/>
+          </p:nvPr>
+        </p:nvSpPr>
+        <p:spPr>
+          <a:xfrm>
+            <a:off x="354107" y="1665290"/>
+            <a:ext cx="11490063" cy="4571999"/>
+          </a:xfrm>
+          <a:prstGeom prst="rect">
+            <a:avLst/>
+          </a:prstGeom>
+        </p:spPr>
+        <p:txBody>
+          <a:bodyPr vert="horz" lIns="68579" tIns="34289" rIns="68579" bIns="34289" rtlCol="0">
+            <a:normAutofit/>
+          </a:bodyPr>
+          <a:lstStyle/>
+          <a:p>
+            <a:pPr lvl="0"/>
+            <a:r>
+              <a:rPr lang="en-US" noProof="0" dirty="0" err="1"/>
+              <a:t>Textmasterformat</a:t>
+            </a:r>
+            <a:r>
+              <a:rPr lang="en-US" noProof="0" dirty="0"/>
+              <a:t> </a:t>
+            </a:r>
+            <a:r>
+              <a:rPr lang="en-US" noProof="0" dirty="0" err="1"/>
+              <a:t>bearbeiten</a:t>
+            </a:r>
+            <a:endParaRPr lang="en-US" noProof="0" dirty="0"/>
+          </a:p>
+          <a:p>
+            <a:pPr lvl="1"/>
+            <a:r>
+              <a:rPr lang="en-US" noProof="0" dirty="0" err="1"/>
+              <a:t>Zweite</a:t>
+            </a:r>
+            <a:r>
+              <a:rPr lang="en-US" noProof="0" dirty="0"/>
+              <a:t> Ebene</a:t>
+            </a:r>
+          </a:p>
+          <a:p>
+            <a:pPr lvl="2"/>
+            <a:r>
+              <a:rPr lang="en-US" noProof="0" dirty="0" err="1"/>
+              <a:t>Dritte</a:t>
+            </a:r>
+            <a:r>
+              <a:rPr lang="en-US" noProof="0" dirty="0"/>
+              <a:t> Ebene</a:t>
+            </a:r>
+          </a:p>
+          <a:p>
+            <a:pPr lvl="3"/>
+            <a:r>
+              <a:rPr lang="en-US" noProof="0" dirty="0" err="1"/>
+              <a:t>Vierte</a:t>
+            </a:r>
+            <a:r>
+              <a:rPr lang="en-US" noProof="0" dirty="0"/>
+              <a:t> Ebene</a:t>
+            </a:r>
+          </a:p>
+          <a:p>
+            <a:pPr lvl="4"/>
+            <a:r>
+              <a:rPr lang="en-US" noProof="0" dirty="0" err="1"/>
+              <a:t>Fünfte</a:t>
+            </a:r>
+            <a:r>
+              <a:rPr lang="en-US" noProof="0" dirty="0"/>
+              <a:t> Ebene</a:t>
+            </a:r>
+          </a:p>
+        </p:txBody>
+      </p:sp>
+      <p:sp>
+        <p:nvSpPr>
+          <p:cNvPr id="4" name="Textfeld 3"/>
+          <p:cNvSpPr txBox="1"/>
+          <p:nvPr/>
+        </p:nvSpPr>
+        <p:spPr>
+          <a:xfrm>
+            <a:off x="9372600" y="450848"/>
+            <a:ext cx="2471568" cy="1231106"/>
+          </a:xfrm>
+          <a:prstGeom prst="rect">
+            <a:avLst/>
+          </a:prstGeom>
+          <a:noFill/>
+        </p:spPr>
+        <p:txBody>
+          <a:bodyPr wrap="square" rtlCol="0">
+            <a:spAutoFit/>
+          </a:bodyPr>
+          <a:lstStyle/>
+          <a:p>
+            <a:pPr algn="r"/>
+            <a:r>
+              <a:rPr lang="en-US" sz="2400" b="1" noProof="0" dirty="0">
+                <a:solidFill>
+                  <a:schemeClr val="accent1"/>
+                </a:solidFill>
+                <a:latin typeface="Calibri" panose="020F0502020204030204" pitchFamily="34" charset="0"/>
+              </a:rPr>
+              <a:t>db </a:t>
+            </a:r>
+            <a:r>
+              <a:rPr lang="en-US" sz="2400" b="1" noProof="0" dirty="0">
+                <a:latin typeface="Calibri" panose="020F0502020204030204" pitchFamily="34" charset="0"/>
+              </a:rPr>
+              <a:t>Berater GmbH</a:t>
+            </a:r>
+          </a:p>
+          <a:p>
+            <a:pPr algn="r"/>
+            <a:r>
+              <a:rPr lang="en-US" sz="1000" b="1" noProof="0" dirty="0"/>
+              <a:t>Planung – Installation</a:t>
+            </a:r>
+            <a:r>
+              <a:rPr lang="en-US" sz="1000" b="1" baseline="0" noProof="0" dirty="0"/>
+              <a:t> – Optimierung</a:t>
+            </a:r>
+            <a:br>
+              <a:rPr lang="en-US" sz="1000" b="1" baseline="0" noProof="0" dirty="0"/>
+            </a:br>
+            <a:br>
+              <a:rPr lang="en-US" sz="1000" b="1" baseline="0" noProof="0" dirty="0"/>
+            </a:br>
+            <a:endParaRPr lang="en-US" sz="1000" b="1" noProof="0" dirty="0"/>
+          </a:p>
+          <a:p>
+            <a:pPr algn="r"/>
+            <a:r>
+              <a:rPr lang="en-US" sz="1000" b="1" noProof="0" dirty="0">
+                <a:hlinkClick r:id="rId9"/>
+              </a:rPr>
+              <a:t>http://www.db-berater.de</a:t>
+            </a:r>
+            <a:endParaRPr lang="en-US" sz="1000" b="1" noProof="0" dirty="0"/>
+          </a:p>
+          <a:p>
+            <a:pPr algn="r"/>
+            <a:r>
+              <a:rPr lang="en-US" sz="1000" b="1" noProof="0" dirty="0"/>
+              <a:t>info@db-berater.de</a:t>
+            </a:r>
+          </a:p>
+        </p:txBody>
+      </p:sp>
+      <p:sp>
+        <p:nvSpPr>
+          <p:cNvPr id="5" name="Rechteck 4">
+            <a:extLst>
+              <a:ext uri="{FF2B5EF4-FFF2-40B4-BE49-F238E27FC236}">
+                <a16:creationId xmlns:a16="http://schemas.microsoft.com/office/drawing/2014/main" id="{CE3090C9-CD56-60CA-9231-B8662A341995}"/>
+              </a:ext>
+            </a:extLst>
+          </p:cNvPr>
+          <p:cNvSpPr/>
+          <p:nvPr/>
+        </p:nvSpPr>
+        <p:spPr>
+          <a:xfrm>
+            <a:off x="0" y="6309320"/>
+            <a:ext cx="12192000" cy="548680"/>
+          </a:xfrm>
+          <a:prstGeom prst="rect">
+            <a:avLst/>
+          </a:prstGeom>
+          <a:gradFill flip="none" rotWithShape="1">
+            <a:gsLst>
+              <a:gs pos="0">
+                <a:schemeClr val="accent1">
+                  <a:shade val="30000"/>
+                  <a:satMod val="115000"/>
+                </a:schemeClr>
+              </a:gs>
+              <a:gs pos="50000">
+                <a:schemeClr val="accent1">
+                  <a:shade val="67500"/>
+                  <a:satMod val="115000"/>
+                </a:schemeClr>
+              </a:gs>
+              <a:gs pos="100000">
+                <a:schemeClr val="accent1">
+                  <a:shade val="100000"/>
+                  <a:satMod val="115000"/>
+                </a:schemeClr>
+              </a:gs>
+            </a:gsLst>
+            <a:path path="circle">
+              <a:fillToRect r="100000" b="100000"/>
+            </a:path>
+            <a:tileRect l="-100000" t="-100000"/>
+          </a:gradFill>
+          <a:ln>
+            <a:noFill/>
+          </a:ln>
+        </p:spPr>
+        <p:style>
+          <a:lnRef idx="2">
+            <a:schemeClr val="accent1">
+              <a:shade val="15000"/>
+            </a:schemeClr>
+          </a:lnRef>
+          <a:fillRef idx="1">
+            <a:schemeClr val="accent1"/>
+          </a:fillRef>
+          <a:effectRef idx="0">
+            <a:schemeClr val="accent1"/>
+          </a:effectRef>
+          <a:fontRef idx="minor">
+            <a:schemeClr val="lt1"/>
+          </a:fontRef>
+        </p:style>
+        <p:txBody>
+          <a:bodyPr rtlCol="0" anchor="ctr"/>
+          <a:lstStyle/>
+          <a:p>
+            <a:pPr algn="ctr"/>
+            <a:endParaRPr lang="en-US" sz="2400" noProof="0" dirty="0"/>
+          </a:p>
+        </p:txBody>
+      </p:sp>
+      <p:sp>
+        <p:nvSpPr>
+          <p:cNvPr id="8" name="Textfeld 7"/>
+          <p:cNvSpPr txBox="1"/>
+          <p:nvPr/>
+        </p:nvSpPr>
+        <p:spPr>
+          <a:xfrm>
+            <a:off x="9648395" y="6429773"/>
+            <a:ext cx="2296227" cy="276999"/>
+          </a:xfrm>
+          <a:prstGeom prst="rect">
+            <a:avLst/>
+          </a:prstGeom>
+          <a:noFill/>
+        </p:spPr>
+        <p:txBody>
+          <a:bodyPr wrap="square" rtlCol="0">
+            <a:spAutoFit/>
+          </a:bodyPr>
+          <a:lstStyle/>
+          <a:p>
+            <a:pPr algn="r"/>
+            <a:r>
+              <a:rPr lang="en-US" sz="1200" b="1" noProof="0" dirty="0">
+                <a:solidFill>
+                  <a:schemeClr val="bg1"/>
+                </a:solidFill>
+              </a:rPr>
+              <a:t>© db</a:t>
+            </a:r>
+            <a:r>
+              <a:rPr lang="en-US" sz="1200" b="1" baseline="0" noProof="0" dirty="0">
+                <a:solidFill>
+                  <a:schemeClr val="bg1"/>
+                </a:solidFill>
+              </a:rPr>
+              <a:t> Berater GmbH (</a:t>
+            </a:r>
+            <a:fld id="{918F7804-3F46-47BC-B8F6-F601438D5C89}" type="datetimeyyyy">
+              <a:rPr lang="en-US" sz="1200" b="1" baseline="0" noProof="0" smtClean="0">
+                <a:solidFill>
+                  <a:schemeClr val="bg1"/>
+                </a:solidFill>
+              </a:rPr>
+              <a:t>2025</a:t>
+            </a:fld>
+            <a:r>
+              <a:rPr lang="en-US" sz="1200" b="1" baseline="0" noProof="0" dirty="0">
+                <a:solidFill>
+                  <a:schemeClr val="bg1"/>
+                </a:solidFill>
+              </a:rPr>
+              <a:t>)</a:t>
+            </a:r>
+            <a:endParaRPr lang="en-US" sz="1200" b="1" noProof="0" dirty="0">
+              <a:solidFill>
+                <a:schemeClr val="bg1"/>
+              </a:solidFill>
+            </a:endParaRPr>
+          </a:p>
+        </p:txBody>
+      </p:sp>
+      <p:sp>
+        <p:nvSpPr>
+          <p:cNvPr id="7" name="Textfeld 6"/>
+          <p:cNvSpPr txBox="1"/>
+          <p:nvPr/>
+        </p:nvSpPr>
+        <p:spPr>
+          <a:xfrm>
+            <a:off x="290584" y="6429773"/>
+            <a:ext cx="4845309" cy="276999"/>
+          </a:xfrm>
+          <a:prstGeom prst="rect">
+            <a:avLst/>
+          </a:prstGeom>
+          <a:noFill/>
+        </p:spPr>
+        <p:txBody>
+          <a:bodyPr wrap="square" rtlCol="0">
+            <a:spAutoFit/>
+          </a:bodyPr>
+          <a:lstStyle/>
+          <a:p>
+            <a:r>
+              <a:rPr lang="en-US" sz="1200" b="1" noProof="0" dirty="0">
+                <a:solidFill>
+                  <a:schemeClr val="bg2"/>
+                </a:solidFill>
+              </a:rPr>
+              <a:t>Author</a:t>
+            </a:r>
+            <a:r>
+              <a:rPr lang="en-US" sz="1200" b="1" noProof="0" dirty="0">
+                <a:solidFill>
+                  <a:schemeClr val="bg1"/>
+                </a:solidFill>
+              </a:rPr>
+              <a:t>: Uwe Ricken (Data Platform MVP / MCM)</a:t>
+            </a:r>
+          </a:p>
+        </p:txBody>
+      </p:sp>
+    </p:spTree>
+    <p:extLst>
+      <p:ext uri="{BB962C8B-B14F-4D97-AF65-F5344CB8AC3E}">
+        <p14:creationId xmlns:p14="http://schemas.microsoft.com/office/powerpoint/2010/main" val="3389861110"/>
+      </p:ext>
+    </p:extLst>
+  </p:cSld>
+  <p:clrMap bg1="lt1" tx1="dk1" bg2="lt2" tx2="dk2" accent1="accent1" accent2="accent2" accent3="accent3" accent4="accent4" accent5="accent5" accent6="accent6" hlink="hlink" folHlink="folHlink"/>
+  <p:sldLayoutIdLst>
+    <p:sldLayoutId id="2147483669" r:id="rId1"/>
+    <p:sldLayoutId id="2147483670" r:id="rId2"/>
+    <p:sldLayoutId id="2147483671" r:id="rId3"/>
+    <p:sldLayoutId id="2147483672" r:id="rId4"/>
+    <p:sldLayoutId id="2147483673" r:id="rId5"/>
+    <p:sldLayoutId id="2147483674" r:id="rId6"/>
+    <p:sldLayoutId id="2147483675" r:id="rId7"/>
+  </p:sldLayoutIdLst>
+  <p:txStyles>
+    <p:titleStyle>
+      <a:lvl1pPr algn="l" defTabSz="914309" rtl="0" eaLnBrk="1" latinLnBrk="0" hangingPunct="1">
+        <a:lnSpc>
+          <a:spcPct val="90000"/>
+        </a:lnSpc>
+        <a:spcBef>
+          <a:spcPct val="0"/>
+        </a:spcBef>
+        <a:buNone/>
+        <a:defRPr sz="3200" b="1" kern="1200">
+          <a:solidFill>
+            <a:srgbClr val="5B9BD5"/>
+          </a:solidFill>
+          <a:latin typeface="+mj-lt"/>
+          <a:ea typeface="+mj-ea"/>
+          <a:cs typeface="+mj-cs"/>
+        </a:defRPr>
+      </a:lvl1pPr>
+    </p:titleStyle>
+    <p:bodyStyle>
+      <a:lvl1pPr marL="228578" indent="-228578" algn="l" defTabSz="914309" rtl="0" eaLnBrk="1" latinLnBrk="0" hangingPunct="1">
+        <a:lnSpc>
+          <a:spcPct val="90000"/>
+        </a:lnSpc>
+        <a:spcBef>
+          <a:spcPts val="1000"/>
+        </a:spcBef>
+        <a:buFont typeface="Arial" panose="020B0604020202020204" pitchFamily="34" charset="0"/>
+        <a:buChar char="•"/>
+        <a:defRPr sz="2400" b="1" kern="1200">
+          <a:solidFill>
+            <a:schemeClr val="tx1"/>
+          </a:solidFill>
+          <a:latin typeface="+mn-lt"/>
+          <a:ea typeface="+mn-ea"/>
+          <a:cs typeface="+mn-cs"/>
+        </a:defRPr>
+      </a:lvl1pPr>
+      <a:lvl2pPr marL="685734" indent="-228578" algn="l" defTabSz="914309" rtl="0" eaLnBrk="1" latinLnBrk="0" hangingPunct="1">
+        <a:lnSpc>
+          <a:spcPct val="90000"/>
+        </a:lnSpc>
+        <a:spcBef>
+          <a:spcPts val="500"/>
+        </a:spcBef>
+        <a:buFont typeface="Arial" panose="020B0604020202020204" pitchFamily="34" charset="0"/>
+        <a:buChar char="•"/>
+        <a:defRPr sz="2000" kern="1200">
+          <a:solidFill>
+            <a:schemeClr val="tx1"/>
+          </a:solidFill>
+          <a:latin typeface="+mn-lt"/>
+          <a:ea typeface="+mn-ea"/>
+          <a:cs typeface="+mn-cs"/>
+        </a:defRPr>
+      </a:lvl2pPr>
+      <a:lvl3pPr marL="1142886" indent="-228578" algn="l" defTabSz="914309" rtl="0" eaLnBrk="1" latinLnBrk="0" hangingPunct="1">
+        <a:lnSpc>
+          <a:spcPct val="90000"/>
+        </a:lnSpc>
+        <a:spcBef>
+          <a:spcPts val="500"/>
+        </a:spcBef>
+        <a:buFont typeface="Arial" panose="020B0604020202020204" pitchFamily="34" charset="0"/>
+        <a:buChar char="•"/>
+        <a:defRPr sz="2000" kern="1200">
+          <a:solidFill>
+            <a:schemeClr val="tx1"/>
+          </a:solidFill>
+          <a:latin typeface="+mn-lt"/>
+          <a:ea typeface="+mn-ea"/>
+          <a:cs typeface="+mn-cs"/>
+        </a:defRPr>
+      </a:lvl3pPr>
+      <a:lvl4pPr marL="1600040" indent="-228578" algn="l" defTabSz="914309" rtl="0" eaLnBrk="1" latinLnBrk="0" hangingPunct="1">
+        <a:lnSpc>
+          <a:spcPct val="90000"/>
+        </a:lnSpc>
+        <a:spcBef>
+          <a:spcPts val="500"/>
+        </a:spcBef>
+        <a:buFont typeface="Arial" panose="020B0604020202020204" pitchFamily="34" charset="0"/>
+        <a:buChar char="•"/>
+        <a:defRPr sz="2000" kern="1200">
+          <a:solidFill>
+            <a:schemeClr val="tx1"/>
+          </a:solidFill>
+          <a:latin typeface="+mn-lt"/>
+          <a:ea typeface="+mn-ea"/>
+          <a:cs typeface="+mn-cs"/>
+        </a:defRPr>
+      </a:lvl4pPr>
+      <a:lvl5pPr marL="2057195" indent="-228578" algn="l" defTabSz="914309" rtl="0" eaLnBrk="1" latinLnBrk="0" hangingPunct="1">
+        <a:lnSpc>
+          <a:spcPct val="90000"/>
+        </a:lnSpc>
+        <a:spcBef>
+          <a:spcPts val="500"/>
+        </a:spcBef>
+        <a:buFont typeface="Arial" panose="020B0604020202020204" pitchFamily="34" charset="0"/>
+        <a:buChar char="•"/>
+        <a:defRPr sz="2000" kern="1200">
+          <a:solidFill>
+            <a:schemeClr val="tx1"/>
+          </a:solidFill>
+          <a:latin typeface="+mn-lt"/>
+          <a:ea typeface="+mn-ea"/>
+          <a:cs typeface="+mn-cs"/>
+        </a:defRPr>
+      </a:lvl5pPr>
+      <a:lvl6pPr marL="2514349" indent="-228578" algn="l" defTabSz="914309" rtl="0" eaLnBrk="1" latinLnBrk="0" hangingPunct="1">
+        <a:lnSpc>
+          <a:spcPct val="90000"/>
+        </a:lnSpc>
+        <a:spcBef>
+          <a:spcPts val="500"/>
+        </a:spcBef>
+        <a:buFont typeface="Arial" panose="020B0604020202020204" pitchFamily="34" charset="0"/>
+        <a:buChar char="•"/>
+        <a:defRPr sz="1867" kern="1200">
+          <a:solidFill>
+            <a:schemeClr val="tx1"/>
+          </a:solidFill>
+          <a:latin typeface="+mn-lt"/>
+          <a:ea typeface="+mn-ea"/>
+          <a:cs typeface="+mn-cs"/>
+        </a:defRPr>
+      </a:lvl6pPr>
+      <a:lvl7pPr marL="2971504" indent="-228578" algn="l" defTabSz="914309" rtl="0" eaLnBrk="1" latinLnBrk="0" hangingPunct="1">
+        <a:lnSpc>
+          <a:spcPct val="90000"/>
+        </a:lnSpc>
+        <a:spcBef>
+          <a:spcPts val="500"/>
+        </a:spcBef>
+        <a:buFont typeface="Arial" panose="020B0604020202020204" pitchFamily="34" charset="0"/>
+        <a:buChar char="•"/>
+        <a:defRPr sz="1867" kern="1200">
+          <a:solidFill>
+            <a:schemeClr val="tx1"/>
+          </a:solidFill>
+          <a:latin typeface="+mn-lt"/>
+          <a:ea typeface="+mn-ea"/>
+          <a:cs typeface="+mn-cs"/>
+        </a:defRPr>
+      </a:lvl7pPr>
+      <a:lvl8pPr marL="3428658" indent="-228578" algn="l" defTabSz="914309" rtl="0" eaLnBrk="1" latinLnBrk="0" hangingPunct="1">
+        <a:lnSpc>
+          <a:spcPct val="90000"/>
+        </a:lnSpc>
+        <a:spcBef>
+          <a:spcPts val="500"/>
+        </a:spcBef>
+        <a:buFont typeface="Arial" panose="020B0604020202020204" pitchFamily="34" charset="0"/>
+        <a:buChar char="•"/>
+        <a:defRPr sz="1867" kern="1200">
+          <a:solidFill>
+            <a:schemeClr val="tx1"/>
+          </a:solidFill>
+          <a:latin typeface="+mn-lt"/>
+          <a:ea typeface="+mn-ea"/>
+          <a:cs typeface="+mn-cs"/>
+        </a:defRPr>
+      </a:lvl8pPr>
+      <a:lvl9pPr marL="3885814" indent="-228578" algn="l" defTabSz="914309" rtl="0" eaLnBrk="1" latinLnBrk="0" hangingPunct="1">
+        <a:lnSpc>
+          <a:spcPct val="90000"/>
+        </a:lnSpc>
+        <a:spcBef>
+          <a:spcPts val="500"/>
+        </a:spcBef>
+        <a:buFont typeface="Arial" panose="020B0604020202020204" pitchFamily="34" charset="0"/>
+        <a:buChar char="•"/>
+        <a:defRPr sz="1867" kern="1200">
+          <a:solidFill>
+            <a:schemeClr val="tx1"/>
+          </a:solidFill>
+          <a:latin typeface="+mn-lt"/>
+          <a:ea typeface="+mn-ea"/>
+          <a:cs typeface="+mn-cs"/>
+        </a:defRPr>
+      </a:lvl9pPr>
+    </p:bodyStyle>
+    <p:otherStyle>
+      <a:defPPr>
+        <a:defRPr lang="de-DE"/>
+      </a:defPPr>
+      <a:lvl1pPr marL="0" algn="l" defTabSz="914309" rtl="0" eaLnBrk="1" latinLnBrk="0" hangingPunct="1">
+        <a:defRPr sz="1867" kern="1200">
+          <a:solidFill>
+            <a:schemeClr val="tx1"/>
+          </a:solidFill>
+          <a:latin typeface="+mn-lt"/>
+          <a:ea typeface="+mn-ea"/>
+          <a:cs typeface="+mn-cs"/>
+        </a:defRPr>
+      </a:lvl1pPr>
+      <a:lvl2pPr marL="457155" algn="l" defTabSz="914309" rtl="0" eaLnBrk="1" latinLnBrk="0" hangingPunct="1">
+        <a:defRPr sz="1867" kern="1200">
+          <a:solidFill>
+            <a:schemeClr val="tx1"/>
+          </a:solidFill>
+          <a:latin typeface="+mn-lt"/>
+          <a:ea typeface="+mn-ea"/>
+          <a:cs typeface="+mn-cs"/>
+        </a:defRPr>
+      </a:lvl2pPr>
+      <a:lvl3pPr marL="914309" algn="l" defTabSz="914309" rtl="0" eaLnBrk="1" latinLnBrk="0" hangingPunct="1">
+        <a:defRPr sz="1867" kern="1200">
+          <a:solidFill>
+            <a:schemeClr val="tx1"/>
+          </a:solidFill>
+          <a:latin typeface="+mn-lt"/>
+          <a:ea typeface="+mn-ea"/>
+          <a:cs typeface="+mn-cs"/>
+        </a:defRPr>
+      </a:lvl3pPr>
+      <a:lvl4pPr marL="1371464" algn="l" defTabSz="914309" rtl="0" eaLnBrk="1" latinLnBrk="0" hangingPunct="1">
+        <a:defRPr sz="1867" kern="1200">
+          <a:solidFill>
+            <a:schemeClr val="tx1"/>
+          </a:solidFill>
+          <a:latin typeface="+mn-lt"/>
+          <a:ea typeface="+mn-ea"/>
+          <a:cs typeface="+mn-cs"/>
+        </a:defRPr>
+      </a:lvl4pPr>
+      <a:lvl5pPr marL="1828618" algn="l" defTabSz="914309" rtl="0" eaLnBrk="1" latinLnBrk="0" hangingPunct="1">
+        <a:defRPr sz="1867" kern="1200">
+          <a:solidFill>
+            <a:schemeClr val="tx1"/>
+          </a:solidFill>
+          <a:latin typeface="+mn-lt"/>
+          <a:ea typeface="+mn-ea"/>
+          <a:cs typeface="+mn-cs"/>
+        </a:defRPr>
+      </a:lvl5pPr>
+      <a:lvl6pPr marL="2285774" algn="l" defTabSz="914309" rtl="0" eaLnBrk="1" latinLnBrk="0" hangingPunct="1">
+        <a:defRPr sz="1867" kern="1200">
+          <a:solidFill>
+            <a:schemeClr val="tx1"/>
+          </a:solidFill>
+          <a:latin typeface="+mn-lt"/>
+          <a:ea typeface="+mn-ea"/>
+          <a:cs typeface="+mn-cs"/>
+        </a:defRPr>
+      </a:lvl6pPr>
+      <a:lvl7pPr marL="2742926" algn="l" defTabSz="914309" rtl="0" eaLnBrk="1" latinLnBrk="0" hangingPunct="1">
+        <a:defRPr sz="1867" kern="1200">
+          <a:solidFill>
+            <a:schemeClr val="tx1"/>
+          </a:solidFill>
+          <a:latin typeface="+mn-lt"/>
+          <a:ea typeface="+mn-ea"/>
+          <a:cs typeface="+mn-cs"/>
+        </a:defRPr>
+      </a:lvl7pPr>
+      <a:lvl8pPr marL="3200080" algn="l" defTabSz="914309" rtl="0" eaLnBrk="1" latinLnBrk="0" hangingPunct="1">
+        <a:defRPr sz="1867" kern="1200">
+          <a:solidFill>
+            <a:schemeClr val="tx1"/>
+          </a:solidFill>
+          <a:latin typeface="+mn-lt"/>
+          <a:ea typeface="+mn-ea"/>
+          <a:cs typeface="+mn-cs"/>
+        </a:defRPr>
+      </a:lvl8pPr>
+      <a:lvl9pPr marL="3657235" algn="l" defTabSz="914309" rtl="0" eaLnBrk="1" latinLnBrk="0" hangingPunct="1">
+        <a:defRPr sz="1867" kern="1200">
+          <a:solidFill>
+            <a:schemeClr val="tx1"/>
+          </a:solidFill>
+          <a:latin typeface="+mn-lt"/>
+          <a:ea typeface="+mn-ea"/>
+          <a:cs typeface="+mn-cs"/>
+        </a:defRPr>
+      </a:lvl9pPr>
+    </p:otherStyle>
+  </p:txStyles>
+  <p:extLst>
+    <p:ext uri="{27BBF7A9-308A-43DC-89C8-2F10F3537804}">
+      <p15:sldGuideLst xmlns:p15="http://schemas.microsoft.com/office/powerpoint/2012/main">
+        <p15:guide id="1" orient="horz">
+          <p15:clr>
+            <a:srgbClr val="F26B43"/>
+          </p15:clr>
+        </p15:guide>
+        <p15:guide id="2" orient="horz" pos="278">
+          <p15:clr>
+            <a:srgbClr val="F26B43"/>
+          </p15:clr>
+        </p15:guide>
+        <p15:guide id="3" pos="211">
+          <p15:clr>
+            <a:srgbClr val="F26B43"/>
+          </p15:clr>
+        </p15:guide>
+        <p15:guide id="4" pos="5654">
+          <p15:clr>
+            <a:srgbClr val="F26B43"/>
+          </p15:clr>
+        </p15:guide>
+        <p15:guide id="5" orient="horz" pos="981">
           <p15:clr>
             <a:srgbClr val="F26B43"/>
           </p15:clr>
@@ -5968,7 +7516,7 @@
                 </a:highlight>
                 <a:latin typeface="Cascadia Mono" panose="020B0609020000020004" pitchFamily="49" charset="0"/>
               </a:rPr>
-              <a:t> 10</a:t>
+              <a:t> 50000</a:t>
             </a:r>
             <a:endParaRPr lang="en-US" dirty="0"/>
           </a:p>
@@ -8153,193 +9701,6 @@
   <p:cSld>
     <p:spTree>
       <p:nvGrpSpPr>
-        <p:cNvPr id="1" name=""/>
-        <p:cNvGrpSpPr/>
-        <p:nvPr/>
-      </p:nvGrpSpPr>
-      <p:grpSpPr>
-        <a:xfrm>
-          <a:off x="0" y="0"/>
-          <a:ext cx="0" cy="0"/>
-          <a:chOff x="0" y="0"/>
-          <a:chExt cx="0" cy="0"/>
-        </a:xfrm>
-      </p:grpSpPr>
-      <p:sp>
-        <p:nvSpPr>
-          <p:cNvPr id="2" name="Titel 1">
-            <a:extLst>
-              <a:ext uri="{FF2B5EF4-FFF2-40B4-BE49-F238E27FC236}">
-                <a16:creationId xmlns:a16="http://schemas.microsoft.com/office/drawing/2014/main" id="{795C4EDA-0E45-AE7F-692A-A895059972F1}"/>
-              </a:ext>
-            </a:extLst>
-          </p:cNvPr>
-          <p:cNvSpPr>
-            <a:spLocks noGrp="1"/>
-          </p:cNvSpPr>
-          <p:nvPr>
-            <p:ph type="title"/>
-          </p:nvPr>
-        </p:nvSpPr>
-        <p:spPr>
-          <a:xfrm>
-            <a:off x="335361" y="449032"/>
-            <a:ext cx="9037240" cy="1108307"/>
-          </a:xfrm>
-        </p:spPr>
-        <p:txBody>
-          <a:bodyPr/>
-          <a:lstStyle/>
-          <a:p>
-            <a:r>
-              <a:rPr lang="en-US" dirty="0"/>
-              <a:t>Transaction Isolation Levels</a:t>
-            </a:r>
-          </a:p>
-        </p:txBody>
-      </p:sp>
-      <p:sp>
-        <p:nvSpPr>
-          <p:cNvPr id="6" name="Inhaltsplatzhalter 5">
-            <a:extLst>
-              <a:ext uri="{FF2B5EF4-FFF2-40B4-BE49-F238E27FC236}">
-                <a16:creationId xmlns:a16="http://schemas.microsoft.com/office/drawing/2014/main" id="{B5BC0322-276E-07FC-A94C-D603BD8CA13A}"/>
-              </a:ext>
-            </a:extLst>
-          </p:cNvPr>
-          <p:cNvSpPr>
-            <a:spLocks noGrp="1"/>
-          </p:cNvSpPr>
-          <p:nvPr>
-            <p:ph sz="half" idx="1"/>
-          </p:nvPr>
-        </p:nvSpPr>
-        <p:spPr>
-          <a:xfrm>
-            <a:off x="335360" y="1665288"/>
-            <a:ext cx="7768116" cy="4644032"/>
-          </a:xfrm>
-        </p:spPr>
-        <p:txBody>
-          <a:bodyPr/>
-          <a:lstStyle/>
-          <a:p>
-            <a:r>
-              <a:rPr lang="en-US" dirty="0"/>
-              <a:t>Dining Philosophers Problem</a:t>
-            </a:r>
-          </a:p>
-          <a:p>
-            <a:pPr lvl="1"/>
-            <a:r>
-              <a:rPr lang="en-US" dirty="0"/>
-              <a:t>Five philosophers sit at a round table, alternating between thinking and eating. Each philosopher has a plate of spaghetti and a fork on either side of their plate.</a:t>
-            </a:r>
-          </a:p>
-          <a:p>
-            <a:pPr lvl="1"/>
-            <a:r>
-              <a:rPr lang="en-US" dirty="0"/>
-              <a:t>To eat, a philosopher needs to use both forks. Since each philosopher shares a fork with their neighbor, there are only five forks available.</a:t>
-            </a:r>
-          </a:p>
-          <a:p>
-            <a:pPr lvl="1"/>
-            <a:r>
-              <a:rPr lang="en-US" dirty="0"/>
-              <a:t>Philosophers must avoid </a:t>
-            </a:r>
-            <a:r>
-              <a:rPr lang="en-US" b="1" dirty="0"/>
-              <a:t>deadlock</a:t>
-            </a:r>
-            <a:r>
-              <a:rPr lang="en-US" dirty="0"/>
-              <a:t>, where each philosopher picks up one fork and waits indefinitely for the other fork to become available.</a:t>
-            </a:r>
-          </a:p>
-          <a:p>
-            <a:pPr lvl="1"/>
-            <a:r>
-              <a:rPr lang="en-US" dirty="0"/>
-              <a:t>Strategies include allowing only a subset of philosophers to pick up forks at the same time, using a waiter to control access to forks, or implementing an asymmetric solution to break potential deadlocks.</a:t>
-            </a:r>
-          </a:p>
-          <a:p>
-            <a:r>
-              <a:rPr lang="en-US" dirty="0"/>
-              <a:t>This problem illustrates issues of resource allocation and synchronization in concurrent programming, highlighting challenges in ensuring deadlock-free and efficient resource sharing among processes.</a:t>
-            </a:r>
-          </a:p>
-        </p:txBody>
-      </p:sp>
-      <p:pic>
-        <p:nvPicPr>
-          <p:cNvPr id="1026" name="Picture 2">
-            <a:extLst>
-              <a:ext uri="{FF2B5EF4-FFF2-40B4-BE49-F238E27FC236}">
-                <a16:creationId xmlns:a16="http://schemas.microsoft.com/office/drawing/2014/main" id="{C89B4A94-E9B8-9603-8EAB-15B004564D72}"/>
-              </a:ext>
-            </a:extLst>
-          </p:cNvPr>
-          <p:cNvPicPr>
-            <a:picLocks noGrp="1" noChangeAspect="1" noChangeArrowheads="1"/>
-          </p:cNvPicPr>
-          <p:nvPr>
-            <p:ph sz="half" idx="2"/>
-          </p:nvPr>
-        </p:nvPicPr>
-        <p:blipFill>
-          <a:blip r:embed="rId2">
-            <a:extLst>
-              <a:ext uri="{28A0092B-C50C-407E-A947-70E740481C1C}">
-                <a14:useLocalDpi xmlns:a14="http://schemas.microsoft.com/office/drawing/2010/main" val="0"/>
-              </a:ext>
-            </a:extLst>
-          </a:blip>
-          <a:srcRect/>
-          <a:stretch>
-            <a:fillRect/>
-          </a:stretch>
-        </p:blipFill>
-        <p:spPr bwMode="auto">
-          <a:xfrm>
-            <a:off x="8275836" y="1665288"/>
-            <a:ext cx="3580804" cy="3711016"/>
-          </a:xfrm>
-          <a:prstGeom prst="rect">
-            <a:avLst/>
-          </a:prstGeom>
-          <a:noFill/>
-          <a:extLst>
-            <a:ext uri="{909E8E84-426E-40DD-AFC4-6F175D3DCCD1}">
-              <a14:hiddenFill xmlns:a14="http://schemas.microsoft.com/office/drawing/2010/main">
-                <a:solidFill>
-                  <a:srgbClr val="FFFFFF"/>
-                </a:solidFill>
-              </a14:hiddenFill>
-            </a:ext>
-          </a:extLst>
-        </p:spPr>
-      </p:pic>
-    </p:spTree>
-    <p:extLst>
-      <p:ext uri="{BB962C8B-B14F-4D97-AF65-F5344CB8AC3E}">
-        <p14:creationId xmlns:p14="http://schemas.microsoft.com/office/powerpoint/2010/main" val="1313276407"/>
-      </p:ext>
-    </p:extLst>
-  </p:cSld>
-  <p:clrMapOvr>
-    <a:masterClrMapping/>
-  </p:clrMapOvr>
-</p:sld>
-</file>
-
-<file path=ppt/slides/slide14.xml><?xml version="1.0" encoding="utf-8"?>
-<p:sld xmlns:a="http://schemas.openxmlformats.org/drawingml/2006/main" xmlns:r="http://schemas.openxmlformats.org/officeDocument/2006/relationships" xmlns:p="http://schemas.openxmlformats.org/presentationml/2006/main">
-  <p:cSld>
-    <p:spTree>
-      <p:nvGrpSpPr>
         <p:cNvPr id="1" name="">
           <a:extLst>
             <a:ext uri="{FF2B5EF4-FFF2-40B4-BE49-F238E27FC236}">
@@ -9205,7 +10566,7 @@
 </p:sld>
 </file>
 
-<file path=ppt/slides/slide15.xml><?xml version="1.0" encoding="utf-8"?>
+<file path=ppt/slides/slide14.xml><?xml version="1.0" encoding="utf-8"?>
 <p:sld xmlns:a="http://schemas.openxmlformats.org/drawingml/2006/main" xmlns:r="http://schemas.openxmlformats.org/officeDocument/2006/relationships" xmlns:p="http://schemas.openxmlformats.org/presentationml/2006/main">
   <p:cSld>
     <p:spTree>
@@ -9454,7 +10815,7 @@
 </p:sld>
 </file>
 
-<file path=ppt/slides/slide16.xml><?xml version="1.0" encoding="utf-8"?>
+<file path=ppt/slides/slide15.xml><?xml version="1.0" encoding="utf-8"?>
 <p:sld xmlns:a="http://schemas.openxmlformats.org/drawingml/2006/main" xmlns:r="http://schemas.openxmlformats.org/officeDocument/2006/relationships" xmlns:p="http://schemas.openxmlformats.org/presentationml/2006/main">
   <p:cSld>
     <p:spTree>
@@ -9552,8 +10913,197 @@
 </p:sld>
 </file>
 
+<file path=ppt/slides/slide16.xml><?xml version="1.0" encoding="utf-8"?>
+<p:sld xmlns:a="http://schemas.openxmlformats.org/drawingml/2006/main" xmlns:r="http://schemas.openxmlformats.org/officeDocument/2006/relationships" xmlns:p="http://schemas.openxmlformats.org/presentationml/2006/main">
+  <p:cSld>
+    <p:spTree>
+      <p:nvGrpSpPr>
+        <p:cNvPr id="1" name=""/>
+        <p:cNvGrpSpPr/>
+        <p:nvPr/>
+      </p:nvGrpSpPr>
+      <p:grpSpPr>
+        <a:xfrm>
+          <a:off x="0" y="0"/>
+          <a:ext cx="0" cy="0"/>
+          <a:chOff x="0" y="0"/>
+          <a:chExt cx="0" cy="0"/>
+        </a:xfrm>
+      </p:grpSpPr>
+      <p:sp>
+        <p:nvSpPr>
+          <p:cNvPr id="2" name="Titel 1">
+            <a:extLst>
+              <a:ext uri="{FF2B5EF4-FFF2-40B4-BE49-F238E27FC236}">
+                <a16:creationId xmlns:a16="http://schemas.microsoft.com/office/drawing/2014/main" id="{795C4EDA-0E45-AE7F-692A-A895059972F1}"/>
+              </a:ext>
+            </a:extLst>
+          </p:cNvPr>
+          <p:cNvSpPr>
+            <a:spLocks noGrp="1"/>
+          </p:cNvSpPr>
+          <p:nvPr>
+            <p:ph type="title"/>
+          </p:nvPr>
+        </p:nvSpPr>
+        <p:spPr/>
+        <p:txBody>
+          <a:bodyPr/>
+          <a:lstStyle/>
+          <a:p>
+            <a:r>
+              <a:rPr lang="en-US" noProof="0" dirty="0"/>
+              <a:t>The Dining </a:t>
+            </a:r>
+            <a:r>
+              <a:rPr lang="en-US" noProof="0" dirty="0" err="1"/>
+              <a:t>Philosophs</a:t>
+            </a:r>
+            <a:endParaRPr lang="en-US" noProof="0" dirty="0"/>
+          </a:p>
+        </p:txBody>
+      </p:sp>
+      <p:sp>
+        <p:nvSpPr>
+          <p:cNvPr id="6" name="Inhaltsplatzhalter 5">
+            <a:extLst>
+              <a:ext uri="{FF2B5EF4-FFF2-40B4-BE49-F238E27FC236}">
+                <a16:creationId xmlns:a16="http://schemas.microsoft.com/office/drawing/2014/main" id="{B5BC0322-276E-07FC-A94C-D603BD8CA13A}"/>
+              </a:ext>
+            </a:extLst>
+          </p:cNvPr>
+          <p:cNvSpPr>
+            <a:spLocks noGrp="1"/>
+          </p:cNvSpPr>
+          <p:nvPr>
+            <p:ph sz="half" idx="1"/>
+          </p:nvPr>
+        </p:nvSpPr>
+        <p:spPr>
+          <a:xfrm>
+            <a:off x="335360" y="1665288"/>
+            <a:ext cx="7768116" cy="4644032"/>
+          </a:xfrm>
+        </p:spPr>
+        <p:txBody>
+          <a:bodyPr>
+            <a:normAutofit lnSpcReduction="10000"/>
+          </a:bodyPr>
+          <a:lstStyle/>
+          <a:p>
+            <a:r>
+              <a:rPr lang="en-US" noProof="0" dirty="0"/>
+              <a:t>Dining Philosophers Problem</a:t>
+            </a:r>
+          </a:p>
+          <a:p>
+            <a:pPr lvl="1"/>
+            <a:r>
+              <a:rPr lang="en-US" noProof="0" dirty="0"/>
+              <a:t>Five philosophers sit at a round table, alternating between thinking and eating. Each philosopher has a plate of spaghetti and a fork on either side of their plate.</a:t>
+            </a:r>
+          </a:p>
+          <a:p>
+            <a:pPr lvl="1"/>
+            <a:r>
+              <a:rPr lang="en-US" noProof="0" dirty="0"/>
+              <a:t>To eat, a philosopher needs to use both forks. Since each philosopher shares a fork with their neighbor, there are only five forks available.</a:t>
+            </a:r>
+          </a:p>
+          <a:p>
+            <a:pPr lvl="1"/>
+            <a:r>
+              <a:rPr lang="en-US" noProof="0" dirty="0"/>
+              <a:t>Philosophers must avoid </a:t>
+            </a:r>
+            <a:r>
+              <a:rPr lang="en-US" b="1" noProof="0" dirty="0"/>
+              <a:t>deadlock</a:t>
+            </a:r>
+            <a:r>
+              <a:rPr lang="en-US" noProof="0" dirty="0"/>
+              <a:t>, where each philosopher picks up one fork and waits indefinitely for the other fork to become available.</a:t>
+            </a:r>
+          </a:p>
+          <a:p>
+            <a:pPr lvl="1"/>
+            <a:r>
+              <a:rPr lang="en-US" noProof="0" dirty="0"/>
+              <a:t>Strategies include allowing only a subset of philosophers to pick up forks at the same time, using a waiter to control access to forks, or implementing an asymmetric solution to break potential deadlocks.</a:t>
+            </a:r>
+          </a:p>
+          <a:p>
+            <a:r>
+              <a:rPr lang="en-US" noProof="0" dirty="0"/>
+              <a:t>This problem illustrates issues of resource allocation and synchronization in concurrent programming, highlighting challenges in ensuring deadlock-free and efficient resource sharing among processes.</a:t>
+            </a:r>
+          </a:p>
+        </p:txBody>
+      </p:sp>
+      <p:pic>
+        <p:nvPicPr>
+          <p:cNvPr id="1026" name="Picture 2">
+            <a:extLst>
+              <a:ext uri="{FF2B5EF4-FFF2-40B4-BE49-F238E27FC236}">
+                <a16:creationId xmlns:a16="http://schemas.microsoft.com/office/drawing/2014/main" id="{C89B4A94-E9B8-9603-8EAB-15B004564D72}"/>
+              </a:ext>
+            </a:extLst>
+          </p:cNvPr>
+          <p:cNvPicPr>
+            <a:picLocks noGrp="1" noChangeAspect="1" noChangeArrowheads="1"/>
+          </p:cNvPicPr>
+          <p:nvPr>
+            <p:ph sz="half" idx="2"/>
+          </p:nvPr>
+        </p:nvPicPr>
+        <p:blipFill>
+          <a:blip r:embed="rId2">
+            <a:extLst>
+              <a:ext uri="{28A0092B-C50C-407E-A947-70E740481C1C}">
+                <a14:useLocalDpi xmlns:a14="http://schemas.microsoft.com/office/drawing/2010/main" val="0"/>
+              </a:ext>
+            </a:extLst>
+          </a:blip>
+          <a:srcRect/>
+          <a:stretch>
+            <a:fillRect/>
+          </a:stretch>
+        </p:blipFill>
+        <p:spPr bwMode="auto">
+          <a:xfrm>
+            <a:off x="8275836" y="1665288"/>
+            <a:ext cx="3580804" cy="3711016"/>
+          </a:xfrm>
+          <a:prstGeom prst="rect">
+            <a:avLst/>
+          </a:prstGeom>
+          <a:noFill/>
+          <a:extLst>
+            <a:ext uri="{909E8E84-426E-40DD-AFC4-6F175D3DCCD1}">
+              <a14:hiddenFill xmlns:a14="http://schemas.microsoft.com/office/drawing/2010/main">
+                <a:solidFill>
+                  <a:srgbClr val="FFFFFF"/>
+                </a:solidFill>
+              </a14:hiddenFill>
+            </a:ext>
+          </a:extLst>
+        </p:spPr>
+      </p:pic>
+    </p:spTree>
+    <p:extLst>
+      <p:ext uri="{BB962C8B-B14F-4D97-AF65-F5344CB8AC3E}">
+        <p14:creationId xmlns:p14="http://schemas.microsoft.com/office/powerpoint/2010/main" val="1313276407"/>
+      </p:ext>
+    </p:extLst>
+  </p:cSld>
+  <p:clrMapOvr>
+    <a:masterClrMapping/>
+  </p:clrMapOvr>
+</p:sld>
+</file>
+
 <file path=ppt/slides/slide17.xml><?xml version="1.0" encoding="utf-8"?>
-<p:sld xmlns:a="http://schemas.openxmlformats.org/drawingml/2006/main" xmlns:r="http://schemas.openxmlformats.org/officeDocument/2006/relationships" xmlns:p="http://schemas.openxmlformats.org/presentationml/2006/main" show="0">
+<p:sld xmlns:a="http://schemas.openxmlformats.org/drawingml/2006/main" xmlns:r="http://schemas.openxmlformats.org/officeDocument/2006/relationships" xmlns:p="http://schemas.openxmlformats.org/presentationml/2006/main">
   <p:cSld>
     <p:spTree>
       <p:nvGrpSpPr>
@@ -18987,7 +20537,7 @@
           <p:nvPr>
             <p:extLst>
               <p:ext uri="{D42A27DB-BD31-4B8C-83A1-F6EECF244321}">
-                <p14:modId xmlns:p14="http://schemas.microsoft.com/office/powerpoint/2010/main" val="108790990"/>
+                <p14:modId xmlns:p14="http://schemas.microsoft.com/office/powerpoint/2010/main" val="3416691335"/>
               </p:ext>
             </p:extLst>
           </p:nvPr>
@@ -19217,14 +20767,11 @@
                     <a:lstStyle/>
                     <a:p>
                       <a:pPr algn="ctr"/>
-                      <a:r>
-                        <a:rPr lang="en-US" sz="1200" b="1" dirty="0">
-                          <a:solidFill>
-                            <a:srgbClr val="FF0000"/>
-                          </a:solidFill>
-                        </a:rPr>
-                        <a:t>X</a:t>
-                      </a:r>
+                      <a:endParaRPr lang="en-US" sz="1200" b="1" dirty="0">
+                        <a:solidFill>
+                          <a:srgbClr val="FF0000"/>
+                        </a:solidFill>
+                      </a:endParaRPr>
                     </a:p>
                   </a:txBody>
                   <a:tcPr/>
@@ -20357,7 +21904,7 @@
           <p:nvPr>
             <p:extLst>
               <p:ext uri="{D42A27DB-BD31-4B8C-83A1-F6EECF244321}">
-                <p14:modId xmlns:p14="http://schemas.microsoft.com/office/powerpoint/2010/main" val="87908287"/>
+                <p14:modId xmlns:p14="http://schemas.microsoft.com/office/powerpoint/2010/main" val="1479726754"/>
               </p:ext>
             </p:extLst>
           </p:nvPr>
@@ -20417,7 +21964,7 @@
                     <a:p>
                       <a:r>
                         <a:rPr lang="en-US" sz="1200" dirty="0" err="1"/>
-                        <a:t>Nix_process_status_scanncode_ship_id</a:t>
+                        <a:t>nix_process_status_scanncode_ship_id</a:t>
                       </a:r>
                       <a:endParaRPr lang="en-US" sz="1200" dirty="0"/>
                     </a:p>
@@ -20558,14 +22105,11 @@
                     <a:lstStyle/>
                     <a:p>
                       <a:pPr algn="ctr"/>
-                      <a:r>
-                        <a:rPr lang="en-US" sz="1200" b="1" dirty="0">
-                          <a:solidFill>
-                            <a:srgbClr val="FF0000"/>
-                          </a:solidFill>
-                        </a:rPr>
-                        <a:t>U</a:t>
-                      </a:r>
+                      <a:endParaRPr lang="en-US" sz="1200" b="1" dirty="0">
+                        <a:solidFill>
+                          <a:srgbClr val="FF0000"/>
+                        </a:solidFill>
+                      </a:endParaRPr>
                     </a:p>
                   </a:txBody>
                   <a:tcPr/>
@@ -20723,6 +22267,84 @@
           </a:fontRef>
         </p:style>
       </p:cxnSp>
+      <p:sp>
+        <p:nvSpPr>
+          <p:cNvPr id="3" name="Textfeld 2">
+            <a:extLst>
+              <a:ext uri="{FF2B5EF4-FFF2-40B4-BE49-F238E27FC236}">
+                <a16:creationId xmlns:a16="http://schemas.microsoft.com/office/drawing/2014/main" id="{280E5E9B-53D5-03A1-37AC-61999CA7E0F3}"/>
+              </a:ext>
+            </a:extLst>
+          </p:cNvPr>
+          <p:cNvSpPr txBox="1"/>
+          <p:nvPr/>
+        </p:nvSpPr>
+        <p:spPr>
+          <a:xfrm>
+            <a:off x="4046400" y="5820362"/>
+            <a:ext cx="345600" cy="276999"/>
+          </a:xfrm>
+          <a:prstGeom prst="rect">
+            <a:avLst/>
+          </a:prstGeom>
+          <a:noFill/>
+        </p:spPr>
+        <p:txBody>
+          <a:bodyPr wrap="square" rtlCol="0">
+            <a:spAutoFit/>
+          </a:bodyPr>
+          <a:lstStyle/>
+          <a:p>
+            <a:r>
+              <a:rPr lang="en-US" sz="1200" b="1" dirty="0">
+                <a:solidFill>
+                  <a:srgbClr val="FF0000"/>
+                </a:solidFill>
+              </a:rPr>
+              <a:t>U</a:t>
+            </a:r>
+          </a:p>
+        </p:txBody>
+      </p:sp>
+      <p:sp>
+        <p:nvSpPr>
+          <p:cNvPr id="9" name="Textfeld 8">
+            <a:extLst>
+              <a:ext uri="{FF2B5EF4-FFF2-40B4-BE49-F238E27FC236}">
+                <a16:creationId xmlns:a16="http://schemas.microsoft.com/office/drawing/2014/main" id="{9F5D7E69-4FE5-13F9-C62F-547A60DD7CE1}"/>
+              </a:ext>
+            </a:extLst>
+          </p:cNvPr>
+          <p:cNvSpPr txBox="1"/>
+          <p:nvPr/>
+        </p:nvSpPr>
+        <p:spPr>
+          <a:xfrm>
+            <a:off x="4046400" y="2276066"/>
+            <a:ext cx="345600" cy="276999"/>
+          </a:xfrm>
+          <a:prstGeom prst="rect">
+            <a:avLst/>
+          </a:prstGeom>
+          <a:noFill/>
+        </p:spPr>
+        <p:txBody>
+          <a:bodyPr wrap="square" rtlCol="0">
+            <a:spAutoFit/>
+          </a:bodyPr>
+          <a:lstStyle/>
+          <a:p>
+            <a:r>
+              <a:rPr lang="en-US" sz="1200" b="1" dirty="0">
+                <a:solidFill>
+                  <a:srgbClr val="FF0000"/>
+                </a:solidFill>
+              </a:rPr>
+              <a:t>X</a:t>
+            </a:r>
+          </a:p>
+        </p:txBody>
+      </p:sp>
     </p:spTree>
     <p:extLst>
       <p:ext uri="{BB962C8B-B14F-4D97-AF65-F5344CB8AC3E}">
@@ -20791,30 +22413,74 @@
                             </p:childTnLst>
                           </p:cTn>
                         </p:par>
+                        <p:par>
+                          <p:cTn id="8" fill="hold">
+                            <p:stCondLst>
+                              <p:cond delay="500"/>
+                            </p:stCondLst>
+                            <p:childTnLst>
+                              <p:par>
+                                <p:cTn id="9" presetID="10" presetClass="entr" presetSubtype="0" fill="hold" grpId="0" nodeType="afterEffect">
+                                  <p:stCondLst>
+                                    <p:cond delay="0"/>
+                                  </p:stCondLst>
+                                  <p:childTnLst>
+                                    <p:set>
+                                      <p:cBhvr>
+                                        <p:cTn id="10" dur="1" fill="hold">
+                                          <p:stCondLst>
+                                            <p:cond delay="0"/>
+                                          </p:stCondLst>
+                                        </p:cTn>
+                                        <p:tgtEl>
+                                          <p:spTgt spid="3"/>
+                                        </p:tgtEl>
+                                        <p:attrNameLst>
+                                          <p:attrName>style.visibility</p:attrName>
+                                        </p:attrNameLst>
+                                      </p:cBhvr>
+                                      <p:to>
+                                        <p:strVal val="visible"/>
+                                      </p:to>
+                                    </p:set>
+                                    <p:animEffect transition="in" filter="fade">
+                                      <p:cBhvr>
+                                        <p:cTn id="11" dur="500"/>
+                                        <p:tgtEl>
+                                          <p:spTgt spid="3"/>
+                                        </p:tgtEl>
+                                      </p:cBhvr>
+                                    </p:animEffect>
+                                  </p:childTnLst>
+                                </p:cTn>
+                              </p:par>
+                            </p:childTnLst>
+                          </p:cTn>
+                        </p:par>
                       </p:childTnLst>
                     </p:cTn>
                   </p:par>
                   <p:par>
-                    <p:cTn id="8" fill="hold">
+                    <p:cTn id="12" fill="hold">
                       <p:stCondLst>
                         <p:cond delay="indefinite"/>
                       </p:stCondLst>
                       <p:childTnLst>
                         <p:par>
-                          <p:cTn id="9" fill="hold">
+                          <p:cTn id="13" fill="hold">
                             <p:stCondLst>
                               <p:cond delay="0"/>
                             </p:stCondLst>
                             <p:childTnLst>
                               <p:par>
-                                <p:cTn id="10" presetID="10" presetClass="exit" presetSubtype="0" fill="hold" nodeType="clickEffect">
+                                <p:cTn id="14" presetID="10" presetClass="exit" presetSubtype="0" fill="hold" nodeType="clickEffect">
                                   <p:stCondLst>
                                     <p:cond delay="0"/>
                                   </p:stCondLst>
                                   <p:childTnLst>
                                     <p:animEffect transition="out" filter="fade">
                                       <p:cBhvr>
-                                        <p:cTn id="11" dur="500"/>
+                                        <p:cTn id="15" dur="500"/>
                                         <p:tgtEl>
                                           <p:spTgt spid="8"/>
                                         </p:tgtEl>
@@ -20822,7 +22488,7 @@
                                     </p:animEffect>
                                     <p:set>
                                       <p:cBhvr>
-                                        <p:cTn id="12" dur="1" fill="hold">
+                                        <p:cTn id="16" dur="1" fill="hold">
                                           <p:stCondLst>
                                             <p:cond delay="499"/>
                                           </p:stCondLst>
@@ -20848,26 +22514,26 @@
                     </p:cTn>
                   </p:par>
                   <p:par>
-                    <p:cTn id="13" fill="hold">
+                    <p:cTn id="17" fill="hold">
                       <p:stCondLst>
                         <p:cond delay="indefinite"/>
                       </p:stCondLst>
                       <p:childTnLst>
                         <p:par>
-                          <p:cTn id="14" fill="hold">
+                          <p:cTn id="18" fill="hold">
                             <p:stCondLst>
                               <p:cond delay="0"/>
                             </p:stCondLst>
                             <p:childTnLst>
                               <p:par>
-                                <p:cTn id="15" presetID="10" presetClass="entr" presetSubtype="0" fill="hold" nodeType="clickEffect">
+                                <p:cTn id="19" presetID="10" presetClass="entr" presetSubtype="0" fill="hold" nodeType="clickEffect">
                                   <p:stCondLst>
                                     <p:cond delay="0"/>
                                   </p:stCondLst>
                                   <p:childTnLst>
                                     <p:set>
                                       <p:cBhvr>
-                                        <p:cTn id="16" dur="1" fill="hold">
+                                        <p:cTn id="20" dur="1" fill="hold">
                                           <p:stCondLst>
                                             <p:cond delay="0"/>
                                           </p:stCondLst>
@@ -20885,9 +22551,53 @@
                                     </p:set>
                                     <p:animEffect transition="in" filter="fade">
                                       <p:cBhvr>
-                                        <p:cTn id="17" dur="500"/>
+                                        <p:cTn id="21" dur="500"/>
                                         <p:tgtEl>
                                           <p:spTgt spid="11"/>
+                                        </p:tgtEl>
+                                      </p:cBhvr>
+                                    </p:animEffect>
+                                  </p:childTnLst>
+                                </p:cTn>
+                              </p:par>
+                            </p:childTnLst>
+                          </p:cTn>
+                        </p:par>
+                        <p:par>
+                          <p:cTn id="22" fill="hold">
+                            <p:stCondLst>
+                              <p:cond delay="500"/>
+                            </p:stCondLst>
+                            <p:childTnLst>
+                              <p:par>
+                                <p:cTn id="23" presetID="10" presetClass="entr" presetSubtype="0" fill="hold" grpId="0" nodeType="afterEffect">
+                                  <p:stCondLst>
+                                    <p:cond delay="0"/>
+                                  </p:stCondLst>
+                                  <p:childTnLst>
+                                    <p:set>
+                                      <p:cBhvr>
+                                        <p:cTn id="24" dur="1" fill="hold">
+                                          <p:stCondLst>
+                                            <p:cond delay="0"/>
+                                          </p:stCondLst>
+                                        </p:cTn>
+                                        <p:tgtEl>
+                                          <p:spTgt spid="9"/>
+                                        </p:tgtEl>
+                                        <p:attrNameLst>
+                                          <p:attrName>style.visibility</p:attrName>
+                                        </p:attrNameLst>
+                                      </p:cBhvr>
+                                      <p:to>
+                                        <p:strVal val="visible"/>
+                                      </p:to>
+                                    </p:set>
+                                    <p:animEffect transition="in" filter="fade">
+                                      <p:cBhvr>
+                                        <p:cTn id="25" dur="500"/>
+                                        <p:tgtEl>
+                                          <p:spTgt spid="9"/>
                                         </p:tgtEl>
                                       </p:cBhvr>
                                     </p:animEffect>
@@ -20901,26 +22611,26 @@
                     </p:cTn>
                   </p:par>
                   <p:par>
-                    <p:cTn id="18" fill="hold">
+                    <p:cTn id="26" fill="hold">
                       <p:stCondLst>
                         <p:cond delay="indefinite"/>
                       </p:stCondLst>
                       <p:childTnLst>
                         <p:par>
-                          <p:cTn id="19" fill="hold">
+                          <p:cTn id="27" fill="hold">
                             <p:stCondLst>
                               <p:cond delay="0"/>
                             </p:stCondLst>
                             <p:childTnLst>
                               <p:par>
-                                <p:cTn id="20" presetID="10" presetClass="exit" presetSubtype="0" fill="hold" nodeType="clickEffect">
+                                <p:cTn id="28" presetID="10" presetClass="exit" presetSubtype="0" fill="hold" nodeType="clickEffect">
                                   <p:stCondLst>
                                     <p:cond delay="0"/>
                                   </p:stCondLst>
                                   <p:childTnLst>
                                     <p:animEffect transition="out" filter="fade">
                                       <p:cBhvr>
-                                        <p:cTn id="21" dur="500"/>
+                                        <p:cTn id="29" dur="500"/>
                                         <p:tgtEl>
                                           <p:spTgt spid="11"/>
                                         </p:tgtEl>
@@ -20928,7 +22638,7 @@
                                     </p:animEffect>
                                     <p:set>
                                       <p:cBhvr>
-                                        <p:cTn id="22" dur="1" fill="hold">
+                                        <p:cTn id="30" dur="1" fill="hold">
                                           <p:stCondLst>
                                             <p:cond delay="499"/>
                                           </p:stCondLst>
@@ -20974,6 +22684,10 @@
         </p:cTn>
       </p:par>
     </p:tnLst>
+    <p:bldLst>
+      <p:bldP spid="3" grpId="0"/>
+      <p:bldP spid="9" grpId="0"/>
+    </p:bldLst>
   </p:timing>
 </p:sld>
 </file>
@@ -22024,12 +23738,7 @@
             <p:ph type="body" sz="half" idx="2"/>
           </p:nvPr>
         </p:nvSpPr>
-        <p:spPr>
-          <a:xfrm>
-            <a:off x="334964" y="1678742"/>
-            <a:ext cx="5033101" cy="4558548"/>
-          </a:xfrm>
-        </p:spPr>
+        <p:spPr/>
         <p:txBody>
           <a:bodyPr/>
           <a:lstStyle/>
@@ -22108,12 +23817,7 @@
             <p:ph type="title"/>
           </p:nvPr>
         </p:nvSpPr>
-        <p:spPr>
-          <a:xfrm>
-            <a:off x="334963" y="441326"/>
-            <a:ext cx="9037637" cy="1116015"/>
-          </a:xfrm>
-        </p:spPr>
+        <p:spPr/>
         <p:txBody>
           <a:bodyPr anchor="ctr">
             <a:normAutofit/>
@@ -22442,7 +24146,7 @@
         </p:nvGraphicFramePr>
         <p:xfrm>
           <a:off x="334963" y="1665288"/>
-          <a:ext cx="11522073" cy="3972560"/>
+          <a:ext cx="11522075" cy="4572000"/>
         </p:xfrm>
         <a:graphic>
           <a:graphicData uri="http://schemas.openxmlformats.org/drawingml/2006/table">
@@ -25491,7 +27195,7 @@
         </p:nvGraphicFramePr>
         <p:xfrm>
           <a:off x="334963" y="1665288"/>
-          <a:ext cx="11522074" cy="2433320"/>
+          <a:ext cx="11522075" cy="4572000"/>
         </p:xfrm>
         <a:graphic>
           <a:graphicData uri="http://schemas.openxmlformats.org/drawingml/2006/table">
@@ -26296,6 +28000,235 @@
 </file>
 
 <file path=ppt/theme/theme2.xml><?xml version="1.0" encoding="utf-8"?>
+<a:theme xmlns:a="http://schemas.openxmlformats.org/drawingml/2006/main" name="1_db-berater">
+  <a:themeElements>
+    <a:clrScheme name="Larissa">
+      <a:dk1>
+        <a:sysClr val="windowText" lastClr="000000"/>
+      </a:dk1>
+      <a:lt1>
+        <a:sysClr val="window" lastClr="FFFFFF"/>
+      </a:lt1>
+      <a:dk2>
+        <a:srgbClr val="44546A"/>
+      </a:dk2>
+      <a:lt2>
+        <a:srgbClr val="E7E6E6"/>
+      </a:lt2>
+      <a:accent1>
+        <a:srgbClr val="5B9BD5"/>
+      </a:accent1>
+      <a:accent2>
+        <a:srgbClr val="ED7D31"/>
+      </a:accent2>
+      <a:accent3>
+        <a:srgbClr val="A5A5A5"/>
+      </a:accent3>
+      <a:accent4>
+        <a:srgbClr val="FFC000"/>
+      </a:accent4>
+      <a:accent5>
+        <a:srgbClr val="4472C4"/>
+      </a:accent5>
+      <a:accent6>
+        <a:srgbClr val="70AD47"/>
+      </a:accent6>
+      <a:hlink>
+        <a:srgbClr val="0563C1"/>
+      </a:hlink>
+      <a:folHlink>
+        <a:srgbClr val="954F72"/>
+      </a:folHlink>
+    </a:clrScheme>
+    <a:fontScheme name="Benutzerdefiniert 2">
+      <a:majorFont>
+        <a:latin typeface="Segoe UI"/>
+        <a:ea typeface=""/>
+        <a:cs typeface=""/>
+      </a:majorFont>
+      <a:minorFont>
+        <a:latin typeface="Segoe UI"/>
+        <a:ea typeface=""/>
+        <a:cs typeface=""/>
+      </a:minorFont>
+    </a:fontScheme>
+    <a:fmtScheme name="Larissa">
+      <a:fillStyleLst>
+        <a:solidFill>
+          <a:schemeClr val="phClr"/>
+        </a:solidFill>
+        <a:gradFill rotWithShape="1">
+          <a:gsLst>
+            <a:gs pos="0">
+              <a:schemeClr val="phClr">
+                <a:lumMod val="110000"/>
+                <a:satMod val="105000"/>
+                <a:tint val="67000"/>
+              </a:schemeClr>
+            </a:gs>
+            <a:gs pos="50000">
+              <a:schemeClr val="phClr">
+                <a:lumMod val="105000"/>
+                <a:satMod val="103000"/>
+                <a:tint val="73000"/>
+              </a:schemeClr>
+            </a:gs>
+            <a:gs pos="100000">
+              <a:schemeClr val="phClr">
+                <a:lumMod val="105000"/>
+                <a:satMod val="109000"/>
+                <a:tint val="81000"/>
+              </a:schemeClr>
+            </a:gs>
+          </a:gsLst>
+          <a:lin ang="5400000" scaled="0"/>
+        </a:gradFill>
+        <a:gradFill rotWithShape="1">
+          <a:gsLst>
+            <a:gs pos="0">
+              <a:schemeClr val="phClr">
+                <a:satMod val="103000"/>
+                <a:lumMod val="102000"/>
+                <a:tint val="94000"/>
+              </a:schemeClr>
+            </a:gs>
+            <a:gs pos="50000">
+              <a:schemeClr val="phClr">
+                <a:satMod val="110000"/>
+                <a:lumMod val="100000"/>
+                <a:shade val="100000"/>
+              </a:schemeClr>
+            </a:gs>
+            <a:gs pos="100000">
+              <a:schemeClr val="phClr">
+                <a:lumMod val="99000"/>
+                <a:satMod val="120000"/>
+                <a:shade val="78000"/>
+              </a:schemeClr>
+            </a:gs>
+          </a:gsLst>
+          <a:lin ang="5400000" scaled="0"/>
+        </a:gradFill>
+      </a:fillStyleLst>
+      <a:lnStyleLst>
+        <a:ln w="6350" cap="flat" cmpd="sng" algn="ctr">
+          <a:solidFill>
+            <a:schemeClr val="phClr"/>
+          </a:solidFill>
+          <a:prstDash val="solid"/>
+          <a:miter lim="800000"/>
+        </a:ln>
+        <a:ln w="12700" cap="flat" cmpd="sng" algn="ctr">
+          <a:solidFill>
+            <a:schemeClr val="phClr"/>
+          </a:solidFill>
+          <a:prstDash val="solid"/>
+          <a:miter lim="800000"/>
+        </a:ln>
+        <a:ln w="19050" cap="flat" cmpd="sng" algn="ctr">
+          <a:solidFill>
+            <a:schemeClr val="phClr"/>
+          </a:solidFill>
+          <a:prstDash val="solid"/>
+          <a:miter lim="800000"/>
+        </a:ln>
+      </a:lnStyleLst>
+      <a:effectStyleLst>
+        <a:effectStyle>
+          <a:effectLst/>
+        </a:effectStyle>
+        <a:effectStyle>
+          <a:effectLst/>
+        </a:effectStyle>
+        <a:effectStyle>
+          <a:effectLst>
+            <a:outerShdw blurRad="57150" dist="19050" dir="5400000" algn="ctr" rotWithShape="0">
+              <a:srgbClr val="000000">
+                <a:alpha val="63000"/>
+              </a:srgbClr>
+            </a:outerShdw>
+          </a:effectLst>
+        </a:effectStyle>
+      </a:effectStyleLst>
+      <a:bgFillStyleLst>
+        <a:solidFill>
+          <a:schemeClr val="phClr"/>
+        </a:solidFill>
+        <a:solidFill>
+          <a:schemeClr val="phClr">
+            <a:tint val="95000"/>
+            <a:satMod val="170000"/>
+          </a:schemeClr>
+        </a:solidFill>
+        <a:gradFill rotWithShape="1">
+          <a:gsLst>
+            <a:gs pos="0">
+              <a:schemeClr val="phClr">
+                <a:tint val="93000"/>
+                <a:satMod val="150000"/>
+                <a:shade val="98000"/>
+                <a:lumMod val="102000"/>
+              </a:schemeClr>
+            </a:gs>
+            <a:gs pos="50000">
+              <a:schemeClr val="phClr">
+                <a:tint val="98000"/>
+                <a:satMod val="130000"/>
+                <a:shade val="90000"/>
+                <a:lumMod val="103000"/>
+              </a:schemeClr>
+            </a:gs>
+            <a:gs pos="100000">
+              <a:schemeClr val="phClr">
+                <a:shade val="63000"/>
+                <a:satMod val="120000"/>
+              </a:schemeClr>
+            </a:gs>
+          </a:gsLst>
+          <a:lin ang="5400000" scaled="0"/>
+        </a:gradFill>
+      </a:bgFillStyleLst>
+    </a:fmtScheme>
+  </a:themeElements>
+  <a:objectDefaults>
+    <a:lnDef>
+      <a:spPr>
+        <a:ln>
+          <a:solidFill>
+            <a:schemeClr val="tx1"/>
+          </a:solidFill>
+          <a:headEnd type="none" w="med" len="med"/>
+          <a:tailEnd type="none" w="med" len="med"/>
+        </a:ln>
+      </a:spPr>
+      <a:bodyPr/>
+      <a:lstStyle/>
+      <a:style>
+        <a:lnRef idx="1">
+          <a:schemeClr val="accent1"/>
+        </a:lnRef>
+        <a:fillRef idx="0">
+          <a:schemeClr val="accent1"/>
+        </a:fillRef>
+        <a:effectRef idx="0">
+          <a:schemeClr val="accent1"/>
+        </a:effectRef>
+        <a:fontRef idx="minor">
+          <a:schemeClr val="tx1"/>
+        </a:fontRef>
+      </a:style>
+    </a:lnDef>
+  </a:objectDefaults>
+  <a:extraClrSchemeLst/>
+  <a:extLst>
+    <a:ext uri="{05A4C25C-085E-4340-85A3-A5531E510DB2}">
+      <thm15:themeFamily xmlns:thm15="http://schemas.microsoft.com/office/thememl/2012/main" name="db-berater" id="{A415B4FD-AA9B-4461-AC2B-36ED5617A0E3}" vid="{018F950C-F5FA-4D6B-B0C1-0DCF0BD05116}"/>
+    </a:ext>
+  </a:extLst>
+</a:theme>
+</file>
+
+<file path=ppt/theme/theme3.xml><?xml version="1.0" encoding="utf-8"?>
 <a:theme xmlns:a="http://schemas.openxmlformats.org/drawingml/2006/main" name="Office">
   <a:themeElements>
     <a:clrScheme name="Office">

--- a/01 - Documents and Preparation/Solving Deadlock Scenarios - EN.pptx
+++ b/01 - Documents and Preparation/Solving Deadlock Scenarios - EN.pptx
@@ -171,7 +171,7 @@
   <pc:docChgLst>
     <pc:chgData name="Uwe Ricken" userId="f02567aecbed924b" providerId="LiveId" clId="{E77B627B-1F43-41A9-9F24-D4BB31BF6050}"/>
     <pc:docChg chg="custSel modSld sldOrd">
-      <pc:chgData name="Uwe Ricken" userId="f02567aecbed924b" providerId="LiveId" clId="{E77B627B-1F43-41A9-9F24-D4BB31BF6050}" dt="2025-10-11T16:45:44.147" v="59"/>
+      <pc:chgData name="Uwe Ricken" userId="f02567aecbed924b" providerId="LiveId" clId="{E77B627B-1F43-41A9-9F24-D4BB31BF6050}" dt="2025-10-17T08:23:02.677" v="63" actId="179"/>
       <pc:docMkLst>
         <pc:docMk/>
       </pc:docMkLst>
@@ -276,13 +276,13 @@
         </pc:spChg>
       </pc:sldChg>
       <pc:sldChg chg="modSp mod ord">
-        <pc:chgData name="Uwe Ricken" userId="f02567aecbed924b" providerId="LiveId" clId="{E77B627B-1F43-41A9-9F24-D4BB31BF6050}" dt="2025-10-11T16:27:17.003" v="34" actId="790"/>
+        <pc:chgData name="Uwe Ricken" userId="f02567aecbed924b" providerId="LiveId" clId="{E77B627B-1F43-41A9-9F24-D4BB31BF6050}" dt="2025-10-17T07:59:28.496" v="61" actId="20577"/>
         <pc:sldMkLst>
           <pc:docMk/>
           <pc:sldMk cId="1313276407" sldId="382"/>
         </pc:sldMkLst>
         <pc:spChg chg="mod">
-          <ac:chgData name="Uwe Ricken" userId="f02567aecbed924b" providerId="LiveId" clId="{E77B627B-1F43-41A9-9F24-D4BB31BF6050}" dt="2025-10-11T16:27:17.003" v="34" actId="790"/>
+          <ac:chgData name="Uwe Ricken" userId="f02567aecbed924b" providerId="LiveId" clId="{E77B627B-1F43-41A9-9F24-D4BB31BF6050}" dt="2025-10-17T07:59:28.496" v="61" actId="20577"/>
           <ac:spMkLst>
             <pc:docMk/>
             <pc:sldMk cId="1313276407" sldId="382"/>
@@ -687,7 +687,7 @@
         </pc:spChg>
       </pc:sldChg>
       <pc:sldChg chg="addSp modSp mod modAnim">
-        <pc:chgData name="Uwe Ricken" userId="f02567aecbed924b" providerId="LiveId" clId="{E77B627B-1F43-41A9-9F24-D4BB31BF6050}" dt="2025-10-11T16:45:44.147" v="59"/>
+        <pc:chgData name="Uwe Ricken" userId="f02567aecbed924b" providerId="LiveId" clId="{E77B627B-1F43-41A9-9F24-D4BB31BF6050}" dt="2025-10-17T08:23:02.677" v="63" actId="179"/>
         <pc:sldMkLst>
           <pc:docMk/>
           <pc:sldMk cId="3939206335" sldId="425"/>
@@ -706,6 +706,14 @@
             <pc:docMk/>
             <pc:sldMk cId="3939206335" sldId="425"/>
             <ac:spMk id="3" creationId="{280E5E9B-53D5-03A1-37AC-61999CA7E0F3}"/>
+          </ac:spMkLst>
+        </pc:spChg>
+        <pc:spChg chg="mod">
+          <ac:chgData name="Uwe Ricken" userId="f02567aecbed924b" providerId="LiveId" clId="{E77B627B-1F43-41A9-9F24-D4BB31BF6050}" dt="2025-10-17T08:23:02.677" v="63" actId="179"/>
+          <ac:spMkLst>
+            <pc:docMk/>
+            <pc:sldMk cId="3939206335" sldId="425"/>
+            <ac:spMk id="5" creationId="{4CB2A8F3-E55E-7AEF-453C-83927AA140C3}"/>
           </ac:spMkLst>
         </pc:spChg>
         <pc:spChg chg="add mod">
@@ -1092,7 +1100,7 @@
           <a:p>
             <a:fld id="{3C419B01-702D-4879-AE3A-0F34CD7B4394}" type="datetimeFigureOut">
               <a:rPr lang="en-US" smtClean="0"/>
-              <a:t>10/11/2025</a:t>
+              <a:t>10/17/2025</a:t>
             </a:fld>
             <a:endParaRPr lang="en-US"/>
           </a:p>
@@ -10953,13 +10961,8 @@
           <a:p>
             <a:r>
               <a:rPr lang="en-US" noProof="0" dirty="0"/>
-              <a:t>The Dining </a:t>
-            </a:r>
-            <a:r>
-              <a:rPr lang="en-US" noProof="0" dirty="0" err="1"/>
-              <a:t>Philosophs</a:t>
-            </a:r>
-            <a:endParaRPr lang="en-US" noProof="0" dirty="0"/>
+              <a:t>The Dining Philosophers</a:t>
+            </a:r>
           </a:p>
         </p:txBody>
       </p:sp>
@@ -21421,6 +21424,11 @@
             </a:endParaRPr>
           </a:p>
           <a:p>
+            <a:pPr>
+              <a:tabLst>
+                <a:tab pos="360363" algn="l"/>
+              </a:tabLst>
+            </a:pPr>
             <a:r>
               <a:rPr lang="en-US" sz="1200" dirty="0">
                 <a:solidFill>
@@ -21468,6 +21476,11 @@
             </a:endParaRPr>
           </a:p>
           <a:p>
+            <a:pPr>
+              <a:tabLst>
+                <a:tab pos="360363" algn="l"/>
+              </a:tabLst>
+            </a:pPr>
             <a:r>
               <a:rPr lang="en-US" sz="1200" dirty="0">
                 <a:solidFill>

--- a/01 - Documents and Preparation/Solving Deadlock Scenarios - EN.pptx
+++ b/01 - Documents and Preparation/Solving Deadlock Scenarios - EN.pptx
@@ -161,7 +161,7 @@
 <file path=ppt/revisionInfo.xml><?xml version="1.0" encoding="utf-8"?>
 <p1510:revInfo xmlns:a="http://schemas.openxmlformats.org/drawingml/2006/main" xmlns:r="http://schemas.openxmlformats.org/officeDocument/2006/relationships" xmlns:p1510="http://schemas.microsoft.com/office/powerpoint/2015/10/main">
   <p1510:revLst>
-    <p1510:client id="{7083A884-38A0-446F-AE2A-81CED00CF2B0}" v="16" dt="2025-10-11T16:45:44.147"/>
+    <p1510:client id="{7083A884-38A0-446F-AE2A-81CED00CF2B0}" v="21" dt="2025-10-27T14:36:01.011"/>
   </p1510:revLst>
 </p1510:revInfo>
 </file>
@@ -170,13 +170,13 @@
 <pc:chgInfo xmlns:a="http://schemas.openxmlformats.org/drawingml/2006/main" xmlns:r="http://schemas.openxmlformats.org/officeDocument/2006/relationships" xmlns:ac="http://schemas.microsoft.com/office/drawing/2013/main/command" xmlns:pc="http://schemas.microsoft.com/office/powerpoint/2013/main/command">
   <pc:docChgLst>
     <pc:chgData name="Uwe Ricken" userId="f02567aecbed924b" providerId="LiveId" clId="{E77B627B-1F43-41A9-9F24-D4BB31BF6050}"/>
-    <pc:docChg chg="custSel modSld sldOrd">
-      <pc:chgData name="Uwe Ricken" userId="f02567aecbed924b" providerId="LiveId" clId="{E77B627B-1F43-41A9-9F24-D4BB31BF6050}" dt="2025-10-17T08:23:02.677" v="63" actId="179"/>
+    <pc:docChg chg="undo custSel addSld delSld modSld sldOrd delMainMaster">
+      <pc:chgData name="Uwe Ricken" userId="f02567aecbed924b" providerId="LiveId" clId="{E77B627B-1F43-41A9-9F24-D4BB31BF6050}" dt="2025-10-30T06:00:18.493" v="86" actId="2696"/>
       <pc:docMkLst>
         <pc:docMk/>
       </pc:docMkLst>
-      <pc:sldChg chg="modSp">
-        <pc:chgData name="Uwe Ricken" userId="f02567aecbed924b" providerId="LiveId" clId="{E77B627B-1F43-41A9-9F24-D4BB31BF6050}" dt="2025-10-07T07:04:08.816" v="31"/>
+      <pc:sldChg chg="addSp delSp modSp mod modShow">
+        <pc:chgData name="Uwe Ricken" userId="f02567aecbed924b" providerId="LiveId" clId="{E77B627B-1F43-41A9-9F24-D4BB31BF6050}" dt="2025-10-27T14:35:29.934" v="71" actId="729"/>
         <pc:sldMkLst>
           <pc:docMk/>
           <pc:sldMk cId="3145909516" sldId="256"/>
@@ -197,6 +197,20 @@
             <ac:spMk id="3" creationId="{AC4BE029-9EF0-3C13-9557-100970EE12A9}"/>
           </ac:spMkLst>
         </pc:spChg>
+      </pc:sldChg>
+      <pc:sldChg chg="add del">
+        <pc:chgData name="Uwe Ricken" userId="f02567aecbed924b" providerId="LiveId" clId="{E77B627B-1F43-41A9-9F24-D4BB31BF6050}" dt="2025-10-18T11:45:05.317" v="66" actId="2696"/>
+        <pc:sldMkLst>
+          <pc:docMk/>
+          <pc:sldMk cId="2006155419" sldId="259"/>
+        </pc:sldMkLst>
+      </pc:sldChg>
+      <pc:sldChg chg="add del">
+        <pc:chgData name="Uwe Ricken" userId="f02567aecbed924b" providerId="LiveId" clId="{E77B627B-1F43-41A9-9F24-D4BB31BF6050}" dt="2025-10-18T11:45:13.377" v="67" actId="2696"/>
+        <pc:sldMkLst>
+          <pc:docMk/>
+          <pc:sldMk cId="39684395" sldId="260"/>
+        </pc:sldMkLst>
       </pc:sldChg>
       <pc:sldChg chg="modSp">
         <pc:chgData name="Uwe Ricken" userId="f02567aecbed924b" providerId="LiveId" clId="{E77B627B-1F43-41A9-9F24-D4BB31BF6050}" dt="2025-10-07T07:04:08.816" v="31"/>
@@ -243,6 +257,13 @@
             <ac:spMk id="6" creationId="{F584846F-DF71-4A64-98B4-A74662F8894B}"/>
           </ac:spMkLst>
         </pc:spChg>
+      </pc:sldChg>
+      <pc:sldChg chg="modSp add del mod">
+        <pc:chgData name="Uwe Ricken" userId="f02567aecbed924b" providerId="LiveId" clId="{E77B627B-1F43-41A9-9F24-D4BB31BF6050}" dt="2025-10-30T06:00:18.493" v="86" actId="2696"/>
+        <pc:sldMkLst>
+          <pc:docMk/>
+          <pc:sldMk cId="841523525" sldId="341"/>
+        </pc:sldMkLst>
       </pc:sldChg>
       <pc:sldChg chg="modSp">
         <pc:chgData name="Uwe Ricken" userId="f02567aecbed924b" providerId="LiveId" clId="{E77B627B-1F43-41A9-9F24-D4BB31BF6050}" dt="2025-10-07T07:04:08.816" v="31"/>
@@ -741,6 +762,116 @@
           </ac:graphicFrameMkLst>
         </pc:graphicFrameChg>
       </pc:sldChg>
+      <pc:sldChg chg="addSp delSp modSp mod">
+        <pc:chgData name="Uwe Ricken" userId="f02567aecbed924b" providerId="LiveId" clId="{E77B627B-1F43-41A9-9F24-D4BB31BF6050}" dt="2025-10-30T06:00:10.128" v="85" actId="478"/>
+        <pc:sldMkLst>
+          <pc:docMk/>
+          <pc:sldMk cId="216906354" sldId="426"/>
+        </pc:sldMkLst>
+        <pc:picChg chg="add del mod">
+          <ac:chgData name="Uwe Ricken" userId="f02567aecbed924b" providerId="LiveId" clId="{E77B627B-1F43-41A9-9F24-D4BB31BF6050}" dt="2025-10-30T06:00:10.128" v="85" actId="478"/>
+          <ac:picMkLst>
+            <pc:docMk/>
+            <pc:sldMk cId="216906354" sldId="426"/>
+            <ac:picMk id="5" creationId="{770C0D1B-8530-FA3D-DA4D-DF92516D4ACC}"/>
+          </ac:picMkLst>
+        </pc:picChg>
+      </pc:sldChg>
+      <pc:sldMasterChg chg="del delSldLayout">
+        <pc:chgData name="Uwe Ricken" userId="f02567aecbed924b" providerId="LiveId" clId="{E77B627B-1F43-41A9-9F24-D4BB31BF6050}" dt="2025-10-18T11:45:13.377" v="67" actId="2696"/>
+        <pc:sldMasterMkLst>
+          <pc:docMk/>
+          <pc:sldMasterMk cId="1171119488" sldId="2147483676"/>
+        </pc:sldMasterMkLst>
+        <pc:sldLayoutChg chg="del">
+          <pc:chgData name="Uwe Ricken" userId="f02567aecbed924b" providerId="LiveId" clId="{E77B627B-1F43-41A9-9F24-D4BB31BF6050}" dt="2025-10-18T11:45:13.377" v="67" actId="2696"/>
+          <pc:sldLayoutMkLst>
+            <pc:docMk/>
+            <pc:sldMasterMk cId="1171119488" sldId="2147483676"/>
+            <pc:sldLayoutMk cId="3470646179" sldId="2147483677"/>
+          </pc:sldLayoutMkLst>
+        </pc:sldLayoutChg>
+        <pc:sldLayoutChg chg="del">
+          <pc:chgData name="Uwe Ricken" userId="f02567aecbed924b" providerId="LiveId" clId="{E77B627B-1F43-41A9-9F24-D4BB31BF6050}" dt="2025-10-18T11:45:13.377" v="67" actId="2696"/>
+          <pc:sldLayoutMkLst>
+            <pc:docMk/>
+            <pc:sldMasterMk cId="1171119488" sldId="2147483676"/>
+            <pc:sldLayoutMk cId="714018962" sldId="2147483678"/>
+          </pc:sldLayoutMkLst>
+        </pc:sldLayoutChg>
+        <pc:sldLayoutChg chg="del">
+          <pc:chgData name="Uwe Ricken" userId="f02567aecbed924b" providerId="LiveId" clId="{E77B627B-1F43-41A9-9F24-D4BB31BF6050}" dt="2025-10-18T11:45:13.377" v="67" actId="2696"/>
+          <pc:sldLayoutMkLst>
+            <pc:docMk/>
+            <pc:sldMasterMk cId="1171119488" sldId="2147483676"/>
+            <pc:sldLayoutMk cId="2533539906" sldId="2147483679"/>
+          </pc:sldLayoutMkLst>
+        </pc:sldLayoutChg>
+        <pc:sldLayoutChg chg="del">
+          <pc:chgData name="Uwe Ricken" userId="f02567aecbed924b" providerId="LiveId" clId="{E77B627B-1F43-41A9-9F24-D4BB31BF6050}" dt="2025-10-18T11:45:13.377" v="67" actId="2696"/>
+          <pc:sldLayoutMkLst>
+            <pc:docMk/>
+            <pc:sldMasterMk cId="1171119488" sldId="2147483676"/>
+            <pc:sldLayoutMk cId="897885328" sldId="2147483680"/>
+          </pc:sldLayoutMkLst>
+        </pc:sldLayoutChg>
+        <pc:sldLayoutChg chg="del">
+          <pc:chgData name="Uwe Ricken" userId="f02567aecbed924b" providerId="LiveId" clId="{E77B627B-1F43-41A9-9F24-D4BB31BF6050}" dt="2025-10-18T11:45:13.377" v="67" actId="2696"/>
+          <pc:sldLayoutMkLst>
+            <pc:docMk/>
+            <pc:sldMasterMk cId="1171119488" sldId="2147483676"/>
+            <pc:sldLayoutMk cId="706585048" sldId="2147483681"/>
+          </pc:sldLayoutMkLst>
+        </pc:sldLayoutChg>
+        <pc:sldLayoutChg chg="del">
+          <pc:chgData name="Uwe Ricken" userId="f02567aecbed924b" providerId="LiveId" clId="{E77B627B-1F43-41A9-9F24-D4BB31BF6050}" dt="2025-10-18T11:45:13.377" v="67" actId="2696"/>
+          <pc:sldLayoutMkLst>
+            <pc:docMk/>
+            <pc:sldMasterMk cId="1171119488" sldId="2147483676"/>
+            <pc:sldLayoutMk cId="4105996651" sldId="2147483682"/>
+          </pc:sldLayoutMkLst>
+        </pc:sldLayoutChg>
+        <pc:sldLayoutChg chg="del">
+          <pc:chgData name="Uwe Ricken" userId="f02567aecbed924b" providerId="LiveId" clId="{E77B627B-1F43-41A9-9F24-D4BB31BF6050}" dt="2025-10-18T11:45:13.377" v="67" actId="2696"/>
+          <pc:sldLayoutMkLst>
+            <pc:docMk/>
+            <pc:sldMasterMk cId="1171119488" sldId="2147483676"/>
+            <pc:sldLayoutMk cId="3087663451" sldId="2147483683"/>
+          </pc:sldLayoutMkLst>
+        </pc:sldLayoutChg>
+        <pc:sldLayoutChg chg="del">
+          <pc:chgData name="Uwe Ricken" userId="f02567aecbed924b" providerId="LiveId" clId="{E77B627B-1F43-41A9-9F24-D4BB31BF6050}" dt="2025-10-18T11:45:13.377" v="67" actId="2696"/>
+          <pc:sldLayoutMkLst>
+            <pc:docMk/>
+            <pc:sldMasterMk cId="1171119488" sldId="2147483676"/>
+            <pc:sldLayoutMk cId="468577503" sldId="2147483684"/>
+          </pc:sldLayoutMkLst>
+        </pc:sldLayoutChg>
+        <pc:sldLayoutChg chg="del">
+          <pc:chgData name="Uwe Ricken" userId="f02567aecbed924b" providerId="LiveId" clId="{E77B627B-1F43-41A9-9F24-D4BB31BF6050}" dt="2025-10-18T11:45:13.377" v="67" actId="2696"/>
+          <pc:sldLayoutMkLst>
+            <pc:docMk/>
+            <pc:sldMasterMk cId="1171119488" sldId="2147483676"/>
+            <pc:sldLayoutMk cId="1283835507" sldId="2147483685"/>
+          </pc:sldLayoutMkLst>
+        </pc:sldLayoutChg>
+        <pc:sldLayoutChg chg="del">
+          <pc:chgData name="Uwe Ricken" userId="f02567aecbed924b" providerId="LiveId" clId="{E77B627B-1F43-41A9-9F24-D4BB31BF6050}" dt="2025-10-18T11:45:13.377" v="67" actId="2696"/>
+          <pc:sldLayoutMkLst>
+            <pc:docMk/>
+            <pc:sldMasterMk cId="1171119488" sldId="2147483676"/>
+            <pc:sldLayoutMk cId="330773150" sldId="2147483686"/>
+          </pc:sldLayoutMkLst>
+        </pc:sldLayoutChg>
+        <pc:sldLayoutChg chg="del">
+          <pc:chgData name="Uwe Ricken" userId="f02567aecbed924b" providerId="LiveId" clId="{E77B627B-1F43-41A9-9F24-D4BB31BF6050}" dt="2025-10-18T11:45:13.377" v="67" actId="2696"/>
+          <pc:sldLayoutMkLst>
+            <pc:docMk/>
+            <pc:sldMasterMk cId="1171119488" sldId="2147483676"/>
+            <pc:sldLayoutMk cId="3133399915" sldId="2147483687"/>
+          </pc:sldLayoutMkLst>
+        </pc:sldLayoutChg>
+      </pc:sldMasterChg>
     </pc:docChg>
   </pc:docChgLst>
   <pc:docChgLst>
@@ -1100,7 +1231,7 @@
           <a:p>
             <a:fld id="{3C419B01-702D-4879-AE3A-0F34CD7B4394}" type="datetimeFigureOut">
               <a:rPr lang="en-US" smtClean="0"/>
-              <a:t>10/17/2025</a:t>
+              <a:t>10/29/2025</a:t>
             </a:fld>
             <a:endParaRPr lang="en-US"/>
           </a:p>
@@ -5289,7 +5420,7 @@
 </file>
 
 <file path=ppt/slides/slide1.xml><?xml version="1.0" encoding="utf-8"?>
-<p:sld xmlns:a="http://schemas.openxmlformats.org/drawingml/2006/main" xmlns:r="http://schemas.openxmlformats.org/officeDocument/2006/relationships" xmlns:p="http://schemas.openxmlformats.org/presentationml/2006/main">
+<p:sld xmlns:a="http://schemas.openxmlformats.org/drawingml/2006/main" xmlns:r="http://schemas.openxmlformats.org/officeDocument/2006/relationships" xmlns:p="http://schemas.openxmlformats.org/presentationml/2006/main" show="0">
   <p:cSld>
     <p:spTree>
       <p:nvGrpSpPr>
@@ -24159,7 +24290,7 @@
         </p:nvGraphicFramePr>
         <p:xfrm>
           <a:off x="334963" y="1665288"/>
-          <a:ext cx="11522075" cy="4572000"/>
+          <a:ext cx="11522073" cy="3972560"/>
         </p:xfrm>
         <a:graphic>
           <a:graphicData uri="http://schemas.openxmlformats.org/drawingml/2006/table">
@@ -27208,7 +27339,7 @@
         </p:nvGraphicFramePr>
         <p:xfrm>
           <a:off x="334963" y="1665288"/>
-          <a:ext cx="11522075" cy="4572000"/>
+          <a:ext cx="11522074" cy="2433320"/>
         </p:xfrm>
         <a:graphic>
           <a:graphicData uri="http://schemas.openxmlformats.org/drawingml/2006/table">

--- a/01 - Documents and Preparation/Solving Deadlock Scenarios - EN.pptx
+++ b/01 - Documents and Preparation/Solving Deadlock Scenarios - EN.pptx
@@ -161,7 +161,7 @@
 <file path=ppt/revisionInfo.xml><?xml version="1.0" encoding="utf-8"?>
 <p1510:revInfo xmlns:a="http://schemas.openxmlformats.org/drawingml/2006/main" xmlns:r="http://schemas.openxmlformats.org/officeDocument/2006/relationships" xmlns:p1510="http://schemas.microsoft.com/office/powerpoint/2015/10/main">
   <p1510:revLst>
-    <p1510:client id="{7083A884-38A0-446F-AE2A-81CED00CF2B0}" v="21" dt="2025-10-27T14:36:01.011"/>
+    <p1510:client id="{7083A884-38A0-446F-AE2A-81CED00CF2B0}" v="46" dt="2025-11-11T16:37:36.969"/>
   </p1510:revLst>
 </p1510:revInfo>
 </file>
@@ -170,56 +170,26 @@
 <pc:chgInfo xmlns:a="http://schemas.openxmlformats.org/drawingml/2006/main" xmlns:r="http://schemas.openxmlformats.org/officeDocument/2006/relationships" xmlns:ac="http://schemas.microsoft.com/office/drawing/2013/main/command" xmlns:pc="http://schemas.microsoft.com/office/powerpoint/2013/main/command">
   <pc:docChgLst>
     <pc:chgData name="Uwe Ricken" userId="f02567aecbed924b" providerId="LiveId" clId="{E77B627B-1F43-41A9-9F24-D4BB31BF6050}"/>
-    <pc:docChg chg="undo custSel addSld delSld modSld sldOrd delMainMaster">
-      <pc:chgData name="Uwe Ricken" userId="f02567aecbed924b" providerId="LiveId" clId="{E77B627B-1F43-41A9-9F24-D4BB31BF6050}" dt="2025-10-30T06:00:18.493" v="86" actId="2696"/>
+    <pc:docChg chg="undo custSel addSld delSld modSld sldOrd delMainMaster modMainMaster">
+      <pc:chgData name="Uwe Ricken" userId="f02567aecbed924b" providerId="LiveId" clId="{E77B627B-1F43-41A9-9F24-D4BB31BF6050}" dt="2025-11-11T16:42:38.925" v="99" actId="729"/>
       <pc:docMkLst>
         <pc:docMk/>
       </pc:docMkLst>
       <pc:sldChg chg="addSp delSp modSp mod modShow">
-        <pc:chgData name="Uwe Ricken" userId="f02567aecbed924b" providerId="LiveId" clId="{E77B627B-1F43-41A9-9F24-D4BB31BF6050}" dt="2025-10-27T14:35:29.934" v="71" actId="729"/>
+        <pc:chgData name="Uwe Ricken" userId="f02567aecbed924b" providerId="LiveId" clId="{E77B627B-1F43-41A9-9F24-D4BB31BF6050}" dt="2025-11-11T16:42:38.925" v="99" actId="729"/>
         <pc:sldMkLst>
           <pc:docMk/>
           <pc:sldMk cId="3145909516" sldId="256"/>
         </pc:sldMkLst>
-        <pc:spChg chg="mod">
-          <ac:chgData name="Uwe Ricken" userId="f02567aecbed924b" providerId="LiveId" clId="{E77B627B-1F43-41A9-9F24-D4BB31BF6050}" dt="2025-10-07T07:04:08.816" v="31"/>
-          <ac:spMkLst>
-            <pc:docMk/>
-            <pc:sldMk cId="3145909516" sldId="256"/>
-            <ac:spMk id="2" creationId="{D53F2781-03F5-529F-F38B-F5D4FD12CCB6}"/>
-          </ac:spMkLst>
-        </pc:spChg>
-        <pc:spChg chg="mod">
-          <ac:chgData name="Uwe Ricken" userId="f02567aecbed924b" providerId="LiveId" clId="{E77B627B-1F43-41A9-9F24-D4BB31BF6050}" dt="2025-10-07T07:04:08.816" v="31"/>
-          <ac:spMkLst>
-            <pc:docMk/>
-            <pc:sldMk cId="3145909516" sldId="256"/>
-            <ac:spMk id="3" creationId="{AC4BE029-9EF0-3C13-9557-100970EE12A9}"/>
-          </ac:spMkLst>
-        </pc:spChg>
       </pc:sldChg>
-      <pc:sldChg chg="add del">
-        <pc:chgData name="Uwe Ricken" userId="f02567aecbed924b" providerId="LiveId" clId="{E77B627B-1F43-41A9-9F24-D4BB31BF6050}" dt="2025-10-18T11:45:05.317" v="66" actId="2696"/>
-        <pc:sldMkLst>
-          <pc:docMk/>
-          <pc:sldMk cId="2006155419" sldId="259"/>
-        </pc:sldMkLst>
-      </pc:sldChg>
-      <pc:sldChg chg="add del">
-        <pc:chgData name="Uwe Ricken" userId="f02567aecbed924b" providerId="LiveId" clId="{E77B627B-1F43-41A9-9F24-D4BB31BF6050}" dt="2025-10-18T11:45:13.377" v="67" actId="2696"/>
-        <pc:sldMkLst>
-          <pc:docMk/>
-          <pc:sldMk cId="39684395" sldId="260"/>
-        </pc:sldMkLst>
-      </pc:sldChg>
-      <pc:sldChg chg="modSp">
-        <pc:chgData name="Uwe Ricken" userId="f02567aecbed924b" providerId="LiveId" clId="{E77B627B-1F43-41A9-9F24-D4BB31BF6050}" dt="2025-10-07T07:04:08.816" v="31"/>
+      <pc:sldChg chg="modSp mod">
+        <pc:chgData name="Uwe Ricken" userId="f02567aecbed924b" providerId="LiveId" clId="{E77B627B-1F43-41A9-9F24-D4BB31BF6050}" dt="2025-11-11T16:32:48.318" v="89" actId="790"/>
         <pc:sldMkLst>
           <pc:docMk/>
           <pc:sldMk cId="1252969730" sldId="315"/>
         </pc:sldMkLst>
         <pc:spChg chg="mod">
-          <ac:chgData name="Uwe Ricken" userId="f02567aecbed924b" providerId="LiveId" clId="{E77B627B-1F43-41A9-9F24-D4BB31BF6050}" dt="2025-10-07T07:04:08.816" v="31"/>
+          <ac:chgData name="Uwe Ricken" userId="f02567aecbed924b" providerId="LiveId" clId="{E77B627B-1F43-41A9-9F24-D4BB31BF6050}" dt="2025-11-11T16:32:48.318" v="89" actId="790"/>
           <ac:spMkLst>
             <pc:docMk/>
             <pc:sldMk cId="1252969730" sldId="315"/>
@@ -227,72 +197,11 @@
           </ac:spMkLst>
         </pc:spChg>
         <pc:spChg chg="mod">
-          <ac:chgData name="Uwe Ricken" userId="f02567aecbed924b" providerId="LiveId" clId="{E77B627B-1F43-41A9-9F24-D4BB31BF6050}" dt="2025-10-07T07:04:08.816" v="31"/>
+          <ac:chgData name="Uwe Ricken" userId="f02567aecbed924b" providerId="LiveId" clId="{E77B627B-1F43-41A9-9F24-D4BB31BF6050}" dt="2025-11-11T16:32:48.318" v="89" actId="790"/>
           <ac:spMkLst>
             <pc:docMk/>
             <pc:sldMk cId="1252969730" sldId="315"/>
             <ac:spMk id="3" creationId="{32727BD7-7924-41DC-BF8D-0990B5F36E59}"/>
-          </ac:spMkLst>
-        </pc:spChg>
-      </pc:sldChg>
-      <pc:sldChg chg="modSp">
-        <pc:chgData name="Uwe Ricken" userId="f02567aecbed924b" providerId="LiveId" clId="{E77B627B-1F43-41A9-9F24-D4BB31BF6050}" dt="2025-10-07T07:04:08.816" v="31"/>
-        <pc:sldMkLst>
-          <pc:docMk/>
-          <pc:sldMk cId="4195874464" sldId="327"/>
-        </pc:sldMkLst>
-        <pc:spChg chg="mod">
-          <ac:chgData name="Uwe Ricken" userId="f02567aecbed924b" providerId="LiveId" clId="{E77B627B-1F43-41A9-9F24-D4BB31BF6050}" dt="2025-10-07T07:04:08.816" v="31"/>
-          <ac:spMkLst>
-            <pc:docMk/>
-            <pc:sldMk cId="4195874464" sldId="327"/>
-            <ac:spMk id="5" creationId="{99AE4D88-466F-4BA6-917F-396AC585B663}"/>
-          </ac:spMkLst>
-        </pc:spChg>
-        <pc:spChg chg="mod">
-          <ac:chgData name="Uwe Ricken" userId="f02567aecbed924b" providerId="LiveId" clId="{E77B627B-1F43-41A9-9F24-D4BB31BF6050}" dt="2025-10-07T07:04:08.816" v="31"/>
-          <ac:spMkLst>
-            <pc:docMk/>
-            <pc:sldMk cId="4195874464" sldId="327"/>
-            <ac:spMk id="6" creationId="{F584846F-DF71-4A64-98B4-A74662F8894B}"/>
-          </ac:spMkLst>
-        </pc:spChg>
-      </pc:sldChg>
-      <pc:sldChg chg="modSp add del mod">
-        <pc:chgData name="Uwe Ricken" userId="f02567aecbed924b" providerId="LiveId" clId="{E77B627B-1F43-41A9-9F24-D4BB31BF6050}" dt="2025-10-30T06:00:18.493" v="86" actId="2696"/>
-        <pc:sldMkLst>
-          <pc:docMk/>
-          <pc:sldMk cId="841523525" sldId="341"/>
-        </pc:sldMkLst>
-      </pc:sldChg>
-      <pc:sldChg chg="modSp">
-        <pc:chgData name="Uwe Ricken" userId="f02567aecbed924b" providerId="LiveId" clId="{E77B627B-1F43-41A9-9F24-D4BB31BF6050}" dt="2025-10-07T07:04:08.816" v="31"/>
-        <pc:sldMkLst>
-          <pc:docMk/>
-          <pc:sldMk cId="1681187469" sldId="381"/>
-        </pc:sldMkLst>
-        <pc:spChg chg="mod">
-          <ac:chgData name="Uwe Ricken" userId="f02567aecbed924b" providerId="LiveId" clId="{E77B627B-1F43-41A9-9F24-D4BB31BF6050}" dt="2025-10-07T07:04:08.816" v="31"/>
-          <ac:spMkLst>
-            <pc:docMk/>
-            <pc:sldMk cId="1681187469" sldId="381"/>
-            <ac:spMk id="2" creationId="{00000000-0000-0000-0000-000000000000}"/>
-          </ac:spMkLst>
-        </pc:spChg>
-        <pc:spChg chg="mod">
-          <ac:chgData name="Uwe Ricken" userId="f02567aecbed924b" providerId="LiveId" clId="{E77B627B-1F43-41A9-9F24-D4BB31BF6050}" dt="2025-10-07T07:04:08.816" v="31"/>
-          <ac:spMkLst>
-            <pc:docMk/>
-            <pc:sldMk cId="1681187469" sldId="381"/>
-            <ac:spMk id="4" creationId="{00000000-0000-0000-0000-000000000000}"/>
-          </ac:spMkLst>
-        </pc:spChg>
-        <pc:spChg chg="mod">
-          <ac:chgData name="Uwe Ricken" userId="f02567aecbed924b" providerId="LiveId" clId="{E77B627B-1F43-41A9-9F24-D4BB31BF6050}" dt="2025-10-07T07:04:08.816" v="31"/>
-          <ac:spMkLst>
-            <pc:docMk/>
-            <pc:sldMk cId="1681187469" sldId="381"/>
-            <ac:spMk id="6" creationId="{00000000-0000-0000-0000-000000000000}"/>
           </ac:spMkLst>
         </pc:spChg>
       </pc:sldChg>
@@ -310,402 +219,75 @@
             <ac:spMk id="2" creationId="{795C4EDA-0E45-AE7F-692A-A895059972F1}"/>
           </ac:spMkLst>
         </pc:spChg>
-        <pc:spChg chg="mod">
-          <ac:chgData name="Uwe Ricken" userId="f02567aecbed924b" providerId="LiveId" clId="{E77B627B-1F43-41A9-9F24-D4BB31BF6050}" dt="2025-10-11T16:27:17.003" v="34" actId="790"/>
-          <ac:spMkLst>
-            <pc:docMk/>
-            <pc:sldMk cId="1313276407" sldId="382"/>
-            <ac:spMk id="6" creationId="{B5BC0322-276E-07FC-A94C-D603BD8CA13A}"/>
-          </ac:spMkLst>
-        </pc:spChg>
       </pc:sldChg>
-      <pc:sldChg chg="modSp">
-        <pc:chgData name="Uwe Ricken" userId="f02567aecbed924b" providerId="LiveId" clId="{E77B627B-1F43-41A9-9F24-D4BB31BF6050}" dt="2025-10-07T07:04:08.816" v="31"/>
-        <pc:sldMkLst>
-          <pc:docMk/>
-          <pc:sldMk cId="3137805841" sldId="383"/>
-        </pc:sldMkLst>
-        <pc:spChg chg="mod">
-          <ac:chgData name="Uwe Ricken" userId="f02567aecbed924b" providerId="LiveId" clId="{E77B627B-1F43-41A9-9F24-D4BB31BF6050}" dt="2025-10-07T07:04:08.816" v="31"/>
-          <ac:spMkLst>
-            <pc:docMk/>
-            <pc:sldMk cId="3137805841" sldId="383"/>
-            <ac:spMk id="2" creationId="{B422EFBC-5255-F851-78EC-B7CECB5999F0}"/>
-          </ac:spMkLst>
-        </pc:spChg>
-      </pc:sldChg>
-      <pc:sldChg chg="modSp">
-        <pc:chgData name="Uwe Ricken" userId="f02567aecbed924b" providerId="LiveId" clId="{E77B627B-1F43-41A9-9F24-D4BB31BF6050}" dt="2025-10-07T07:04:08.816" v="31"/>
+      <pc:sldChg chg="modSp mod">
+        <pc:chgData name="Uwe Ricken" userId="f02567aecbed924b" providerId="LiveId" clId="{E77B627B-1F43-41A9-9F24-D4BB31BF6050}" dt="2025-11-11T16:32:20.822" v="88" actId="790"/>
         <pc:sldMkLst>
           <pc:docMk/>
           <pc:sldMk cId="694014805" sldId="384"/>
         </pc:sldMkLst>
         <pc:spChg chg="mod">
-          <ac:chgData name="Uwe Ricken" userId="f02567aecbed924b" providerId="LiveId" clId="{E77B627B-1F43-41A9-9F24-D4BB31BF6050}" dt="2025-10-07T07:04:08.816" v="31"/>
+          <ac:chgData name="Uwe Ricken" userId="f02567aecbed924b" providerId="LiveId" clId="{E77B627B-1F43-41A9-9F24-D4BB31BF6050}" dt="2025-11-11T16:32:20.822" v="88" actId="790"/>
           <ac:spMkLst>
             <pc:docMk/>
             <pc:sldMk cId="694014805" sldId="384"/>
             <ac:spMk id="2" creationId="{0B9404A9-E76A-F33E-3297-5217BC2A290C}"/>
           </ac:spMkLst>
         </pc:spChg>
-      </pc:sldChg>
-      <pc:sldChg chg="modSp">
-        <pc:chgData name="Uwe Ricken" userId="f02567aecbed924b" providerId="LiveId" clId="{E77B627B-1F43-41A9-9F24-D4BB31BF6050}" dt="2025-10-07T07:04:08.816" v="31"/>
-        <pc:sldMkLst>
-          <pc:docMk/>
-          <pc:sldMk cId="702285124" sldId="390"/>
-        </pc:sldMkLst>
         <pc:spChg chg="mod">
-          <ac:chgData name="Uwe Ricken" userId="f02567aecbed924b" providerId="LiveId" clId="{E77B627B-1F43-41A9-9F24-D4BB31BF6050}" dt="2025-10-07T07:04:08.816" v="31"/>
+          <ac:chgData name="Uwe Ricken" userId="f02567aecbed924b" providerId="LiveId" clId="{E77B627B-1F43-41A9-9F24-D4BB31BF6050}" dt="2025-11-11T16:32:20.822" v="88" actId="790"/>
           <ac:spMkLst>
             <pc:docMk/>
-            <pc:sldMk cId="702285124" sldId="390"/>
-            <ac:spMk id="4" creationId="{4AB19DD4-D07B-A63B-15A0-292B33294F30}"/>
+            <pc:sldMk cId="694014805" sldId="384"/>
+            <ac:spMk id="6" creationId="{0F464D27-6B3F-686F-7ECB-8EC444B8710A}"/>
           </ac:spMkLst>
         </pc:spChg>
-        <pc:spChg chg="mod">
-          <ac:chgData name="Uwe Ricken" userId="f02567aecbed924b" providerId="LiveId" clId="{E77B627B-1F43-41A9-9F24-D4BB31BF6050}" dt="2025-10-07T07:04:08.816" v="31"/>
-          <ac:spMkLst>
-            <pc:docMk/>
-            <pc:sldMk cId="702285124" sldId="390"/>
-            <ac:spMk id="5" creationId="{12F026EE-A3F6-D476-40B1-59D0DFEBEB8D}"/>
-          </ac:spMkLst>
-        </pc:spChg>
-      </pc:sldChg>
-      <pc:sldChg chg="modSp">
-        <pc:chgData name="Uwe Ricken" userId="f02567aecbed924b" providerId="LiveId" clId="{E77B627B-1F43-41A9-9F24-D4BB31BF6050}" dt="2025-10-07T07:04:08.816" v="31"/>
-        <pc:sldMkLst>
-          <pc:docMk/>
-          <pc:sldMk cId="418670867" sldId="391"/>
-        </pc:sldMkLst>
-        <pc:spChg chg="mod">
-          <ac:chgData name="Uwe Ricken" userId="f02567aecbed924b" providerId="LiveId" clId="{E77B627B-1F43-41A9-9F24-D4BB31BF6050}" dt="2025-10-07T07:04:08.816" v="31"/>
-          <ac:spMkLst>
-            <pc:docMk/>
-            <pc:sldMk cId="418670867" sldId="391"/>
-            <ac:spMk id="4" creationId="{C0C33245-5577-F3C9-2635-245D40AC5B7C}"/>
-          </ac:spMkLst>
-        </pc:spChg>
-        <pc:spChg chg="mod">
-          <ac:chgData name="Uwe Ricken" userId="f02567aecbed924b" providerId="LiveId" clId="{E77B627B-1F43-41A9-9F24-D4BB31BF6050}" dt="2025-10-07T07:04:08.816" v="31"/>
-          <ac:spMkLst>
-            <pc:docMk/>
-            <pc:sldMk cId="418670867" sldId="391"/>
-            <ac:spMk id="5" creationId="{98A8B687-D742-D86C-95AF-69F43C1FFF1F}"/>
-          </ac:spMkLst>
-        </pc:spChg>
-      </pc:sldChg>
-      <pc:sldChg chg="modSp">
-        <pc:chgData name="Uwe Ricken" userId="f02567aecbed924b" providerId="LiveId" clId="{E77B627B-1F43-41A9-9F24-D4BB31BF6050}" dt="2025-10-07T07:04:08.816" v="31"/>
-        <pc:sldMkLst>
-          <pc:docMk/>
-          <pc:sldMk cId="927822285" sldId="392"/>
-        </pc:sldMkLst>
-        <pc:spChg chg="mod">
-          <ac:chgData name="Uwe Ricken" userId="f02567aecbed924b" providerId="LiveId" clId="{E77B627B-1F43-41A9-9F24-D4BB31BF6050}" dt="2025-10-07T07:04:08.816" v="31"/>
-          <ac:spMkLst>
-            <pc:docMk/>
-            <pc:sldMk cId="927822285" sldId="392"/>
-            <ac:spMk id="2" creationId="{EA55BDDA-B805-8BCE-1070-B32C10B00D4E}"/>
-          </ac:spMkLst>
-        </pc:spChg>
-        <pc:graphicFrameChg chg="mod">
-          <ac:chgData name="Uwe Ricken" userId="f02567aecbed924b" providerId="LiveId" clId="{E77B627B-1F43-41A9-9F24-D4BB31BF6050}" dt="2025-10-07T07:04:08.816" v="31"/>
+        <pc:graphicFrameChg chg="modGraphic">
+          <ac:chgData name="Uwe Ricken" userId="f02567aecbed924b" providerId="LiveId" clId="{E77B627B-1F43-41A9-9F24-D4BB31BF6050}" dt="2025-11-11T16:32:20.822" v="88" actId="790"/>
           <ac:graphicFrameMkLst>
             <pc:docMk/>
-            <pc:sldMk cId="927822285" sldId="392"/>
-            <ac:graphicFrameMk id="4" creationId="{60C45819-93D3-FE6E-080E-50F2A080A1CE}"/>
+            <pc:sldMk cId="694014805" sldId="384"/>
+            <ac:graphicFrameMk id="4" creationId="{F7E3314F-D30D-3B5C-9D39-3008654B8A08}"/>
           </ac:graphicFrameMkLst>
         </pc:graphicFrameChg>
       </pc:sldChg>
-      <pc:sldChg chg="modSp">
-        <pc:chgData name="Uwe Ricken" userId="f02567aecbed924b" providerId="LiveId" clId="{E77B627B-1F43-41A9-9F24-D4BB31BF6050}" dt="2025-10-07T07:04:08.816" v="31"/>
+      <pc:sldChg chg="modSp modNotesTx">
+        <pc:chgData name="Uwe Ricken" userId="f02567aecbed924b" providerId="LiveId" clId="{E77B627B-1F43-41A9-9F24-D4BB31BF6050}" dt="2025-11-11T16:34:55.979" v="97" actId="20577"/>
         <pc:sldMkLst>
           <pc:docMk/>
           <pc:sldMk cId="3452348964" sldId="396"/>
         </pc:sldMkLst>
         <pc:spChg chg="mod">
-          <ac:chgData name="Uwe Ricken" userId="f02567aecbed924b" providerId="LiveId" clId="{E77B627B-1F43-41A9-9F24-D4BB31BF6050}" dt="2025-10-07T07:04:08.816" v="31"/>
-          <ac:spMkLst>
-            <pc:docMk/>
-            <pc:sldMk cId="3452348964" sldId="396"/>
-            <ac:spMk id="4" creationId="{01CEFF14-F699-362B-9174-501AC1FCF0CF}"/>
-          </ac:spMkLst>
-        </pc:spChg>
-        <pc:spChg chg="mod">
-          <ac:chgData name="Uwe Ricken" userId="f02567aecbed924b" providerId="LiveId" clId="{E77B627B-1F43-41A9-9F24-D4BB31BF6050}" dt="2025-10-07T07:04:08.816" v="31"/>
+          <ac:chgData name="Uwe Ricken" userId="f02567aecbed924b" providerId="LiveId" clId="{E77B627B-1F43-41A9-9F24-D4BB31BF6050}" dt="2025-11-11T16:34:22.120" v="94" actId="20577"/>
           <ac:spMkLst>
             <pc:docMk/>
             <pc:sldMk cId="3452348964" sldId="396"/>
             <ac:spMk id="5" creationId="{37DACC03-174B-F348-4FF0-CF8D4A99EC80}"/>
           </ac:spMkLst>
         </pc:spChg>
-        <pc:spChg chg="mod">
-          <ac:chgData name="Uwe Ricken" userId="f02567aecbed924b" providerId="LiveId" clId="{E77B627B-1F43-41A9-9F24-D4BB31BF6050}" dt="2025-10-07T07:04:08.816" v="31"/>
-          <ac:spMkLst>
-            <pc:docMk/>
-            <pc:sldMk cId="3452348964" sldId="396"/>
-            <ac:spMk id="6" creationId="{8310403C-EE6E-1739-5879-48BABF7AAF9E}"/>
-          </ac:spMkLst>
-        </pc:spChg>
       </pc:sldChg>
-      <pc:sldChg chg="modSp">
-        <pc:chgData name="Uwe Ricken" userId="f02567aecbed924b" providerId="LiveId" clId="{E77B627B-1F43-41A9-9F24-D4BB31BF6050}" dt="2025-10-07T07:04:08.816" v="31"/>
-        <pc:sldMkLst>
-          <pc:docMk/>
-          <pc:sldMk cId="1218141939" sldId="397"/>
-        </pc:sldMkLst>
-        <pc:spChg chg="mod">
-          <ac:chgData name="Uwe Ricken" userId="f02567aecbed924b" providerId="LiveId" clId="{E77B627B-1F43-41A9-9F24-D4BB31BF6050}" dt="2025-10-07T07:04:08.816" v="31"/>
-          <ac:spMkLst>
-            <pc:docMk/>
-            <pc:sldMk cId="1218141939" sldId="397"/>
-            <ac:spMk id="4" creationId="{958C59DB-3926-9DEA-71F8-0022F7D71D59}"/>
-          </ac:spMkLst>
-        </pc:spChg>
-        <pc:spChg chg="mod">
-          <ac:chgData name="Uwe Ricken" userId="f02567aecbed924b" providerId="LiveId" clId="{E77B627B-1F43-41A9-9F24-D4BB31BF6050}" dt="2025-10-07T07:04:08.816" v="31"/>
-          <ac:spMkLst>
-            <pc:docMk/>
-            <pc:sldMk cId="1218141939" sldId="397"/>
-            <ac:spMk id="5" creationId="{21ECE7E1-7F6B-944B-1C44-5B8D352D6294}"/>
-          </ac:spMkLst>
-        </pc:spChg>
-        <pc:spChg chg="mod">
-          <ac:chgData name="Uwe Ricken" userId="f02567aecbed924b" providerId="LiveId" clId="{E77B627B-1F43-41A9-9F24-D4BB31BF6050}" dt="2025-10-07T07:04:08.816" v="31"/>
-          <ac:spMkLst>
-            <pc:docMk/>
-            <pc:sldMk cId="1218141939" sldId="397"/>
-            <ac:spMk id="6" creationId="{D8AAAFD4-786F-ACB5-6862-87777F786995}"/>
-          </ac:spMkLst>
-        </pc:spChg>
-      </pc:sldChg>
-      <pc:sldChg chg="modSp">
-        <pc:chgData name="Uwe Ricken" userId="f02567aecbed924b" providerId="LiveId" clId="{E77B627B-1F43-41A9-9F24-D4BB31BF6050}" dt="2025-10-07T07:04:08.816" v="31"/>
+      <pc:sldChg chg="modSp mod">
+        <pc:chgData name="Uwe Ricken" userId="f02567aecbed924b" providerId="LiveId" clId="{E77B627B-1F43-41A9-9F24-D4BB31BF6050}" dt="2025-11-11T16:34:00.553" v="91" actId="313"/>
         <pc:sldMkLst>
           <pc:docMk/>
           <pc:sldMk cId="2340043209" sldId="398"/>
         </pc:sldMkLst>
         <pc:spChg chg="mod">
-          <ac:chgData name="Uwe Ricken" userId="f02567aecbed924b" providerId="LiveId" clId="{E77B627B-1F43-41A9-9F24-D4BB31BF6050}" dt="2025-10-07T07:04:08.816" v="31"/>
+          <ac:chgData name="Uwe Ricken" userId="f02567aecbed924b" providerId="LiveId" clId="{E77B627B-1F43-41A9-9F24-D4BB31BF6050}" dt="2025-11-11T16:31:57.155" v="87" actId="790"/>
           <ac:spMkLst>
             <pc:docMk/>
             <pc:sldMk cId="2340043209" sldId="398"/>
             <ac:spMk id="2" creationId="{68406918-FCAB-1372-4923-90999B455733}"/>
           </ac:spMkLst>
         </pc:spChg>
-        <pc:graphicFrameChg chg="mod">
-          <ac:chgData name="Uwe Ricken" userId="f02567aecbed924b" providerId="LiveId" clId="{E77B627B-1F43-41A9-9F24-D4BB31BF6050}" dt="2025-10-07T07:04:08.816" v="31"/>
+        <pc:graphicFrameChg chg="modGraphic">
+          <ac:chgData name="Uwe Ricken" userId="f02567aecbed924b" providerId="LiveId" clId="{E77B627B-1F43-41A9-9F24-D4BB31BF6050}" dt="2025-11-11T16:34:00.553" v="91" actId="313"/>
           <ac:graphicFrameMkLst>
             <pc:docMk/>
             <pc:sldMk cId="2340043209" sldId="398"/>
             <ac:graphicFrameMk id="4" creationId="{4CC8899C-52EE-A8F5-6A63-E2DB55FED7C2}"/>
           </ac:graphicFrameMkLst>
         </pc:graphicFrameChg>
-      </pc:sldChg>
-      <pc:sldChg chg="modSp">
-        <pc:chgData name="Uwe Ricken" userId="f02567aecbed924b" providerId="LiveId" clId="{E77B627B-1F43-41A9-9F24-D4BB31BF6050}" dt="2025-10-07T07:04:08.816" v="31"/>
-        <pc:sldMkLst>
-          <pc:docMk/>
-          <pc:sldMk cId="2262591952" sldId="399"/>
-        </pc:sldMkLst>
-        <pc:spChg chg="mod">
-          <ac:chgData name="Uwe Ricken" userId="f02567aecbed924b" providerId="LiveId" clId="{E77B627B-1F43-41A9-9F24-D4BB31BF6050}" dt="2025-10-07T07:04:08.816" v="31"/>
-          <ac:spMkLst>
-            <pc:docMk/>
-            <pc:sldMk cId="2262591952" sldId="399"/>
-            <ac:spMk id="4" creationId="{550C8E2E-0C3C-A818-F633-B5943D9CB38D}"/>
-          </ac:spMkLst>
-        </pc:spChg>
-        <pc:spChg chg="mod">
-          <ac:chgData name="Uwe Ricken" userId="f02567aecbed924b" providerId="LiveId" clId="{E77B627B-1F43-41A9-9F24-D4BB31BF6050}" dt="2025-10-07T07:04:08.816" v="31"/>
-          <ac:spMkLst>
-            <pc:docMk/>
-            <pc:sldMk cId="2262591952" sldId="399"/>
-            <ac:spMk id="5" creationId="{A0B3CC06-F7BF-A9F3-FB11-12744365D774}"/>
-          </ac:spMkLst>
-        </pc:spChg>
-      </pc:sldChg>
-      <pc:sldChg chg="modSp">
-        <pc:chgData name="Uwe Ricken" userId="f02567aecbed924b" providerId="LiveId" clId="{E77B627B-1F43-41A9-9F24-D4BB31BF6050}" dt="2025-10-07T07:04:08.816" v="31"/>
-        <pc:sldMkLst>
-          <pc:docMk/>
-          <pc:sldMk cId="3663633766" sldId="400"/>
-        </pc:sldMkLst>
-        <pc:spChg chg="mod">
-          <ac:chgData name="Uwe Ricken" userId="f02567aecbed924b" providerId="LiveId" clId="{E77B627B-1F43-41A9-9F24-D4BB31BF6050}" dt="2025-10-07T07:04:08.816" v="31"/>
-          <ac:spMkLst>
-            <pc:docMk/>
-            <pc:sldMk cId="3663633766" sldId="400"/>
-            <ac:spMk id="2" creationId="{D00EFC66-D9BA-DC87-87D2-DDCA25F5BC42}"/>
-          </ac:spMkLst>
-        </pc:spChg>
-        <pc:spChg chg="mod">
-          <ac:chgData name="Uwe Ricken" userId="f02567aecbed924b" providerId="LiveId" clId="{E77B627B-1F43-41A9-9F24-D4BB31BF6050}" dt="2025-10-07T07:04:08.816" v="31"/>
-          <ac:spMkLst>
-            <pc:docMk/>
-            <pc:sldMk cId="3663633766" sldId="400"/>
-            <ac:spMk id="3" creationId="{458B00AE-F5D6-8AEB-8F89-A5DAE0103A74}"/>
-          </ac:spMkLst>
-        </pc:spChg>
-      </pc:sldChg>
-      <pc:sldChg chg="modSp">
-        <pc:chgData name="Uwe Ricken" userId="f02567aecbed924b" providerId="LiveId" clId="{E77B627B-1F43-41A9-9F24-D4BB31BF6050}" dt="2025-10-07T07:04:08.816" v="31"/>
-        <pc:sldMkLst>
-          <pc:docMk/>
-          <pc:sldMk cId="1635604563" sldId="401"/>
-        </pc:sldMkLst>
-        <pc:spChg chg="mod">
-          <ac:chgData name="Uwe Ricken" userId="f02567aecbed924b" providerId="LiveId" clId="{E77B627B-1F43-41A9-9F24-D4BB31BF6050}" dt="2025-10-07T07:04:08.816" v="31"/>
-          <ac:spMkLst>
-            <pc:docMk/>
-            <pc:sldMk cId="1635604563" sldId="401"/>
-            <ac:spMk id="2" creationId="{4A04D707-CA4B-FE67-AA26-195EA033B35E}"/>
-          </ac:spMkLst>
-        </pc:spChg>
-      </pc:sldChg>
-      <pc:sldChg chg="modSp">
-        <pc:chgData name="Uwe Ricken" userId="f02567aecbed924b" providerId="LiveId" clId="{E77B627B-1F43-41A9-9F24-D4BB31BF6050}" dt="2025-10-07T07:04:08.816" v="31"/>
-        <pc:sldMkLst>
-          <pc:docMk/>
-          <pc:sldMk cId="2954081889" sldId="403"/>
-        </pc:sldMkLst>
-        <pc:spChg chg="mod">
-          <ac:chgData name="Uwe Ricken" userId="f02567aecbed924b" providerId="LiveId" clId="{E77B627B-1F43-41A9-9F24-D4BB31BF6050}" dt="2025-10-07T07:04:08.816" v="31"/>
-          <ac:spMkLst>
-            <pc:docMk/>
-            <pc:sldMk cId="2954081889" sldId="403"/>
-            <ac:spMk id="5" creationId="{9CEFDC6C-CEEB-A3D4-F712-F922A5666B7D}"/>
-          </ac:spMkLst>
-        </pc:spChg>
-      </pc:sldChg>
-      <pc:sldChg chg="modSp">
-        <pc:chgData name="Uwe Ricken" userId="f02567aecbed924b" providerId="LiveId" clId="{E77B627B-1F43-41A9-9F24-D4BB31BF6050}" dt="2025-10-07T07:04:08.816" v="31"/>
-        <pc:sldMkLst>
-          <pc:docMk/>
-          <pc:sldMk cId="3986546557" sldId="404"/>
-        </pc:sldMkLst>
-        <pc:spChg chg="mod">
-          <ac:chgData name="Uwe Ricken" userId="f02567aecbed924b" providerId="LiveId" clId="{E77B627B-1F43-41A9-9F24-D4BB31BF6050}" dt="2025-10-07T07:04:08.816" v="31"/>
-          <ac:spMkLst>
-            <pc:docMk/>
-            <pc:sldMk cId="3986546557" sldId="404"/>
-            <ac:spMk id="6" creationId="{8668E183-D5F2-A8B2-64E9-68CD09B5BE12}"/>
-          </ac:spMkLst>
-        </pc:spChg>
-      </pc:sldChg>
-      <pc:sldChg chg="modSp">
-        <pc:chgData name="Uwe Ricken" userId="f02567aecbed924b" providerId="LiveId" clId="{E77B627B-1F43-41A9-9F24-D4BB31BF6050}" dt="2025-10-07T07:04:08.816" v="31"/>
-        <pc:sldMkLst>
-          <pc:docMk/>
-          <pc:sldMk cId="1428874735" sldId="405"/>
-        </pc:sldMkLst>
-        <pc:spChg chg="mod">
-          <ac:chgData name="Uwe Ricken" userId="f02567aecbed924b" providerId="LiveId" clId="{E77B627B-1F43-41A9-9F24-D4BB31BF6050}" dt="2025-10-07T07:04:08.816" v="31"/>
-          <ac:spMkLst>
-            <pc:docMk/>
-            <pc:sldMk cId="1428874735" sldId="405"/>
-            <ac:spMk id="6" creationId="{8668E183-D5F2-A8B2-64E9-68CD09B5BE12}"/>
-          </ac:spMkLst>
-        </pc:spChg>
-      </pc:sldChg>
-      <pc:sldChg chg="modSp">
-        <pc:chgData name="Uwe Ricken" userId="f02567aecbed924b" providerId="LiveId" clId="{E77B627B-1F43-41A9-9F24-D4BB31BF6050}" dt="2025-10-07T07:04:08.816" v="31"/>
-        <pc:sldMkLst>
-          <pc:docMk/>
-          <pc:sldMk cId="3770185675" sldId="406"/>
-        </pc:sldMkLst>
-        <pc:spChg chg="mod">
-          <ac:chgData name="Uwe Ricken" userId="f02567aecbed924b" providerId="LiveId" clId="{E77B627B-1F43-41A9-9F24-D4BB31BF6050}" dt="2025-10-07T07:04:08.816" v="31"/>
-          <ac:spMkLst>
-            <pc:docMk/>
-            <pc:sldMk cId="3770185675" sldId="406"/>
-            <ac:spMk id="2" creationId="{EF5D7D68-B2C5-8402-EBA0-135753D46938}"/>
-          </ac:spMkLst>
-        </pc:spChg>
-      </pc:sldChg>
-      <pc:sldChg chg="modSp">
-        <pc:chgData name="Uwe Ricken" userId="f02567aecbed924b" providerId="LiveId" clId="{E77B627B-1F43-41A9-9F24-D4BB31BF6050}" dt="2025-10-07T07:04:08.816" v="31"/>
-        <pc:sldMkLst>
-          <pc:docMk/>
-          <pc:sldMk cId="512612056" sldId="407"/>
-        </pc:sldMkLst>
-        <pc:spChg chg="mod">
-          <ac:chgData name="Uwe Ricken" userId="f02567aecbed924b" providerId="LiveId" clId="{E77B627B-1F43-41A9-9F24-D4BB31BF6050}" dt="2025-10-07T07:04:08.816" v="31"/>
-          <ac:spMkLst>
-            <pc:docMk/>
-            <pc:sldMk cId="512612056" sldId="407"/>
-            <ac:spMk id="5" creationId="{2A28113E-C100-5AED-7DB8-802C728A3591}"/>
-          </ac:spMkLst>
-        </pc:spChg>
-      </pc:sldChg>
-      <pc:sldChg chg="modSp">
-        <pc:chgData name="Uwe Ricken" userId="f02567aecbed924b" providerId="LiveId" clId="{E77B627B-1F43-41A9-9F24-D4BB31BF6050}" dt="2025-10-07T07:04:08.816" v="31"/>
-        <pc:sldMkLst>
-          <pc:docMk/>
-          <pc:sldMk cId="605723162" sldId="408"/>
-        </pc:sldMkLst>
-        <pc:spChg chg="mod">
-          <ac:chgData name="Uwe Ricken" userId="f02567aecbed924b" providerId="LiveId" clId="{E77B627B-1F43-41A9-9F24-D4BB31BF6050}" dt="2025-10-07T07:04:08.816" v="31"/>
-          <ac:spMkLst>
-            <pc:docMk/>
-            <pc:sldMk cId="605723162" sldId="408"/>
-            <ac:spMk id="2" creationId="{9EAFCD9B-6957-0B9D-2964-07A0E3DA6E75}"/>
-          </ac:spMkLst>
-        </pc:spChg>
-      </pc:sldChg>
-      <pc:sldChg chg="modSp">
-        <pc:chgData name="Uwe Ricken" userId="f02567aecbed924b" providerId="LiveId" clId="{E77B627B-1F43-41A9-9F24-D4BB31BF6050}" dt="2025-10-07T07:04:08.816" v="31"/>
-        <pc:sldMkLst>
-          <pc:docMk/>
-          <pc:sldMk cId="920116788" sldId="422"/>
-        </pc:sldMkLst>
-        <pc:spChg chg="mod">
-          <ac:chgData name="Uwe Ricken" userId="f02567aecbed924b" providerId="LiveId" clId="{E77B627B-1F43-41A9-9F24-D4BB31BF6050}" dt="2025-10-07T07:04:08.816" v="31"/>
-          <ac:spMkLst>
-            <pc:docMk/>
-            <pc:sldMk cId="920116788" sldId="422"/>
-            <ac:spMk id="5" creationId="{B6F77BBF-034A-A53E-C4B8-E4039AC9F0F3}"/>
-          </ac:spMkLst>
-        </pc:spChg>
-        <pc:spChg chg="mod">
-          <ac:chgData name="Uwe Ricken" userId="f02567aecbed924b" providerId="LiveId" clId="{E77B627B-1F43-41A9-9F24-D4BB31BF6050}" dt="2025-10-07T07:04:08.816" v="31"/>
-          <ac:spMkLst>
-            <pc:docMk/>
-            <pc:sldMk cId="920116788" sldId="422"/>
-            <ac:spMk id="12" creationId="{DD5F1E84-96EA-2FC2-EB23-C97E371DEE20}"/>
-          </ac:spMkLst>
-        </pc:spChg>
-      </pc:sldChg>
-      <pc:sldChg chg="modSp">
-        <pc:chgData name="Uwe Ricken" userId="f02567aecbed924b" providerId="LiveId" clId="{E77B627B-1F43-41A9-9F24-D4BB31BF6050}" dt="2025-10-07T07:04:08.816" v="31"/>
-        <pc:sldMkLst>
-          <pc:docMk/>
-          <pc:sldMk cId="3599433480" sldId="423"/>
-        </pc:sldMkLst>
-        <pc:spChg chg="mod">
-          <ac:chgData name="Uwe Ricken" userId="f02567aecbed924b" providerId="LiveId" clId="{E77B627B-1F43-41A9-9F24-D4BB31BF6050}" dt="2025-10-07T07:04:08.816" v="31"/>
-          <ac:spMkLst>
-            <pc:docMk/>
-            <pc:sldMk cId="3599433480" sldId="423"/>
-            <ac:spMk id="6" creationId="{8668E183-D5F2-A8B2-64E9-68CD09B5BE12}"/>
-          </ac:spMkLst>
-        </pc:spChg>
-      </pc:sldChg>
-      <pc:sldChg chg="modSp">
-        <pc:chgData name="Uwe Ricken" userId="f02567aecbed924b" providerId="LiveId" clId="{E77B627B-1F43-41A9-9F24-D4BB31BF6050}" dt="2025-10-07T07:04:08.816" v="31"/>
-        <pc:sldMkLst>
-          <pc:docMk/>
-          <pc:sldMk cId="4171190376" sldId="424"/>
-        </pc:sldMkLst>
-        <pc:spChg chg="mod">
-          <ac:chgData name="Uwe Ricken" userId="f02567aecbed924b" providerId="LiveId" clId="{E77B627B-1F43-41A9-9F24-D4BB31BF6050}" dt="2025-10-07T07:04:08.816" v="31"/>
-          <ac:spMkLst>
-            <pc:docMk/>
-            <pc:sldMk cId="4171190376" sldId="424"/>
-            <ac:spMk id="6" creationId="{8668E183-D5F2-A8B2-64E9-68CD09B5BE12}"/>
-          </ac:spMkLst>
-        </pc:spChg>
       </pc:sldChg>
       <pc:sldChg chg="addSp modSp mod modAnim">
         <pc:chgData name="Uwe Ricken" userId="f02567aecbed924b" providerId="LiveId" clId="{E77B627B-1F43-41A9-9F24-D4BB31BF6050}" dt="2025-10-17T08:23:02.677" v="63" actId="179"/>
@@ -714,22 +296,6 @@
           <pc:sldMk cId="3939206335" sldId="425"/>
         </pc:sldMkLst>
         <pc:spChg chg="mod">
-          <ac:chgData name="Uwe Ricken" userId="f02567aecbed924b" providerId="LiveId" clId="{E77B627B-1F43-41A9-9F24-D4BB31BF6050}" dt="2025-10-07T07:04:08.816" v="31"/>
-          <ac:spMkLst>
-            <pc:docMk/>
-            <pc:sldMk cId="3939206335" sldId="425"/>
-            <ac:spMk id="2" creationId="{E98644CE-860C-7C6E-6D1F-3D107B2C19EA}"/>
-          </ac:spMkLst>
-        </pc:spChg>
-        <pc:spChg chg="add mod">
-          <ac:chgData name="Uwe Ricken" userId="f02567aecbed924b" providerId="LiveId" clId="{E77B627B-1F43-41A9-9F24-D4BB31BF6050}" dt="2025-10-11T16:44:08.266" v="49" actId="1076"/>
-          <ac:spMkLst>
-            <pc:docMk/>
-            <pc:sldMk cId="3939206335" sldId="425"/>
-            <ac:spMk id="3" creationId="{280E5E9B-53D5-03A1-37AC-61999CA7E0F3}"/>
-          </ac:spMkLst>
-        </pc:spChg>
-        <pc:spChg chg="mod">
           <ac:chgData name="Uwe Ricken" userId="f02567aecbed924b" providerId="LiveId" clId="{E77B627B-1F43-41A9-9F24-D4BB31BF6050}" dt="2025-10-17T08:23:02.677" v="63" actId="179"/>
           <ac:spMkLst>
             <pc:docMk/>
@@ -737,30 +303,6 @@
             <ac:spMk id="5" creationId="{4CB2A8F3-E55E-7AEF-453C-83927AA140C3}"/>
           </ac:spMkLst>
         </pc:spChg>
-        <pc:spChg chg="add mod">
-          <ac:chgData name="Uwe Ricken" userId="f02567aecbed924b" providerId="LiveId" clId="{E77B627B-1F43-41A9-9F24-D4BB31BF6050}" dt="2025-10-11T16:45:26.595" v="56" actId="20577"/>
-          <ac:spMkLst>
-            <pc:docMk/>
-            <pc:sldMk cId="3939206335" sldId="425"/>
-            <ac:spMk id="9" creationId="{9F5D7E69-4FE5-13F9-C62F-547A60DD7CE1}"/>
-          </ac:spMkLst>
-        </pc:spChg>
-        <pc:graphicFrameChg chg="modGraphic">
-          <ac:chgData name="Uwe Ricken" userId="f02567aecbed924b" providerId="LiveId" clId="{E77B627B-1F43-41A9-9F24-D4BB31BF6050}" dt="2025-10-11T16:45:11.691" v="53" actId="6549"/>
-          <ac:graphicFrameMkLst>
-            <pc:docMk/>
-            <pc:sldMk cId="3939206335" sldId="425"/>
-            <ac:graphicFrameMk id="4" creationId="{F89EEBCF-74B1-A2AE-9538-7AE840B45D13}"/>
-          </ac:graphicFrameMkLst>
-        </pc:graphicFrameChg>
-        <pc:graphicFrameChg chg="modGraphic">
-          <ac:chgData name="Uwe Ricken" userId="f02567aecbed924b" providerId="LiveId" clId="{E77B627B-1F43-41A9-9F24-D4BB31BF6050}" dt="2025-10-11T16:43:58.435" v="48" actId="20577"/>
-          <ac:graphicFrameMkLst>
-            <pc:docMk/>
-            <pc:sldMk cId="3939206335" sldId="425"/>
-            <ac:graphicFrameMk id="7" creationId="{AC492C26-FDC5-B6F7-F1F9-8C0DF8E3D604}"/>
-          </ac:graphicFrameMkLst>
-        </pc:graphicFrameChg>
       </pc:sldChg>
       <pc:sldChg chg="addSp delSp modSp mod">
         <pc:chgData name="Uwe Ricken" userId="f02567aecbed924b" providerId="LiveId" clId="{E77B627B-1F43-41A9-9F24-D4BB31BF6050}" dt="2025-10-30T06:00:10.128" v="85" actId="478"/>
@@ -768,382 +310,22 @@
           <pc:docMk/>
           <pc:sldMk cId="216906354" sldId="426"/>
         </pc:sldMkLst>
-        <pc:picChg chg="add del mod">
-          <ac:chgData name="Uwe Ricken" userId="f02567aecbed924b" providerId="LiveId" clId="{E77B627B-1F43-41A9-9F24-D4BB31BF6050}" dt="2025-10-30T06:00:10.128" v="85" actId="478"/>
-          <ac:picMkLst>
-            <pc:docMk/>
-            <pc:sldMk cId="216906354" sldId="426"/>
-            <ac:picMk id="5" creationId="{770C0D1B-8530-FA3D-DA4D-DF92516D4ACC}"/>
-          </ac:picMkLst>
-        </pc:picChg>
       </pc:sldChg>
-      <pc:sldMasterChg chg="del delSldLayout">
-        <pc:chgData name="Uwe Ricken" userId="f02567aecbed924b" providerId="LiveId" clId="{E77B627B-1F43-41A9-9F24-D4BB31BF6050}" dt="2025-10-18T11:45:13.377" v="67" actId="2696"/>
+      <pc:sldMasterChg chg="modSp mod">
+        <pc:chgData name="Uwe Ricken" userId="f02567aecbed924b" providerId="LiveId" clId="{E77B627B-1F43-41A9-9F24-D4BB31BF6050}" dt="2025-11-11T16:37:32.252" v="98" actId="790"/>
         <pc:sldMasterMkLst>
           <pc:docMk/>
-          <pc:sldMasterMk cId="1171119488" sldId="2147483676"/>
+          <pc:sldMasterMk cId="892119104" sldId="2147483660"/>
         </pc:sldMasterMkLst>
-        <pc:sldLayoutChg chg="del">
-          <pc:chgData name="Uwe Ricken" userId="f02567aecbed924b" providerId="LiveId" clId="{E77B627B-1F43-41A9-9F24-D4BB31BF6050}" dt="2025-10-18T11:45:13.377" v="67" actId="2696"/>
-          <pc:sldLayoutMkLst>
+        <pc:spChg chg="mod">
+          <ac:chgData name="Uwe Ricken" userId="f02567aecbed924b" providerId="LiveId" clId="{E77B627B-1F43-41A9-9F24-D4BB31BF6050}" dt="2025-11-11T16:37:32.252" v="98" actId="790"/>
+          <ac:spMkLst>
             <pc:docMk/>
-            <pc:sldMasterMk cId="1171119488" sldId="2147483676"/>
-            <pc:sldLayoutMk cId="3470646179" sldId="2147483677"/>
-          </pc:sldLayoutMkLst>
-        </pc:sldLayoutChg>
-        <pc:sldLayoutChg chg="del">
-          <pc:chgData name="Uwe Ricken" userId="f02567aecbed924b" providerId="LiveId" clId="{E77B627B-1F43-41A9-9F24-D4BB31BF6050}" dt="2025-10-18T11:45:13.377" v="67" actId="2696"/>
-          <pc:sldLayoutMkLst>
-            <pc:docMk/>
-            <pc:sldMasterMk cId="1171119488" sldId="2147483676"/>
-            <pc:sldLayoutMk cId="714018962" sldId="2147483678"/>
-          </pc:sldLayoutMkLst>
-        </pc:sldLayoutChg>
-        <pc:sldLayoutChg chg="del">
-          <pc:chgData name="Uwe Ricken" userId="f02567aecbed924b" providerId="LiveId" clId="{E77B627B-1F43-41A9-9F24-D4BB31BF6050}" dt="2025-10-18T11:45:13.377" v="67" actId="2696"/>
-          <pc:sldLayoutMkLst>
-            <pc:docMk/>
-            <pc:sldMasterMk cId="1171119488" sldId="2147483676"/>
-            <pc:sldLayoutMk cId="2533539906" sldId="2147483679"/>
-          </pc:sldLayoutMkLst>
-        </pc:sldLayoutChg>
-        <pc:sldLayoutChg chg="del">
-          <pc:chgData name="Uwe Ricken" userId="f02567aecbed924b" providerId="LiveId" clId="{E77B627B-1F43-41A9-9F24-D4BB31BF6050}" dt="2025-10-18T11:45:13.377" v="67" actId="2696"/>
-          <pc:sldLayoutMkLst>
-            <pc:docMk/>
-            <pc:sldMasterMk cId="1171119488" sldId="2147483676"/>
-            <pc:sldLayoutMk cId="897885328" sldId="2147483680"/>
-          </pc:sldLayoutMkLst>
-        </pc:sldLayoutChg>
-        <pc:sldLayoutChg chg="del">
-          <pc:chgData name="Uwe Ricken" userId="f02567aecbed924b" providerId="LiveId" clId="{E77B627B-1F43-41A9-9F24-D4BB31BF6050}" dt="2025-10-18T11:45:13.377" v="67" actId="2696"/>
-          <pc:sldLayoutMkLst>
-            <pc:docMk/>
-            <pc:sldMasterMk cId="1171119488" sldId="2147483676"/>
-            <pc:sldLayoutMk cId="706585048" sldId="2147483681"/>
-          </pc:sldLayoutMkLst>
-        </pc:sldLayoutChg>
-        <pc:sldLayoutChg chg="del">
-          <pc:chgData name="Uwe Ricken" userId="f02567aecbed924b" providerId="LiveId" clId="{E77B627B-1F43-41A9-9F24-D4BB31BF6050}" dt="2025-10-18T11:45:13.377" v="67" actId="2696"/>
-          <pc:sldLayoutMkLst>
-            <pc:docMk/>
-            <pc:sldMasterMk cId="1171119488" sldId="2147483676"/>
-            <pc:sldLayoutMk cId="4105996651" sldId="2147483682"/>
-          </pc:sldLayoutMkLst>
-        </pc:sldLayoutChg>
-        <pc:sldLayoutChg chg="del">
-          <pc:chgData name="Uwe Ricken" userId="f02567aecbed924b" providerId="LiveId" clId="{E77B627B-1F43-41A9-9F24-D4BB31BF6050}" dt="2025-10-18T11:45:13.377" v="67" actId="2696"/>
-          <pc:sldLayoutMkLst>
-            <pc:docMk/>
-            <pc:sldMasterMk cId="1171119488" sldId="2147483676"/>
-            <pc:sldLayoutMk cId="3087663451" sldId="2147483683"/>
-          </pc:sldLayoutMkLst>
-        </pc:sldLayoutChg>
-        <pc:sldLayoutChg chg="del">
-          <pc:chgData name="Uwe Ricken" userId="f02567aecbed924b" providerId="LiveId" clId="{E77B627B-1F43-41A9-9F24-D4BB31BF6050}" dt="2025-10-18T11:45:13.377" v="67" actId="2696"/>
-          <pc:sldLayoutMkLst>
-            <pc:docMk/>
-            <pc:sldMasterMk cId="1171119488" sldId="2147483676"/>
-            <pc:sldLayoutMk cId="468577503" sldId="2147483684"/>
-          </pc:sldLayoutMkLst>
-        </pc:sldLayoutChg>
-        <pc:sldLayoutChg chg="del">
-          <pc:chgData name="Uwe Ricken" userId="f02567aecbed924b" providerId="LiveId" clId="{E77B627B-1F43-41A9-9F24-D4BB31BF6050}" dt="2025-10-18T11:45:13.377" v="67" actId="2696"/>
-          <pc:sldLayoutMkLst>
-            <pc:docMk/>
-            <pc:sldMasterMk cId="1171119488" sldId="2147483676"/>
-            <pc:sldLayoutMk cId="1283835507" sldId="2147483685"/>
-          </pc:sldLayoutMkLst>
-        </pc:sldLayoutChg>
-        <pc:sldLayoutChg chg="del">
-          <pc:chgData name="Uwe Ricken" userId="f02567aecbed924b" providerId="LiveId" clId="{E77B627B-1F43-41A9-9F24-D4BB31BF6050}" dt="2025-10-18T11:45:13.377" v="67" actId="2696"/>
-          <pc:sldLayoutMkLst>
-            <pc:docMk/>
-            <pc:sldMasterMk cId="1171119488" sldId="2147483676"/>
-            <pc:sldLayoutMk cId="330773150" sldId="2147483686"/>
-          </pc:sldLayoutMkLst>
-        </pc:sldLayoutChg>
-        <pc:sldLayoutChg chg="del">
-          <pc:chgData name="Uwe Ricken" userId="f02567aecbed924b" providerId="LiveId" clId="{E77B627B-1F43-41A9-9F24-D4BB31BF6050}" dt="2025-10-18T11:45:13.377" v="67" actId="2696"/>
-          <pc:sldLayoutMkLst>
-            <pc:docMk/>
-            <pc:sldMasterMk cId="1171119488" sldId="2147483676"/>
-            <pc:sldLayoutMk cId="3133399915" sldId="2147483687"/>
-          </pc:sldLayoutMkLst>
-        </pc:sldLayoutChg>
+            <pc:sldMasterMk cId="892119104" sldId="2147483660"/>
+            <ac:spMk id="4" creationId="{00000000-0000-0000-0000-000000000000}"/>
+          </ac:spMkLst>
+        </pc:spChg>
       </pc:sldMasterChg>
-    </pc:docChg>
-  </pc:docChgLst>
-  <pc:docChgLst>
-    <pc:chgData name="Uwe Ricken" userId="f02567aecbed924b" providerId="LiveId" clId="{49285B68-C998-4E8C-918A-E8D988C1471A}"/>
-    <pc:docChg chg="custSel addSld modSld">
-      <pc:chgData name="Uwe Ricken" userId="f02567aecbed924b" providerId="LiveId" clId="{49285B68-C998-4E8C-918A-E8D988C1471A}" dt="2025-02-04T18:51:15.444" v="22" actId="478"/>
-      <pc:docMkLst>
-        <pc:docMk/>
-      </pc:docMkLst>
-      <pc:sldChg chg="mod modShow">
-        <pc:chgData name="Uwe Ricken" userId="f02567aecbed924b" providerId="LiveId" clId="{49285B68-C998-4E8C-918A-E8D988C1471A}" dt="2025-02-04T16:40:03.265" v="20" actId="729"/>
-        <pc:sldMkLst>
-          <pc:docMk/>
-          <pc:sldMk cId="3711842215" sldId="402"/>
-        </pc:sldMkLst>
-      </pc:sldChg>
-      <pc:sldChg chg="addSp delSp mod">
-        <pc:chgData name="Uwe Ricken" userId="f02567aecbed924b" providerId="LiveId" clId="{49285B68-C998-4E8C-918A-E8D988C1471A}" dt="2025-02-04T18:51:15.444" v="22" actId="478"/>
-        <pc:sldMkLst>
-          <pc:docMk/>
-          <pc:sldMk cId="512612056" sldId="407"/>
-        </pc:sldMkLst>
-      </pc:sldChg>
-      <pc:sldChg chg="modSp add mod">
-        <pc:chgData name="Uwe Ricken" userId="f02567aecbed924b" providerId="LiveId" clId="{49285B68-C998-4E8C-918A-E8D988C1471A}" dt="2025-02-04T16:07:10.113" v="13" actId="20577"/>
-        <pc:sldMkLst>
-          <pc:docMk/>
-          <pc:sldMk cId="3599433480" sldId="423"/>
-        </pc:sldMkLst>
-      </pc:sldChg>
-      <pc:sldChg chg="modSp add mod">
-        <pc:chgData name="Uwe Ricken" userId="f02567aecbed924b" providerId="LiveId" clId="{49285B68-C998-4E8C-918A-E8D988C1471A}" dt="2025-02-04T16:39:55.313" v="19" actId="20577"/>
-        <pc:sldMkLst>
-          <pc:docMk/>
-          <pc:sldMk cId="4171190376" sldId="424"/>
-        </pc:sldMkLst>
-      </pc:sldChg>
-    </pc:docChg>
-  </pc:docChgLst>
-  <pc:docChgLst>
-    <pc:chgData name="Uwe Ricken" userId="f02567aecbed924b" providerId="LiveId" clId="{05F991DB-F590-45B3-B343-DF3BA6243F91}"/>
-    <pc:docChg chg="undo custSel addSld delSld modSld sldOrd">
-      <pc:chgData name="Uwe Ricken" userId="f02567aecbed924b" providerId="LiveId" clId="{05F991DB-F590-45B3-B343-DF3BA6243F91}" dt="2025-01-30T14:52:32.989" v="3013" actId="1035"/>
-      <pc:docMkLst>
-        <pc:docMk/>
-      </pc:docMkLst>
-      <pc:sldChg chg="modSp mod">
-        <pc:chgData name="Uwe Ricken" userId="f02567aecbed924b" providerId="LiveId" clId="{05F991DB-F590-45B3-B343-DF3BA6243F91}" dt="2025-01-15T07:47:09.755" v="60" actId="20577"/>
-        <pc:sldMkLst>
-          <pc:docMk/>
-          <pc:sldMk cId="3145909516" sldId="256"/>
-        </pc:sldMkLst>
-      </pc:sldChg>
-      <pc:sldChg chg="add">
-        <pc:chgData name="Uwe Ricken" userId="f02567aecbed924b" providerId="LiveId" clId="{05F991DB-F590-45B3-B343-DF3BA6243F91}" dt="2025-01-15T07:48:25.409" v="61"/>
-        <pc:sldMkLst>
-          <pc:docMk/>
-          <pc:sldMk cId="1252969730" sldId="315"/>
-        </pc:sldMkLst>
-      </pc:sldChg>
-      <pc:sldChg chg="modSp add mod">
-        <pc:chgData name="Uwe Ricken" userId="f02567aecbed924b" providerId="LiveId" clId="{05F991DB-F590-45B3-B343-DF3BA6243F91}" dt="2025-01-25T10:41:36.969" v="2996" actId="20577"/>
-        <pc:sldMkLst>
-          <pc:docMk/>
-          <pc:sldMk cId="4195874464" sldId="327"/>
-        </pc:sldMkLst>
-      </pc:sldChg>
-      <pc:sldChg chg="modSp add mod">
-        <pc:chgData name="Uwe Ricken" userId="f02567aecbed924b" providerId="LiveId" clId="{05F991DB-F590-45B3-B343-DF3BA6243F91}" dt="2025-01-18T08:39:34.628" v="1271" actId="255"/>
-        <pc:sldMkLst>
-          <pc:docMk/>
-          <pc:sldMk cId="1681187469" sldId="381"/>
-        </pc:sldMkLst>
-      </pc:sldChg>
-      <pc:sldChg chg="addSp delSp modSp new mod modClrScheme chgLayout">
-        <pc:chgData name="Uwe Ricken" userId="f02567aecbed924b" providerId="LiveId" clId="{05F991DB-F590-45B3-B343-DF3BA6243F91}" dt="2025-01-18T04:30:33.505" v="349" actId="113"/>
-        <pc:sldMkLst>
-          <pc:docMk/>
-          <pc:sldMk cId="1313276407" sldId="382"/>
-        </pc:sldMkLst>
-      </pc:sldChg>
-      <pc:sldChg chg="addSp modSp add mod">
-        <pc:chgData name="Uwe Ricken" userId="f02567aecbed924b" providerId="LiveId" clId="{05F991DB-F590-45B3-B343-DF3BA6243F91}" dt="2025-01-30T14:52:32.989" v="3013" actId="1035"/>
-        <pc:sldMkLst>
-          <pc:docMk/>
-          <pc:sldMk cId="3137805841" sldId="383"/>
-        </pc:sldMkLst>
-      </pc:sldChg>
-      <pc:sldChg chg="addSp delSp modSp new mod ord">
-        <pc:chgData name="Uwe Ricken" userId="f02567aecbed924b" providerId="LiveId" clId="{05F991DB-F590-45B3-B343-DF3BA6243F91}" dt="2025-01-18T07:39:24.744" v="920"/>
-        <pc:sldMkLst>
-          <pc:docMk/>
-          <pc:sldMk cId="694014805" sldId="384"/>
-        </pc:sldMkLst>
-      </pc:sldChg>
-      <pc:sldChg chg="modSp mod">
-        <pc:chgData name="Uwe Ricken" userId="f02567aecbed924b" providerId="LiveId" clId="{05F991DB-F590-45B3-B343-DF3BA6243F91}" dt="2025-01-18T07:07:30.785" v="557" actId="113"/>
-        <pc:sldMkLst>
-          <pc:docMk/>
-          <pc:sldMk cId="702285124" sldId="390"/>
-        </pc:sldMkLst>
-      </pc:sldChg>
-      <pc:sldChg chg="modSp mod ord">
-        <pc:chgData name="Uwe Ricken" userId="f02567aecbed924b" providerId="LiveId" clId="{05F991DB-F590-45B3-B343-DF3BA6243F91}" dt="2025-01-18T07:39:24.744" v="920"/>
-        <pc:sldMkLst>
-          <pc:docMk/>
-          <pc:sldMk cId="418670867" sldId="391"/>
-        </pc:sldMkLst>
-      </pc:sldChg>
-      <pc:sldChg chg="addSp delSp modSp new mod ord">
-        <pc:chgData name="Uwe Ricken" userId="f02567aecbed924b" providerId="LiveId" clId="{05F991DB-F590-45B3-B343-DF3BA6243F91}" dt="2025-01-23T07:41:27.661" v="2785" actId="1036"/>
-        <pc:sldMkLst>
-          <pc:docMk/>
-          <pc:sldMk cId="927822285" sldId="392"/>
-        </pc:sldMkLst>
-      </pc:sldChg>
-      <pc:sldChg chg="modSp new del mod">
-        <pc:chgData name="Uwe Ricken" userId="f02567aecbed924b" providerId="LiveId" clId="{05F991DB-F590-45B3-B343-DF3BA6243F91}" dt="2025-01-19T15:43:43.891" v="2352" actId="2696"/>
-        <pc:sldMkLst>
-          <pc:docMk/>
-          <pc:sldMk cId="254117892" sldId="393"/>
-        </pc:sldMkLst>
-      </pc:sldChg>
-      <pc:sldChg chg="addSp delSp modSp mod ord modClrScheme addAnim delAnim modAnim chgLayout">
-        <pc:chgData name="Uwe Ricken" userId="f02567aecbed924b" providerId="LiveId" clId="{05F991DB-F590-45B3-B343-DF3BA6243F91}" dt="2025-01-30T14:50:06.926" v="3000" actId="552"/>
-        <pc:sldMkLst>
-          <pc:docMk/>
-          <pc:sldMk cId="3452348964" sldId="396"/>
-        </pc:sldMkLst>
-      </pc:sldChg>
-      <pc:sldChg chg="addSp delSp modSp new del mod">
-        <pc:chgData name="Uwe Ricken" userId="f02567aecbed924b" providerId="LiveId" clId="{05F991DB-F590-45B3-B343-DF3BA6243F91}" dt="2025-01-18T08:10:13.791" v="1134" actId="2696"/>
-        <pc:sldMkLst>
-          <pc:docMk/>
-          <pc:sldMk cId="1087867905" sldId="397"/>
-        </pc:sldMkLst>
-      </pc:sldChg>
-      <pc:sldChg chg="addSp delSp modSp add mod delAnim modAnim modNotesTx">
-        <pc:chgData name="Uwe Ricken" userId="f02567aecbed924b" providerId="LiveId" clId="{05F991DB-F590-45B3-B343-DF3BA6243F91}" dt="2025-01-23T07:42:39.799" v="2856" actId="1036"/>
-        <pc:sldMkLst>
-          <pc:docMk/>
-          <pc:sldMk cId="1218141939" sldId="397"/>
-        </pc:sldMkLst>
-      </pc:sldChg>
-      <pc:sldChg chg="modSp add del mod modAnim">
-        <pc:chgData name="Uwe Ricken" userId="f02567aecbed924b" providerId="LiveId" clId="{05F991DB-F590-45B3-B343-DF3BA6243F91}" dt="2025-01-18T08:11:08.242" v="1148" actId="2696"/>
-        <pc:sldMkLst>
-          <pc:docMk/>
-          <pc:sldMk cId="1187906323" sldId="398"/>
-        </pc:sldMkLst>
-      </pc:sldChg>
-      <pc:sldChg chg="addSp delSp modSp new mod">
-        <pc:chgData name="Uwe Ricken" userId="f02567aecbed924b" providerId="LiveId" clId="{05F991DB-F590-45B3-B343-DF3BA6243F91}" dt="2025-01-25T10:42:14.459" v="2999" actId="113"/>
-        <pc:sldMkLst>
-          <pc:docMk/>
-          <pc:sldMk cId="2340043209" sldId="398"/>
-        </pc:sldMkLst>
-      </pc:sldChg>
-      <pc:sldChg chg="add del">
-        <pc:chgData name="Uwe Ricken" userId="f02567aecbed924b" providerId="LiveId" clId="{05F991DB-F590-45B3-B343-DF3BA6243F91}" dt="2025-01-18T09:00:36.621" v="1462" actId="2696"/>
-        <pc:sldMkLst>
-          <pc:docMk/>
-          <pc:sldMk cId="1300544609" sldId="399"/>
-        </pc:sldMkLst>
-      </pc:sldChg>
-      <pc:sldChg chg="modSp mod">
-        <pc:chgData name="Uwe Ricken" userId="f02567aecbed924b" providerId="LiveId" clId="{05F991DB-F590-45B3-B343-DF3BA6243F91}" dt="2025-01-23T07:43:34.373" v="2878" actId="20577"/>
-        <pc:sldMkLst>
-          <pc:docMk/>
-          <pc:sldMk cId="2262591952" sldId="399"/>
-        </pc:sldMkLst>
-      </pc:sldChg>
-      <pc:sldChg chg="modSp new mod modShow">
-        <pc:chgData name="Uwe Ricken" userId="f02567aecbed924b" providerId="LiveId" clId="{05F991DB-F590-45B3-B343-DF3BA6243F91}" dt="2025-01-20T10:26:26.520" v="2452" actId="729"/>
-        <pc:sldMkLst>
-          <pc:docMk/>
-          <pc:sldMk cId="3663633766" sldId="400"/>
-        </pc:sldMkLst>
-      </pc:sldChg>
-      <pc:sldChg chg="addSp delSp modSp new mod modClrScheme modAnim chgLayout">
-        <pc:chgData name="Uwe Ricken" userId="f02567aecbed924b" providerId="LiveId" clId="{05F991DB-F590-45B3-B343-DF3BA6243F91}" dt="2025-01-19T16:12:37.046" v="2449"/>
-        <pc:sldMkLst>
-          <pc:docMk/>
-          <pc:sldMk cId="1635604563" sldId="401"/>
-        </pc:sldMkLst>
-      </pc:sldChg>
-      <pc:sldChg chg="addSp delSp modSp new mod modClrScheme chgLayout">
-        <pc:chgData name="Uwe Ricken" userId="f02567aecbed924b" providerId="LiveId" clId="{05F991DB-F590-45B3-B343-DF3BA6243F91}" dt="2025-01-18T09:50:09.926" v="1974" actId="207"/>
-        <pc:sldMkLst>
-          <pc:docMk/>
-          <pc:sldMk cId="3711842215" sldId="402"/>
-        </pc:sldMkLst>
-      </pc:sldChg>
-      <pc:sldChg chg="addSp delSp modSp new mod modClrScheme modAnim chgLayout">
-        <pc:chgData name="Uwe Ricken" userId="f02567aecbed924b" providerId="LiveId" clId="{05F991DB-F590-45B3-B343-DF3BA6243F91}" dt="2025-01-19T16:13:37.835" v="2451"/>
-        <pc:sldMkLst>
-          <pc:docMk/>
-          <pc:sldMk cId="2954081889" sldId="403"/>
-        </pc:sldMkLst>
-      </pc:sldChg>
-      <pc:sldChg chg="modSp mod">
-        <pc:chgData name="Uwe Ricken" userId="f02567aecbed924b" providerId="LiveId" clId="{05F991DB-F590-45B3-B343-DF3BA6243F91}" dt="2025-01-19T15:44:59.660" v="2380" actId="20577"/>
-        <pc:sldMkLst>
-          <pc:docMk/>
-          <pc:sldMk cId="3986546557" sldId="404"/>
-        </pc:sldMkLst>
-      </pc:sldChg>
-      <pc:sldChg chg="modSp mod">
-        <pc:chgData name="Uwe Ricken" userId="f02567aecbed924b" providerId="LiveId" clId="{05F991DB-F590-45B3-B343-DF3BA6243F91}" dt="2025-01-19T15:45:45.394" v="2398" actId="20577"/>
-        <pc:sldMkLst>
-          <pc:docMk/>
-          <pc:sldMk cId="1428874735" sldId="405"/>
-        </pc:sldMkLst>
-      </pc:sldChg>
-      <pc:sldChg chg="del">
-        <pc:chgData name="Uwe Ricken" userId="f02567aecbed924b" providerId="LiveId" clId="{05F991DB-F590-45B3-B343-DF3BA6243F91}" dt="2025-01-20T10:26:34.931" v="2453" actId="2696"/>
-        <pc:sldMkLst>
-          <pc:docMk/>
-          <pc:sldMk cId="2338234723" sldId="406"/>
-        </pc:sldMkLst>
-      </pc:sldChg>
-      <pc:sldChg chg="addSp delSp modSp mod delAnim modAnim">
-        <pc:chgData name="Uwe Ricken" userId="f02567aecbed924b" providerId="LiveId" clId="{05F991DB-F590-45B3-B343-DF3BA6243F91}" dt="2025-01-23T07:45:08.329" v="2888" actId="20577"/>
-        <pc:sldMkLst>
-          <pc:docMk/>
-          <pc:sldMk cId="3770185675" sldId="406"/>
-        </pc:sldMkLst>
-      </pc:sldChg>
-      <pc:sldChg chg="addSp delSp modSp mod delAnim">
-        <pc:chgData name="Uwe Ricken" userId="f02567aecbed924b" providerId="LiveId" clId="{05F991DB-F590-45B3-B343-DF3BA6243F91}" dt="2025-01-20T10:27:51.728" v="2477" actId="20577"/>
-        <pc:sldMkLst>
-          <pc:docMk/>
-          <pc:sldMk cId="512612056" sldId="407"/>
-        </pc:sldMkLst>
-      </pc:sldChg>
-      <pc:sldChg chg="addSp delSp modSp new mod">
-        <pc:chgData name="Uwe Ricken" userId="f02567aecbed924b" providerId="LiveId" clId="{05F991DB-F590-45B3-B343-DF3BA6243F91}" dt="2025-01-20T10:38:42.677" v="2682" actId="555"/>
-        <pc:sldMkLst>
-          <pc:docMk/>
-          <pc:sldMk cId="605723162" sldId="408"/>
-        </pc:sldMkLst>
-      </pc:sldChg>
-      <pc:sldChg chg="del">
-        <pc:chgData name="Uwe Ricken" userId="f02567aecbed924b" providerId="LiveId" clId="{05F991DB-F590-45B3-B343-DF3BA6243F91}" dt="2025-01-18T07:42:53.507" v="928" actId="2696"/>
-        <pc:sldMkLst>
-          <pc:docMk/>
-          <pc:sldMk cId="1636923485" sldId="419"/>
-        </pc:sldMkLst>
-      </pc:sldChg>
-    </pc:docChg>
-  </pc:docChgLst>
-  <pc:docChgLst>
-    <pc:chgData name="Uwe Ricken" userId="f02567aecbed924b" providerId="LiveId" clId="{27FC87E8-9F77-430A-9C68-7CC6188671C0}"/>
-    <pc:docChg chg="modSld">
-      <pc:chgData name="Uwe Ricken" userId="f02567aecbed924b" providerId="LiveId" clId="{27FC87E8-9F77-430A-9C68-7CC6188671C0}" dt="2025-06-18T14:49:24.912" v="5" actId="729"/>
-      <pc:docMkLst>
-        <pc:docMk/>
-      </pc:docMkLst>
-      <pc:sldChg chg="modSp">
-        <pc:chgData name="Uwe Ricken" userId="f02567aecbed924b" providerId="LiveId" clId="{27FC87E8-9F77-430A-9C68-7CC6188671C0}" dt="2025-06-18T14:47:29.334" v="4" actId="20577"/>
-        <pc:sldMkLst>
-          <pc:docMk/>
-          <pc:sldMk cId="1218141939" sldId="397"/>
-        </pc:sldMkLst>
-      </pc:sldChg>
-      <pc:sldChg chg="mod modShow">
-        <pc:chgData name="Uwe Ricken" userId="f02567aecbed924b" providerId="LiveId" clId="{27FC87E8-9F77-430A-9C68-7CC6188671C0}" dt="2025-06-18T14:49:24.912" v="5" actId="729"/>
-        <pc:sldMkLst>
-          <pc:docMk/>
-          <pc:sldMk cId="3663633766" sldId="400"/>
-        </pc:sldMkLst>
-      </pc:sldChg>
     </pc:docChg>
   </pc:docChgLst>
 </pc:chgInfo>
@@ -1198,7 +380,7 @@
             </a:lvl1pPr>
           </a:lstStyle>
           <a:p>
-            <a:endParaRPr lang="en-US"/>
+            <a:endParaRPr lang="en-US" dirty="0"/>
           </a:p>
         </p:txBody>
       </p:sp>
@@ -1231,9 +413,9 @@
           <a:p>
             <a:fld id="{3C419B01-702D-4879-AE3A-0F34CD7B4394}" type="datetimeFigureOut">
               <a:rPr lang="en-US" smtClean="0"/>
-              <a:t>10/29/2025</a:t>
+              <a:t>11/11/2025</a:t>
             </a:fld>
-            <a:endParaRPr lang="en-US"/>
+            <a:endParaRPr lang="en-US" dirty="0"/>
           </a:p>
         </p:txBody>
       </p:sp>
@@ -1266,7 +448,7 @@
           <a:bodyPr vert="horz" lIns="91440" tIns="45720" rIns="91440" bIns="45720" rtlCol="0" anchor="ctr"/>
           <a:lstStyle/>
           <a:p>
-            <a:endParaRPr lang="en-US"/>
+            <a:endParaRPr lang="en-US" dirty="0"/>
           </a:p>
         </p:txBody>
       </p:sp>
@@ -1357,7 +539,7 @@
             </a:lvl1pPr>
           </a:lstStyle>
           <a:p>
-            <a:endParaRPr lang="en-US"/>
+            <a:endParaRPr lang="en-US" dirty="0"/>
           </a:p>
         </p:txBody>
       </p:sp>
@@ -1392,7 +574,7 @@
               <a:rPr lang="en-US" smtClean="0"/>
               <a:t>‹Nr.›</a:t>
             </a:fld>
-            <a:endParaRPr lang="en-US"/>
+            <a:endParaRPr lang="en-US" dirty="0"/>
           </a:p>
         </p:txBody>
       </p:sp>
@@ -1544,6 +726,13 @@
             <a:ext cx="6096000" cy="3429000"/>
           </a:xfrm>
         </p:spPr>
+        <p:txBody>
+          <a:bodyPr/>
+          <a:lstStyle/>
+          <a:p>
+            <a:endParaRPr lang="en-US" dirty="0"/>
+          </a:p>
+        </p:txBody>
       </p:sp>
       <p:sp>
         <p:nvSpPr>
@@ -1566,22 +755,6 @@
           <a:bodyPr/>
           <a:lstStyle/>
           <a:p>
-            <a:r>
-              <a:rPr lang="fr-FR" dirty="0"/>
-              <a:t>000 - Basics about relations indexes partitions allocation </a:t>
-            </a:r>
-            <a:r>
-              <a:rPr lang="fr-FR" dirty="0" err="1"/>
-              <a:t>units</a:t>
-            </a:r>
-            <a:r>
-              <a:rPr lang="fr-FR" dirty="0"/>
-              <a:t> pages </a:t>
-            </a:r>
-            <a:r>
-              <a:rPr lang="fr-FR" dirty="0" err="1"/>
-              <a:t>etc.sql</a:t>
-            </a:r>
             <a:endParaRPr lang="fr-FR" dirty="0"/>
           </a:p>
         </p:txBody>
@@ -1611,7 +784,7 @@
               <a:rPr lang="en-US" smtClean="0"/>
               <a:t>10</a:t>
             </a:fld>
-            <a:endParaRPr lang="en-US"/>
+            <a:endParaRPr lang="en-US" dirty="0"/>
           </a:p>
         </p:txBody>
       </p:sp>
@@ -1673,6 +846,13 @@
             <a:ext cx="6096000" cy="3429000"/>
           </a:xfrm>
         </p:spPr>
+        <p:txBody>
+          <a:bodyPr/>
+          <a:lstStyle/>
+          <a:p>
+            <a:endParaRPr lang="en-US" dirty="0"/>
+          </a:p>
+        </p:txBody>
       </p:sp>
       <p:sp>
         <p:nvSpPr>
@@ -1724,7 +904,7 @@
               <a:rPr lang="en-US" smtClean="0"/>
               <a:t>11</a:t>
             </a:fld>
-            <a:endParaRPr lang="en-US"/>
+            <a:endParaRPr lang="en-US" dirty="0"/>
           </a:p>
         </p:txBody>
       </p:sp>
@@ -4133,20 +3313,12 @@
           <a:p>
             <a:pPr algn="r"/>
             <a:r>
-              <a:rPr lang="en-US" sz="1000" b="1" noProof="0" dirty="0" err="1"/>
-              <a:t>Planung</a:t>
-            </a:r>
-            <a:r>
               <a:rPr lang="en-US" sz="1000" b="1" noProof="0" dirty="0"/>
-              <a:t> – Installation</a:t>
+              <a:t>Planung – Installation</a:t>
             </a:r>
             <a:r>
               <a:rPr lang="en-US" sz="1000" b="1" baseline="0" noProof="0" dirty="0"/>
-              <a:t> – </a:t>
-            </a:r>
-            <a:r>
-              <a:rPr lang="en-US" sz="1000" b="1" baseline="0" noProof="0" dirty="0" err="1"/>
-              <a:t>Optimierung</a:t>
+              <a:t> – Optimierung</a:t>
             </a:r>
             <a:br>
               <a:rPr lang="en-US" sz="1000" b="1" baseline="0" noProof="0" dirty="0"/>
@@ -4246,7 +3418,7 @@
           <a:lstStyle/>
           <a:p>
             <a:pPr algn="ctr"/>
-            <a:endParaRPr lang="en-US" sz="2400"/>
+            <a:endParaRPr lang="en-US" sz="2400" dirty="0"/>
           </a:p>
         </p:txBody>
       </p:sp>
@@ -5420,7 +4592,7 @@
 </file>
 
 <file path=ppt/slides/slide1.xml><?xml version="1.0" encoding="utf-8"?>
-<p:sld xmlns:a="http://schemas.openxmlformats.org/drawingml/2006/main" xmlns:r="http://schemas.openxmlformats.org/officeDocument/2006/relationships" xmlns:p="http://schemas.openxmlformats.org/presentationml/2006/main" show="0">
+<p:sld xmlns:a="http://schemas.openxmlformats.org/drawingml/2006/main" xmlns:r="http://schemas.openxmlformats.org/officeDocument/2006/relationships" xmlns:p="http://schemas.openxmlformats.org/presentationml/2006/main">
   <p:cSld>
     <p:spTree>
       <p:nvGrpSpPr>
@@ -5644,7 +4816,7 @@
               <a:t>UPDATE </a:t>
             </a:r>
             <a:r>
-              <a:rPr lang="en-US" sz="1600" dirty="0" err="1">
+              <a:rPr lang="en-US" sz="1600" dirty="0">
                 <a:solidFill>
                   <a:srgbClr val="000000"/>
                 </a:solidFill>
@@ -5653,22 +4825,24 @@
                 </a:highlight>
                 <a:latin typeface="Cascadia Mono" panose="020B0609020000020004" pitchFamily="49" charset="0"/>
               </a:rPr>
-              <a:t>dbo</a:t>
-            </a:r>
-            <a:r>
-              <a:rPr lang="en-US" sz="1600" dirty="0" err="1">
-                <a:solidFill>
-                  <a:srgbClr val="808080"/>
+              <a:t>dbo.customers</a:t>
+            </a:r>
+          </a:p>
+          <a:p>
+            <a:r>
+              <a:rPr lang="en-US" sz="1600" dirty="0">
+                <a:solidFill>
+                  <a:srgbClr val="0000FF"/>
                 </a:solidFill>
                 <a:highlight>
                   <a:srgbClr val="FFFFFF"/>
                 </a:highlight>
                 <a:latin typeface="Cascadia Mono" panose="020B0609020000020004" pitchFamily="49" charset="0"/>
               </a:rPr>
-              <a:t>.</a:t>
-            </a:r>
-            <a:r>
-              <a:rPr lang="en-US" sz="1600" dirty="0" err="1">
+              <a:t>   SET    </a:t>
+            </a:r>
+            <a:r>
+              <a:rPr lang="en-US" sz="1600" dirty="0">
                 <a:solidFill>
                   <a:srgbClr val="000000"/>
                 </a:solidFill>
@@ -5677,7 +4851,43 @@
                 </a:highlight>
                 <a:latin typeface="Cascadia Mono" panose="020B0609020000020004" pitchFamily="49" charset="0"/>
               </a:rPr>
-              <a:t>customers</a:t>
+              <a:t>c_name </a:t>
+            </a:r>
+            <a:r>
+              <a:rPr lang="en-US" sz="1600" dirty="0">
+                <a:solidFill>
+                  <a:srgbClr val="808080"/>
+                </a:solidFill>
+                <a:highlight>
+                  <a:srgbClr val="FFFFFF"/>
+                </a:highlight>
+                <a:latin typeface="Cascadia Mono" panose="020B0609020000020004" pitchFamily="49" charset="0"/>
+              </a:rPr>
+              <a:t>=</a:t>
+            </a:r>
+            <a:r>
+              <a:rPr lang="en-US" sz="1600" dirty="0">
+                <a:solidFill>
+                  <a:srgbClr val="000000"/>
+                </a:solidFill>
+                <a:highlight>
+                  <a:srgbClr val="FFFFFF"/>
+                </a:highlight>
+                <a:latin typeface="Cascadia Mono" panose="020B0609020000020004" pitchFamily="49" charset="0"/>
+              </a:rPr>
+              <a:t> </a:t>
+            </a:r>
+            <a:r>
+              <a:rPr lang="en-US" sz="1600" dirty="0">
+                <a:solidFill>
+                  <a:srgbClr val="FF0000"/>
+                </a:solidFill>
+                <a:highlight>
+                  <a:srgbClr val="FFFFFF"/>
+                </a:highlight>
+                <a:latin typeface="Cascadia Mono" panose="020B0609020000020004" pitchFamily="49" charset="0"/>
+              </a:rPr>
+              <a:t>'Uwe Ricken’</a:t>
             </a:r>
             <a:endParaRPr lang="en-US" sz="1600" dirty="0">
               <a:solidFill>
@@ -5700,10 +4910,10 @@
                 </a:highlight>
                 <a:latin typeface="Cascadia Mono" panose="020B0609020000020004" pitchFamily="49" charset="0"/>
               </a:rPr>
-              <a:t>   SET    </a:t>
-            </a:r>
-            <a:r>
-              <a:rPr lang="en-US" sz="1600" dirty="0" err="1">
+              <a:t>   WHERE  </a:t>
+            </a:r>
+            <a:r>
+              <a:rPr lang="en-US" sz="1600" dirty="0">
                 <a:solidFill>
                   <a:srgbClr val="000000"/>
                 </a:solidFill>
@@ -5712,102 +4922,7 @@
                 </a:highlight>
                 <a:latin typeface="Cascadia Mono" panose="020B0609020000020004" pitchFamily="49" charset="0"/>
               </a:rPr>
-              <a:t>c_name</a:t>
-            </a:r>
-            <a:r>
-              <a:rPr lang="en-US" sz="1600" dirty="0">
-                <a:solidFill>
-                  <a:srgbClr val="000000"/>
-                </a:solidFill>
-                <a:highlight>
-                  <a:srgbClr val="FFFFFF"/>
-                </a:highlight>
-                <a:latin typeface="Cascadia Mono" panose="020B0609020000020004" pitchFamily="49" charset="0"/>
-              </a:rPr>
-              <a:t> </a:t>
-            </a:r>
-            <a:r>
-              <a:rPr lang="en-US" sz="1600" dirty="0">
-                <a:solidFill>
-                  <a:srgbClr val="808080"/>
-                </a:solidFill>
-                <a:highlight>
-                  <a:srgbClr val="FFFFFF"/>
-                </a:highlight>
-                <a:latin typeface="Cascadia Mono" panose="020B0609020000020004" pitchFamily="49" charset="0"/>
-              </a:rPr>
-              <a:t>=</a:t>
-            </a:r>
-            <a:r>
-              <a:rPr lang="en-US" sz="1600" dirty="0">
-                <a:solidFill>
-                  <a:srgbClr val="000000"/>
-                </a:solidFill>
-                <a:highlight>
-                  <a:srgbClr val="FFFFFF"/>
-                </a:highlight>
-                <a:latin typeface="Cascadia Mono" panose="020B0609020000020004" pitchFamily="49" charset="0"/>
-              </a:rPr>
-              <a:t> </a:t>
-            </a:r>
-            <a:r>
-              <a:rPr lang="en-US" sz="1600" dirty="0">
-                <a:solidFill>
-                  <a:srgbClr val="FF0000"/>
-                </a:solidFill>
-                <a:highlight>
-                  <a:srgbClr val="FFFFFF"/>
-                </a:highlight>
-                <a:latin typeface="Cascadia Mono" panose="020B0609020000020004" pitchFamily="49" charset="0"/>
-              </a:rPr>
-              <a:t>'Uwe Ricken’</a:t>
-            </a:r>
-            <a:endParaRPr lang="en-US" sz="1600" dirty="0">
-              <a:solidFill>
-                <a:srgbClr val="000000"/>
-              </a:solidFill>
-              <a:highlight>
-                <a:srgbClr val="FFFFFF"/>
-              </a:highlight>
-              <a:latin typeface="Cascadia Mono" panose="020B0609020000020004" pitchFamily="49" charset="0"/>
-            </a:endParaRPr>
-          </a:p>
-          <a:p>
-            <a:r>
-              <a:rPr lang="en-US" sz="1600" dirty="0">
-                <a:solidFill>
-                  <a:srgbClr val="0000FF"/>
-                </a:solidFill>
-                <a:highlight>
-                  <a:srgbClr val="FFFFFF"/>
-                </a:highlight>
-                <a:latin typeface="Cascadia Mono" panose="020B0609020000020004" pitchFamily="49" charset="0"/>
-              </a:rPr>
-              <a:t>   WHERE  </a:t>
-            </a:r>
-            <a:r>
-              <a:rPr lang="en-US" sz="1600" dirty="0" err="1">
-                <a:solidFill>
-                  <a:srgbClr val="000000"/>
-                </a:solidFill>
-                <a:highlight>
-                  <a:srgbClr val="FFFFFF"/>
-                </a:highlight>
-                <a:latin typeface="Cascadia Mono" panose="020B0609020000020004" pitchFamily="49" charset="0"/>
-              </a:rPr>
-              <a:t>c_custkey</a:t>
-            </a:r>
-            <a:r>
-              <a:rPr lang="en-US" sz="1600" dirty="0">
-                <a:solidFill>
-                  <a:srgbClr val="000000"/>
-                </a:solidFill>
-                <a:highlight>
-                  <a:srgbClr val="FFFFFF"/>
-                </a:highlight>
-                <a:latin typeface="Cascadia Mono" panose="020B0609020000020004" pitchFamily="49" charset="0"/>
-              </a:rPr>
-              <a:t> </a:t>
+              <a:t>c_custkey </a:t>
             </a:r>
             <a:r>
               <a:rPr lang="en-US" sz="1600" dirty="0">
@@ -6009,10 +5124,9 @@
                     <a:p>
                       <a:pPr algn="ctr"/>
                       <a:r>
-                        <a:rPr lang="en-US" sz="900" b="1" dirty="0" err="1"/>
+                        <a:rPr lang="en-US" sz="900" b="1" dirty="0"/>
                         <a:t>c_custkey</a:t>
                       </a:r>
-                      <a:endParaRPr lang="en-US" sz="900" b="1" dirty="0"/>
                     </a:p>
                   </a:txBody>
                   <a:tcPr/>
@@ -6024,9 +5138,19 @@
                     <a:p>
                       <a:pPr algn="ctr"/>
                       <a:r>
-                        <a:rPr lang="en-US" sz="900" b="1" dirty="0" err="1"/>
+                        <a:rPr lang="en-US" sz="900" b="1" dirty="0"/>
                         <a:t>c_name</a:t>
                       </a:r>
+                    </a:p>
+                  </a:txBody>
+                  <a:tcPr/>
+                </a:tc>
+                <a:tc>
+                  <a:txBody>
+                    <a:bodyPr/>
+                    <a:lstStyle/>
+                    <a:p>
+                      <a:pPr algn="ctr"/>
                       <a:endParaRPr lang="en-US" sz="900" b="1" dirty="0"/>
                     </a:p>
                   </a:txBody>
@@ -6038,18 +5162,7 @@
                     <a:lstStyle/>
                     <a:p>
                       <a:pPr algn="ctr"/>
-                      <a:endParaRPr lang="en-US" sz="900" b="1"/>
-                    </a:p>
-                  </a:txBody>
-                  <a:tcPr/>
-                </a:tc>
-                <a:tc>
-                  <a:txBody>
-                    <a:bodyPr/>
-                    <a:lstStyle/>
-                    <a:p>
-                      <a:pPr algn="ctr"/>
-                      <a:endParaRPr lang="en-US" sz="900" b="1"/>
+                      <a:endParaRPr lang="en-US" sz="900" b="1" dirty="0"/>
                     </a:p>
                   </a:txBody>
                   <a:tcPr/>
@@ -7468,7 +6581,7 @@
               <a:t>UPDATE </a:t>
             </a:r>
             <a:r>
-              <a:rPr lang="en-US" sz="1600" dirty="0" err="1">
+              <a:rPr lang="en-US" sz="1600" dirty="0">
                 <a:solidFill>
                   <a:srgbClr val="000000"/>
                 </a:solidFill>
@@ -7480,7 +6593,7 @@
               <a:t>dbo</a:t>
             </a:r>
             <a:r>
-              <a:rPr lang="en-US" sz="1600" dirty="0" err="1">
+              <a:rPr lang="en-US" sz="1600" dirty="0">
                 <a:solidFill>
                   <a:srgbClr val="808080"/>
                 </a:solidFill>
@@ -7492,7 +6605,7 @@
               <a:t>.</a:t>
             </a:r>
             <a:r>
-              <a:rPr lang="en-US" sz="1600" dirty="0" err="1">
+              <a:rPr lang="en-US" sz="1600" dirty="0">
                 <a:solidFill>
                   <a:srgbClr val="000000"/>
                 </a:solidFill>
@@ -7502,6 +6615,68 @@
                 <a:latin typeface="Cascadia Mono" panose="020B0609020000020004" pitchFamily="49" charset="0"/>
               </a:rPr>
               <a:t>customers</a:t>
+            </a:r>
+          </a:p>
+          <a:p>
+            <a:r>
+              <a:rPr lang="en-US" sz="1600" dirty="0">
+                <a:solidFill>
+                  <a:srgbClr val="0000FF"/>
+                </a:solidFill>
+                <a:highlight>
+                  <a:srgbClr val="FFFFFF"/>
+                </a:highlight>
+                <a:latin typeface="Cascadia Mono" panose="020B0609020000020004" pitchFamily="49" charset="0"/>
+              </a:rPr>
+              <a:t>   SET    </a:t>
+            </a:r>
+            <a:r>
+              <a:rPr lang="en-US" sz="1600" dirty="0">
+                <a:solidFill>
+                  <a:srgbClr val="000000"/>
+                </a:solidFill>
+                <a:highlight>
+                  <a:srgbClr val="FFFFFF"/>
+                </a:highlight>
+                <a:latin typeface="Cascadia Mono" panose="020B0609020000020004" pitchFamily="49" charset="0"/>
+              </a:rPr>
+              <a:t>c_name </a:t>
+            </a:r>
+            <a:r>
+              <a:rPr lang="en-US" sz="1600" dirty="0">
+                <a:solidFill>
+                  <a:srgbClr val="808080"/>
+                </a:solidFill>
+                <a:highlight>
+                  <a:srgbClr val="FFFFFF"/>
+                </a:highlight>
+                <a:latin typeface="Cascadia Mono" panose="020B0609020000020004" pitchFamily="49" charset="0"/>
+              </a:rPr>
+              <a:t>=</a:t>
+            </a:r>
+            <a:r>
+              <a:rPr lang="en-US" sz="1600" dirty="0">
+                <a:solidFill>
+                  <a:srgbClr val="000000"/>
+                </a:solidFill>
+                <a:highlight>
+                  <a:srgbClr val="FFFFFF"/>
+                </a:highlight>
+                <a:latin typeface="Cascadia Mono" panose="020B0609020000020004" pitchFamily="49" charset="0"/>
+              </a:rPr>
+              <a:t> </a:t>
+            </a:r>
+            <a:r>
+              <a:rPr lang="en-US" sz="1600" dirty="0">
+                <a:solidFill>
+                  <a:srgbClr val="FF0000"/>
+                </a:solidFill>
+                <a:highlight>
+                  <a:srgbClr val="FFFFFF"/>
+                </a:highlight>
+                <a:latin typeface="Cascadia Mono" panose="020B0609020000020004" pitchFamily="49" charset="0"/>
+              </a:rPr>
+              <a:t>'Uwe Ricken’</a:t>
             </a:r>
             <a:endParaRPr lang="en-US" sz="1600" dirty="0">
               <a:solidFill>
@@ -7524,10 +6699,10 @@
                 </a:highlight>
                 <a:latin typeface="Cascadia Mono" panose="020B0609020000020004" pitchFamily="49" charset="0"/>
               </a:rPr>
-              <a:t>   SET    </a:t>
-            </a:r>
-            <a:r>
-              <a:rPr lang="en-US" sz="1600" dirty="0" err="1">
+              <a:t>   WHERE  </a:t>
+            </a:r>
+            <a:r>
+              <a:rPr lang="en-US" sz="1600" dirty="0">
                 <a:solidFill>
                   <a:srgbClr val="000000"/>
                 </a:solidFill>
@@ -7536,102 +6711,7 @@
                 </a:highlight>
                 <a:latin typeface="Cascadia Mono" panose="020B0609020000020004" pitchFamily="49" charset="0"/>
               </a:rPr>
-              <a:t>c_name</a:t>
-            </a:r>
-            <a:r>
-              <a:rPr lang="en-US" sz="1600" dirty="0">
-                <a:solidFill>
-                  <a:srgbClr val="000000"/>
-                </a:solidFill>
-                <a:highlight>
-                  <a:srgbClr val="FFFFFF"/>
-                </a:highlight>
-                <a:latin typeface="Cascadia Mono" panose="020B0609020000020004" pitchFamily="49" charset="0"/>
-              </a:rPr>
-              <a:t> </a:t>
-            </a:r>
-            <a:r>
-              <a:rPr lang="en-US" sz="1600" dirty="0">
-                <a:solidFill>
-                  <a:srgbClr val="808080"/>
-                </a:solidFill>
-                <a:highlight>
-                  <a:srgbClr val="FFFFFF"/>
-                </a:highlight>
-                <a:latin typeface="Cascadia Mono" panose="020B0609020000020004" pitchFamily="49" charset="0"/>
-              </a:rPr>
-              <a:t>=</a:t>
-            </a:r>
-            <a:r>
-              <a:rPr lang="en-US" sz="1600" dirty="0">
-                <a:solidFill>
-                  <a:srgbClr val="000000"/>
-                </a:solidFill>
-                <a:highlight>
-                  <a:srgbClr val="FFFFFF"/>
-                </a:highlight>
-                <a:latin typeface="Cascadia Mono" panose="020B0609020000020004" pitchFamily="49" charset="0"/>
-              </a:rPr>
-              <a:t> </a:t>
-            </a:r>
-            <a:r>
-              <a:rPr lang="en-US" sz="1600" dirty="0">
-                <a:solidFill>
-                  <a:srgbClr val="FF0000"/>
-                </a:solidFill>
-                <a:highlight>
-                  <a:srgbClr val="FFFFFF"/>
-                </a:highlight>
-                <a:latin typeface="Cascadia Mono" panose="020B0609020000020004" pitchFamily="49" charset="0"/>
-              </a:rPr>
-              <a:t>'Uwe Ricken’</a:t>
-            </a:r>
-            <a:endParaRPr lang="en-US" sz="1600" dirty="0">
-              <a:solidFill>
-                <a:srgbClr val="000000"/>
-              </a:solidFill>
-              <a:highlight>
-                <a:srgbClr val="FFFFFF"/>
-              </a:highlight>
-              <a:latin typeface="Cascadia Mono" panose="020B0609020000020004" pitchFamily="49" charset="0"/>
-            </a:endParaRPr>
-          </a:p>
-          <a:p>
-            <a:r>
-              <a:rPr lang="en-US" sz="1600" dirty="0">
-                <a:solidFill>
-                  <a:srgbClr val="0000FF"/>
-                </a:solidFill>
-                <a:highlight>
-                  <a:srgbClr val="FFFFFF"/>
-                </a:highlight>
-                <a:latin typeface="Cascadia Mono" panose="020B0609020000020004" pitchFamily="49" charset="0"/>
-              </a:rPr>
-              <a:t>   WHERE  </a:t>
-            </a:r>
-            <a:r>
-              <a:rPr lang="en-US" sz="1600" dirty="0" err="1">
-                <a:solidFill>
-                  <a:srgbClr val="000000"/>
-                </a:solidFill>
-                <a:highlight>
-                  <a:srgbClr val="FFFFFF"/>
-                </a:highlight>
-                <a:latin typeface="Cascadia Mono" panose="020B0609020000020004" pitchFamily="49" charset="0"/>
-              </a:rPr>
-              <a:t>c_custkey</a:t>
-            </a:r>
-            <a:r>
-              <a:rPr lang="en-US" sz="1600" dirty="0">
-                <a:solidFill>
-                  <a:srgbClr val="000000"/>
-                </a:solidFill>
-                <a:highlight>
-                  <a:srgbClr val="FFFFFF"/>
-                </a:highlight>
-                <a:latin typeface="Cascadia Mono" panose="020B0609020000020004" pitchFamily="49" charset="0"/>
-              </a:rPr>
-              <a:t> &lt;</a:t>
+              <a:t>c_custkey &lt;</a:t>
             </a:r>
             <a:r>
               <a:rPr lang="en-US" sz="1600" dirty="0">
@@ -7827,10 +6907,9 @@
                     <a:p>
                       <a:pPr algn="ctr"/>
                       <a:r>
-                        <a:rPr lang="en-US" sz="900" b="1" dirty="0" err="1"/>
+                        <a:rPr lang="en-US" sz="900" b="1" dirty="0"/>
                         <a:t>c_custkey</a:t>
                       </a:r>
-                      <a:endParaRPr lang="en-US" sz="900" b="1" dirty="0"/>
                     </a:p>
                   </a:txBody>
                   <a:tcPr/>
@@ -7842,9 +6921,19 @@
                     <a:p>
                       <a:pPr algn="ctr"/>
                       <a:r>
-                        <a:rPr lang="en-US" sz="900" b="1" dirty="0" err="1"/>
+                        <a:rPr lang="en-US" sz="900" b="1" dirty="0"/>
                         <a:t>c_name</a:t>
                       </a:r>
+                    </a:p>
+                  </a:txBody>
+                  <a:tcPr/>
+                </a:tc>
+                <a:tc>
+                  <a:txBody>
+                    <a:bodyPr/>
+                    <a:lstStyle/>
+                    <a:p>
+                      <a:pPr algn="ctr"/>
                       <a:endParaRPr lang="en-US" sz="900" b="1" dirty="0"/>
                     </a:p>
                   </a:txBody>
@@ -7856,18 +6945,7 @@
                     <a:lstStyle/>
                     <a:p>
                       <a:pPr algn="ctr"/>
-                      <a:endParaRPr lang="en-US" sz="900" b="1"/>
-                    </a:p>
-                  </a:txBody>
-                  <a:tcPr/>
-                </a:tc>
-                <a:tc>
-                  <a:txBody>
-                    <a:bodyPr/>
-                    <a:lstStyle/>
-                    <a:p>
-                      <a:pPr algn="ctr"/>
-                      <a:endParaRPr lang="en-US" sz="900" b="1"/>
+                      <a:endParaRPr lang="en-US" sz="900" b="1" dirty="0"/>
                     </a:p>
                   </a:txBody>
                   <a:tcPr/>
@@ -8701,7 +7779,7 @@
           <a:lstStyle/>
           <a:p>
             <a:pPr algn="ctr"/>
-            <a:endParaRPr lang="en-US"/>
+            <a:endParaRPr lang="en-US" dirty="0"/>
           </a:p>
         </p:txBody>
       </p:sp>
@@ -11477,56 +10555,55 @@
                 </a:highlight>
                 <a:latin typeface="Cascadia Mono" panose="020B0609020000020004" pitchFamily="49" charset="0"/>
               </a:rPr>
-              <a:t> </a:t>
-            </a:r>
-            <a:r>
-              <a:rPr lang="en-US" sz="1100" dirty="0" err="1">
-                <a:solidFill>
-                  <a:srgbClr val="000000"/>
+              <a:t> update_customers</a:t>
+            </a:r>
+            <a:r>
+              <a:rPr lang="en-US" sz="1100" dirty="0">
+                <a:solidFill>
+                  <a:srgbClr val="808080"/>
                 </a:solidFill>
                 <a:highlight>
                   <a:srgbClr val="FFFFFF"/>
                 </a:highlight>
                 <a:latin typeface="Cascadia Mono" panose="020B0609020000020004" pitchFamily="49" charset="0"/>
               </a:rPr>
-              <a:t>update_customers</a:t>
-            </a:r>
-            <a:r>
+              <a:t>;</a:t>
+            </a:r>
+            <a:br>
               <a:rPr lang="en-US" sz="1100" dirty="0">
                 <a:solidFill>
-                  <a:srgbClr val="808080"/>
+                  <a:srgbClr val="000000"/>
                 </a:solidFill>
                 <a:highlight>
                   <a:srgbClr val="FFFFFF"/>
                 </a:highlight>
                 <a:latin typeface="Cascadia Mono" panose="020B0609020000020004" pitchFamily="49" charset="0"/>
               </a:rPr>
-              <a:t>;</a:t>
-            </a:r>
-            <a:br>
+            </a:br>
+            <a:r>
               <a:rPr lang="en-US" sz="1100" dirty="0">
                 <a:solidFill>
-                  <a:srgbClr val="000000"/>
+                  <a:srgbClr val="0000FF"/>
                 </a:solidFill>
                 <a:highlight>
                   <a:srgbClr val="FFFFFF"/>
                 </a:highlight>
                 <a:latin typeface="Cascadia Mono" panose="020B0609020000020004" pitchFamily="49" charset="0"/>
               </a:rPr>
-            </a:br>
-            <a:r>
+              <a:t>GO</a:t>
+            </a:r>
+            <a:br>
               <a:rPr lang="en-US" sz="1100" dirty="0">
                 <a:solidFill>
-                  <a:srgbClr val="0000FF"/>
+                  <a:srgbClr val="000000"/>
                 </a:solidFill>
                 <a:highlight>
                   <a:srgbClr val="FFFFFF"/>
                 </a:highlight>
                 <a:latin typeface="Cascadia Mono" panose="020B0609020000020004" pitchFamily="49" charset="0"/>
               </a:rPr>
-              <a:t>GO</a:t>
-            </a:r>
-            <a:br>
+            </a:br>
+            <a:r>
               <a:rPr lang="en-US" sz="1100" dirty="0">
                 <a:solidFill>
                   <a:srgbClr val="000000"/>
@@ -11536,57 +10613,58 @@
                 </a:highlight>
                 <a:latin typeface="Cascadia Mono" panose="020B0609020000020004" pitchFamily="49" charset="0"/>
               </a:rPr>
-            </a:br>
+              <a:t>	</a:t>
+            </a:r>
             <a:r>
               <a:rPr lang="en-US" sz="1100" dirty="0">
                 <a:solidFill>
-                  <a:srgbClr val="000000"/>
+                  <a:srgbClr val="FF00FF"/>
                 </a:solidFill>
                 <a:highlight>
                   <a:srgbClr val="FFFFFF"/>
                 </a:highlight>
                 <a:latin typeface="Cascadia Mono" panose="020B0609020000020004" pitchFamily="49" charset="0"/>
               </a:rPr>
-              <a:t>	</a:t>
+              <a:t>UPDATE </a:t>
             </a:r>
             <a:r>
               <a:rPr lang="en-US" sz="1100" dirty="0">
                 <a:solidFill>
-                  <a:srgbClr val="FF00FF"/>
+                  <a:srgbClr val="000000"/>
                 </a:solidFill>
                 <a:highlight>
                   <a:srgbClr val="FFFFFF"/>
                 </a:highlight>
                 <a:latin typeface="Cascadia Mono" panose="020B0609020000020004" pitchFamily="49" charset="0"/>
               </a:rPr>
-              <a:t>UPDATE </a:t>
-            </a:r>
-            <a:r>
-              <a:rPr lang="en-US" sz="1100" dirty="0" err="1">
-                <a:solidFill>
-                  <a:srgbClr val="000000"/>
+              <a:t>dbo</a:t>
+            </a:r>
+            <a:r>
+              <a:rPr lang="en-US" sz="1100" dirty="0">
+                <a:solidFill>
+                  <a:srgbClr val="808080"/>
                 </a:solidFill>
                 <a:highlight>
                   <a:srgbClr val="FFFFFF"/>
                 </a:highlight>
                 <a:latin typeface="Cascadia Mono" panose="020B0609020000020004" pitchFamily="49" charset="0"/>
               </a:rPr>
-              <a:t>dbo</a:t>
-            </a:r>
-            <a:r>
-              <a:rPr lang="en-US" sz="1100" dirty="0" err="1">
-                <a:solidFill>
-                  <a:srgbClr val="808080"/>
+              <a:t>.</a:t>
+            </a:r>
+            <a:r>
+              <a:rPr lang="en-US" sz="1100" dirty="0">
+                <a:solidFill>
+                  <a:srgbClr val="000000"/>
                 </a:solidFill>
                 <a:highlight>
                   <a:srgbClr val="FFFFFF"/>
                 </a:highlight>
                 <a:latin typeface="Cascadia Mono" panose="020B0609020000020004" pitchFamily="49" charset="0"/>
               </a:rPr>
-              <a:t>.</a:t>
-            </a:r>
-            <a:r>
-              <a:rPr lang="en-US" sz="1100" dirty="0" err="1">
+              <a:t>customers</a:t>
+            </a:r>
+            <a:br>
+              <a:rPr lang="en-US" sz="1100" dirty="0">
                 <a:solidFill>
                   <a:srgbClr val="000000"/>
                 </a:solidFill>
@@ -11595,9 +10673,8 @@
                 </a:highlight>
                 <a:latin typeface="Cascadia Mono" panose="020B0609020000020004" pitchFamily="49" charset="0"/>
               </a:rPr>
-              <a:t>customers</a:t>
-            </a:r>
-            <a:br>
+            </a:br>
+            <a:r>
               <a:rPr lang="en-US" sz="1100" dirty="0">
                 <a:solidFill>
                   <a:srgbClr val="000000"/>
@@ -11607,42 +10684,43 @@
                 </a:highlight>
                 <a:latin typeface="Cascadia Mono" panose="020B0609020000020004" pitchFamily="49" charset="0"/>
               </a:rPr>
-            </a:br>
+              <a:t>	</a:t>
+            </a:r>
             <a:r>
               <a:rPr lang="en-US" sz="1100" dirty="0">
                 <a:solidFill>
-                  <a:srgbClr val="000000"/>
+                  <a:srgbClr val="0000FF"/>
                 </a:solidFill>
                 <a:highlight>
                   <a:srgbClr val="FFFFFF"/>
                 </a:highlight>
                 <a:latin typeface="Cascadia Mono" panose="020B0609020000020004" pitchFamily="49" charset="0"/>
               </a:rPr>
-              <a:t>	</a:t>
+              <a:t>SET    </a:t>
             </a:r>
             <a:r>
               <a:rPr lang="en-US" sz="1100" dirty="0">
                 <a:solidFill>
-                  <a:srgbClr val="0000FF"/>
+                  <a:srgbClr val="000000"/>
                 </a:solidFill>
                 <a:highlight>
                   <a:srgbClr val="FFFFFF"/>
                 </a:highlight>
                 <a:latin typeface="Cascadia Mono" panose="020B0609020000020004" pitchFamily="49" charset="0"/>
               </a:rPr>
-              <a:t>SET    </a:t>
-            </a:r>
-            <a:r>
-              <a:rPr lang="en-US" sz="1100" dirty="0" err="1">
-                <a:solidFill>
-                  <a:srgbClr val="000000"/>
+              <a:t>c_name </a:t>
+            </a:r>
+            <a:r>
+              <a:rPr lang="en-US" sz="1100" dirty="0">
+                <a:solidFill>
+                  <a:srgbClr val="808080"/>
                 </a:solidFill>
                 <a:highlight>
                   <a:srgbClr val="FFFFFF"/>
                 </a:highlight>
                 <a:latin typeface="Cascadia Mono" panose="020B0609020000020004" pitchFamily="49" charset="0"/>
               </a:rPr>
-              <a:t>c_name</a:t>
+              <a:t>=</a:t>
             </a:r>
             <a:r>
               <a:rPr lang="en-US" sz="1100" dirty="0">
@@ -11659,27 +10737,26 @@
             <a:r>
               <a:rPr lang="en-US" sz="1100" dirty="0">
                 <a:solidFill>
-                  <a:srgbClr val="808080"/>
+                  <a:srgbClr val="FF0000"/>
                 </a:solidFill>
                 <a:highlight>
                   <a:srgbClr val="FFFFFF"/>
                 </a:highlight>
                 <a:latin typeface="Cascadia Mono" panose="020B0609020000020004" pitchFamily="49" charset="0"/>
               </a:rPr>
-              <a:t>=</a:t>
-            </a:r>
-            <a:r>
+              <a:t>'Uwe’</a:t>
+            </a:r>
+            <a:br>
               <a:rPr lang="en-US" sz="1100" dirty="0">
                 <a:solidFill>
-                  <a:srgbClr val="000000"/>
+                  <a:srgbClr val="FF0000"/>
                 </a:solidFill>
                 <a:highlight>
                   <a:srgbClr val="FFFFFF"/>
                 </a:highlight>
                 <a:latin typeface="Cascadia Mono" panose="020B0609020000020004" pitchFamily="49" charset="0"/>
               </a:rPr>
-              <a:t> </a:t>
-            </a:r>
+            </a:br>
             <a:r>
               <a:rPr lang="en-US" sz="1100" dirty="0">
                 <a:solidFill>
@@ -11690,66 +10767,31 @@
                 </a:highlight>
                 <a:latin typeface="Cascadia Mono" panose="020B0609020000020004" pitchFamily="49" charset="0"/>
               </a:rPr>
-              <a:t>'Uwe’</a:t>
-            </a:r>
-            <a:br>
+              <a:t>	</a:t>
+            </a:r>
+            <a:r>
               <a:rPr lang="en-US" sz="1100" dirty="0">
                 <a:solidFill>
-                  <a:srgbClr val="FF0000"/>
+                  <a:srgbClr val="0000FF"/>
                 </a:solidFill>
                 <a:highlight>
                   <a:srgbClr val="FFFFFF"/>
                 </a:highlight>
                 <a:latin typeface="Cascadia Mono" panose="020B0609020000020004" pitchFamily="49" charset="0"/>
               </a:rPr>
-            </a:br>
+              <a:t>WHERE  </a:t>
+            </a:r>
             <a:r>
               <a:rPr lang="en-US" sz="1100" dirty="0">
                 <a:solidFill>
-                  <a:srgbClr val="FF0000"/>
+                  <a:srgbClr val="000000"/>
                 </a:solidFill>
                 <a:highlight>
                   <a:srgbClr val="FFFFFF"/>
                 </a:highlight>
                 <a:latin typeface="Cascadia Mono" panose="020B0609020000020004" pitchFamily="49" charset="0"/>
               </a:rPr>
-              <a:t>	</a:t>
-            </a:r>
-            <a:r>
-              <a:rPr lang="en-US" sz="1100" dirty="0">
-                <a:solidFill>
-                  <a:srgbClr val="0000FF"/>
-                </a:solidFill>
-                <a:highlight>
-                  <a:srgbClr val="FFFFFF"/>
-                </a:highlight>
-                <a:latin typeface="Cascadia Mono" panose="020B0609020000020004" pitchFamily="49" charset="0"/>
-              </a:rPr>
-              <a:t>WHERE  </a:t>
-            </a:r>
-            <a:r>
-              <a:rPr lang="en-US" sz="1100" dirty="0" err="1">
-                <a:solidFill>
-                  <a:srgbClr val="000000"/>
-                </a:solidFill>
-                <a:highlight>
-                  <a:srgbClr val="FFFFFF"/>
-                </a:highlight>
-                <a:latin typeface="Cascadia Mono" panose="020B0609020000020004" pitchFamily="49" charset="0"/>
-              </a:rPr>
-              <a:t>c_custkey</a:t>
-            </a:r>
-            <a:r>
-              <a:rPr lang="en-US" sz="1100" dirty="0">
-                <a:solidFill>
-                  <a:srgbClr val="000000"/>
-                </a:solidFill>
-                <a:highlight>
-                  <a:srgbClr val="FFFFFF"/>
-                </a:highlight>
-                <a:latin typeface="Cascadia Mono" panose="020B0609020000020004" pitchFamily="49" charset="0"/>
-              </a:rPr>
-              <a:t> </a:t>
+              <a:t>c_custkey </a:t>
             </a:r>
             <a:r>
               <a:rPr lang="en-US" sz="1100" dirty="0">
@@ -11879,10 +10921,10 @@
                 </a:highlight>
                 <a:latin typeface="Cascadia Mono" panose="020B0609020000020004" pitchFamily="49" charset="0"/>
               </a:rPr>
-              <a:t> </a:t>
-            </a:r>
-            <a:r>
-              <a:rPr lang="en-US" sz="1100" dirty="0" err="1">
+              <a:t> update_nations</a:t>
+            </a:r>
+            <a:br>
+              <a:rPr lang="en-US" sz="1100" dirty="0">
                 <a:solidFill>
                   <a:srgbClr val="000000"/>
                 </a:solidFill>
@@ -11891,32 +10933,31 @@
                 </a:highlight>
                 <a:latin typeface="Cascadia Mono" panose="020B0609020000020004" pitchFamily="49" charset="0"/>
               </a:rPr>
-              <a:t>update_nations</a:t>
-            </a:r>
-            <a:br>
+            </a:br>
+            <a:r>
               <a:rPr lang="en-US" sz="1100" dirty="0">
                 <a:solidFill>
-                  <a:srgbClr val="000000"/>
+                  <a:srgbClr val="0000FF"/>
                 </a:solidFill>
                 <a:highlight>
                   <a:srgbClr val="FFFFFF"/>
                 </a:highlight>
                 <a:latin typeface="Cascadia Mono" panose="020B0609020000020004" pitchFamily="49" charset="0"/>
               </a:rPr>
-            </a:br>
-            <a:r>
+              <a:t>GO</a:t>
+            </a:r>
+            <a:br>
               <a:rPr lang="en-US" sz="1100" dirty="0">
                 <a:solidFill>
-                  <a:srgbClr val="0000FF"/>
+                  <a:srgbClr val="000000"/>
                 </a:solidFill>
                 <a:highlight>
                   <a:srgbClr val="FFFFFF"/>
                 </a:highlight>
                 <a:latin typeface="Cascadia Mono" panose="020B0609020000020004" pitchFamily="49" charset="0"/>
               </a:rPr>
-              <a:t>GO</a:t>
-            </a:r>
-            <a:br>
+            </a:br>
+            <a:r>
               <a:rPr lang="en-US" sz="1100" dirty="0">
                 <a:solidFill>
                   <a:srgbClr val="000000"/>
@@ -11926,57 +10967,58 @@
                 </a:highlight>
                 <a:latin typeface="Cascadia Mono" panose="020B0609020000020004" pitchFamily="49" charset="0"/>
               </a:rPr>
-            </a:br>
+              <a:t>	</a:t>
+            </a:r>
             <a:r>
               <a:rPr lang="en-US" sz="1100" dirty="0">
                 <a:solidFill>
-                  <a:srgbClr val="000000"/>
+                  <a:srgbClr val="FF00FF"/>
                 </a:solidFill>
                 <a:highlight>
                   <a:srgbClr val="FFFFFF"/>
                 </a:highlight>
                 <a:latin typeface="Cascadia Mono" panose="020B0609020000020004" pitchFamily="49" charset="0"/>
               </a:rPr>
-              <a:t>	</a:t>
+              <a:t>UPDATE </a:t>
             </a:r>
             <a:r>
               <a:rPr lang="en-US" sz="1100" dirty="0">
                 <a:solidFill>
-                  <a:srgbClr val="FF00FF"/>
+                  <a:srgbClr val="000000"/>
                 </a:solidFill>
                 <a:highlight>
                   <a:srgbClr val="FFFFFF"/>
                 </a:highlight>
                 <a:latin typeface="Cascadia Mono" panose="020B0609020000020004" pitchFamily="49" charset="0"/>
               </a:rPr>
-              <a:t>UPDATE </a:t>
-            </a:r>
-            <a:r>
-              <a:rPr lang="en-US" sz="1100" dirty="0" err="1">
-                <a:solidFill>
-                  <a:srgbClr val="000000"/>
+              <a:t>dbo</a:t>
+            </a:r>
+            <a:r>
+              <a:rPr lang="en-US" sz="1100" dirty="0">
+                <a:solidFill>
+                  <a:srgbClr val="808080"/>
                 </a:solidFill>
                 <a:highlight>
                   <a:srgbClr val="FFFFFF"/>
                 </a:highlight>
                 <a:latin typeface="Cascadia Mono" panose="020B0609020000020004" pitchFamily="49" charset="0"/>
               </a:rPr>
-              <a:t>dbo</a:t>
-            </a:r>
-            <a:r>
-              <a:rPr lang="en-US" sz="1100" dirty="0" err="1">
-                <a:solidFill>
-                  <a:srgbClr val="808080"/>
+              <a:t>.</a:t>
+            </a:r>
+            <a:r>
+              <a:rPr lang="en-US" sz="1100" dirty="0">
+                <a:solidFill>
+                  <a:srgbClr val="000000"/>
                 </a:solidFill>
                 <a:highlight>
                   <a:srgbClr val="FFFFFF"/>
                 </a:highlight>
                 <a:latin typeface="Cascadia Mono" panose="020B0609020000020004" pitchFamily="49" charset="0"/>
               </a:rPr>
-              <a:t>.</a:t>
-            </a:r>
-            <a:r>
-              <a:rPr lang="en-US" sz="1100" dirty="0" err="1">
+              <a:t>nations</a:t>
+            </a:r>
+            <a:br>
+              <a:rPr lang="en-US" sz="1100" dirty="0">
                 <a:solidFill>
                   <a:srgbClr val="000000"/>
                 </a:solidFill>
@@ -11985,9 +11027,8 @@
                 </a:highlight>
                 <a:latin typeface="Cascadia Mono" panose="020B0609020000020004" pitchFamily="49" charset="0"/>
               </a:rPr>
-              <a:t>nations</a:t>
-            </a:r>
-            <a:br>
+            </a:br>
+            <a:r>
               <a:rPr lang="en-US" sz="1100" dirty="0">
                 <a:solidFill>
                   <a:srgbClr val="000000"/>
@@ -11997,42 +11038,43 @@
                 </a:highlight>
                 <a:latin typeface="Cascadia Mono" panose="020B0609020000020004" pitchFamily="49" charset="0"/>
               </a:rPr>
-            </a:br>
+              <a:t>	</a:t>
+            </a:r>
             <a:r>
               <a:rPr lang="en-US" sz="1100" dirty="0">
                 <a:solidFill>
-                  <a:srgbClr val="000000"/>
+                  <a:srgbClr val="0000FF"/>
                 </a:solidFill>
                 <a:highlight>
                   <a:srgbClr val="FFFFFF"/>
                 </a:highlight>
                 <a:latin typeface="Cascadia Mono" panose="020B0609020000020004" pitchFamily="49" charset="0"/>
               </a:rPr>
-              <a:t>	</a:t>
+              <a:t>SET    </a:t>
             </a:r>
             <a:r>
               <a:rPr lang="en-US" sz="1100" dirty="0">
                 <a:solidFill>
-                  <a:srgbClr val="0000FF"/>
+                  <a:srgbClr val="000000"/>
                 </a:solidFill>
                 <a:highlight>
                   <a:srgbClr val="FFFFFF"/>
                 </a:highlight>
                 <a:latin typeface="Cascadia Mono" panose="020B0609020000020004" pitchFamily="49" charset="0"/>
               </a:rPr>
-              <a:t>SET    </a:t>
-            </a:r>
-            <a:r>
-              <a:rPr lang="en-US" sz="1100" dirty="0" err="1">
-                <a:solidFill>
-                  <a:srgbClr val="000000"/>
+              <a:t>n_name </a:t>
+            </a:r>
+            <a:r>
+              <a:rPr lang="en-US" sz="1100" dirty="0">
+                <a:solidFill>
+                  <a:srgbClr val="808080"/>
                 </a:solidFill>
                 <a:highlight>
                   <a:srgbClr val="FFFFFF"/>
                 </a:highlight>
                 <a:latin typeface="Cascadia Mono" panose="020B0609020000020004" pitchFamily="49" charset="0"/>
               </a:rPr>
-              <a:t>n_name</a:t>
+              <a:t>=</a:t>
             </a:r>
             <a:r>
               <a:rPr lang="en-US" sz="1100" dirty="0">
@@ -12049,16 +11091,16 @@
             <a:r>
               <a:rPr lang="en-US" sz="1100" dirty="0">
                 <a:solidFill>
-                  <a:srgbClr val="808080"/>
+                  <a:srgbClr val="FF0000"/>
                 </a:solidFill>
                 <a:highlight>
                   <a:srgbClr val="FFFFFF"/>
                 </a:highlight>
                 <a:latin typeface="Cascadia Mono" panose="020B0609020000020004" pitchFamily="49" charset="0"/>
               </a:rPr>
-              <a:t>=</a:t>
-            </a:r>
-            <a:r>
+              <a:t>'UK’</a:t>
+            </a:r>
+            <a:br>
               <a:rPr lang="en-US" sz="1100" dirty="0">
                 <a:solidFill>
                   <a:srgbClr val="000000"/>
@@ -12068,31 +11110,31 @@
                 </a:highlight>
                 <a:latin typeface="Cascadia Mono" panose="020B0609020000020004" pitchFamily="49" charset="0"/>
               </a:rPr>
-              <a:t> </a:t>
-            </a:r>
+            </a:br>
             <a:r>
               <a:rPr lang="en-US" sz="1100" dirty="0">
                 <a:solidFill>
-                  <a:srgbClr val="FF0000"/>
+                  <a:srgbClr val="000000"/>
                 </a:solidFill>
                 <a:highlight>
                   <a:srgbClr val="FFFFFF"/>
                 </a:highlight>
                 <a:latin typeface="Cascadia Mono" panose="020B0609020000020004" pitchFamily="49" charset="0"/>
               </a:rPr>
-              <a:t>'UK’</a:t>
-            </a:r>
-            <a:br>
+              <a:t>	</a:t>
+            </a:r>
+            <a:r>
               <a:rPr lang="en-US" sz="1100" dirty="0">
                 <a:solidFill>
-                  <a:srgbClr val="000000"/>
+                  <a:srgbClr val="0000FF"/>
                 </a:solidFill>
                 <a:highlight>
                   <a:srgbClr val="FFFFFF"/>
                 </a:highlight>
                 <a:latin typeface="Cascadia Mono" panose="020B0609020000020004" pitchFamily="49" charset="0"/>
               </a:rPr>
-            </a:br>
+              <a:t>WHERE  </a:t>
+            </a:r>
             <a:r>
               <a:rPr lang="en-US" sz="1100" dirty="0">
                 <a:solidFill>
@@ -12103,43 +11145,7 @@
                 </a:highlight>
                 <a:latin typeface="Cascadia Mono" panose="020B0609020000020004" pitchFamily="49" charset="0"/>
               </a:rPr>
-              <a:t>	</a:t>
-            </a:r>
-            <a:r>
-              <a:rPr lang="en-US" sz="1100" dirty="0">
-                <a:solidFill>
-                  <a:srgbClr val="0000FF"/>
-                </a:solidFill>
-                <a:highlight>
-                  <a:srgbClr val="FFFFFF"/>
-                </a:highlight>
-                <a:latin typeface="Cascadia Mono" panose="020B0609020000020004" pitchFamily="49" charset="0"/>
-              </a:rPr>
-              <a:t>WHERE  </a:t>
-            </a:r>
-            <a:r>
-              <a:rPr lang="en-US" sz="1100" dirty="0" err="1">
-                <a:solidFill>
-                  <a:srgbClr val="000000"/>
-                </a:solidFill>
-                <a:highlight>
-                  <a:srgbClr val="FFFFFF"/>
-                </a:highlight>
-                <a:latin typeface="Cascadia Mono" panose="020B0609020000020004" pitchFamily="49" charset="0"/>
-              </a:rPr>
-              <a:t>n_nationkey</a:t>
-            </a:r>
-            <a:r>
-              <a:rPr lang="en-US" sz="1100" dirty="0">
-                <a:solidFill>
-                  <a:srgbClr val="000000"/>
-                </a:solidFill>
-                <a:highlight>
-                  <a:srgbClr val="FFFFFF"/>
-                </a:highlight>
-                <a:latin typeface="Cascadia Mono" panose="020B0609020000020004" pitchFamily="49" charset="0"/>
-              </a:rPr>
-              <a:t> </a:t>
+              <a:t>n_nationkey </a:t>
             </a:r>
             <a:r>
               <a:rPr lang="en-US" sz="1100" dirty="0">
@@ -12250,10 +11256,9 @@
                     <a:lstStyle/>
                     <a:p>
                       <a:r>
-                        <a:rPr lang="en-US" sz="1200" dirty="0" err="1"/>
+                        <a:rPr lang="en-US" sz="1200" dirty="0"/>
                         <a:t>dbo.customers</a:t>
                       </a:r>
-                      <a:endParaRPr lang="en-US" sz="1200" dirty="0"/>
                     </a:p>
                   </a:txBody>
                   <a:tcPr/>
@@ -12315,10 +11320,9 @@
                     <a:p>
                       <a:pPr algn="ctr"/>
                       <a:r>
-                        <a:rPr lang="en-US" sz="1200" b="1" dirty="0" err="1"/>
+                        <a:rPr lang="en-US" sz="1200" b="1" dirty="0"/>
                         <a:t>c_custkey</a:t>
                       </a:r>
-                      <a:endParaRPr lang="en-US" sz="1200" b="1" dirty="0"/>
                     </a:p>
                   </a:txBody>
                   <a:tcPr/>
@@ -12329,10 +11333,9 @@
                     <a:lstStyle/>
                     <a:p>
                       <a:r>
-                        <a:rPr lang="en-US" sz="1200" b="1" dirty="0" err="1"/>
+                        <a:rPr lang="en-US" sz="1200" b="1" dirty="0"/>
                         <a:t>c_name</a:t>
                       </a:r>
-                      <a:endParaRPr lang="en-US" sz="1200" b="1" dirty="0"/>
                     </a:p>
                   </a:txBody>
                   <a:tcPr/>
@@ -12712,10 +11715,9 @@
                     <a:lstStyle/>
                     <a:p>
                       <a:r>
-                        <a:rPr lang="en-US" sz="1200" dirty="0" err="1"/>
+                        <a:rPr lang="en-US" sz="1200" dirty="0"/>
                         <a:t>dbo.nations</a:t>
                       </a:r>
-                      <a:endParaRPr lang="en-US" sz="1200" dirty="0"/>
                     </a:p>
                   </a:txBody>
                   <a:tcPr/>
@@ -12777,10 +11779,9 @@
                     <a:p>
                       <a:pPr algn="ctr"/>
                       <a:r>
-                        <a:rPr lang="en-US" sz="1200" b="1" dirty="0" err="1"/>
+                        <a:rPr lang="en-US" sz="1200" b="1" dirty="0"/>
                         <a:t>n_nationkey</a:t>
                       </a:r>
-                      <a:endParaRPr lang="en-US" sz="1200" b="1" dirty="0"/>
                     </a:p>
                   </a:txBody>
                   <a:tcPr/>
@@ -12791,10 +11792,9 @@
                     <a:lstStyle/>
                     <a:p>
                       <a:r>
-                        <a:rPr lang="en-US" sz="1200" b="1" dirty="0" err="1"/>
+                        <a:rPr lang="en-US" sz="1200" b="1" dirty="0"/>
                         <a:t>n_name</a:t>
                       </a:r>
-                      <a:endParaRPr lang="en-US" sz="1200" b="1" dirty="0"/>
                     </a:p>
                   </a:txBody>
                   <a:tcPr/>
@@ -13346,78 +12346,69 @@
               <a:t> </a:t>
             </a:r>
             <a:r>
-              <a:rPr lang="en-US" sz="1100" dirty="0" err="1">
-                <a:highlight>
-                  <a:srgbClr val="FFFFFF"/>
-                </a:highlight>
-                <a:latin typeface="Cascadia Mono" panose="020B0609020000020004" pitchFamily="49" charset="0"/>
-              </a:rPr>
-              <a:t>dbo.nations</a:t>
-            </a:r>
-            <a:br>
-              <a:rPr lang="en-US" sz="1100" dirty="0">
-                <a:solidFill>
-                  <a:srgbClr val="FF00FF"/>
-                </a:solidFill>
-                <a:highlight>
-                  <a:srgbClr val="FFFFFF"/>
-                </a:highlight>
-                <a:latin typeface="Cascadia Mono" panose="020B0609020000020004" pitchFamily="49" charset="0"/>
-              </a:rPr>
-            </a:br>
-            <a:r>
-              <a:rPr lang="en-US" sz="1100" dirty="0">
-                <a:solidFill>
-                  <a:srgbClr val="FF00FF"/>
-                </a:solidFill>
-                <a:highlight>
-                  <a:srgbClr val="FFFFFF"/>
-                </a:highlight>
-                <a:latin typeface="Cascadia Mono" panose="020B0609020000020004" pitchFamily="49" charset="0"/>
-              </a:rPr>
-              <a:t>	</a:t>
-            </a:r>
-            <a:r>
-              <a:rPr lang="en-US" sz="1100" dirty="0">
-                <a:solidFill>
-                  <a:srgbClr val="0000FF"/>
-                </a:solidFill>
-                <a:highlight>
-                  <a:srgbClr val="FFFFFF"/>
-                </a:highlight>
-                <a:latin typeface="Cascadia Mono" panose="020B0609020000020004" pitchFamily="49" charset="0"/>
-              </a:rPr>
-              <a:t>WHERE</a:t>
-            </a:r>
-            <a:r>
-              <a:rPr lang="en-US" sz="1100" dirty="0">
-                <a:solidFill>
-                  <a:srgbClr val="FF00FF"/>
-                </a:solidFill>
-                <a:highlight>
-                  <a:srgbClr val="FFFFFF"/>
-                </a:highlight>
-                <a:latin typeface="Cascadia Mono" panose="020B0609020000020004" pitchFamily="49" charset="0"/>
-              </a:rPr>
-              <a:t>	</a:t>
-            </a:r>
-            <a:r>
-              <a:rPr lang="en-US" sz="1100" dirty="0" err="1">
-                <a:highlight>
-                  <a:srgbClr val="FFFFFF"/>
-                </a:highlight>
-                <a:latin typeface="Cascadia Mono" panose="020B0609020000020004" pitchFamily="49" charset="0"/>
-              </a:rPr>
-              <a:t>n_nationkey</a:t>
-            </a:r>
-            <a:r>
               <a:rPr lang="en-US" sz="1100" dirty="0">
                 <a:highlight>
                   <a:srgbClr val="FFFFFF"/>
                 </a:highlight>
                 <a:latin typeface="Cascadia Mono" panose="020B0609020000020004" pitchFamily="49" charset="0"/>
               </a:rPr>
-              <a:t> = 2;</a:t>
+              <a:t>dbo.nations</a:t>
+            </a:r>
+            <a:br>
+              <a:rPr lang="en-US" sz="1100" dirty="0">
+                <a:solidFill>
+                  <a:srgbClr val="FF00FF"/>
+                </a:solidFill>
+                <a:highlight>
+                  <a:srgbClr val="FFFFFF"/>
+                </a:highlight>
+                <a:latin typeface="Cascadia Mono" panose="020B0609020000020004" pitchFamily="49" charset="0"/>
+              </a:rPr>
+            </a:br>
+            <a:r>
+              <a:rPr lang="en-US" sz="1100" dirty="0">
+                <a:solidFill>
+                  <a:srgbClr val="FF00FF"/>
+                </a:solidFill>
+                <a:highlight>
+                  <a:srgbClr val="FFFFFF"/>
+                </a:highlight>
+                <a:latin typeface="Cascadia Mono" panose="020B0609020000020004" pitchFamily="49" charset="0"/>
+              </a:rPr>
+              <a:t>	</a:t>
+            </a:r>
+            <a:r>
+              <a:rPr lang="en-US" sz="1100" dirty="0">
+                <a:solidFill>
+                  <a:srgbClr val="0000FF"/>
+                </a:solidFill>
+                <a:highlight>
+                  <a:srgbClr val="FFFFFF"/>
+                </a:highlight>
+                <a:latin typeface="Cascadia Mono" panose="020B0609020000020004" pitchFamily="49" charset="0"/>
+              </a:rPr>
+              <a:t>WHERE</a:t>
+            </a:r>
+            <a:r>
+              <a:rPr lang="en-US" sz="1100" dirty="0">
+                <a:solidFill>
+                  <a:srgbClr val="FF00FF"/>
+                </a:solidFill>
+                <a:highlight>
+                  <a:srgbClr val="FFFFFF"/>
+                </a:highlight>
+                <a:latin typeface="Cascadia Mono" panose="020B0609020000020004" pitchFamily="49" charset="0"/>
+              </a:rPr>
+              <a:t>	</a:t>
+            </a:r>
+            <a:r>
+              <a:rPr lang="en-US" sz="1100" dirty="0">
+                <a:highlight>
+                  <a:srgbClr val="FFFFFF"/>
+                </a:highlight>
+                <a:latin typeface="Cascadia Mono" panose="020B0609020000020004" pitchFamily="49" charset="0"/>
+              </a:rPr>
+              <a:t>n_nationkey = 2;</a:t>
             </a:r>
           </a:p>
         </p:txBody>
@@ -13747,78 +12738,69 @@
               <a:t> </a:t>
             </a:r>
             <a:r>
-              <a:rPr lang="en-US" sz="1100" dirty="0" err="1">
-                <a:highlight>
-                  <a:srgbClr val="FFFFFF"/>
-                </a:highlight>
-                <a:latin typeface="Cascadia Mono" panose="020B0609020000020004" pitchFamily="49" charset="0"/>
-              </a:rPr>
-              <a:t>dbo.customers</a:t>
-            </a:r>
-            <a:br>
-              <a:rPr lang="en-US" sz="1100" dirty="0">
-                <a:solidFill>
-                  <a:srgbClr val="FF00FF"/>
-                </a:solidFill>
-                <a:highlight>
-                  <a:srgbClr val="FFFFFF"/>
-                </a:highlight>
-                <a:latin typeface="Cascadia Mono" panose="020B0609020000020004" pitchFamily="49" charset="0"/>
-              </a:rPr>
-            </a:br>
-            <a:r>
-              <a:rPr lang="en-US" sz="1100" dirty="0">
-                <a:solidFill>
-                  <a:srgbClr val="FF00FF"/>
-                </a:solidFill>
-                <a:highlight>
-                  <a:srgbClr val="FFFFFF"/>
-                </a:highlight>
-                <a:latin typeface="Cascadia Mono" panose="020B0609020000020004" pitchFamily="49" charset="0"/>
-              </a:rPr>
-              <a:t>	</a:t>
-            </a:r>
-            <a:r>
-              <a:rPr lang="en-US" sz="1100" dirty="0">
-                <a:solidFill>
-                  <a:srgbClr val="0000FF"/>
-                </a:solidFill>
-                <a:highlight>
-                  <a:srgbClr val="FFFFFF"/>
-                </a:highlight>
-                <a:latin typeface="Cascadia Mono" panose="020B0609020000020004" pitchFamily="49" charset="0"/>
-              </a:rPr>
-              <a:t>WHERE</a:t>
-            </a:r>
-            <a:r>
-              <a:rPr lang="en-US" sz="1100" dirty="0">
-                <a:solidFill>
-                  <a:srgbClr val="FF00FF"/>
-                </a:solidFill>
-                <a:highlight>
-                  <a:srgbClr val="FFFFFF"/>
-                </a:highlight>
-                <a:latin typeface="Cascadia Mono" panose="020B0609020000020004" pitchFamily="49" charset="0"/>
-              </a:rPr>
-              <a:t>	</a:t>
-            </a:r>
-            <a:r>
-              <a:rPr lang="en-US" sz="1100" dirty="0" err="1">
-                <a:highlight>
-                  <a:srgbClr val="FFFFFF"/>
-                </a:highlight>
-                <a:latin typeface="Cascadia Mono" panose="020B0609020000020004" pitchFamily="49" charset="0"/>
-              </a:rPr>
-              <a:t>c_custkey</a:t>
-            </a:r>
-            <a:r>
               <a:rPr lang="en-US" sz="1100" dirty="0">
                 <a:highlight>
                   <a:srgbClr val="FFFFFF"/>
                 </a:highlight>
                 <a:latin typeface="Cascadia Mono" panose="020B0609020000020004" pitchFamily="49" charset="0"/>
               </a:rPr>
-              <a:t> = 3;</a:t>
+              <a:t>dbo.customers</a:t>
+            </a:r>
+            <a:br>
+              <a:rPr lang="en-US" sz="1100" dirty="0">
+                <a:solidFill>
+                  <a:srgbClr val="FF00FF"/>
+                </a:solidFill>
+                <a:highlight>
+                  <a:srgbClr val="FFFFFF"/>
+                </a:highlight>
+                <a:latin typeface="Cascadia Mono" panose="020B0609020000020004" pitchFamily="49" charset="0"/>
+              </a:rPr>
+            </a:br>
+            <a:r>
+              <a:rPr lang="en-US" sz="1100" dirty="0">
+                <a:solidFill>
+                  <a:srgbClr val="FF00FF"/>
+                </a:solidFill>
+                <a:highlight>
+                  <a:srgbClr val="FFFFFF"/>
+                </a:highlight>
+                <a:latin typeface="Cascadia Mono" panose="020B0609020000020004" pitchFamily="49" charset="0"/>
+              </a:rPr>
+              <a:t>	</a:t>
+            </a:r>
+            <a:r>
+              <a:rPr lang="en-US" sz="1100" dirty="0">
+                <a:solidFill>
+                  <a:srgbClr val="0000FF"/>
+                </a:solidFill>
+                <a:highlight>
+                  <a:srgbClr val="FFFFFF"/>
+                </a:highlight>
+                <a:latin typeface="Cascadia Mono" panose="020B0609020000020004" pitchFamily="49" charset="0"/>
+              </a:rPr>
+              <a:t>WHERE</a:t>
+            </a:r>
+            <a:r>
+              <a:rPr lang="en-US" sz="1100" dirty="0">
+                <a:solidFill>
+                  <a:srgbClr val="FF00FF"/>
+                </a:solidFill>
+                <a:highlight>
+                  <a:srgbClr val="FFFFFF"/>
+                </a:highlight>
+                <a:latin typeface="Cascadia Mono" panose="020B0609020000020004" pitchFamily="49" charset="0"/>
+              </a:rPr>
+              <a:t>	</a:t>
+            </a:r>
+            <a:r>
+              <a:rPr lang="en-US" sz="1100" dirty="0">
+                <a:highlight>
+                  <a:srgbClr val="FFFFFF"/>
+                </a:highlight>
+                <a:latin typeface="Cascadia Mono" panose="020B0609020000020004" pitchFamily="49" charset="0"/>
+              </a:rPr>
+              <a:t>c_custkey = 3;</a:t>
             </a:r>
           </a:p>
         </p:txBody>
@@ -15144,16 +14126,8 @@
           <a:lstStyle/>
           <a:p>
             <a:r>
-              <a:rPr lang="de-DE" dirty="0"/>
-              <a:t>Links for </a:t>
-            </a:r>
-            <a:r>
-              <a:rPr lang="de-DE" dirty="0" err="1"/>
-              <a:t>this</a:t>
-            </a:r>
-            <a:r>
-              <a:rPr lang="de-DE" dirty="0"/>
-              <a:t> Session/Workshop</a:t>
+              <a:rPr lang="en-US" noProof="0" dirty="0"/>
+              <a:t>Links for this Session/Workshop</a:t>
             </a:r>
           </a:p>
         </p:txBody>
@@ -15182,79 +14156,79 @@
           <a:lstStyle/>
           <a:p>
             <a:r>
-              <a:rPr lang="de-DE" dirty="0"/>
+              <a:rPr lang="en-US" noProof="0" dirty="0"/>
               <a:t>Scripts and Slide Decks</a:t>
             </a:r>
             <a:br>
-              <a:rPr lang="de-DE" dirty="0"/>
+              <a:rPr lang="en-US" noProof="0" dirty="0"/>
             </a:br>
             <a:r>
-              <a:rPr lang="de-DE" dirty="0">
+              <a:rPr lang="en-US" noProof="0" dirty="0">
                 <a:hlinkClick r:id="rId2"/>
               </a:rPr>
               <a:t>https://github.com/db-berater/solving-deadlock-scenarios</a:t>
             </a:r>
-            <a:endParaRPr lang="de-DE" dirty="0"/>
-          </a:p>
-          <a:p>
-            <a:endParaRPr lang="de-DE" dirty="0"/>
-          </a:p>
-          <a:p>
-            <a:r>
-              <a:rPr lang="de-DE" dirty="0"/>
+            <a:endParaRPr lang="en-US" noProof="0" dirty="0"/>
+          </a:p>
+          <a:p>
+            <a:endParaRPr lang="en-US" noProof="0" dirty="0"/>
+          </a:p>
+          <a:p>
+            <a:r>
+              <a:rPr lang="en-US" noProof="0" dirty="0"/>
               <a:t>ERP Demo Database (17.00 GB)</a:t>
             </a:r>
             <a:br>
-              <a:rPr lang="de-DE" dirty="0"/>
+              <a:rPr lang="en-US" noProof="0" dirty="0"/>
             </a:br>
             <a:r>
-              <a:rPr lang="de-DE" dirty="0">
+              <a:rPr lang="en-US" noProof="0" dirty="0">
                 <a:hlinkClick r:id="rId3"/>
               </a:rPr>
               <a:t>https://db-berater.de/downloads/ERP_Demo_2012.bak</a:t>
             </a:r>
-            <a:endParaRPr lang="de-DE" dirty="0"/>
-          </a:p>
-          <a:p>
-            <a:endParaRPr lang="de-DE" dirty="0"/>
-          </a:p>
-          <a:p>
-            <a:r>
-              <a:rPr lang="de-DE" dirty="0" err="1"/>
+            <a:endParaRPr lang="en-US" noProof="0" dirty="0"/>
+          </a:p>
+          <a:p>
+            <a:endParaRPr lang="en-US" noProof="0" dirty="0"/>
+          </a:p>
+          <a:p>
+            <a:r>
+              <a:rPr lang="en-US" noProof="0" dirty="0"/>
               <a:t>SQLQueryStress</a:t>
             </a:r>
             <a:br>
-              <a:rPr lang="de-DE" dirty="0"/>
+              <a:rPr lang="en-US" noProof="0" dirty="0"/>
             </a:br>
             <a:r>
-              <a:rPr lang="de-DE" dirty="0">
+              <a:rPr lang="en-US" noProof="0" dirty="0">
                 <a:hlinkClick r:id="rId4"/>
               </a:rPr>
               <a:t>https://github.com/ErikEJ/SqlQueryStress</a:t>
             </a:r>
-            <a:endParaRPr lang="de-DE" dirty="0"/>
-          </a:p>
-          <a:p>
-            <a:endParaRPr lang="de-DE" dirty="0"/>
-          </a:p>
-          <a:p>
-            <a:r>
-              <a:rPr lang="de-DE" dirty="0"/>
+            <a:endParaRPr lang="en-US" noProof="0" dirty="0"/>
+          </a:p>
+          <a:p>
+            <a:endParaRPr lang="en-US" noProof="0" dirty="0"/>
+          </a:p>
+          <a:p>
+            <a:r>
+              <a:rPr lang="en-US" noProof="0" dirty="0"/>
               <a:t>Windows Admin Center</a:t>
             </a:r>
             <a:br>
-              <a:rPr lang="de-DE" dirty="0"/>
+              <a:rPr lang="en-US" noProof="0" dirty="0"/>
             </a:br>
             <a:r>
-              <a:rPr lang="de-DE" dirty="0">
+              <a:rPr lang="en-US" noProof="0" dirty="0">
                 <a:hlinkClick r:id="rId5"/>
               </a:rPr>
               <a:t>https://go.microsoft.com/fwlink/?linkid=2220149</a:t>
             </a:r>
-            <a:endParaRPr lang="de-DE" dirty="0"/>
-          </a:p>
-          <a:p>
-            <a:endParaRPr lang="de-DE" dirty="0"/>
+            <a:endParaRPr lang="en-US" noProof="0" dirty="0"/>
+          </a:p>
+          <a:p>
+            <a:endParaRPr lang="en-US" noProof="0" dirty="0"/>
           </a:p>
         </p:txBody>
       </p:sp>
@@ -15625,7 +14599,7 @@
                     <a:lstStyle/>
                     <a:p>
                       <a:r>
-                        <a:rPr lang="de-DE" sz="1200" dirty="0" err="1"/>
+                        <a:rPr lang="de-DE" sz="1200" dirty="0"/>
                         <a:t>dbo.customers</a:t>
                       </a:r>
                       <a:endParaRPr sz="1200" dirty="0"/>
@@ -15667,10 +14641,9 @@
                     <a:p>
                       <a:pPr algn="ctr"/>
                       <a:r>
-                        <a:rPr lang="en-US" sz="1200" b="1" dirty="0" err="1"/>
+                        <a:rPr lang="en-US" sz="1200" b="1" dirty="0"/>
                         <a:t>c_custkey</a:t>
                       </a:r>
-                      <a:endParaRPr lang="en-US" sz="1200" b="1" dirty="0"/>
                     </a:p>
                   </a:txBody>
                   <a:tcPr/>
@@ -15681,10 +14654,9 @@
                     <a:lstStyle/>
                     <a:p>
                       <a:r>
-                        <a:rPr lang="en-US" sz="1200" b="1" dirty="0" err="1"/>
+                        <a:rPr lang="en-US" sz="1200" b="1" dirty="0"/>
                         <a:t>c_name</a:t>
                       </a:r>
-                      <a:endParaRPr lang="en-US" sz="1200" b="1" dirty="0"/>
                     </a:p>
                   </a:txBody>
                   <a:tcPr/>
@@ -15696,18 +14668,13 @@
                     <a:p>
                       <a:pPr algn="ctr"/>
                       <a:r>
-                        <a:rPr lang="en-US" sz="1200" b="1" dirty="0" err="1">
+                        <a:rPr lang="en-US" sz="1200" b="1" dirty="0">
                           <a:solidFill>
                             <a:schemeClr val="tx1"/>
                           </a:solidFill>
                         </a:rPr>
                         <a:t>c_nationkey</a:t>
                       </a:r>
-                      <a:endParaRPr lang="en-US" sz="1200" b="1" dirty="0">
-                        <a:solidFill>
-                          <a:schemeClr val="tx1"/>
-                        </a:solidFill>
-                      </a:endParaRPr>
                     </a:p>
                   </a:txBody>
                   <a:tcPr/>
@@ -16049,10 +15016,9 @@
                     <a:lstStyle/>
                     <a:p>
                       <a:r>
-                        <a:rPr lang="en-US" sz="1200" dirty="0" err="1"/>
+                        <a:rPr lang="en-US" sz="1200" dirty="0"/>
                         <a:t>dbo.nations</a:t>
                       </a:r>
-                      <a:endParaRPr lang="en-US" sz="1200" dirty="0"/>
                     </a:p>
                   </a:txBody>
                   <a:tcPr/>
@@ -16114,10 +15080,9 @@
                     <a:p>
                       <a:pPr algn="ctr"/>
                       <a:r>
-                        <a:rPr lang="en-US" sz="1200" b="1" dirty="0" err="1"/>
+                        <a:rPr lang="en-US" sz="1200" b="1" dirty="0"/>
                         <a:t>n_nationkey</a:t>
                       </a:r>
-                      <a:endParaRPr lang="en-US" sz="1200" b="1" dirty="0"/>
                     </a:p>
                   </a:txBody>
                   <a:tcPr/>
@@ -16128,10 +15093,9 @@
                     <a:lstStyle/>
                     <a:p>
                       <a:r>
-                        <a:rPr lang="en-US" sz="1200" b="1" dirty="0" err="1"/>
+                        <a:rPr lang="en-US" sz="1200" b="1" dirty="0"/>
                         <a:t>n_name</a:t>
                       </a:r>
-                      <a:endParaRPr lang="en-US" sz="1200" b="1" dirty="0"/>
                     </a:p>
                   </a:txBody>
                   <a:tcPr/>
@@ -16391,7 +15355,7 @@
           <a:lstStyle/>
           <a:p>
             <a:pPr algn="ctr"/>
-            <a:endParaRPr lang="en-US"/>
+            <a:endParaRPr lang="en-US" dirty="0"/>
           </a:p>
         </p:txBody>
       </p:sp>
@@ -16441,7 +15405,7 @@
           <a:lstStyle/>
           <a:p>
             <a:pPr algn="ctr"/>
-            <a:endParaRPr lang="en-US"/>
+            <a:endParaRPr lang="en-US" dirty="0"/>
           </a:p>
         </p:txBody>
       </p:sp>
@@ -16704,56 +15668,55 @@
                 </a:highlight>
                 <a:latin typeface="Cascadia Mono" panose="020B0609020000020004" pitchFamily="49" charset="0"/>
               </a:rPr>
-              <a:t> </a:t>
-            </a:r>
-            <a:r>
-              <a:rPr lang="en-US" sz="1100" dirty="0" err="1">
-                <a:solidFill>
-                  <a:srgbClr val="000000"/>
+              <a:t> update_customers</a:t>
+            </a:r>
+            <a:r>
+              <a:rPr lang="en-US" sz="1100" dirty="0">
+                <a:solidFill>
+                  <a:srgbClr val="808080"/>
                 </a:solidFill>
                 <a:highlight>
                   <a:srgbClr val="FFFFFF"/>
                 </a:highlight>
                 <a:latin typeface="Cascadia Mono" panose="020B0609020000020004" pitchFamily="49" charset="0"/>
               </a:rPr>
-              <a:t>update_customers</a:t>
-            </a:r>
-            <a:r>
+              <a:t>;</a:t>
+            </a:r>
+            <a:br>
               <a:rPr lang="en-US" sz="1100" dirty="0">
                 <a:solidFill>
-                  <a:srgbClr val="808080"/>
+                  <a:srgbClr val="000000"/>
                 </a:solidFill>
                 <a:highlight>
                   <a:srgbClr val="FFFFFF"/>
                 </a:highlight>
                 <a:latin typeface="Cascadia Mono" panose="020B0609020000020004" pitchFamily="49" charset="0"/>
               </a:rPr>
-              <a:t>;</a:t>
-            </a:r>
-            <a:br>
+            </a:br>
+            <a:r>
               <a:rPr lang="en-US" sz="1100" dirty="0">
                 <a:solidFill>
-                  <a:srgbClr val="000000"/>
+                  <a:srgbClr val="0000FF"/>
                 </a:solidFill>
                 <a:highlight>
                   <a:srgbClr val="FFFFFF"/>
                 </a:highlight>
                 <a:latin typeface="Cascadia Mono" panose="020B0609020000020004" pitchFamily="49" charset="0"/>
               </a:rPr>
-            </a:br>
-            <a:r>
+              <a:t>GO</a:t>
+            </a:r>
+            <a:br>
               <a:rPr lang="en-US" sz="1100" dirty="0">
                 <a:solidFill>
-                  <a:srgbClr val="0000FF"/>
+                  <a:srgbClr val="000000"/>
                 </a:solidFill>
                 <a:highlight>
                   <a:srgbClr val="FFFFFF"/>
                 </a:highlight>
                 <a:latin typeface="Cascadia Mono" panose="020B0609020000020004" pitchFamily="49" charset="0"/>
               </a:rPr>
-              <a:t>GO</a:t>
-            </a:r>
-            <a:br>
+            </a:br>
+            <a:r>
               <a:rPr lang="en-US" sz="1100" dirty="0">
                 <a:solidFill>
                   <a:srgbClr val="000000"/>
@@ -16763,57 +15726,58 @@
                 </a:highlight>
                 <a:latin typeface="Cascadia Mono" panose="020B0609020000020004" pitchFamily="49" charset="0"/>
               </a:rPr>
-            </a:br>
+              <a:t>    </a:t>
+            </a:r>
             <a:r>
               <a:rPr lang="en-US" sz="1100" dirty="0">
                 <a:solidFill>
-                  <a:srgbClr val="000000"/>
+                  <a:srgbClr val="FF00FF"/>
                 </a:solidFill>
                 <a:highlight>
                   <a:srgbClr val="FFFFFF"/>
                 </a:highlight>
                 <a:latin typeface="Cascadia Mono" panose="020B0609020000020004" pitchFamily="49" charset="0"/>
               </a:rPr>
-              <a:t>    </a:t>
+              <a:t>UPDATE </a:t>
             </a:r>
             <a:r>
               <a:rPr lang="en-US" sz="1100" dirty="0">
                 <a:solidFill>
-                  <a:srgbClr val="FF00FF"/>
+                  <a:srgbClr val="000000"/>
                 </a:solidFill>
                 <a:highlight>
                   <a:srgbClr val="FFFFFF"/>
                 </a:highlight>
                 <a:latin typeface="Cascadia Mono" panose="020B0609020000020004" pitchFamily="49" charset="0"/>
               </a:rPr>
-              <a:t>UPDATE </a:t>
-            </a:r>
-            <a:r>
-              <a:rPr lang="en-US" sz="1100" dirty="0" err="1">
-                <a:solidFill>
-                  <a:srgbClr val="000000"/>
+              <a:t>dbo</a:t>
+            </a:r>
+            <a:r>
+              <a:rPr lang="en-US" sz="1100" dirty="0">
+                <a:solidFill>
+                  <a:srgbClr val="808080"/>
                 </a:solidFill>
                 <a:highlight>
                   <a:srgbClr val="FFFFFF"/>
                 </a:highlight>
                 <a:latin typeface="Cascadia Mono" panose="020B0609020000020004" pitchFamily="49" charset="0"/>
               </a:rPr>
-              <a:t>dbo</a:t>
-            </a:r>
-            <a:r>
-              <a:rPr lang="en-US" sz="1100" dirty="0" err="1">
-                <a:solidFill>
-                  <a:srgbClr val="808080"/>
+              <a:t>.</a:t>
+            </a:r>
+            <a:r>
+              <a:rPr lang="en-US" sz="1100" dirty="0">
+                <a:solidFill>
+                  <a:srgbClr val="000000"/>
                 </a:solidFill>
                 <a:highlight>
                   <a:srgbClr val="FFFFFF"/>
                 </a:highlight>
                 <a:latin typeface="Cascadia Mono" panose="020B0609020000020004" pitchFamily="49" charset="0"/>
               </a:rPr>
-              <a:t>.</a:t>
-            </a:r>
-            <a:r>
-              <a:rPr lang="en-US" sz="1100" dirty="0" err="1">
+              <a:t>customers</a:t>
+            </a:r>
+            <a:br>
+              <a:rPr lang="en-US" sz="1100" dirty="0">
                 <a:solidFill>
                   <a:srgbClr val="000000"/>
                 </a:solidFill>
@@ -16822,9 +15786,8 @@
                 </a:highlight>
                 <a:latin typeface="Cascadia Mono" panose="020B0609020000020004" pitchFamily="49" charset="0"/>
               </a:rPr>
-              <a:t>customers</a:t>
-            </a:r>
-            <a:br>
+            </a:br>
+            <a:r>
               <a:rPr lang="en-US" sz="1100" dirty="0">
                 <a:solidFill>
                   <a:srgbClr val="000000"/>
@@ -16834,42 +15797,43 @@
                 </a:highlight>
                 <a:latin typeface="Cascadia Mono" panose="020B0609020000020004" pitchFamily="49" charset="0"/>
               </a:rPr>
-            </a:br>
+              <a:t>    </a:t>
+            </a:r>
             <a:r>
               <a:rPr lang="en-US" sz="1100" dirty="0">
                 <a:solidFill>
-                  <a:srgbClr val="000000"/>
+                  <a:srgbClr val="0000FF"/>
                 </a:solidFill>
                 <a:highlight>
                   <a:srgbClr val="FFFFFF"/>
                 </a:highlight>
                 <a:latin typeface="Cascadia Mono" panose="020B0609020000020004" pitchFamily="49" charset="0"/>
               </a:rPr>
-              <a:t>    </a:t>
+              <a:t>SET   </a:t>
             </a:r>
             <a:r>
               <a:rPr lang="en-US" sz="1100" dirty="0">
                 <a:solidFill>
-                  <a:srgbClr val="0000FF"/>
+                  <a:srgbClr val="000000"/>
                 </a:solidFill>
                 <a:highlight>
                   <a:srgbClr val="FFFFFF"/>
                 </a:highlight>
                 <a:latin typeface="Cascadia Mono" panose="020B0609020000020004" pitchFamily="49" charset="0"/>
               </a:rPr>
-              <a:t>SET   </a:t>
-            </a:r>
-            <a:r>
-              <a:rPr lang="en-US" sz="1100" dirty="0" err="1">
-                <a:solidFill>
-                  <a:srgbClr val="000000"/>
+              <a:t>c_name </a:t>
+            </a:r>
+            <a:r>
+              <a:rPr lang="en-US" sz="1100" dirty="0">
+                <a:solidFill>
+                  <a:srgbClr val="808080"/>
                 </a:solidFill>
                 <a:highlight>
                   <a:srgbClr val="FFFFFF"/>
                 </a:highlight>
                 <a:latin typeface="Cascadia Mono" panose="020B0609020000020004" pitchFamily="49" charset="0"/>
               </a:rPr>
-              <a:t>c_name</a:t>
+              <a:t>=</a:t>
             </a:r>
             <a:r>
               <a:rPr lang="en-US" sz="1100" dirty="0">
@@ -16886,39 +15850,38 @@
             <a:r>
               <a:rPr lang="en-US" sz="1100" dirty="0">
                 <a:solidFill>
-                  <a:srgbClr val="808080"/>
+                  <a:srgbClr val="FF0000"/>
                 </a:solidFill>
                 <a:highlight>
                   <a:srgbClr val="FFFFFF"/>
                 </a:highlight>
                 <a:latin typeface="Cascadia Mono" panose="020B0609020000020004" pitchFamily="49" charset="0"/>
               </a:rPr>
-              <a:t>=</a:t>
+              <a:t>'Uwe’</a:t>
             </a:r>
             <a:r>
               <a:rPr lang="en-US" sz="1100" dirty="0">
                 <a:solidFill>
-                  <a:srgbClr val="000000"/>
+                  <a:srgbClr val="808080"/>
                 </a:solidFill>
                 <a:highlight>
                   <a:srgbClr val="FFFFFF"/>
                 </a:highlight>
                 <a:latin typeface="Cascadia Mono" panose="020B0609020000020004" pitchFamily="49" charset="0"/>
               </a:rPr>
-              <a:t> </a:t>
-            </a:r>
-            <a:r>
+              <a:t>,</a:t>
+            </a:r>
+            <a:br>
               <a:rPr lang="en-US" sz="1100" dirty="0">
                 <a:solidFill>
-                  <a:srgbClr val="FF0000"/>
+                  <a:srgbClr val="808080"/>
                 </a:solidFill>
                 <a:highlight>
                   <a:srgbClr val="FFFFFF"/>
                 </a:highlight>
                 <a:latin typeface="Cascadia Mono" panose="020B0609020000020004" pitchFamily="49" charset="0"/>
               </a:rPr>
-              <a:t>'Uwe’</a:t>
-            </a:r>
+            </a:br>
             <a:r>
               <a:rPr lang="en-US" sz="1100" dirty="0">
                 <a:solidFill>
@@ -16929,19 +15892,20 @@
                 </a:highlight>
                 <a:latin typeface="Cascadia Mono" panose="020B0609020000020004" pitchFamily="49" charset="0"/>
               </a:rPr>
-              <a:t>,</a:t>
-            </a:r>
-            <a:br>
+              <a:t>          </a:t>
+            </a:r>
+            <a:r>
               <a:rPr lang="en-US" sz="1100" dirty="0">
                 <a:solidFill>
-                  <a:srgbClr val="808080"/>
+                  <a:srgbClr val="000000"/>
                 </a:solidFill>
                 <a:highlight>
                   <a:srgbClr val="FFFFFF"/>
                 </a:highlight>
                 <a:latin typeface="Cascadia Mono" panose="020B0609020000020004" pitchFamily="49" charset="0"/>
               </a:rPr>
-            </a:br>
+              <a:t>c_nationkey </a:t>
+            </a:r>
             <a:r>
               <a:rPr lang="en-US" sz="1100" dirty="0">
                 <a:solidFill>
@@ -16952,10 +15916,10 @@
                 </a:highlight>
                 <a:latin typeface="Cascadia Mono" panose="020B0609020000020004" pitchFamily="49" charset="0"/>
               </a:rPr>
-              <a:t>          </a:t>
-            </a:r>
-            <a:r>
-              <a:rPr lang="en-US" sz="1100" dirty="0" err="1">
+              <a:t>=</a:t>
+            </a:r>
+            <a:r>
+              <a:rPr lang="en-US" sz="1100" dirty="0">
                 <a:solidFill>
                   <a:srgbClr val="000000"/>
                 </a:solidFill>
@@ -16964,9 +15928,9 @@
                 </a:highlight>
                 <a:latin typeface="Cascadia Mono" panose="020B0609020000020004" pitchFamily="49" charset="0"/>
               </a:rPr>
-              <a:t>c_nationkey</a:t>
-            </a:r>
-            <a:r>
+              <a:t> 99</a:t>
+            </a:r>
+            <a:br>
               <a:rPr lang="en-US" sz="1100" dirty="0">
                 <a:solidFill>
                   <a:srgbClr val="000000"/>
@@ -16976,33 +15940,32 @@
                 </a:highlight>
                 <a:latin typeface="Cascadia Mono" panose="020B0609020000020004" pitchFamily="49" charset="0"/>
               </a:rPr>
-              <a:t> </a:t>
-            </a:r>
+            </a:br>
             <a:r>
               <a:rPr lang="en-US" sz="1100" dirty="0">
                 <a:solidFill>
-                  <a:srgbClr val="808080"/>
+                  <a:srgbClr val="000000"/>
                 </a:solidFill>
                 <a:highlight>
                   <a:srgbClr val="FFFFFF"/>
                 </a:highlight>
                 <a:latin typeface="Cascadia Mono" panose="020B0609020000020004" pitchFamily="49" charset="0"/>
               </a:rPr>
-              <a:t>=</a:t>
+              <a:t>    </a:t>
             </a:r>
             <a:r>
               <a:rPr lang="en-US" sz="1100" dirty="0">
                 <a:solidFill>
-                  <a:srgbClr val="000000"/>
+                  <a:srgbClr val="0000FF"/>
                 </a:solidFill>
                 <a:highlight>
                   <a:srgbClr val="FFFFFF"/>
                 </a:highlight>
                 <a:latin typeface="Cascadia Mono" panose="020B0609020000020004" pitchFamily="49" charset="0"/>
               </a:rPr>
-              <a:t> 99</a:t>
-            </a:r>
-            <a:br>
+              <a:t>WHERE </a:t>
+            </a:r>
+            <a:r>
               <a:rPr lang="en-US" sz="1100" dirty="0">
                 <a:solidFill>
                   <a:srgbClr val="000000"/>
@@ -17012,54 +15975,7 @@
                 </a:highlight>
                 <a:latin typeface="Cascadia Mono" panose="020B0609020000020004" pitchFamily="49" charset="0"/>
               </a:rPr>
-            </a:br>
-            <a:r>
-              <a:rPr lang="en-US" sz="1100" dirty="0">
-                <a:solidFill>
-                  <a:srgbClr val="000000"/>
-                </a:solidFill>
-                <a:highlight>
-                  <a:srgbClr val="FFFFFF"/>
-                </a:highlight>
-                <a:latin typeface="Cascadia Mono" panose="020B0609020000020004" pitchFamily="49" charset="0"/>
-              </a:rPr>
-              <a:t>    </a:t>
-            </a:r>
-            <a:r>
-              <a:rPr lang="en-US" sz="1100" dirty="0">
-                <a:solidFill>
-                  <a:srgbClr val="0000FF"/>
-                </a:solidFill>
-                <a:highlight>
-                  <a:srgbClr val="FFFFFF"/>
-                </a:highlight>
-                <a:latin typeface="Cascadia Mono" panose="020B0609020000020004" pitchFamily="49" charset="0"/>
-              </a:rPr>
-              <a:t>WHERE </a:t>
-            </a:r>
-            <a:r>
-              <a:rPr lang="en-US" sz="1100" dirty="0" err="1">
-                <a:solidFill>
-                  <a:srgbClr val="000000"/>
-                </a:solidFill>
-                <a:highlight>
-                  <a:srgbClr val="FFFFFF"/>
-                </a:highlight>
-                <a:latin typeface="Cascadia Mono" panose="020B0609020000020004" pitchFamily="49" charset="0"/>
-              </a:rPr>
-              <a:t>c_custkey</a:t>
-            </a:r>
-            <a:r>
-              <a:rPr lang="en-US" sz="1100" dirty="0">
-                <a:solidFill>
-                  <a:srgbClr val="000000"/>
-                </a:solidFill>
-                <a:highlight>
-                  <a:srgbClr val="FFFFFF"/>
-                </a:highlight>
-                <a:latin typeface="Cascadia Mono" panose="020B0609020000020004" pitchFamily="49" charset="0"/>
-              </a:rPr>
-              <a:t> </a:t>
+              <a:t>c_custkey </a:t>
             </a:r>
             <a:r>
               <a:rPr lang="en-US" sz="1100" dirty="0">
@@ -17189,10 +16105,10 @@
                 </a:highlight>
                 <a:latin typeface="Cascadia Mono" panose="020B0609020000020004" pitchFamily="49" charset="0"/>
               </a:rPr>
-              <a:t> </a:t>
-            </a:r>
-            <a:r>
-              <a:rPr lang="en-US" sz="1100" dirty="0" err="1">
+              <a:t> update_nations</a:t>
+            </a:r>
+            <a:br>
+              <a:rPr lang="en-US" sz="1100" dirty="0">
                 <a:solidFill>
                   <a:srgbClr val="000000"/>
                 </a:solidFill>
@@ -17201,32 +16117,31 @@
                 </a:highlight>
                 <a:latin typeface="Cascadia Mono" panose="020B0609020000020004" pitchFamily="49" charset="0"/>
               </a:rPr>
-              <a:t>update_nations</a:t>
-            </a:r>
-            <a:br>
+            </a:br>
+            <a:r>
               <a:rPr lang="en-US" sz="1100" dirty="0">
                 <a:solidFill>
-                  <a:srgbClr val="000000"/>
+                  <a:srgbClr val="0000FF"/>
                 </a:solidFill>
                 <a:highlight>
                   <a:srgbClr val="FFFFFF"/>
                 </a:highlight>
                 <a:latin typeface="Cascadia Mono" panose="020B0609020000020004" pitchFamily="49" charset="0"/>
               </a:rPr>
-            </a:br>
-            <a:r>
+              <a:t>GO</a:t>
+            </a:r>
+            <a:br>
               <a:rPr lang="en-US" sz="1100" dirty="0">
                 <a:solidFill>
-                  <a:srgbClr val="0000FF"/>
+                  <a:srgbClr val="000000"/>
                 </a:solidFill>
                 <a:highlight>
                   <a:srgbClr val="FFFFFF"/>
                 </a:highlight>
                 <a:latin typeface="Cascadia Mono" panose="020B0609020000020004" pitchFamily="49" charset="0"/>
               </a:rPr>
-              <a:t>GO</a:t>
-            </a:r>
-            <a:br>
+            </a:br>
+            <a:r>
               <a:rPr lang="en-US" sz="1100" dirty="0">
                 <a:solidFill>
                   <a:srgbClr val="000000"/>
@@ -17236,69 +16151,70 @@
                 </a:highlight>
                 <a:latin typeface="Cascadia Mono" panose="020B0609020000020004" pitchFamily="49" charset="0"/>
               </a:rPr>
-            </a:br>
+              <a:t>	</a:t>
+            </a:r>
             <a:r>
               <a:rPr lang="en-US" sz="1100" dirty="0">
                 <a:solidFill>
-                  <a:srgbClr val="000000"/>
+                  <a:srgbClr val="0000FF"/>
                 </a:solidFill>
                 <a:highlight>
                   <a:srgbClr val="FFFFFF"/>
                 </a:highlight>
                 <a:latin typeface="Cascadia Mono" panose="020B0609020000020004" pitchFamily="49" charset="0"/>
               </a:rPr>
-              <a:t>	</a:t>
+              <a:t>DELETE</a:t>
             </a:r>
             <a:r>
               <a:rPr lang="en-US" sz="1100" dirty="0">
                 <a:solidFill>
-                  <a:srgbClr val="0000FF"/>
+                  <a:srgbClr val="FF00FF"/>
                 </a:solidFill>
                 <a:highlight>
                   <a:srgbClr val="FFFFFF"/>
                 </a:highlight>
                 <a:latin typeface="Cascadia Mono" panose="020B0609020000020004" pitchFamily="49" charset="0"/>
               </a:rPr>
-              <a:t>DELETE</a:t>
+              <a:t> </a:t>
             </a:r>
             <a:r>
               <a:rPr lang="en-US" sz="1100" dirty="0">
                 <a:solidFill>
-                  <a:srgbClr val="FF00FF"/>
+                  <a:srgbClr val="000000"/>
                 </a:solidFill>
                 <a:highlight>
                   <a:srgbClr val="FFFFFF"/>
                 </a:highlight>
                 <a:latin typeface="Cascadia Mono" panose="020B0609020000020004" pitchFamily="49" charset="0"/>
               </a:rPr>
-              <a:t> </a:t>
-            </a:r>
-            <a:r>
-              <a:rPr lang="en-US" sz="1100" dirty="0" err="1">
-                <a:solidFill>
-                  <a:srgbClr val="000000"/>
+              <a:t>dbo</a:t>
+            </a:r>
+            <a:r>
+              <a:rPr lang="en-US" sz="1100" dirty="0">
+                <a:solidFill>
+                  <a:srgbClr val="808080"/>
                 </a:solidFill>
                 <a:highlight>
                   <a:srgbClr val="FFFFFF"/>
                 </a:highlight>
                 <a:latin typeface="Cascadia Mono" panose="020B0609020000020004" pitchFamily="49" charset="0"/>
               </a:rPr>
-              <a:t>dbo</a:t>
-            </a:r>
-            <a:r>
-              <a:rPr lang="en-US" sz="1100" dirty="0" err="1">
-                <a:solidFill>
-                  <a:srgbClr val="808080"/>
+              <a:t>.</a:t>
+            </a:r>
+            <a:r>
+              <a:rPr lang="en-US" sz="1100" dirty="0">
+                <a:solidFill>
+                  <a:srgbClr val="000000"/>
                 </a:solidFill>
                 <a:highlight>
                   <a:srgbClr val="FFFFFF"/>
                 </a:highlight>
                 <a:latin typeface="Cascadia Mono" panose="020B0609020000020004" pitchFamily="49" charset="0"/>
               </a:rPr>
-              <a:t>.</a:t>
-            </a:r>
-            <a:r>
-              <a:rPr lang="en-US" sz="1100" dirty="0" err="1">
+              <a:t>nations</a:t>
+            </a:r>
+            <a:br>
+              <a:rPr lang="en-US" sz="1100" dirty="0">
                 <a:solidFill>
                   <a:srgbClr val="000000"/>
                 </a:solidFill>
@@ -17307,9 +16223,8 @@
                 </a:highlight>
                 <a:latin typeface="Cascadia Mono" panose="020B0609020000020004" pitchFamily="49" charset="0"/>
               </a:rPr>
-              <a:t>nations</a:t>
-            </a:r>
-            <a:br>
+            </a:br>
+            <a:r>
               <a:rPr lang="en-US" sz="1100" dirty="0">
                 <a:solidFill>
                   <a:srgbClr val="000000"/>
@@ -17319,54 +16234,31 @@
                 </a:highlight>
                 <a:latin typeface="Cascadia Mono" panose="020B0609020000020004" pitchFamily="49" charset="0"/>
               </a:rPr>
-            </a:br>
+              <a:t>	</a:t>
+            </a:r>
             <a:r>
               <a:rPr lang="en-US" sz="1100" dirty="0">
                 <a:solidFill>
-                  <a:srgbClr val="000000"/>
+                  <a:srgbClr val="0000FF"/>
                 </a:solidFill>
                 <a:highlight>
                   <a:srgbClr val="FFFFFF"/>
                 </a:highlight>
                 <a:latin typeface="Cascadia Mono" panose="020B0609020000020004" pitchFamily="49" charset="0"/>
               </a:rPr>
-              <a:t>	</a:t>
+              <a:t>WHERE  </a:t>
             </a:r>
             <a:r>
               <a:rPr lang="en-US" sz="1100" dirty="0">
                 <a:solidFill>
-                  <a:srgbClr val="0000FF"/>
+                  <a:srgbClr val="000000"/>
                 </a:solidFill>
                 <a:highlight>
                   <a:srgbClr val="FFFFFF"/>
                 </a:highlight>
                 <a:latin typeface="Cascadia Mono" panose="020B0609020000020004" pitchFamily="49" charset="0"/>
               </a:rPr>
-              <a:t>WHERE  </a:t>
-            </a:r>
-            <a:r>
-              <a:rPr lang="en-US" sz="1100" dirty="0" err="1">
-                <a:solidFill>
-                  <a:srgbClr val="000000"/>
-                </a:solidFill>
-                <a:highlight>
-                  <a:srgbClr val="FFFFFF"/>
-                </a:highlight>
-                <a:latin typeface="Cascadia Mono" panose="020B0609020000020004" pitchFamily="49" charset="0"/>
-              </a:rPr>
-              <a:t>n_nationkey</a:t>
-            </a:r>
-            <a:r>
-              <a:rPr lang="en-US" sz="1100" dirty="0">
-                <a:solidFill>
-                  <a:srgbClr val="000000"/>
-                </a:solidFill>
-                <a:highlight>
-                  <a:srgbClr val="FFFFFF"/>
-                </a:highlight>
-                <a:latin typeface="Cascadia Mono" panose="020B0609020000020004" pitchFamily="49" charset="0"/>
-              </a:rPr>
-              <a:t> </a:t>
+              <a:t>n_nationkey </a:t>
             </a:r>
             <a:r>
               <a:rPr lang="en-US" sz="1100" dirty="0">
@@ -17477,10 +16369,9 @@
                     <a:lstStyle/>
                     <a:p>
                       <a:r>
-                        <a:rPr lang="en-US" sz="1200" dirty="0" err="1"/>
+                        <a:rPr lang="en-US" sz="1200" dirty="0"/>
                         <a:t>dbo.customers</a:t>
                       </a:r>
-                      <a:endParaRPr lang="en-US" sz="1200" dirty="0"/>
                     </a:p>
                   </a:txBody>
                   <a:tcPr/>
@@ -17542,10 +16433,9 @@
                     <a:p>
                       <a:pPr algn="ctr"/>
                       <a:r>
-                        <a:rPr lang="en-US" sz="1200" b="1" dirty="0" err="1"/>
+                        <a:rPr lang="en-US" sz="1200" b="1" dirty="0"/>
                         <a:t>c_custkey</a:t>
                       </a:r>
-                      <a:endParaRPr lang="en-US" sz="1200" b="1" dirty="0"/>
                     </a:p>
                   </a:txBody>
                   <a:tcPr/>
@@ -17556,10 +16446,9 @@
                     <a:lstStyle/>
                     <a:p>
                       <a:r>
-                        <a:rPr lang="en-US" sz="1200" b="1" dirty="0" err="1"/>
+                        <a:rPr lang="en-US" sz="1200" b="1" dirty="0"/>
                         <a:t>c_name</a:t>
                       </a:r>
-                      <a:endParaRPr lang="en-US" sz="1200" b="1" dirty="0"/>
                     </a:p>
                   </a:txBody>
                   <a:tcPr/>
@@ -17939,10 +16828,9 @@
                     <a:lstStyle/>
                     <a:p>
                       <a:r>
-                        <a:rPr lang="en-US" sz="1200" dirty="0" err="1"/>
+                        <a:rPr lang="en-US" sz="1200" dirty="0"/>
                         <a:t>dbo.nations</a:t>
                       </a:r>
-                      <a:endParaRPr lang="en-US" sz="1200" dirty="0"/>
                     </a:p>
                   </a:txBody>
                   <a:tcPr/>
@@ -18004,10 +16892,9 @@
                     <a:p>
                       <a:pPr algn="ctr"/>
                       <a:r>
-                        <a:rPr lang="en-US" sz="1200" b="1" dirty="0" err="1"/>
+                        <a:rPr lang="en-US" sz="1200" b="1" dirty="0"/>
                         <a:t>n_nationkey</a:t>
                       </a:r>
-                      <a:endParaRPr lang="en-US" sz="1200" b="1" dirty="0"/>
                     </a:p>
                   </a:txBody>
                   <a:tcPr/>
@@ -18018,10 +16905,9 @@
                     <a:lstStyle/>
                     <a:p>
                       <a:r>
-                        <a:rPr lang="en-US" sz="1200" b="1" dirty="0" err="1"/>
+                        <a:rPr lang="en-US" sz="1200" b="1" dirty="0"/>
                         <a:t>n_name</a:t>
                       </a:r>
-                      <a:endParaRPr lang="en-US" sz="1200" b="1" dirty="0"/>
                     </a:p>
                   </a:txBody>
                   <a:tcPr/>
@@ -18675,78 +17561,69 @@
               <a:t> </a:t>
             </a:r>
             <a:r>
-              <a:rPr lang="en-US" sz="1100" dirty="0" err="1">
-                <a:highlight>
-                  <a:srgbClr val="FFFFFF"/>
-                </a:highlight>
-                <a:latin typeface="Cascadia Mono" panose="020B0609020000020004" pitchFamily="49" charset="0"/>
-              </a:rPr>
-              <a:t>dbo.nations</a:t>
-            </a:r>
-            <a:br>
-              <a:rPr lang="en-US" sz="1100" dirty="0">
-                <a:solidFill>
-                  <a:srgbClr val="FF00FF"/>
-                </a:solidFill>
-                <a:highlight>
-                  <a:srgbClr val="FFFFFF"/>
-                </a:highlight>
-                <a:latin typeface="Cascadia Mono" panose="020B0609020000020004" pitchFamily="49" charset="0"/>
-              </a:rPr>
-            </a:br>
-            <a:r>
-              <a:rPr lang="en-US" sz="1100" dirty="0">
-                <a:solidFill>
-                  <a:srgbClr val="FF00FF"/>
-                </a:solidFill>
-                <a:highlight>
-                  <a:srgbClr val="FFFFFF"/>
-                </a:highlight>
-                <a:latin typeface="Cascadia Mono" panose="020B0609020000020004" pitchFamily="49" charset="0"/>
-              </a:rPr>
-              <a:t>	</a:t>
-            </a:r>
-            <a:r>
-              <a:rPr lang="en-US" sz="1100" dirty="0">
-                <a:solidFill>
-                  <a:srgbClr val="0000FF"/>
-                </a:solidFill>
-                <a:highlight>
-                  <a:srgbClr val="FFFFFF"/>
-                </a:highlight>
-                <a:latin typeface="Cascadia Mono" panose="020B0609020000020004" pitchFamily="49" charset="0"/>
-              </a:rPr>
-              <a:t>WHERE</a:t>
-            </a:r>
-            <a:r>
-              <a:rPr lang="en-US" sz="1100" dirty="0">
-                <a:solidFill>
-                  <a:srgbClr val="FF00FF"/>
-                </a:solidFill>
-                <a:highlight>
-                  <a:srgbClr val="FFFFFF"/>
-                </a:highlight>
-                <a:latin typeface="Cascadia Mono" panose="020B0609020000020004" pitchFamily="49" charset="0"/>
-              </a:rPr>
-              <a:t>	</a:t>
-            </a:r>
-            <a:r>
-              <a:rPr lang="en-US" sz="1100" dirty="0" err="1">
-                <a:highlight>
-                  <a:srgbClr val="FFFFFF"/>
-                </a:highlight>
-                <a:latin typeface="Cascadia Mono" panose="020B0609020000020004" pitchFamily="49" charset="0"/>
-              </a:rPr>
-              <a:t>n_nationkey</a:t>
-            </a:r>
-            <a:r>
               <a:rPr lang="en-US" sz="1100" dirty="0">
                 <a:highlight>
                   <a:srgbClr val="FFFFFF"/>
                 </a:highlight>
                 <a:latin typeface="Cascadia Mono" panose="020B0609020000020004" pitchFamily="49" charset="0"/>
               </a:rPr>
-              <a:t> = 99;</a:t>
+              <a:t>dbo.nations</a:t>
+            </a:r>
+            <a:br>
+              <a:rPr lang="en-US" sz="1100" dirty="0">
+                <a:solidFill>
+                  <a:srgbClr val="FF00FF"/>
+                </a:solidFill>
+                <a:highlight>
+                  <a:srgbClr val="FFFFFF"/>
+                </a:highlight>
+                <a:latin typeface="Cascadia Mono" panose="020B0609020000020004" pitchFamily="49" charset="0"/>
+              </a:rPr>
+            </a:br>
+            <a:r>
+              <a:rPr lang="en-US" sz="1100" dirty="0">
+                <a:solidFill>
+                  <a:srgbClr val="FF00FF"/>
+                </a:solidFill>
+                <a:highlight>
+                  <a:srgbClr val="FFFFFF"/>
+                </a:highlight>
+                <a:latin typeface="Cascadia Mono" panose="020B0609020000020004" pitchFamily="49" charset="0"/>
+              </a:rPr>
+              <a:t>	</a:t>
+            </a:r>
+            <a:r>
+              <a:rPr lang="en-US" sz="1100" dirty="0">
+                <a:solidFill>
+                  <a:srgbClr val="0000FF"/>
+                </a:solidFill>
+                <a:highlight>
+                  <a:srgbClr val="FFFFFF"/>
+                </a:highlight>
+                <a:latin typeface="Cascadia Mono" panose="020B0609020000020004" pitchFamily="49" charset="0"/>
+              </a:rPr>
+              <a:t>WHERE</a:t>
+            </a:r>
+            <a:r>
+              <a:rPr lang="en-US" sz="1100" dirty="0">
+                <a:solidFill>
+                  <a:srgbClr val="FF00FF"/>
+                </a:solidFill>
+                <a:highlight>
+                  <a:srgbClr val="FFFFFF"/>
+                </a:highlight>
+                <a:latin typeface="Cascadia Mono" panose="020B0609020000020004" pitchFamily="49" charset="0"/>
+              </a:rPr>
+              <a:t>	</a:t>
+            </a:r>
+            <a:r>
+              <a:rPr lang="en-US" sz="1100" dirty="0">
+                <a:highlight>
+                  <a:srgbClr val="FFFFFF"/>
+                </a:highlight>
+                <a:latin typeface="Cascadia Mono" panose="020B0609020000020004" pitchFamily="49" charset="0"/>
+              </a:rPr>
+              <a:t>n_nationkey = 99;</a:t>
             </a:r>
           </a:p>
         </p:txBody>
@@ -20737,12 +19614,8 @@
                     <a:lstStyle/>
                     <a:p>
                       <a:r>
-                        <a:rPr lang="en-US" sz="1200" dirty="0" err="1"/>
-                        <a:t>dbo.process_status</a:t>
-                      </a:r>
-                      <a:r>
                         <a:rPr lang="en-US" sz="1200" dirty="0"/>
-                        <a:t> (HEAP)</a:t>
+                        <a:t>dbo.process_status (HEAP)</a:t>
                       </a:r>
                     </a:p>
                   </a:txBody>
@@ -20838,10 +19711,9 @@
                     <a:lstStyle/>
                     <a:p>
                       <a:r>
-                        <a:rPr lang="en-US" sz="1200" b="1" dirty="0" err="1"/>
+                        <a:rPr lang="en-US" sz="1200" b="1" dirty="0"/>
                         <a:t>scancode</a:t>
                       </a:r>
-                      <a:endParaRPr lang="en-US" sz="1200" b="1" dirty="0"/>
                     </a:p>
                   </a:txBody>
                   <a:tcPr/>
@@ -20852,10 +19724,9 @@
                     <a:lstStyle/>
                     <a:p>
                       <a:r>
-                        <a:rPr lang="en-US" sz="1200" b="1" dirty="0" err="1"/>
+                        <a:rPr lang="en-US" sz="1200" b="1" dirty="0"/>
                         <a:t>ship_id</a:t>
                       </a:r>
-                      <a:endParaRPr lang="en-US" sz="1200" b="1" dirty="0"/>
                     </a:p>
                   </a:txBody>
                   <a:tcPr/>
@@ -20866,10 +19737,9 @@
                     <a:lstStyle/>
                     <a:p>
                       <a:r>
-                        <a:rPr lang="en-US" sz="1200" b="1" dirty="0" err="1"/>
+                        <a:rPr lang="en-US" sz="1200" b="1" dirty="0"/>
                         <a:t>is_state</a:t>
                       </a:r>
-                      <a:endParaRPr lang="en-US" sz="1200" b="1" dirty="0"/>
                     </a:p>
                   </a:txBody>
                   <a:tcPr/>
@@ -21436,19 +20306,71 @@
                 </a:highlight>
                 <a:latin typeface="Cascadia Mono" panose="020B0609020000020004" pitchFamily="49" charset="0"/>
               </a:rPr>
-              <a:t> </a:t>
-            </a:r>
-            <a:r>
-              <a:rPr lang="en-US" sz="1200" dirty="0" err="1">
-                <a:solidFill>
-                  <a:srgbClr val="000000"/>
+              <a:t> nix_process_status_scancode_ship_id</a:t>
+            </a:r>
+          </a:p>
+          <a:p>
+            <a:r>
+              <a:rPr lang="en-US" sz="1200" dirty="0">
+                <a:solidFill>
+                  <a:srgbClr val="0000FF"/>
                 </a:solidFill>
                 <a:highlight>
                   <a:srgbClr val="FFFFFF"/>
                 </a:highlight>
                 <a:latin typeface="Cascadia Mono" panose="020B0609020000020004" pitchFamily="49" charset="0"/>
               </a:rPr>
-              <a:t>nix_process_status_scancode_ship_id</a:t>
+              <a:t>ON</a:t>
+            </a:r>
+            <a:r>
+              <a:rPr lang="en-US" sz="1200" dirty="0">
+                <a:solidFill>
+                  <a:srgbClr val="000000"/>
+                </a:solidFill>
+                <a:highlight>
+                  <a:srgbClr val="FFFFFF"/>
+                </a:highlight>
+                <a:latin typeface="Cascadia Mono" panose="020B0609020000020004" pitchFamily="49" charset="0"/>
+              </a:rPr>
+              <a:t> dbo</a:t>
+            </a:r>
+            <a:r>
+              <a:rPr lang="en-US" sz="1200" dirty="0">
+                <a:solidFill>
+                  <a:srgbClr val="808080"/>
+                </a:solidFill>
+                <a:highlight>
+                  <a:srgbClr val="FFFFFF"/>
+                </a:highlight>
+                <a:latin typeface="Cascadia Mono" panose="020B0609020000020004" pitchFamily="49" charset="0"/>
+              </a:rPr>
+              <a:t>.</a:t>
+            </a:r>
+            <a:r>
+              <a:rPr lang="en-US" sz="1200" dirty="0">
+                <a:solidFill>
+                  <a:srgbClr val="000000"/>
+                </a:solidFill>
+                <a:highlight>
+                  <a:srgbClr val="FFFFFF"/>
+                </a:highlight>
+                <a:latin typeface="Cascadia Mono" panose="020B0609020000020004" pitchFamily="49" charset="0"/>
+              </a:rPr>
+              <a:t>process_status</a:t>
+            </a:r>
+          </a:p>
+          <a:p>
+            <a:r>
+              <a:rPr lang="en-US" sz="1200" dirty="0">
+                <a:solidFill>
+                  <a:srgbClr val="808080"/>
+                </a:solidFill>
+                <a:highlight>
+                  <a:srgbClr val="FFFFFF"/>
+                </a:highlight>
+                <a:latin typeface="Cascadia Mono" panose="020B0609020000020004" pitchFamily="49" charset="0"/>
+              </a:rPr>
+              <a:t>(</a:t>
             </a:r>
             <a:endParaRPr lang="en-US" sz="1200" dirty="0">
               <a:solidFill>
@@ -21461,65 +20383,34 @@
             </a:endParaRPr>
           </a:p>
           <a:p>
+            <a:pPr>
+              <a:tabLst>
+                <a:tab pos="360363" algn="l"/>
+              </a:tabLst>
+            </a:pPr>
             <a:r>
               <a:rPr lang="en-US" sz="1200" dirty="0">
                 <a:solidFill>
-                  <a:srgbClr val="0000FF"/>
+                  <a:srgbClr val="000000"/>
                 </a:solidFill>
                 <a:highlight>
                   <a:srgbClr val="FFFFFF"/>
                 </a:highlight>
                 <a:latin typeface="Cascadia Mono" panose="020B0609020000020004" pitchFamily="49" charset="0"/>
               </a:rPr>
-              <a:t>ON</a:t>
+              <a:t>	scancode</a:t>
             </a:r>
             <a:r>
               <a:rPr lang="en-US" sz="1200" dirty="0">
                 <a:solidFill>
-                  <a:srgbClr val="000000"/>
+                  <a:srgbClr val="808080"/>
                 </a:solidFill>
                 <a:highlight>
                   <a:srgbClr val="FFFFFF"/>
                 </a:highlight>
                 <a:latin typeface="Cascadia Mono" panose="020B0609020000020004" pitchFamily="49" charset="0"/>
               </a:rPr>
-              <a:t> </a:t>
-            </a:r>
-            <a:r>
-              <a:rPr lang="en-US" sz="1200" dirty="0" err="1">
-                <a:solidFill>
-                  <a:srgbClr val="000000"/>
-                </a:solidFill>
-                <a:highlight>
-                  <a:srgbClr val="FFFFFF"/>
-                </a:highlight>
-                <a:latin typeface="Cascadia Mono" panose="020B0609020000020004" pitchFamily="49" charset="0"/>
-              </a:rPr>
-              <a:t>dbo</a:t>
-            </a:r>
-            <a:r>
-              <a:rPr lang="en-US" sz="1200" dirty="0" err="1">
-                <a:solidFill>
-                  <a:srgbClr val="808080"/>
-                </a:solidFill>
-                <a:highlight>
-                  <a:srgbClr val="FFFFFF"/>
-                </a:highlight>
-                <a:latin typeface="Cascadia Mono" panose="020B0609020000020004" pitchFamily="49" charset="0"/>
-              </a:rPr>
-              <a:t>.</a:t>
-            </a:r>
-            <a:r>
-              <a:rPr lang="en-US" sz="1200" dirty="0" err="1">
-                <a:solidFill>
-                  <a:srgbClr val="000000"/>
-                </a:solidFill>
-                <a:highlight>
-                  <a:srgbClr val="FFFFFF"/>
-                </a:highlight>
-                <a:latin typeface="Cascadia Mono" panose="020B0609020000020004" pitchFamily="49" charset="0"/>
-              </a:rPr>
-              <a:t>process_status</a:t>
+              <a:t>,</a:t>
             </a:r>
             <a:endParaRPr lang="en-US" sz="1200" dirty="0">
               <a:solidFill>
@@ -21532,29 +20423,6 @@
             </a:endParaRPr>
           </a:p>
           <a:p>
-            <a:r>
-              <a:rPr lang="en-US" sz="1200" dirty="0">
-                <a:solidFill>
-                  <a:srgbClr val="808080"/>
-                </a:solidFill>
-                <a:highlight>
-                  <a:srgbClr val="FFFFFF"/>
-                </a:highlight>
-                <a:latin typeface="Cascadia Mono" panose="020B0609020000020004" pitchFamily="49" charset="0"/>
-              </a:rPr>
-              <a:t>(</a:t>
-            </a:r>
-            <a:endParaRPr lang="en-US" sz="1200" dirty="0">
-              <a:solidFill>
-                <a:srgbClr val="000000"/>
-              </a:solidFill>
-              <a:highlight>
-                <a:srgbClr val="FFFFFF"/>
-              </a:highlight>
-              <a:latin typeface="Cascadia Mono" panose="020B0609020000020004" pitchFamily="49" charset="0"/>
-            </a:endParaRPr>
-          </a:p>
-          <a:p>
             <a:pPr>
               <a:tabLst>
                 <a:tab pos="360363" algn="l"/>
@@ -21570,81 +20438,8 @@
                 </a:highlight>
                 <a:latin typeface="Cascadia Mono" panose="020B0609020000020004" pitchFamily="49" charset="0"/>
               </a:rPr>
-              <a:t>	</a:t>
-            </a:r>
-            <a:r>
-              <a:rPr lang="en-US" sz="1200" dirty="0" err="1">
-                <a:solidFill>
-                  <a:srgbClr val="000000"/>
-                </a:solidFill>
-                <a:highlight>
-                  <a:srgbClr val="FFFFFF"/>
-                </a:highlight>
-                <a:latin typeface="Cascadia Mono" panose="020B0609020000020004" pitchFamily="49" charset="0"/>
-              </a:rPr>
-              <a:t>scancode</a:t>
-            </a:r>
-            <a:r>
-              <a:rPr lang="en-US" sz="1200" dirty="0">
-                <a:solidFill>
-                  <a:srgbClr val="808080"/>
-                </a:solidFill>
-                <a:highlight>
-                  <a:srgbClr val="FFFFFF"/>
-                </a:highlight>
-                <a:latin typeface="Cascadia Mono" panose="020B0609020000020004" pitchFamily="49" charset="0"/>
-              </a:rPr>
-              <a:t>,</a:t>
-            </a:r>
-            <a:endParaRPr lang="en-US" sz="1200" dirty="0">
-              <a:solidFill>
-                <a:srgbClr val="000000"/>
-              </a:solidFill>
-              <a:highlight>
-                <a:srgbClr val="FFFFFF"/>
-              </a:highlight>
-              <a:latin typeface="Cascadia Mono" panose="020B0609020000020004" pitchFamily="49" charset="0"/>
-            </a:endParaRPr>
-          </a:p>
-          <a:p>
-            <a:pPr>
-              <a:tabLst>
-                <a:tab pos="360363" algn="l"/>
-              </a:tabLst>
-            </a:pPr>
-            <a:r>
-              <a:rPr lang="en-US" sz="1200" dirty="0">
-                <a:solidFill>
-                  <a:srgbClr val="000000"/>
-                </a:solidFill>
-                <a:highlight>
-                  <a:srgbClr val="FFFFFF"/>
-                </a:highlight>
-                <a:latin typeface="Cascadia Mono" panose="020B0609020000020004" pitchFamily="49" charset="0"/>
-              </a:rPr>
-              <a:t>	</a:t>
-            </a:r>
-            <a:r>
-              <a:rPr lang="en-US" sz="1200" dirty="0" err="1">
-                <a:solidFill>
-                  <a:srgbClr val="000000"/>
-                </a:solidFill>
-                <a:highlight>
-                  <a:srgbClr val="FFFFFF"/>
-                </a:highlight>
-                <a:latin typeface="Cascadia Mono" panose="020B0609020000020004" pitchFamily="49" charset="0"/>
-              </a:rPr>
-              <a:t>ship_id</a:t>
-            </a:r>
-            <a:endParaRPr lang="en-US" sz="1200" dirty="0">
-              <a:solidFill>
-                <a:srgbClr val="000000"/>
-              </a:solidFill>
-              <a:highlight>
-                <a:srgbClr val="FFFFFF"/>
-              </a:highlight>
-              <a:latin typeface="Cascadia Mono" panose="020B0609020000020004" pitchFamily="49" charset="0"/>
-            </a:endParaRPr>
+              <a:t>	ship_id</a:t>
+            </a:r>
           </a:p>
           <a:p>
             <a:r>
@@ -21736,81 +20531,72 @@
                 </a:highlight>
                 <a:latin typeface="Cascadia Mono" panose="020B0609020000020004" pitchFamily="49" charset="0"/>
               </a:rPr>
-              <a:t>  </a:t>
-            </a:r>
-            <a:r>
-              <a:rPr lang="en-US" sz="1200" dirty="0" err="1">
-                <a:solidFill>
-                  <a:srgbClr val="000000"/>
+              <a:t>  dbo</a:t>
+            </a:r>
+            <a:r>
+              <a:rPr lang="en-US" sz="1200" dirty="0">
+                <a:solidFill>
+                  <a:srgbClr val="808080"/>
                 </a:solidFill>
                 <a:highlight>
                   <a:srgbClr val="FFFFFF"/>
                 </a:highlight>
                 <a:latin typeface="Cascadia Mono" panose="020B0609020000020004" pitchFamily="49" charset="0"/>
               </a:rPr>
-              <a:t>dbo</a:t>
-            </a:r>
-            <a:r>
-              <a:rPr lang="en-US" sz="1200" dirty="0" err="1">
-                <a:solidFill>
-                  <a:srgbClr val="808080"/>
+              <a:t>.</a:t>
+            </a:r>
+            <a:r>
+              <a:rPr lang="en-US" sz="1200" dirty="0">
+                <a:solidFill>
+                  <a:srgbClr val="000000"/>
                 </a:solidFill>
                 <a:highlight>
                   <a:srgbClr val="FFFFFF"/>
                 </a:highlight>
                 <a:latin typeface="Cascadia Mono" panose="020B0609020000020004" pitchFamily="49" charset="0"/>
               </a:rPr>
-              <a:t>.</a:t>
-            </a:r>
-            <a:r>
-              <a:rPr lang="en-US" sz="1200" dirty="0" err="1">
-                <a:solidFill>
-                  <a:srgbClr val="000000"/>
+              <a:t>process_status</a:t>
+            </a:r>
+          </a:p>
+          <a:p>
+            <a:r>
+              <a:rPr lang="en-US" sz="1200" dirty="0">
+                <a:solidFill>
+                  <a:srgbClr val="0000FF"/>
                 </a:solidFill>
                 <a:highlight>
                   <a:srgbClr val="FFFFFF"/>
                 </a:highlight>
                 <a:latin typeface="Cascadia Mono" panose="020B0609020000020004" pitchFamily="49" charset="0"/>
               </a:rPr>
-              <a:t>process_status</a:t>
-            </a:r>
-            <a:endParaRPr lang="en-US" sz="1200" dirty="0">
-              <a:solidFill>
-                <a:srgbClr val="000000"/>
-              </a:solidFill>
-              <a:highlight>
-                <a:srgbClr val="FFFFFF"/>
-              </a:highlight>
-              <a:latin typeface="Cascadia Mono" panose="020B0609020000020004" pitchFamily="49" charset="0"/>
-            </a:endParaRPr>
-          </a:p>
-          <a:p>
+              <a:t>SET</a:t>
+            </a:r>
             <a:r>
               <a:rPr lang="en-US" sz="1200" dirty="0">
                 <a:solidFill>
-                  <a:srgbClr val="0000FF"/>
+                  <a:srgbClr val="000000"/>
                 </a:solidFill>
                 <a:highlight>
                   <a:srgbClr val="FFFFFF"/>
                 </a:highlight>
                 <a:latin typeface="Cascadia Mono" panose="020B0609020000020004" pitchFamily="49" charset="0"/>
               </a:rPr>
-              <a:t>SET</a:t>
+              <a:t>     istate </a:t>
             </a:r>
             <a:r>
               <a:rPr lang="en-US" sz="1200" dirty="0">
                 <a:solidFill>
-                  <a:srgbClr val="000000"/>
+                  <a:srgbClr val="808080"/>
                 </a:solidFill>
                 <a:highlight>
                   <a:srgbClr val="FFFFFF"/>
                 </a:highlight>
                 <a:latin typeface="Cascadia Mono" panose="020B0609020000020004" pitchFamily="49" charset="0"/>
               </a:rPr>
-              <a:t>     </a:t>
-            </a:r>
-            <a:r>
-              <a:rPr lang="en-US" sz="1200" dirty="0" err="1">
+              <a:t>=</a:t>
+            </a:r>
+            <a:r>
+              <a:rPr lang="en-US" sz="1200" dirty="0">
                 <a:solidFill>
                   <a:srgbClr val="000000"/>
                 </a:solidFill>
@@ -21819,58 +20605,60 @@
                 </a:highlight>
                 <a:latin typeface="Cascadia Mono" panose="020B0609020000020004" pitchFamily="49" charset="0"/>
               </a:rPr>
-              <a:t>istate</a:t>
-            </a:r>
+              <a:t> 1</a:t>
+            </a:r>
+          </a:p>
+          <a:p>
             <a:r>
               <a:rPr lang="en-US" sz="1200" dirty="0">
                 <a:solidFill>
-                  <a:srgbClr val="000000"/>
+                  <a:srgbClr val="0000FF"/>
                 </a:solidFill>
                 <a:highlight>
                   <a:srgbClr val="FFFFFF"/>
                 </a:highlight>
                 <a:latin typeface="Cascadia Mono" panose="020B0609020000020004" pitchFamily="49" charset="0"/>
               </a:rPr>
-              <a:t> </a:t>
+              <a:t>WHERE</a:t>
             </a:r>
             <a:r>
               <a:rPr lang="en-US" sz="1200" dirty="0">
                 <a:solidFill>
-                  <a:srgbClr val="808080"/>
+                  <a:srgbClr val="000000"/>
                 </a:solidFill>
                 <a:highlight>
                   <a:srgbClr val="FFFFFF"/>
                 </a:highlight>
                 <a:latin typeface="Cascadia Mono" panose="020B0609020000020004" pitchFamily="49" charset="0"/>
               </a:rPr>
-              <a:t>=</a:t>
+              <a:t>   scancode </a:t>
             </a:r>
             <a:r>
               <a:rPr lang="en-US" sz="1200" dirty="0">
                 <a:solidFill>
-                  <a:srgbClr val="000000"/>
+                  <a:srgbClr val="808080"/>
                 </a:solidFill>
                 <a:highlight>
                   <a:srgbClr val="FFFFFF"/>
                 </a:highlight>
                 <a:latin typeface="Cascadia Mono" panose="020B0609020000020004" pitchFamily="49" charset="0"/>
               </a:rPr>
-              <a:t> 1</a:t>
-            </a:r>
-          </a:p>
-          <a:p>
+              <a:t>=</a:t>
+            </a:r>
             <a:r>
               <a:rPr lang="en-US" sz="1200" dirty="0">
                 <a:solidFill>
-                  <a:srgbClr val="0000FF"/>
+                  <a:srgbClr val="000000"/>
                 </a:solidFill>
                 <a:highlight>
                   <a:srgbClr val="FFFFFF"/>
                 </a:highlight>
                 <a:latin typeface="Cascadia Mono" panose="020B0609020000020004" pitchFamily="49" charset="0"/>
               </a:rPr>
-              <a:t>WHERE</a:t>
-            </a:r>
+              <a:t> @scancode</a:t>
+            </a:r>
+          </a:p>
+          <a:p>
             <a:r>
               <a:rPr lang="en-US" sz="1200" dirty="0">
                 <a:solidFill>
@@ -21881,19 +20669,19 @@
                 </a:highlight>
                 <a:latin typeface="Cascadia Mono" panose="020B0609020000020004" pitchFamily="49" charset="0"/>
               </a:rPr>
-              <a:t>   </a:t>
-            </a:r>
-            <a:r>
-              <a:rPr lang="en-US" sz="1200" dirty="0" err="1">
-                <a:solidFill>
-                  <a:srgbClr val="000000"/>
+              <a:t>        </a:t>
+            </a:r>
+            <a:r>
+              <a:rPr lang="en-US" sz="1200" dirty="0">
+                <a:solidFill>
+                  <a:srgbClr val="808080"/>
                 </a:solidFill>
                 <a:highlight>
                   <a:srgbClr val="FFFFFF"/>
                 </a:highlight>
                 <a:latin typeface="Cascadia Mono" panose="020B0609020000020004" pitchFamily="49" charset="0"/>
               </a:rPr>
-              <a:t>scancode</a:t>
+              <a:t>AND</a:t>
             </a:r>
             <a:r>
               <a:rPr lang="en-US" sz="1200" dirty="0">
@@ -21905,93 +20693,7 @@
                 </a:highlight>
                 <a:latin typeface="Cascadia Mono" panose="020B0609020000020004" pitchFamily="49" charset="0"/>
               </a:rPr>
-              <a:t> </a:t>
-            </a:r>
-            <a:r>
-              <a:rPr lang="en-US" sz="1200" dirty="0">
-                <a:solidFill>
-                  <a:srgbClr val="808080"/>
-                </a:solidFill>
-                <a:highlight>
-                  <a:srgbClr val="FFFFFF"/>
-                </a:highlight>
-                <a:latin typeface="Cascadia Mono" panose="020B0609020000020004" pitchFamily="49" charset="0"/>
-              </a:rPr>
-              <a:t>=</a:t>
-            </a:r>
-            <a:r>
-              <a:rPr lang="en-US" sz="1200" dirty="0">
-                <a:solidFill>
-                  <a:srgbClr val="000000"/>
-                </a:solidFill>
-                <a:highlight>
-                  <a:srgbClr val="FFFFFF"/>
-                </a:highlight>
-                <a:latin typeface="Cascadia Mono" panose="020B0609020000020004" pitchFamily="49" charset="0"/>
-              </a:rPr>
-              <a:t> @scancode</a:t>
-            </a:r>
-          </a:p>
-          <a:p>
-            <a:r>
-              <a:rPr lang="en-US" sz="1200" dirty="0">
-                <a:solidFill>
-                  <a:srgbClr val="000000"/>
-                </a:solidFill>
-                <a:highlight>
-                  <a:srgbClr val="FFFFFF"/>
-                </a:highlight>
-                <a:latin typeface="Cascadia Mono" panose="020B0609020000020004" pitchFamily="49" charset="0"/>
-              </a:rPr>
-              <a:t>        </a:t>
-            </a:r>
-            <a:r>
-              <a:rPr lang="en-US" sz="1200" dirty="0">
-                <a:solidFill>
-                  <a:srgbClr val="808080"/>
-                </a:solidFill>
-                <a:highlight>
-                  <a:srgbClr val="FFFFFF"/>
-                </a:highlight>
-                <a:latin typeface="Cascadia Mono" panose="020B0609020000020004" pitchFamily="49" charset="0"/>
-              </a:rPr>
-              <a:t>AND</a:t>
-            </a:r>
-            <a:r>
-              <a:rPr lang="en-US" sz="1200" dirty="0">
-                <a:solidFill>
-                  <a:srgbClr val="000000"/>
-                </a:solidFill>
-                <a:highlight>
-                  <a:srgbClr val="FFFFFF"/>
-                </a:highlight>
-                <a:latin typeface="Cascadia Mono" panose="020B0609020000020004" pitchFamily="49" charset="0"/>
-              </a:rPr>
-              <a:t> </a:t>
-            </a:r>
-            <a:r>
-              <a:rPr lang="en-US" sz="1200" dirty="0" err="1">
-                <a:solidFill>
-                  <a:srgbClr val="000000"/>
-                </a:solidFill>
-                <a:highlight>
-                  <a:srgbClr val="FFFFFF"/>
-                </a:highlight>
-                <a:latin typeface="Cascadia Mono" panose="020B0609020000020004" pitchFamily="49" charset="0"/>
-              </a:rPr>
-              <a:t>ship_id</a:t>
-            </a:r>
-            <a:r>
-              <a:rPr lang="en-US" sz="1200" dirty="0">
-                <a:solidFill>
-                  <a:srgbClr val="000000"/>
-                </a:solidFill>
-                <a:highlight>
-                  <a:srgbClr val="FFFFFF"/>
-                </a:highlight>
-                <a:latin typeface="Cascadia Mono" panose="020B0609020000020004" pitchFamily="49" charset="0"/>
-              </a:rPr>
-              <a:t> </a:t>
+              <a:t> ship_id </a:t>
             </a:r>
             <a:r>
               <a:rPr lang="en-US" sz="1200" dirty="0">
@@ -22107,10 +20809,9 @@
                     <a:lstStyle/>
                     <a:p>
                       <a:r>
-                        <a:rPr lang="en-US" sz="1200" dirty="0" err="1"/>
+                        <a:rPr lang="en-US" sz="1200" dirty="0"/>
                         <a:t>nix_process_status_scanncode_ship_id</a:t>
                       </a:r>
-                      <a:endParaRPr lang="en-US" sz="1200" dirty="0"/>
                     </a:p>
                   </a:txBody>
                   <a:tcPr/>
@@ -22181,29 +20882,21 @@
                     <a:lstStyle/>
                     <a:p>
                       <a:r>
-                        <a:rPr lang="en-US" sz="1200" b="1" dirty="0" err="1"/>
-                        <a:t>scancode</a:t>
+                        <a:rPr lang="en-US" sz="1200" b="1" dirty="0"/>
+                        <a:t>scancode (key)</a:t>
                       </a:r>
+                    </a:p>
+                  </a:txBody>
+                  <a:tcPr/>
+                </a:tc>
+                <a:tc>
+                  <a:txBody>
+                    <a:bodyPr/>
+                    <a:lstStyle/>
+                    <a:p>
                       <a:r>
                         <a:rPr lang="en-US" sz="1200" b="1" dirty="0"/>
-                        <a:t> (key)</a:t>
-                      </a:r>
-                    </a:p>
-                  </a:txBody>
-                  <a:tcPr/>
-                </a:tc>
-                <a:tc>
-                  <a:txBody>
-                    <a:bodyPr/>
-                    <a:lstStyle/>
-                    <a:p>
-                      <a:r>
-                        <a:rPr lang="en-US" sz="1200" b="1" dirty="0" err="1"/>
-                        <a:t>ship_id</a:t>
-                      </a:r>
-                      <a:r>
-                        <a:rPr lang="en-US" sz="1200" b="1" dirty="0"/>
-                        <a:t> (key)</a:t>
+                        <a:t>ship_id (key)</a:t>
                       </a:r>
                     </a:p>
                   </a:txBody>
@@ -23594,7 +22287,7 @@
               </a:tabLst>
             </a:pPr>
             <a:r>
-              <a:rPr lang="de-DE" sz="1400" b="1" dirty="0" err="1"/>
+              <a:rPr lang="de-DE" sz="1400" b="1" dirty="0"/>
               <a:t>www</a:t>
             </a:r>
             <a:r>
@@ -23640,7 +22333,7 @@
               </a:tabLst>
             </a:pPr>
             <a:r>
-              <a:rPr lang="de-DE" sz="1400" b="1" dirty="0" err="1"/>
+              <a:rPr lang="de-DE" sz="1400" b="1" dirty="0"/>
               <a:t>blog</a:t>
             </a:r>
             <a:r>
@@ -23663,7 +22356,7 @@
               </a:tabLst>
             </a:pPr>
             <a:r>
-              <a:rPr lang="de-DE" sz="1400" b="1" dirty="0" err="1"/>
+              <a:rPr lang="de-DE" sz="1400" b="1" dirty="0"/>
               <a:t>BlueSky</a:t>
             </a:r>
             <a:r>
@@ -23933,13 +22626,7 @@
               <a:rPr lang="en-US" dirty="0">
                 <a:hlinkClick r:id="rId3"/>
               </a:rPr>
-              <a:t>https://sqlchallenges</a:t>
-            </a:r>
-            <a:r>
-              <a:rPr lang="en-US">
-                <a:hlinkClick r:id="rId3"/>
-              </a:rPr>
-              <a:t>.de</a:t>
+              <a:t>https://sqlchallenges.de</a:t>
             </a:r>
             <a:endParaRPr lang="en-US" dirty="0"/>
           </a:p>
@@ -24027,7 +22714,7 @@
           <a:lstStyle/>
           <a:p>
             <a:r>
-              <a:rPr lang="en-GB"/>
+              <a:rPr lang="en-GB" dirty="0"/>
               <a:t>Agenda</a:t>
             </a:r>
           </a:p>
@@ -24261,7 +22948,7 @@
           <a:lstStyle/>
           <a:p>
             <a:r>
-              <a:rPr lang="en-US" dirty="0"/>
+              <a:rPr lang="en-US" noProof="0" dirty="0"/>
               <a:t>Lock Types</a:t>
             </a:r>
           </a:p>
@@ -24283,7 +22970,7 @@
             <p:ph idx="1"/>
             <p:extLst>
               <p:ext uri="{D42A27DB-BD31-4B8C-83A1-F6EECF244321}">
-                <p14:modId xmlns:p14="http://schemas.microsoft.com/office/powerpoint/2010/main" val="4158073292"/>
+                <p14:modId xmlns:p14="http://schemas.microsoft.com/office/powerpoint/2010/main" val="2130814281"/>
               </p:ext>
             </p:extLst>
           </p:nvPr>
@@ -24646,8 +23333,8 @@
                     <a:lstStyle/>
                     <a:p>
                       <a:r>
-                        <a:rPr lang="en-US" sz="1400" b="1" dirty="0" err="1"/>
-                        <a:t>Convertion</a:t>
+                        <a:rPr lang="en-US" sz="1400" b="1" noProof="0" dirty="0"/>
+                        <a:t>Conversion</a:t>
                       </a:r>
                       <a:r>
                         <a:rPr lang="en-US" sz="1400" b="1" dirty="0"/>
@@ -24798,7 +23485,7 @@
           <a:lstStyle/>
           <a:p>
             <a:r>
-              <a:rPr lang="en-US" dirty="0"/>
+              <a:rPr lang="en-US" noProof="0" dirty="0"/>
               <a:t>Lock Status</a:t>
             </a:r>
           </a:p>
@@ -24820,7 +23507,7 @@
             <p:ph idx="1"/>
             <p:extLst>
               <p:ext uri="{D42A27DB-BD31-4B8C-83A1-F6EECF244321}">
-                <p14:modId xmlns:p14="http://schemas.microsoft.com/office/powerpoint/2010/main" val="1486914492"/>
+                <p14:modId xmlns:p14="http://schemas.microsoft.com/office/powerpoint/2010/main" val="2281883732"/>
               </p:ext>
             </p:extLst>
           </p:nvPr>
@@ -24893,7 +23580,7 @@
                     <a:lstStyle/>
                     <a:p>
                       <a:pPr algn="ctr"/>
-                      <a:endParaRPr lang="en-US" sz="1400" dirty="0">
+                      <a:endParaRPr lang="en-US" sz="1400" noProof="0" dirty="0">
                         <a:latin typeface="+mn-lt"/>
                       </a:endParaRPr>
                     </a:p>
@@ -24907,7 +23594,7 @@
                     <a:p>
                       <a:pPr algn="ctr"/>
                       <a:r>
-                        <a:rPr lang="en-US" sz="1400" dirty="0">
+                        <a:rPr lang="en-US" sz="1400" noProof="0" dirty="0">
                           <a:latin typeface="+mn-lt"/>
                         </a:rPr>
                         <a:t>Hold Lock</a:t>
@@ -24985,7 +23672,7 @@
                     <a:p>
                       <a:pPr algn="ctr"/>
                       <a:r>
-                        <a:rPr lang="en-US" sz="1400" b="1" dirty="0">
+                        <a:rPr lang="en-US" sz="1400" b="1" noProof="0" dirty="0">
                           <a:solidFill>
                             <a:schemeClr val="bg1"/>
                           </a:solidFill>
@@ -25008,7 +23695,7 @@
                     <a:p>
                       <a:pPr algn="ctr"/>
                       <a:r>
-                        <a:rPr lang="en-US" sz="1400" b="1" dirty="0">
+                        <a:rPr lang="en-US" sz="1400" b="1" noProof="0" dirty="0">
                           <a:solidFill>
                             <a:schemeClr val="bg1"/>
                           </a:solidFill>
@@ -25031,7 +23718,7 @@
                     <a:p>
                       <a:pPr algn="ctr"/>
                       <a:r>
-                        <a:rPr lang="en-US" sz="1400" b="1" dirty="0">
+                        <a:rPr lang="en-US" sz="1400" b="1" noProof="0" dirty="0">
                           <a:solidFill>
                             <a:schemeClr val="bg1"/>
                           </a:solidFill>
@@ -25054,7 +23741,7 @@
                     <a:p>
                       <a:pPr algn="ctr"/>
                       <a:r>
-                        <a:rPr lang="en-US" sz="1400" b="1" dirty="0">
+                        <a:rPr lang="en-US" sz="1400" b="1" noProof="0" dirty="0">
                           <a:solidFill>
                             <a:schemeClr val="bg1"/>
                           </a:solidFill>
@@ -25077,7 +23764,7 @@
                     <a:p>
                       <a:pPr algn="ctr"/>
                       <a:r>
-                        <a:rPr lang="en-US" sz="1400" b="1" dirty="0">
+                        <a:rPr lang="en-US" sz="1400" b="1" noProof="0" dirty="0">
                           <a:solidFill>
                             <a:schemeClr val="bg1"/>
                           </a:solidFill>
@@ -25100,7 +23787,7 @@
                     <a:p>
                       <a:pPr algn="ctr"/>
                       <a:r>
-                        <a:rPr lang="en-US" sz="1400" b="1" dirty="0">
+                        <a:rPr lang="en-US" sz="1400" b="1" noProof="0" dirty="0">
                           <a:solidFill>
                             <a:schemeClr val="bg1"/>
                           </a:solidFill>
@@ -25123,7 +23810,7 @@
                     <a:p>
                       <a:pPr algn="ctr"/>
                       <a:r>
-                        <a:rPr lang="en-US" sz="1400" b="1" dirty="0">
+                        <a:rPr lang="en-US" sz="1400" b="1" noProof="0" dirty="0">
                           <a:solidFill>
                             <a:schemeClr val="bg1"/>
                           </a:solidFill>
@@ -25153,7 +23840,7 @@
                     <a:p>
                       <a:pPr algn="ctr"/>
                       <a:r>
-                        <a:rPr lang="en-US" sz="1400" b="1" dirty="0">
+                        <a:rPr lang="en-US" sz="1400" b="1" noProof="0" dirty="0">
                           <a:solidFill>
                             <a:schemeClr val="bg1"/>
                           </a:solidFill>
@@ -25192,7 +23879,7 @@
                         <a:defRPr/>
                       </a:pPr>
                       <a:r>
-                        <a:rPr lang="de-DE" sz="1400" b="1" dirty="0">
+                        <a:rPr lang="en-US" sz="1400" b="1" noProof="0" dirty="0">
                           <a:solidFill>
                             <a:srgbClr val="00B050"/>
                           </a:solidFill>
@@ -25200,7 +23887,7 @@
                         </a:rPr>
                         <a:t>✓</a:t>
                       </a:r>
-                      <a:endParaRPr lang="en-US" sz="1400" dirty="0">
+                      <a:endParaRPr lang="en-US" sz="1400" noProof="0" dirty="0">
                         <a:latin typeface="+mn-lt"/>
                       </a:endParaRPr>
                     </a:p>
@@ -25214,7 +23901,7 @@
                     <a:p>
                       <a:pPr algn="ctr"/>
                       <a:r>
-                        <a:rPr kumimoji="0" lang="de-DE" sz="1400" b="1" i="0" u="none" strike="noStrike" kern="1200" cap="none" spc="0" normalizeH="0" baseline="0" noProof="0" dirty="0">
+                        <a:rPr kumimoji="0" lang="en-US" sz="1400" b="1" i="0" u="none" strike="noStrike" kern="1200" cap="none" spc="0" normalizeH="0" baseline="0" noProof="0" dirty="0">
                           <a:ln>
                             <a:noFill/>
                           </a:ln>
@@ -25230,7 +23917,7 @@
                         </a:rPr>
                         <a:t>✓</a:t>
                       </a:r>
-                      <a:endParaRPr lang="en-US" sz="1400" dirty="0">
+                      <a:endParaRPr lang="en-US" sz="1400" noProof="0" dirty="0">
                         <a:latin typeface="+mn-lt"/>
                       </a:endParaRPr>
                     </a:p>
@@ -25244,7 +23931,7 @@
                     <a:p>
                       <a:pPr algn="ctr"/>
                       <a:r>
-                        <a:rPr kumimoji="0" lang="de-DE" sz="1400" b="1" i="0" u="none" strike="noStrike" kern="1200" cap="none" spc="0" normalizeH="0" baseline="0" noProof="0" dirty="0">
+                        <a:rPr kumimoji="0" lang="en-US" sz="1400" b="1" i="0" u="none" strike="noStrike" kern="1200" cap="none" spc="0" normalizeH="0" baseline="0" noProof="0" dirty="0">
                           <a:ln>
                             <a:noFill/>
                           </a:ln>
@@ -25260,7 +23947,7 @@
                         </a:rPr>
                         <a:t>✓</a:t>
                       </a:r>
-                      <a:endParaRPr lang="en-US" sz="1400" dirty="0">
+                      <a:endParaRPr lang="en-US" sz="1400" noProof="0" dirty="0">
                         <a:latin typeface="+mn-lt"/>
                       </a:endParaRPr>
                     </a:p>
@@ -25274,7 +23961,7 @@
                     <a:p>
                       <a:pPr algn="ctr"/>
                       <a:r>
-                        <a:rPr kumimoji="0" lang="de-DE" sz="1400" b="1" i="0" u="none" strike="noStrike" kern="1200" cap="none" spc="0" normalizeH="0" baseline="0" noProof="0" dirty="0">
+                        <a:rPr kumimoji="0" lang="en-US" sz="1400" b="1" i="0" u="none" strike="noStrike" kern="1200" cap="none" spc="0" normalizeH="0" baseline="0" noProof="0" dirty="0">
                           <a:ln>
                             <a:noFill/>
                           </a:ln>
@@ -25290,7 +23977,7 @@
                         </a:rPr>
                         <a:t>✓</a:t>
                       </a:r>
-                      <a:endParaRPr lang="en-US" sz="1400" dirty="0">
+                      <a:endParaRPr lang="en-US" sz="1400" noProof="0" dirty="0">
                         <a:solidFill>
                           <a:srgbClr val="FF0000"/>
                         </a:solidFill>
@@ -25307,7 +23994,7 @@
                     <a:p>
                       <a:pPr algn="ctr"/>
                       <a:r>
-                        <a:rPr kumimoji="0" lang="de-DE" sz="1400" b="1" i="0" u="none" strike="noStrike" kern="1200" cap="none" spc="0" normalizeH="0" baseline="0" noProof="0" dirty="0">
+                        <a:rPr kumimoji="0" lang="en-US" sz="1400" b="1" i="0" u="none" strike="noStrike" kern="1200" cap="none" spc="0" normalizeH="0" baseline="0" noProof="0" dirty="0">
                           <a:ln>
                             <a:noFill/>
                           </a:ln>
@@ -25323,7 +24010,7 @@
                         </a:rPr>
                         <a:t>✓</a:t>
                       </a:r>
-                      <a:endParaRPr lang="en-US" sz="1400" dirty="0">
+                      <a:endParaRPr lang="en-US" sz="1400" noProof="0" dirty="0">
                         <a:latin typeface="+mn-lt"/>
                       </a:endParaRPr>
                     </a:p>
@@ -25337,7 +24024,7 @@
                     <a:p>
                       <a:pPr algn="ctr"/>
                       <a:r>
-                        <a:rPr kumimoji="0" lang="de-DE" sz="1400" b="1" i="0" u="none" strike="noStrike" kern="1200" cap="none" spc="0" normalizeH="0" baseline="0" noProof="0" dirty="0">
+                        <a:rPr kumimoji="0" lang="en-US" sz="1400" b="1" i="0" u="none" strike="noStrike" kern="1200" cap="none" spc="0" normalizeH="0" baseline="0" noProof="0" dirty="0">
                           <a:ln>
                             <a:noFill/>
                           </a:ln>
@@ -25353,7 +24040,7 @@
                         </a:rPr>
                         <a:t>X</a:t>
                       </a:r>
-                      <a:endParaRPr lang="en-US" sz="1400" dirty="0">
+                      <a:endParaRPr lang="en-US" sz="1400" noProof="0" dirty="0">
                         <a:latin typeface="+mn-lt"/>
                       </a:endParaRPr>
                     </a:p>
@@ -25374,7 +24061,7 @@
                     <a:p>
                       <a:pPr algn="ctr"/>
                       <a:r>
-                        <a:rPr lang="en-US" sz="1400" b="1" dirty="0">
+                        <a:rPr lang="en-US" sz="1400" b="1" noProof="0" dirty="0">
                           <a:solidFill>
                             <a:schemeClr val="bg1"/>
                           </a:solidFill>
@@ -25413,7 +24100,7 @@
                         <a:defRPr/>
                       </a:pPr>
                       <a:r>
-                        <a:rPr kumimoji="0" lang="de-DE" sz="1400" b="1" i="0" u="none" strike="noStrike" kern="1200" cap="none" spc="0" normalizeH="0" baseline="0" noProof="0">
+                        <a:rPr kumimoji="0" lang="en-US" sz="1400" b="1" i="0" u="none" strike="noStrike" kern="1200" cap="none" spc="0" normalizeH="0" baseline="0" noProof="0" dirty="0">
                           <a:ln>
                             <a:noFill/>
                           </a:ln>
@@ -25470,7 +24157,7 @@
                         <a:defRPr/>
                       </a:pPr>
                       <a:r>
-                        <a:rPr kumimoji="0" lang="de-DE" sz="1400" b="1" i="0" u="none" strike="noStrike" kern="1200" cap="none" spc="0" normalizeH="0" baseline="0" noProof="0" dirty="0">
+                        <a:rPr kumimoji="0" lang="en-US" sz="1400" b="1" i="0" u="none" strike="noStrike" kern="1200" cap="none" spc="0" normalizeH="0" baseline="0" noProof="0" dirty="0">
                           <a:ln>
                             <a:noFill/>
                           </a:ln>
@@ -25527,7 +24214,7 @@
                         <a:defRPr/>
                       </a:pPr>
                       <a:r>
-                        <a:rPr kumimoji="0" lang="de-DE" sz="1400" b="1" i="0" u="none" strike="noStrike" kern="1200" cap="none" spc="0" normalizeH="0" baseline="0" noProof="0" dirty="0">
+                        <a:rPr kumimoji="0" lang="en-US" sz="1400" b="1" i="0" u="none" strike="noStrike" kern="1200" cap="none" spc="0" normalizeH="0" baseline="0" noProof="0" dirty="0">
                           <a:ln>
                             <a:noFill/>
                           </a:ln>
@@ -25584,7 +24271,7 @@
                         <a:defRPr/>
                       </a:pPr>
                       <a:r>
-                        <a:rPr kumimoji="0" lang="de-DE" sz="1400" b="1" i="0" u="none" strike="noStrike" kern="1200" cap="none" spc="0" normalizeH="0" baseline="0" noProof="0" dirty="0">
+                        <a:rPr kumimoji="0" lang="en-US" sz="1400" b="1" i="0" u="none" strike="noStrike" kern="1200" cap="none" spc="0" normalizeH="0" baseline="0" noProof="0" dirty="0">
                           <a:ln>
                             <a:noFill/>
                           </a:ln>
@@ -25600,7 +24287,7 @@
                         </a:rPr>
                         <a:t>X</a:t>
                       </a:r>
-                      <a:endParaRPr lang="en-US" sz="1400" dirty="0">
+                      <a:endParaRPr lang="en-US" sz="1400" noProof="0" dirty="0">
                         <a:latin typeface="+mn-lt"/>
                       </a:endParaRPr>
                     </a:p>
@@ -25630,7 +24317,7 @@
                         <a:defRPr/>
                       </a:pPr>
                       <a:r>
-                        <a:rPr kumimoji="0" lang="de-DE" sz="1400" b="1" i="0" u="none" strike="noStrike" kern="1200" cap="none" spc="0" normalizeH="0" baseline="0" noProof="0" dirty="0">
+                        <a:rPr kumimoji="0" lang="en-US" sz="1400" b="1" i="0" u="none" strike="noStrike" kern="1200" cap="none" spc="0" normalizeH="0" baseline="0" noProof="0" dirty="0">
                           <a:ln>
                             <a:noFill/>
                           </a:ln>
@@ -25687,7 +24374,7 @@
                         <a:defRPr/>
                       </a:pPr>
                       <a:r>
-                        <a:rPr kumimoji="0" lang="de-DE" sz="1400" b="1" i="0" u="none" strike="noStrike" kern="1200" cap="none" spc="0" normalizeH="0" baseline="0" noProof="0" dirty="0">
+                        <a:rPr kumimoji="0" lang="en-US" sz="1400" b="1" i="0" u="none" strike="noStrike" kern="1200" cap="none" spc="0" normalizeH="0" baseline="0" noProof="0" dirty="0">
                           <a:ln>
                             <a:noFill/>
                           </a:ln>
@@ -25735,7 +24422,7 @@
                     <a:p>
                       <a:pPr algn="ctr"/>
                       <a:r>
-                        <a:rPr lang="en-US" sz="1400" b="1" dirty="0">
+                        <a:rPr lang="en-US" sz="1400" b="1" noProof="0" dirty="0">
                           <a:solidFill>
                             <a:schemeClr val="bg1"/>
                           </a:solidFill>
@@ -25774,7 +24461,7 @@
                         <a:defRPr/>
                       </a:pPr>
                       <a:r>
-                        <a:rPr kumimoji="0" lang="de-DE" sz="1400" b="1" i="0" u="none" strike="noStrike" kern="1200" cap="none" spc="0" normalizeH="0" baseline="0" noProof="0" dirty="0">
+                        <a:rPr kumimoji="0" lang="en-US" sz="1400" b="1" i="0" u="none" strike="noStrike" kern="1200" cap="none" spc="0" normalizeH="0" baseline="0" noProof="0" dirty="0">
                           <a:ln>
                             <a:noFill/>
                           </a:ln>
@@ -25831,7 +24518,7 @@
                         <a:defRPr/>
                       </a:pPr>
                       <a:r>
-                        <a:rPr kumimoji="0" lang="de-DE" sz="1400" b="1" i="0" u="none" strike="noStrike" kern="1200" cap="none" spc="0" normalizeH="0" baseline="0" noProof="0" dirty="0">
+                        <a:rPr kumimoji="0" lang="en-US" sz="1400" b="1" i="0" u="none" strike="noStrike" kern="1200" cap="none" spc="0" normalizeH="0" baseline="0" noProof="0" dirty="0">
                           <a:ln>
                             <a:noFill/>
                           </a:ln>
@@ -25888,7 +24575,7 @@
                         <a:defRPr/>
                       </a:pPr>
                       <a:r>
-                        <a:rPr kumimoji="0" lang="de-DE" sz="1400" b="1" i="0" u="none" strike="noStrike" kern="1200" cap="none" spc="0" normalizeH="0" baseline="0" noProof="0" dirty="0">
+                        <a:rPr kumimoji="0" lang="en-US" sz="1400" b="1" i="0" u="none" strike="noStrike" kern="1200" cap="none" spc="0" normalizeH="0" baseline="0" noProof="0" dirty="0">
                           <a:ln>
                             <a:noFill/>
                           </a:ln>
@@ -25945,7 +24632,7 @@
                         <a:defRPr/>
                       </a:pPr>
                       <a:r>
-                        <a:rPr kumimoji="0" lang="de-DE" sz="1400" b="1" i="0" u="none" strike="noStrike" kern="1200" cap="none" spc="0" normalizeH="0" baseline="0" noProof="0" dirty="0">
+                        <a:rPr kumimoji="0" lang="en-US" sz="1400" b="1" i="0" u="none" strike="noStrike" kern="1200" cap="none" spc="0" normalizeH="0" baseline="0" noProof="0" dirty="0">
                           <a:ln>
                             <a:noFill/>
                           </a:ln>
@@ -26002,7 +24689,7 @@
                         <a:defRPr/>
                       </a:pPr>
                       <a:r>
-                        <a:rPr kumimoji="0" lang="de-DE" sz="1400" b="1" i="0" u="none" strike="noStrike" kern="1200" cap="none" spc="0" normalizeH="0" baseline="0" noProof="0" dirty="0">
+                        <a:rPr kumimoji="0" lang="en-US" sz="1400" b="1" i="0" u="none" strike="noStrike" kern="1200" cap="none" spc="0" normalizeH="0" baseline="0" noProof="0" dirty="0">
                           <a:ln>
                             <a:noFill/>
                           </a:ln>
@@ -26059,7 +24746,7 @@
                         <a:defRPr/>
                       </a:pPr>
                       <a:r>
-                        <a:rPr kumimoji="0" lang="de-DE" sz="1400" b="1" i="0" u="none" strike="noStrike" kern="1200" cap="none" spc="0" normalizeH="0" baseline="0" noProof="0" dirty="0">
+                        <a:rPr kumimoji="0" lang="en-US" sz="1400" b="1" i="0" u="none" strike="noStrike" kern="1200" cap="none" spc="0" normalizeH="0" baseline="0" noProof="0" dirty="0">
                           <a:ln>
                             <a:noFill/>
                           </a:ln>
@@ -26107,7 +24794,7 @@
                     <a:p>
                       <a:pPr algn="ctr"/>
                       <a:r>
-                        <a:rPr lang="en-US" sz="1400" b="1" dirty="0">
+                        <a:rPr lang="en-US" sz="1400" b="1" noProof="0" dirty="0">
                           <a:solidFill>
                             <a:schemeClr val="bg1"/>
                           </a:solidFill>
@@ -26146,7 +24833,7 @@
                         <a:defRPr/>
                       </a:pPr>
                       <a:r>
-                        <a:rPr kumimoji="0" lang="de-DE" sz="1400" b="1" i="0" u="none" strike="noStrike" kern="1200" cap="none" spc="0" normalizeH="0" baseline="0" noProof="0" dirty="0">
+                        <a:rPr kumimoji="0" lang="en-US" sz="1400" b="1" i="0" u="none" strike="noStrike" kern="1200" cap="none" spc="0" normalizeH="0" baseline="0" noProof="0" dirty="0">
                           <a:ln>
                             <a:noFill/>
                           </a:ln>
@@ -26203,7 +24890,7 @@
                         <a:defRPr/>
                       </a:pPr>
                       <a:r>
-                        <a:rPr kumimoji="0" lang="de-DE" sz="1400" b="1" i="0" u="none" strike="noStrike" kern="1200" cap="none" spc="0" normalizeH="0" baseline="0" noProof="0" dirty="0">
+                        <a:rPr kumimoji="0" lang="en-US" sz="1400" b="1" i="0" u="none" strike="noStrike" kern="1200" cap="none" spc="0" normalizeH="0" baseline="0" noProof="0" dirty="0">
                           <a:ln>
                             <a:noFill/>
                           </a:ln>
@@ -26260,7 +24947,7 @@
                         <a:defRPr/>
                       </a:pPr>
                       <a:r>
-                        <a:rPr kumimoji="0" lang="de-DE" sz="1400" b="1" i="0" u="none" strike="noStrike" kern="1200" cap="none" spc="0" normalizeH="0" baseline="0" noProof="0" dirty="0">
+                        <a:rPr kumimoji="0" lang="en-US" sz="1400" b="1" i="0" u="none" strike="noStrike" kern="1200" cap="none" spc="0" normalizeH="0" baseline="0" noProof="0" dirty="0">
                           <a:ln>
                             <a:noFill/>
                           </a:ln>
@@ -26317,7 +25004,7 @@
                         <a:defRPr/>
                       </a:pPr>
                       <a:r>
-                        <a:rPr kumimoji="0" lang="de-DE" sz="1400" b="1" i="0" u="none" strike="noStrike" kern="1200" cap="none" spc="0" normalizeH="0" baseline="0" noProof="0" dirty="0">
+                        <a:rPr kumimoji="0" lang="en-US" sz="1400" b="1" i="0" u="none" strike="noStrike" kern="1200" cap="none" spc="0" normalizeH="0" baseline="0" noProof="0" dirty="0">
                           <a:ln>
                             <a:noFill/>
                           </a:ln>
@@ -26374,7 +25061,7 @@
                         <a:defRPr/>
                       </a:pPr>
                       <a:r>
-                        <a:rPr kumimoji="0" lang="de-DE" sz="1400" b="1" i="0" u="none" strike="noStrike" kern="1200" cap="none" spc="0" normalizeH="0" baseline="0" noProof="0" dirty="0">
+                        <a:rPr kumimoji="0" lang="en-US" sz="1400" b="1" i="0" u="none" strike="noStrike" kern="1200" cap="none" spc="0" normalizeH="0" baseline="0" noProof="0" dirty="0">
                           <a:ln>
                             <a:noFill/>
                           </a:ln>
@@ -26431,7 +25118,7 @@
                         <a:defRPr/>
                       </a:pPr>
                       <a:r>
-                        <a:rPr kumimoji="0" lang="de-DE" sz="1400" b="1" i="0" u="none" strike="noStrike" kern="1200" cap="none" spc="0" normalizeH="0" baseline="0" noProof="0">
+                        <a:rPr kumimoji="0" lang="en-US" sz="1400" b="1" i="0" u="none" strike="noStrike" kern="1200" cap="none" spc="0" normalizeH="0" baseline="0" noProof="0" dirty="0">
                           <a:ln>
                             <a:noFill/>
                           </a:ln>
@@ -26479,7 +25166,7 @@
                     <a:p>
                       <a:pPr algn="ctr"/>
                       <a:r>
-                        <a:rPr lang="en-US" sz="1400" b="1" dirty="0">
+                        <a:rPr lang="en-US" sz="1400" b="1" noProof="0" dirty="0">
                           <a:solidFill>
                             <a:schemeClr val="bg1"/>
                           </a:solidFill>
@@ -26518,7 +25205,7 @@
                         <a:defRPr/>
                       </a:pPr>
                       <a:r>
-                        <a:rPr kumimoji="0" lang="de-DE" sz="1400" b="1" i="0" u="none" strike="noStrike" kern="1200" cap="none" spc="0" normalizeH="0" baseline="0" noProof="0" dirty="0">
+                        <a:rPr kumimoji="0" lang="en-US" sz="1400" b="1" i="0" u="none" strike="noStrike" kern="1200" cap="none" spc="0" normalizeH="0" baseline="0" noProof="0" dirty="0">
                           <a:ln>
                             <a:noFill/>
                           </a:ln>
@@ -26575,7 +25262,7 @@
                         <a:defRPr/>
                       </a:pPr>
                       <a:r>
-                        <a:rPr kumimoji="0" lang="de-DE" sz="1400" b="1" i="0" u="none" strike="noStrike" kern="1200" cap="none" spc="0" normalizeH="0" baseline="0" noProof="0">
+                        <a:rPr kumimoji="0" lang="en-US" sz="1400" b="1" i="0" u="none" strike="noStrike" kern="1200" cap="none" spc="0" normalizeH="0" baseline="0" noProof="0" dirty="0">
                           <a:ln>
                             <a:noFill/>
                           </a:ln>
@@ -26632,7 +25319,7 @@
                         <a:defRPr/>
                       </a:pPr>
                       <a:r>
-                        <a:rPr kumimoji="0" lang="de-DE" sz="1400" b="1" i="0" u="none" strike="noStrike" kern="1200" cap="none" spc="0" normalizeH="0" baseline="0" noProof="0">
+                        <a:rPr kumimoji="0" lang="en-US" sz="1400" b="1" i="0" u="none" strike="noStrike" kern="1200" cap="none" spc="0" normalizeH="0" baseline="0" noProof="0" dirty="0">
                           <a:ln>
                             <a:noFill/>
                           </a:ln>
@@ -26689,7 +25376,7 @@
                         <a:defRPr/>
                       </a:pPr>
                       <a:r>
-                        <a:rPr kumimoji="0" lang="de-DE" sz="1400" b="1" i="0" u="none" strike="noStrike" kern="1200" cap="none" spc="0" normalizeH="0" baseline="0" noProof="0">
+                        <a:rPr kumimoji="0" lang="en-US" sz="1400" b="1" i="0" u="none" strike="noStrike" kern="1200" cap="none" spc="0" normalizeH="0" baseline="0" noProof="0" dirty="0">
                           <a:ln>
                             <a:noFill/>
                           </a:ln>
@@ -26746,7 +25433,7 @@
                         <a:defRPr/>
                       </a:pPr>
                       <a:r>
-                        <a:rPr kumimoji="0" lang="de-DE" sz="1400" b="1" i="0" u="none" strike="noStrike" kern="1200" cap="none" spc="0" normalizeH="0" baseline="0" noProof="0">
+                        <a:rPr kumimoji="0" lang="en-US" sz="1400" b="1" i="0" u="none" strike="noStrike" kern="1200" cap="none" spc="0" normalizeH="0" baseline="0" noProof="0" dirty="0">
                           <a:ln>
                             <a:noFill/>
                           </a:ln>
@@ -26803,7 +25490,7 @@
                         <a:defRPr/>
                       </a:pPr>
                       <a:r>
-                        <a:rPr kumimoji="0" lang="de-DE" sz="1400" b="1" i="0" u="none" strike="noStrike" kern="1200" cap="none" spc="0" normalizeH="0" baseline="0" noProof="0" dirty="0">
+                        <a:rPr kumimoji="0" lang="en-US" sz="1400" b="1" i="0" u="none" strike="noStrike" kern="1200" cap="none" spc="0" normalizeH="0" baseline="0" noProof="0" dirty="0">
                           <a:ln>
                             <a:noFill/>
                           </a:ln>
@@ -26851,7 +25538,7 @@
                     <a:p>
                       <a:pPr algn="ctr"/>
                       <a:r>
-                        <a:rPr lang="en-US" sz="1400" b="1" dirty="0">
+                        <a:rPr lang="en-US" sz="1400" b="1" noProof="0" dirty="0">
                           <a:solidFill>
                             <a:schemeClr val="bg1"/>
                           </a:solidFill>
@@ -26890,7 +25577,7 @@
                         <a:defRPr/>
                       </a:pPr>
                       <a:r>
-                        <a:rPr kumimoji="0" lang="de-DE" sz="1400" b="1" i="0" u="none" strike="noStrike" kern="1200" cap="none" spc="0" normalizeH="0" baseline="0" noProof="0">
+                        <a:rPr kumimoji="0" lang="en-US" sz="1400" b="1" i="0" u="none" strike="noStrike" kern="1200" cap="none" spc="0" normalizeH="0" baseline="0" noProof="0" dirty="0">
                           <a:ln>
                             <a:noFill/>
                           </a:ln>
@@ -26947,7 +25634,7 @@
                         <a:defRPr/>
                       </a:pPr>
                       <a:r>
-                        <a:rPr kumimoji="0" lang="de-DE" sz="1400" b="1" i="0" u="none" strike="noStrike" kern="1200" cap="none" spc="0" normalizeH="0" baseline="0" noProof="0">
+                        <a:rPr kumimoji="0" lang="en-US" sz="1400" b="1" i="0" u="none" strike="noStrike" kern="1200" cap="none" spc="0" normalizeH="0" baseline="0" noProof="0" dirty="0">
                           <a:ln>
                             <a:noFill/>
                           </a:ln>
@@ -27004,7 +25691,7 @@
                         <a:defRPr/>
                       </a:pPr>
                       <a:r>
-                        <a:rPr kumimoji="0" lang="de-DE" sz="1400" b="1" i="0" u="none" strike="noStrike" kern="1200" cap="none" spc="0" normalizeH="0" baseline="0" noProof="0">
+                        <a:rPr kumimoji="0" lang="en-US" sz="1400" b="1" i="0" u="none" strike="noStrike" kern="1200" cap="none" spc="0" normalizeH="0" baseline="0" noProof="0" dirty="0">
                           <a:ln>
                             <a:noFill/>
                           </a:ln>
@@ -27061,7 +25748,7 @@
                         <a:defRPr/>
                       </a:pPr>
                       <a:r>
-                        <a:rPr kumimoji="0" lang="de-DE" sz="1400" b="1" i="0" u="none" strike="noStrike" kern="1200" cap="none" spc="0" normalizeH="0" baseline="0" noProof="0">
+                        <a:rPr kumimoji="0" lang="en-US" sz="1400" b="1" i="0" u="none" strike="noStrike" kern="1200" cap="none" spc="0" normalizeH="0" baseline="0" noProof="0" dirty="0">
                           <a:ln>
                             <a:noFill/>
                           </a:ln>
@@ -27118,7 +25805,7 @@
                         <a:defRPr/>
                       </a:pPr>
                       <a:r>
-                        <a:rPr kumimoji="0" lang="de-DE" sz="1400" b="1" i="0" u="none" strike="noStrike" kern="1200" cap="none" spc="0" normalizeH="0" baseline="0" noProof="0">
+                        <a:rPr kumimoji="0" lang="en-US" sz="1400" b="1" i="0" u="none" strike="noStrike" kern="1200" cap="none" spc="0" normalizeH="0" baseline="0" noProof="0" dirty="0">
                           <a:ln>
                             <a:noFill/>
                           </a:ln>
@@ -27175,7 +25862,7 @@
                         <a:defRPr/>
                       </a:pPr>
                       <a:r>
-                        <a:rPr kumimoji="0" lang="de-DE" sz="1400" b="1" i="0" u="none" strike="noStrike" kern="1200" cap="none" spc="0" normalizeH="0" baseline="0" noProof="0" dirty="0">
+                        <a:rPr kumimoji="0" lang="en-US" sz="1400" b="1" i="0" u="none" strike="noStrike" kern="1200" cap="none" spc="0" normalizeH="0" baseline="0" noProof="0" dirty="0">
                           <a:ln>
                             <a:noFill/>
                           </a:ln>
@@ -27249,12 +25936,12 @@
           <a:p>
             <a:pPr algn="ctr"/>
             <a:r>
-              <a:rPr lang="en-US" sz="1000" dirty="0">
+              <a:rPr lang="en-US" sz="1000" noProof="0" dirty="0">
                 <a:hlinkClick r:id="rId2"/>
               </a:rPr>
               <a:t>https://learn.microsoft.com/en-us/sql/relational-databases/media/sql-server-transaction-locking-and-row-versioning-guide/sql-server-lock-conflict-compatibility.png</a:t>
             </a:r>
-            <a:endParaRPr lang="en-US" sz="1000" dirty="0"/>
+            <a:endParaRPr lang="en-US" sz="1000" noProof="0" dirty="0"/>
           </a:p>
         </p:txBody>
       </p:sp>
